--- a/2016/上机安排.pptx
+++ b/2016/上机安排.pptx
@@ -5,12 +5,14 @@
     <p:sldMasterId id="2147483648" r:id="rId1"/>
   </p:sldMasterIdLst>
   <p:notesMasterIdLst>
-    <p:notesMasterId r:id="rId5"/>
+    <p:notesMasterId r:id="rId7"/>
   </p:notesMasterIdLst>
   <p:sldIdLst>
     <p:sldId id="256" r:id="rId2"/>
     <p:sldId id="257" r:id="rId3"/>
-    <p:sldId id="258" r:id="rId4"/>
+    <p:sldId id="259" r:id="rId4"/>
+    <p:sldId id="260" r:id="rId5"/>
+    <p:sldId id="258" r:id="rId6"/>
   </p:sldIdLst>
   <p:sldSz cx="9144000" cy="6858000" type="screen4x3"/>
   <p:notesSz cx="6858000" cy="9144000"/>
@@ -194,7 +196,7 @@
           <a:p>
             <a:fld id="{E32E8F51-7589-4D7B-B384-FD766A27EFA9}" type="datetimeFigureOut">
               <a:rPr lang="zh-CN" altLang="en-US" smtClean="0"/>
-              <a:t>2016/9/28</a:t>
+              <a:t>2016/10/9</a:t>
             </a:fld>
             <a:endParaRPr lang="zh-CN" altLang="en-US"/>
           </a:p>
@@ -611,7 +613,7 @@
           <a:p>
             <a:fld id="{2CE90317-6927-40F3-BBE9-AE32492F1E70}" type="slidenum">
               <a:rPr lang="zh-CN" altLang="en-US" smtClean="0"/>
-              <a:t>3</a:t>
+              <a:t>5</a:t>
             </a:fld>
             <a:endParaRPr lang="zh-CN" altLang="en-US"/>
           </a:p>
@@ -811,7 +813,7 @@
           <a:p>
             <a:fld id="{530820CF-B880-4189-942D-D702A7CBA730}" type="datetimeFigureOut">
               <a:rPr lang="zh-CN" altLang="en-US" smtClean="0"/>
-              <a:t>2016/9/28</a:t>
+              <a:t>2016/10/9</a:t>
             </a:fld>
             <a:endParaRPr lang="zh-CN" altLang="en-US"/>
           </a:p>
@@ -976,7 +978,7 @@
           <a:p>
             <a:fld id="{530820CF-B880-4189-942D-D702A7CBA730}" type="datetimeFigureOut">
               <a:rPr lang="zh-CN" altLang="en-US" smtClean="0"/>
-              <a:t>2016/9/28</a:t>
+              <a:t>2016/10/9</a:t>
             </a:fld>
             <a:endParaRPr lang="zh-CN" altLang="en-US"/>
           </a:p>
@@ -1151,7 +1153,7 @@
           <a:p>
             <a:fld id="{530820CF-B880-4189-942D-D702A7CBA730}" type="datetimeFigureOut">
               <a:rPr lang="zh-CN" altLang="en-US" smtClean="0"/>
-              <a:t>2016/9/28</a:t>
+              <a:t>2016/10/9</a:t>
             </a:fld>
             <a:endParaRPr lang="zh-CN" altLang="en-US"/>
           </a:p>
@@ -1316,7 +1318,7 @@
           <a:p>
             <a:fld id="{530820CF-B880-4189-942D-D702A7CBA730}" type="datetimeFigureOut">
               <a:rPr lang="zh-CN" altLang="en-US" smtClean="0"/>
-              <a:t>2016/9/28</a:t>
+              <a:t>2016/10/9</a:t>
             </a:fld>
             <a:endParaRPr lang="zh-CN" altLang="en-US"/>
           </a:p>
@@ -1557,7 +1559,7 @@
           <a:p>
             <a:fld id="{530820CF-B880-4189-942D-D702A7CBA730}" type="datetimeFigureOut">
               <a:rPr lang="zh-CN" altLang="en-US" smtClean="0"/>
-              <a:t>2016/9/28</a:t>
+              <a:t>2016/10/9</a:t>
             </a:fld>
             <a:endParaRPr lang="zh-CN" altLang="en-US"/>
           </a:p>
@@ -1840,7 +1842,7 @@
           <a:p>
             <a:fld id="{530820CF-B880-4189-942D-D702A7CBA730}" type="datetimeFigureOut">
               <a:rPr lang="zh-CN" altLang="en-US" smtClean="0"/>
-              <a:t>2016/9/28</a:t>
+              <a:t>2016/10/9</a:t>
             </a:fld>
             <a:endParaRPr lang="zh-CN" altLang="en-US"/>
           </a:p>
@@ -2257,7 +2259,7 @@
           <a:p>
             <a:fld id="{530820CF-B880-4189-942D-D702A7CBA730}" type="datetimeFigureOut">
               <a:rPr lang="zh-CN" altLang="en-US" smtClean="0"/>
-              <a:t>2016/9/28</a:t>
+              <a:t>2016/10/9</a:t>
             </a:fld>
             <a:endParaRPr lang="zh-CN" altLang="en-US"/>
           </a:p>
@@ -2370,7 +2372,7 @@
           <a:p>
             <a:fld id="{530820CF-B880-4189-942D-D702A7CBA730}" type="datetimeFigureOut">
               <a:rPr lang="zh-CN" altLang="en-US" smtClean="0"/>
-              <a:t>2016/9/28</a:t>
+              <a:t>2016/10/9</a:t>
             </a:fld>
             <a:endParaRPr lang="zh-CN" altLang="en-US"/>
           </a:p>
@@ -2460,7 +2462,7 @@
           <a:p>
             <a:fld id="{530820CF-B880-4189-942D-D702A7CBA730}" type="datetimeFigureOut">
               <a:rPr lang="zh-CN" altLang="en-US" smtClean="0"/>
-              <a:t>2016/9/28</a:t>
+              <a:t>2016/10/9</a:t>
             </a:fld>
             <a:endParaRPr lang="zh-CN" altLang="en-US"/>
           </a:p>
@@ -2732,7 +2734,7 @@
           <a:p>
             <a:fld id="{530820CF-B880-4189-942D-D702A7CBA730}" type="datetimeFigureOut">
               <a:rPr lang="zh-CN" altLang="en-US" smtClean="0"/>
-              <a:t>2016/9/28</a:t>
+              <a:t>2016/10/9</a:t>
             </a:fld>
             <a:endParaRPr lang="zh-CN" altLang="en-US"/>
           </a:p>
@@ -2980,7 +2982,7 @@
           <a:p>
             <a:fld id="{530820CF-B880-4189-942D-D702A7CBA730}" type="datetimeFigureOut">
               <a:rPr lang="zh-CN" altLang="en-US" smtClean="0"/>
-              <a:t>2016/9/28</a:t>
+              <a:t>2016/10/9</a:t>
             </a:fld>
             <a:endParaRPr lang="zh-CN" altLang="en-US"/>
           </a:p>
@@ -3188,7 +3190,7 @@
           <a:p>
             <a:fld id="{530820CF-B880-4189-942D-D702A7CBA730}" type="datetimeFigureOut">
               <a:rPr lang="zh-CN" altLang="en-US" smtClean="0"/>
-              <a:t>2016/9/28</a:t>
+              <a:t>2016/10/9</a:t>
             </a:fld>
             <a:endParaRPr lang="zh-CN" altLang="en-US"/>
           </a:p>
@@ -3871,6 +3873,559 @@
 </file>
 
 <file path=ppt/slides/slide3.xml><?xml version="1.0" encoding="utf-8"?>
+<p:sld xmlns:a="http://schemas.openxmlformats.org/drawingml/2006/main" xmlns:r="http://schemas.openxmlformats.org/officeDocument/2006/relationships" xmlns:p="http://schemas.openxmlformats.org/presentationml/2006/main">
+  <p:cSld>
+    <p:spTree>
+      <p:nvGrpSpPr>
+        <p:cNvPr id="1" name=""/>
+        <p:cNvGrpSpPr/>
+        <p:nvPr/>
+      </p:nvGrpSpPr>
+      <p:grpSpPr>
+        <a:xfrm>
+          <a:off x="0" y="0"/>
+          <a:ext cx="0" cy="0"/>
+          <a:chOff x="0" y="0"/>
+          <a:chExt cx="0" cy="0"/>
+        </a:xfrm>
+      </p:grpSpPr>
+      <p:sp>
+        <p:nvSpPr>
+          <p:cNvPr id="2" name="标题 1"/>
+          <p:cNvSpPr>
+            <a:spLocks noGrp="1"/>
+          </p:cNvSpPr>
+          <p:nvPr>
+            <p:ph type="title"/>
+          </p:nvPr>
+        </p:nvSpPr>
+        <p:spPr>
+          <a:xfrm>
+            <a:off x="457200" y="44624"/>
+            <a:ext cx="8229600" cy="1143000"/>
+          </a:xfrm>
+        </p:spPr>
+        <p:txBody>
+          <a:bodyPr>
+            <a:normAutofit/>
+          </a:bodyPr>
+          <a:lstStyle/>
+          <a:p>
+            <a:r>
+              <a:rPr lang="en-US" altLang="zh-CN" sz="3600" dirty="0" smtClean="0"/>
+              <a:t>10.1</a:t>
+            </a:r>
+            <a:r>
+              <a:rPr lang="zh-CN" altLang="en-US" sz="3600" dirty="0" smtClean="0"/>
+              <a:t>上机训练一（</a:t>
+            </a:r>
+            <a:r>
+              <a:rPr lang="en-US" altLang="zh-CN" sz="3600" dirty="0" smtClean="0"/>
+              <a:t>DOS</a:t>
+            </a:r>
+            <a:r>
+              <a:rPr lang="zh-CN" altLang="en-US" sz="3600" dirty="0" smtClean="0"/>
+              <a:t>操作系统）</a:t>
+            </a:r>
+            <a:endParaRPr lang="zh-CN" altLang="en-US" sz="3600" dirty="0"/>
+          </a:p>
+        </p:txBody>
+      </p:sp>
+      <p:sp>
+        <p:nvSpPr>
+          <p:cNvPr id="3" name="内容占位符 2"/>
+          <p:cNvSpPr>
+            <a:spLocks noGrp="1"/>
+          </p:cNvSpPr>
+          <p:nvPr>
+            <p:ph idx="1"/>
+          </p:nvPr>
+        </p:nvSpPr>
+        <p:spPr>
+          <a:xfrm>
+            <a:off x="395536" y="1196752"/>
+            <a:ext cx="8568952" cy="5400600"/>
+          </a:xfrm>
+        </p:spPr>
+        <p:txBody>
+          <a:bodyPr>
+            <a:noAutofit/>
+          </a:bodyPr>
+          <a:lstStyle/>
+          <a:p>
+            <a:pPr marL="0" indent="0">
+              <a:buNone/>
+            </a:pPr>
+            <a:r>
+              <a:rPr lang="zh-CN" altLang="en-US" sz="2400" dirty="0"/>
+              <a:t>进入</a:t>
+            </a:r>
+            <a:r>
+              <a:rPr lang="en-US" altLang="zh-CN" sz="2400" dirty="0"/>
+              <a:t>dos</a:t>
+            </a:r>
+            <a:r>
+              <a:rPr lang="zh-CN" altLang="en-US" sz="2400" dirty="0" smtClean="0"/>
+              <a:t>系统：运行</a:t>
+            </a:r>
+            <a:r>
+              <a:rPr lang="en-US" altLang="zh-CN" sz="2400" dirty="0" err="1" smtClean="0"/>
+              <a:t>cmd</a:t>
+            </a:r>
+            <a:r>
+              <a:rPr lang="zh-CN" altLang="en-US" sz="2400" dirty="0" smtClean="0"/>
+              <a:t>或附件</a:t>
+            </a:r>
+            <a:r>
+              <a:rPr lang="en-US" altLang="zh-CN" sz="2400" dirty="0" smtClean="0"/>
+              <a:t>-&gt;</a:t>
+            </a:r>
+            <a:r>
+              <a:rPr lang="zh-CN" altLang="en-US" sz="2400" dirty="0" smtClean="0"/>
+              <a:t>命令提示符</a:t>
+            </a:r>
+            <a:endParaRPr lang="en-US" altLang="zh-CN" sz="2400" dirty="0" smtClean="0"/>
+          </a:p>
+          <a:p>
+            <a:pPr marL="0" indent="0">
+              <a:buNone/>
+            </a:pPr>
+            <a:r>
+              <a:rPr lang="zh-CN" altLang="en-US" sz="2400" dirty="0" smtClean="0"/>
+              <a:t>进入</a:t>
+            </a:r>
+            <a:r>
+              <a:rPr lang="en-US" altLang="zh-CN" sz="2400" dirty="0" smtClean="0"/>
+              <a:t>d</a:t>
+            </a:r>
+            <a:r>
+              <a:rPr lang="zh-CN" altLang="en-US" sz="2400" dirty="0" smtClean="0"/>
+              <a:t>盘：</a:t>
+            </a:r>
+            <a:r>
+              <a:rPr lang="en-US" altLang="zh-CN" sz="2400" dirty="0"/>
+              <a:t>d</a:t>
+            </a:r>
+            <a:r>
+              <a:rPr lang="en-US" altLang="zh-CN" sz="2400" dirty="0" smtClean="0"/>
+              <a:t>:</a:t>
+            </a:r>
+          </a:p>
+          <a:p>
+            <a:pPr marL="0" indent="0">
+              <a:buNone/>
+            </a:pPr>
+            <a:r>
+              <a:rPr lang="zh-CN" altLang="en-US" sz="2400" dirty="0" smtClean="0"/>
+              <a:t>列出</a:t>
+            </a:r>
+            <a:r>
+              <a:rPr lang="en-US" altLang="zh-CN" sz="2400" dirty="0" smtClean="0"/>
+              <a:t>d</a:t>
+            </a:r>
+            <a:r>
+              <a:rPr lang="zh-CN" altLang="en-US" sz="2400" dirty="0" smtClean="0"/>
+              <a:t>盘</a:t>
+            </a:r>
+            <a:r>
+              <a:rPr lang="zh-CN" altLang="en-US" sz="2400" dirty="0"/>
+              <a:t>文件：</a:t>
+            </a:r>
+            <a:r>
+              <a:rPr lang="en-US" altLang="zh-CN" sz="2400" dirty="0" err="1" smtClean="0"/>
+              <a:t>dir</a:t>
+            </a:r>
+            <a:r>
+              <a:rPr lang="en-US" altLang="zh-CN" sz="2400" dirty="0" smtClean="0"/>
+              <a:t> \ </a:t>
+            </a:r>
+          </a:p>
+          <a:p>
+            <a:pPr marL="0" indent="0">
+              <a:buNone/>
+            </a:pPr>
+            <a:r>
+              <a:rPr lang="zh-CN" altLang="en-US" sz="2400" dirty="0" smtClean="0"/>
+              <a:t>进入</a:t>
+            </a:r>
+            <a:r>
+              <a:rPr lang="en-US" altLang="zh-CN" sz="2400" dirty="0"/>
+              <a:t>d</a:t>
+            </a:r>
+            <a:r>
+              <a:rPr lang="zh-CN" altLang="en-US" sz="2400" dirty="0" smtClean="0"/>
+              <a:t>盘根目录</a:t>
+            </a:r>
+            <a:r>
+              <a:rPr lang="en-US" altLang="zh-CN" sz="2400" dirty="0" smtClean="0"/>
+              <a:t>: cd \</a:t>
+            </a:r>
+          </a:p>
+          <a:p>
+            <a:pPr marL="0" indent="0">
+              <a:buNone/>
+            </a:pPr>
+            <a:r>
+              <a:rPr lang="zh-CN" altLang="en-US" sz="2400" dirty="0" smtClean="0"/>
+              <a:t>建立目录：</a:t>
+            </a:r>
+            <a:r>
+              <a:rPr lang="en-US" altLang="zh-CN" sz="2400" dirty="0" smtClean="0"/>
+              <a:t>md </a:t>
+            </a:r>
+            <a:r>
+              <a:rPr lang="en-US" altLang="zh-CN" sz="2400" dirty="0" err="1" smtClean="0"/>
+              <a:t>tc</a:t>
+            </a:r>
+            <a:endParaRPr lang="en-US" altLang="zh-CN" sz="2400" dirty="0" smtClean="0"/>
+          </a:p>
+          <a:p>
+            <a:pPr marL="0" indent="0">
+              <a:buNone/>
+            </a:pPr>
+            <a:r>
+              <a:rPr lang="zh-CN" altLang="en-US" sz="2400" dirty="0"/>
+              <a:t>进入目录：</a:t>
+            </a:r>
+            <a:r>
+              <a:rPr lang="en-US" altLang="zh-CN" sz="2400" dirty="0"/>
+              <a:t>cd </a:t>
+            </a:r>
+            <a:r>
+              <a:rPr lang="en-US" altLang="zh-CN" sz="2400" dirty="0" err="1" smtClean="0"/>
+              <a:t>tc</a:t>
+            </a:r>
+            <a:endParaRPr lang="en-US" altLang="zh-CN" sz="2400" dirty="0" smtClean="0"/>
+          </a:p>
+          <a:p>
+            <a:pPr marL="0" indent="0">
+              <a:buNone/>
+            </a:pPr>
+            <a:r>
+              <a:rPr lang="zh-CN" altLang="en-US" sz="2400" dirty="0" smtClean="0"/>
+              <a:t>建立目录：</a:t>
+            </a:r>
+            <a:r>
+              <a:rPr lang="en-US" altLang="zh-CN" sz="2400" dirty="0" smtClean="0"/>
+              <a:t>md </a:t>
+            </a:r>
+            <a:r>
+              <a:rPr lang="en-US" altLang="zh-CN" sz="2400" dirty="0" err="1" smtClean="0"/>
+              <a:t>zm</a:t>
+            </a:r>
+            <a:endParaRPr lang="en-US" altLang="zh-CN" sz="2400" dirty="0" smtClean="0"/>
+          </a:p>
+          <a:p>
+            <a:pPr marL="0" indent="0">
+              <a:buNone/>
+            </a:pPr>
+            <a:r>
+              <a:rPr lang="zh-CN" altLang="en-US" sz="2400" dirty="0" smtClean="0"/>
+              <a:t>用记事本建立文件：</a:t>
+            </a:r>
+            <a:r>
+              <a:rPr lang="en-US" altLang="zh-CN" sz="2400" dirty="0" smtClean="0"/>
+              <a:t>tc.txt</a:t>
+            </a:r>
+          </a:p>
+          <a:p>
+            <a:pPr marL="0" indent="0">
+              <a:buNone/>
+            </a:pPr>
+            <a:r>
+              <a:rPr lang="zh-CN" altLang="en-US" sz="2400" dirty="0" smtClean="0"/>
+              <a:t>复制文件：</a:t>
+            </a:r>
+            <a:r>
+              <a:rPr lang="en-US" altLang="zh-CN" sz="2400" dirty="0" smtClean="0"/>
+              <a:t>copy *.*  </a:t>
+            </a:r>
+            <a:r>
+              <a:rPr lang="en-US" altLang="zh-CN" sz="2400" dirty="0" err="1" smtClean="0"/>
+              <a:t>zm</a:t>
+            </a:r>
+            <a:endParaRPr lang="en-US" altLang="zh-CN" sz="2400" dirty="0" smtClean="0"/>
+          </a:p>
+          <a:p>
+            <a:pPr marL="0" indent="0">
+              <a:buNone/>
+            </a:pPr>
+            <a:r>
+              <a:rPr lang="zh-CN" altLang="en-US" sz="2400" dirty="0" smtClean="0"/>
+              <a:t>显示文本文件</a:t>
+            </a:r>
+            <a:r>
+              <a:rPr lang="en-US" altLang="zh-CN" sz="2400" dirty="0" smtClean="0"/>
+              <a:t>:  type </a:t>
+            </a:r>
+            <a:r>
+              <a:rPr lang="en-US" altLang="zh-CN" sz="2400" smtClean="0"/>
+              <a:t>tc.txt </a:t>
+            </a:r>
+            <a:endParaRPr lang="en-US" altLang="zh-CN" sz="2400" dirty="0" smtClean="0"/>
+          </a:p>
+          <a:p>
+            <a:pPr marL="0" indent="0">
+              <a:buNone/>
+            </a:pPr>
+            <a:r>
+              <a:rPr lang="zh-CN" altLang="en-US" sz="2400" dirty="0" smtClean="0"/>
+              <a:t>文件改名：</a:t>
+            </a:r>
+            <a:r>
+              <a:rPr lang="en-US" altLang="zh-CN" sz="2400" dirty="0" err="1" smtClean="0"/>
+              <a:t>ren</a:t>
+            </a:r>
+            <a:r>
+              <a:rPr lang="en-US" altLang="zh-CN" sz="2400" dirty="0" smtClean="0"/>
+              <a:t> tc.txt zm1.txt</a:t>
+            </a:r>
+          </a:p>
+        </p:txBody>
+      </p:sp>
+    </p:spTree>
+    <p:extLst>
+      <p:ext uri="{BB962C8B-B14F-4D97-AF65-F5344CB8AC3E}">
+        <p14:creationId xmlns:p14="http://schemas.microsoft.com/office/powerpoint/2010/main" val="106724011"/>
+      </p:ext>
+    </p:extLst>
+  </p:cSld>
+  <p:clrMapOvr>
+    <a:masterClrMapping/>
+  </p:clrMapOvr>
+</p:sld>
+</file>
+
+<file path=ppt/slides/slide4.xml><?xml version="1.0" encoding="utf-8"?>
+<p:sld xmlns:a="http://schemas.openxmlformats.org/drawingml/2006/main" xmlns:r="http://schemas.openxmlformats.org/officeDocument/2006/relationships" xmlns:p="http://schemas.openxmlformats.org/presentationml/2006/main">
+  <p:cSld>
+    <p:spTree>
+      <p:nvGrpSpPr>
+        <p:cNvPr id="1" name=""/>
+        <p:cNvGrpSpPr/>
+        <p:nvPr/>
+      </p:nvGrpSpPr>
+      <p:grpSpPr>
+        <a:xfrm>
+          <a:off x="0" y="0"/>
+          <a:ext cx="0" cy="0"/>
+          <a:chOff x="0" y="0"/>
+          <a:chExt cx="0" cy="0"/>
+        </a:xfrm>
+      </p:grpSpPr>
+      <p:sp>
+        <p:nvSpPr>
+          <p:cNvPr id="2" name="标题 1"/>
+          <p:cNvSpPr>
+            <a:spLocks noGrp="1"/>
+          </p:cNvSpPr>
+          <p:nvPr>
+            <p:ph type="title"/>
+          </p:nvPr>
+        </p:nvSpPr>
+        <p:spPr>
+          <a:xfrm>
+            <a:off x="457200" y="44624"/>
+            <a:ext cx="8229600" cy="1143000"/>
+          </a:xfrm>
+        </p:spPr>
+        <p:txBody>
+          <a:bodyPr>
+            <a:normAutofit/>
+          </a:bodyPr>
+          <a:lstStyle/>
+          <a:p>
+            <a:r>
+              <a:rPr lang="en-US" altLang="zh-CN" sz="3600" dirty="0" smtClean="0"/>
+              <a:t>10.1</a:t>
+            </a:r>
+            <a:r>
+              <a:rPr lang="zh-CN" altLang="en-US" sz="3600" dirty="0" smtClean="0"/>
+              <a:t>上机训练一（</a:t>
+            </a:r>
+            <a:r>
+              <a:rPr lang="en-US" altLang="zh-CN" sz="3600" dirty="0" smtClean="0"/>
+              <a:t>DOS</a:t>
+            </a:r>
+            <a:r>
+              <a:rPr lang="zh-CN" altLang="en-US" sz="3600" dirty="0" smtClean="0"/>
+              <a:t>操作系统）</a:t>
+            </a:r>
+            <a:endParaRPr lang="zh-CN" altLang="en-US" sz="3600" dirty="0"/>
+          </a:p>
+        </p:txBody>
+      </p:sp>
+      <p:sp>
+        <p:nvSpPr>
+          <p:cNvPr id="3" name="内容占位符 2"/>
+          <p:cNvSpPr>
+            <a:spLocks noGrp="1"/>
+          </p:cNvSpPr>
+          <p:nvPr>
+            <p:ph idx="1"/>
+          </p:nvPr>
+        </p:nvSpPr>
+        <p:spPr>
+          <a:xfrm>
+            <a:off x="395536" y="1268760"/>
+            <a:ext cx="7992888" cy="5328592"/>
+          </a:xfrm>
+        </p:spPr>
+        <p:txBody>
+          <a:bodyPr>
+            <a:noAutofit/>
+          </a:bodyPr>
+          <a:lstStyle/>
+          <a:p>
+            <a:pPr marL="0" indent="0">
+              <a:buNone/>
+            </a:pPr>
+            <a:r>
+              <a:rPr lang="zh-CN" altLang="en-US" sz="2400" dirty="0" smtClean="0"/>
+              <a:t>用记事本建立批处理文件</a:t>
+            </a:r>
+            <a:r>
+              <a:rPr lang="en-US" altLang="zh-CN" sz="2400" dirty="0" smtClean="0"/>
+              <a:t>: list.bat</a:t>
+            </a:r>
+          </a:p>
+          <a:p>
+            <a:pPr marL="0" indent="0">
+              <a:buNone/>
+            </a:pPr>
+            <a:r>
+              <a:rPr lang="en-US" altLang="zh-CN" sz="2400" dirty="0"/>
+              <a:t>::</a:t>
+            </a:r>
+            <a:r>
+              <a:rPr lang="zh-CN" altLang="en-US" sz="2400" dirty="0"/>
+              <a:t>列出日期和时间</a:t>
+            </a:r>
+          </a:p>
+          <a:p>
+            <a:pPr marL="0" indent="0">
+              <a:buNone/>
+            </a:pPr>
+            <a:r>
+              <a:rPr lang="en-US" altLang="zh-CN" sz="2400" dirty="0"/>
+              <a:t>echo %date% %time%</a:t>
+            </a:r>
+          </a:p>
+          <a:p>
+            <a:pPr marL="0" indent="0">
+              <a:buNone/>
+            </a:pPr>
+            <a:r>
+              <a:rPr lang="en-US" altLang="zh-CN" sz="2400" dirty="0"/>
+              <a:t>::</a:t>
+            </a:r>
+            <a:r>
+              <a:rPr lang="zh-CN" altLang="en-US" sz="2400" dirty="0"/>
+              <a:t>分页列出磁盘文件目录  </a:t>
+            </a:r>
+          </a:p>
+          <a:p>
+            <a:pPr marL="0" indent="0">
+              <a:buNone/>
+            </a:pPr>
+            <a:r>
+              <a:rPr lang="en-US" altLang="zh-CN" sz="2400" dirty="0" err="1"/>
+              <a:t>dir</a:t>
+            </a:r>
+            <a:r>
+              <a:rPr lang="en-US" altLang="zh-CN" sz="2400" dirty="0"/>
+              <a:t> /p</a:t>
+            </a:r>
+          </a:p>
+          <a:p>
+            <a:pPr marL="0" indent="0">
+              <a:buNone/>
+            </a:pPr>
+            <a:r>
+              <a:rPr lang="en-US" altLang="zh-CN" sz="2400" dirty="0"/>
+              <a:t>::</a:t>
+            </a:r>
+            <a:r>
+              <a:rPr lang="zh-CN" altLang="en-US" sz="2400" dirty="0"/>
+              <a:t>进入</a:t>
+            </a:r>
+            <a:r>
+              <a:rPr lang="zh-CN" altLang="en-US" sz="2400" dirty="0" smtClean="0"/>
+              <a:t>目录</a:t>
+            </a:r>
+            <a:r>
+              <a:rPr lang="en-US" altLang="zh-CN" sz="2400" dirty="0" err="1" smtClean="0"/>
+              <a:t>zm</a:t>
+            </a:r>
+            <a:endParaRPr lang="zh-CN" altLang="en-US" sz="2400" dirty="0"/>
+          </a:p>
+          <a:p>
+            <a:pPr marL="0" indent="0">
+              <a:buNone/>
+            </a:pPr>
+            <a:r>
+              <a:rPr lang="en-US" altLang="zh-CN" sz="2400" dirty="0"/>
+              <a:t>cd </a:t>
+            </a:r>
+            <a:r>
+              <a:rPr lang="en-US" altLang="zh-CN" sz="2400" dirty="0" err="1" smtClean="0"/>
+              <a:t>zm</a:t>
+            </a:r>
+            <a:endParaRPr lang="en-US" altLang="zh-CN" sz="2400" dirty="0" smtClean="0"/>
+          </a:p>
+          <a:p>
+            <a:pPr marL="0" indent="0">
+              <a:buNone/>
+            </a:pPr>
+            <a:r>
+              <a:rPr lang="en-US" altLang="zh-CN" sz="2400" dirty="0" err="1" smtClean="0"/>
+              <a:t>dir</a:t>
+            </a:r>
+            <a:r>
+              <a:rPr lang="en-US" altLang="zh-CN" sz="2400" dirty="0" smtClean="0"/>
+              <a:t> /p</a:t>
+            </a:r>
+          </a:p>
+          <a:p>
+            <a:pPr marL="0" indent="0">
+              <a:buNone/>
+            </a:pPr>
+            <a:r>
+              <a:rPr lang="en-US" altLang="zh-CN" sz="2400" dirty="0" smtClean="0"/>
+              <a:t>::</a:t>
+            </a:r>
+            <a:r>
+              <a:rPr lang="zh-CN" altLang="en-US" sz="2400" dirty="0" smtClean="0"/>
+              <a:t>进入父级目录</a:t>
+            </a:r>
+            <a:endParaRPr lang="en-US" altLang="zh-CN" sz="2400" dirty="0"/>
+          </a:p>
+          <a:p>
+            <a:pPr marL="0" indent="0">
+              <a:buNone/>
+            </a:pPr>
+            <a:r>
+              <a:rPr lang="en-US" altLang="zh-CN" sz="2400" dirty="0"/>
+              <a:t>cd ..</a:t>
+            </a:r>
+            <a:endParaRPr lang="zh-CN" altLang="en-US" sz="2400" dirty="0"/>
+          </a:p>
+        </p:txBody>
+      </p:sp>
+    </p:spTree>
+    <p:extLst>
+      <p:ext uri="{BB962C8B-B14F-4D97-AF65-F5344CB8AC3E}">
+        <p14:creationId xmlns:p14="http://schemas.microsoft.com/office/powerpoint/2010/main" val="358346614"/>
+      </p:ext>
+    </p:extLst>
+  </p:cSld>
+  <p:clrMapOvr>
+    <a:masterClrMapping/>
+  </p:clrMapOvr>
+</p:sld>
+</file>
+
+<file path=ppt/slides/slide5.xml><?xml version="1.0" encoding="utf-8"?>
 <p:sld xmlns:a="http://schemas.openxmlformats.org/drawingml/2006/main" xmlns:r="http://schemas.openxmlformats.org/officeDocument/2006/relationships" xmlns:p="http://schemas.openxmlformats.org/presentationml/2006/main">
   <p:cSld>
     <p:spTree>

--- a/2016/上机安排.pptx
+++ b/2016/上机安排.pptx
@@ -5,7 +5,7 @@
     <p:sldMasterId id="2147483648" r:id="rId1"/>
   </p:sldMasterIdLst>
   <p:notesMasterIdLst>
-    <p:notesMasterId r:id="rId7"/>
+    <p:notesMasterId r:id="rId12"/>
   </p:notesMasterIdLst>
   <p:sldIdLst>
     <p:sldId id="256" r:id="rId2"/>
@@ -13,6 +13,11 @@
     <p:sldId id="259" r:id="rId4"/>
     <p:sldId id="260" r:id="rId5"/>
     <p:sldId id="258" r:id="rId6"/>
+    <p:sldId id="261" r:id="rId7"/>
+    <p:sldId id="262" r:id="rId8"/>
+    <p:sldId id="263" r:id="rId9"/>
+    <p:sldId id="264" r:id="rId10"/>
+    <p:sldId id="265" r:id="rId11"/>
   </p:sldIdLst>
   <p:sldSz cx="9144000" cy="6858000" type="screen4x3"/>
   <p:notesSz cx="6858000" cy="9144000"/>
@@ -196,7 +201,7 @@
           <a:p>
             <a:fld id="{E32E8F51-7589-4D7B-B384-FD766A27EFA9}" type="datetimeFigureOut">
               <a:rPr lang="zh-CN" altLang="en-US" smtClean="0"/>
-              <a:t>2016/10/9</a:t>
+              <a:t>2016/10/13</a:t>
             </a:fld>
             <a:endParaRPr lang="zh-CN" altLang="en-US"/>
           </a:p>
@@ -632,6 +637,1061 @@
 </p:notes>
 </file>
 
+<file path=ppt/notesSlides/notesSlide3.xml><?xml version="1.0" encoding="utf-8"?>
+<p:notes xmlns:a="http://schemas.openxmlformats.org/drawingml/2006/main" xmlns:r="http://schemas.openxmlformats.org/officeDocument/2006/relationships" xmlns:p="http://schemas.openxmlformats.org/presentationml/2006/main">
+  <p:cSld>
+    <p:spTree>
+      <p:nvGrpSpPr>
+        <p:cNvPr id="1" name=""/>
+        <p:cNvGrpSpPr/>
+        <p:nvPr/>
+      </p:nvGrpSpPr>
+      <p:grpSpPr>
+        <a:xfrm>
+          <a:off x="0" y="0"/>
+          <a:ext cx="0" cy="0"/>
+          <a:chOff x="0" y="0"/>
+          <a:chExt cx="0" cy="0"/>
+        </a:xfrm>
+      </p:grpSpPr>
+      <p:sp>
+        <p:nvSpPr>
+          <p:cNvPr id="2" name="幻灯片图像占位符 1"/>
+          <p:cNvSpPr>
+            <a:spLocks noGrp="1" noRot="1" noChangeAspect="1"/>
+          </p:cNvSpPr>
+          <p:nvPr>
+            <p:ph type="sldImg"/>
+          </p:nvPr>
+        </p:nvSpPr>
+        <p:spPr/>
+      </p:sp>
+      <p:sp>
+        <p:nvSpPr>
+          <p:cNvPr id="3" name="备注占位符 2"/>
+          <p:cNvSpPr>
+            <a:spLocks noGrp="1"/>
+          </p:cNvSpPr>
+          <p:nvPr>
+            <p:ph type="body" idx="1"/>
+          </p:nvPr>
+        </p:nvSpPr>
+        <p:spPr/>
+        <p:txBody>
+          <a:bodyPr/>
+          <a:lstStyle/>
+          <a:p>
+            <a:r>
+              <a:rPr lang="en-US" altLang="zh-CN" sz="1200" b="0" i="0" kern="1200" dirty="0" smtClean="0">
+                <a:solidFill>
+                  <a:schemeClr val="tx1"/>
+                </a:solidFill>
+                <a:effectLst/>
+                <a:latin typeface="Arial" charset="0"/>
+                <a:ea typeface="宋体" pitchFamily="2" charset="-122"/>
+                <a:cs typeface="+mn-cs"/>
+              </a:rPr>
+              <a:t>bloodshed software</a:t>
+            </a:r>
+          </a:p>
+          <a:p>
+            <a:r>
+              <a:rPr lang="zh-CN" altLang="en-US" sz="1200" b="0" i="0" kern="1200" dirty="0" smtClean="0">
+                <a:solidFill>
+                  <a:schemeClr val="tx1"/>
+                </a:solidFill>
+                <a:effectLst/>
+                <a:latin typeface="Arial" charset="0"/>
+                <a:ea typeface="宋体" pitchFamily="2" charset="-122"/>
+                <a:cs typeface="+mn-cs"/>
+              </a:rPr>
+              <a:t>著名的免费软件组织。其主要作品有</a:t>
+            </a:r>
+            <a:r>
+              <a:rPr lang="en-US" altLang="zh-CN" sz="1200" b="0" i="0" kern="1200" dirty="0" smtClean="0">
+                <a:solidFill>
+                  <a:schemeClr val="tx1"/>
+                </a:solidFill>
+                <a:effectLst/>
+                <a:latin typeface="Arial" charset="0"/>
+                <a:ea typeface="宋体" pitchFamily="2" charset="-122"/>
+                <a:cs typeface="+mn-cs"/>
+              </a:rPr>
+              <a:t>Dev C++</a:t>
+            </a:r>
+            <a:r>
+              <a:rPr lang="zh-CN" altLang="en-US" sz="1200" b="0" i="0" kern="1200" dirty="0" smtClean="0">
+                <a:solidFill>
+                  <a:schemeClr val="tx1"/>
+                </a:solidFill>
+                <a:effectLst/>
+                <a:latin typeface="Arial" charset="0"/>
+                <a:ea typeface="宋体" pitchFamily="2" charset="-122"/>
+                <a:cs typeface="+mn-cs"/>
+              </a:rPr>
+              <a:t>，最新版本</a:t>
+            </a:r>
+            <a:r>
+              <a:rPr lang="en-US" altLang="zh-CN" sz="1200" b="0" i="0" kern="1200" dirty="0" smtClean="0">
+                <a:solidFill>
+                  <a:schemeClr val="tx1"/>
+                </a:solidFill>
+                <a:effectLst/>
+                <a:latin typeface="Arial" charset="0"/>
+                <a:ea typeface="宋体" pitchFamily="2" charset="-122"/>
+                <a:cs typeface="+mn-cs"/>
+              </a:rPr>
+              <a:t>4.9.9.2Dev C++</a:t>
+            </a:r>
+            <a:r>
+              <a:rPr lang="zh-CN" altLang="en-US" sz="1200" b="0" i="0" kern="1200" dirty="0" smtClean="0">
+                <a:solidFill>
+                  <a:schemeClr val="tx1"/>
+                </a:solidFill>
+                <a:effectLst/>
+                <a:latin typeface="Arial" charset="0"/>
+                <a:ea typeface="宋体" pitchFamily="2" charset="-122"/>
+                <a:cs typeface="+mn-cs"/>
+              </a:rPr>
+              <a:t>不是编译器</a:t>
+            </a:r>
+          </a:p>
+          <a:p>
+            <a:r>
+              <a:rPr lang="en-US" altLang="zh-CN" sz="1200" b="0" i="0" kern="1200" dirty="0" smtClean="0">
+                <a:solidFill>
+                  <a:schemeClr val="tx1"/>
+                </a:solidFill>
+                <a:effectLst/>
+                <a:latin typeface="Arial" charset="0"/>
+                <a:ea typeface="宋体" pitchFamily="2" charset="-122"/>
+                <a:cs typeface="+mn-cs"/>
+              </a:rPr>
+              <a:t>Dev C++</a:t>
+            </a:r>
+            <a:r>
+              <a:rPr lang="zh-CN" altLang="en-US" sz="1200" b="0" i="0" kern="1200" dirty="0" smtClean="0">
+                <a:solidFill>
+                  <a:schemeClr val="tx1"/>
+                </a:solidFill>
+                <a:effectLst/>
+                <a:latin typeface="Arial" charset="0"/>
+                <a:ea typeface="宋体" pitchFamily="2" charset="-122"/>
+                <a:cs typeface="+mn-cs"/>
+              </a:rPr>
+              <a:t>本身仅仅提供一个单纯的图形界面，它并不是一个完整的开发环境。如果要想在这一环境中开发软件则需要</a:t>
+            </a:r>
+            <a:r>
+              <a:rPr lang="en-US" altLang="zh-CN" sz="1200" b="0" i="0" kern="1200" dirty="0" smtClean="0">
+                <a:solidFill>
+                  <a:schemeClr val="tx1"/>
+                </a:solidFill>
+                <a:effectLst/>
+                <a:latin typeface="Arial" charset="0"/>
+                <a:ea typeface="宋体" pitchFamily="2" charset="-122"/>
+                <a:cs typeface="+mn-cs"/>
+              </a:rPr>
+              <a:t>GCC</a:t>
+            </a:r>
+            <a:r>
+              <a:rPr lang="zh-CN" altLang="en-US" sz="1200" b="0" i="0" kern="1200" dirty="0" smtClean="0">
+                <a:solidFill>
+                  <a:schemeClr val="tx1"/>
+                </a:solidFill>
+                <a:effectLst/>
+                <a:latin typeface="Arial" charset="0"/>
+                <a:ea typeface="宋体" pitchFamily="2" charset="-122"/>
+                <a:cs typeface="+mn-cs"/>
+              </a:rPr>
+              <a:t>在</a:t>
+            </a:r>
+            <a:r>
+              <a:rPr lang="en-US" altLang="zh-CN" sz="1200" b="0" i="0" kern="1200" dirty="0" smtClean="0">
+                <a:solidFill>
+                  <a:schemeClr val="tx1"/>
+                </a:solidFill>
+                <a:effectLst/>
+                <a:latin typeface="Arial" charset="0"/>
+                <a:ea typeface="宋体" pitchFamily="2" charset="-122"/>
+                <a:cs typeface="+mn-cs"/>
+              </a:rPr>
+              <a:t>Windows</a:t>
+            </a:r>
+            <a:r>
+              <a:rPr lang="zh-CN" altLang="en-US" sz="1200" b="0" i="0" kern="1200" dirty="0" smtClean="0">
+                <a:solidFill>
+                  <a:schemeClr val="tx1"/>
+                </a:solidFill>
+                <a:effectLst/>
+                <a:latin typeface="Arial" charset="0"/>
+                <a:ea typeface="宋体" pitchFamily="2" charset="-122"/>
+                <a:cs typeface="+mn-cs"/>
+              </a:rPr>
+              <a:t>或者</a:t>
+            </a:r>
+            <a:r>
+              <a:rPr lang="en-US" altLang="zh-CN" sz="1200" b="0" i="0" kern="1200" dirty="0" smtClean="0">
+                <a:solidFill>
+                  <a:schemeClr val="tx1"/>
+                </a:solidFill>
+                <a:effectLst/>
+                <a:latin typeface="Arial" charset="0"/>
+                <a:ea typeface="宋体" pitchFamily="2" charset="-122"/>
+                <a:cs typeface="+mn-cs"/>
+              </a:rPr>
+              <a:t>Linux</a:t>
+            </a:r>
+            <a:r>
+              <a:rPr lang="zh-CN" altLang="en-US" sz="1200" b="0" i="0" kern="1200" dirty="0" smtClean="0">
+                <a:solidFill>
+                  <a:schemeClr val="tx1"/>
+                </a:solidFill>
+                <a:effectLst/>
+                <a:latin typeface="Arial" charset="0"/>
+                <a:ea typeface="宋体" pitchFamily="2" charset="-122"/>
+                <a:cs typeface="+mn-cs"/>
+              </a:rPr>
+              <a:t>上的变种如</a:t>
+            </a:r>
+            <a:r>
+              <a:rPr lang="en-US" altLang="zh-CN" sz="1200" b="0" i="0" kern="1200" dirty="0" err="1" smtClean="0">
+                <a:solidFill>
+                  <a:schemeClr val="tx1"/>
+                </a:solidFill>
+                <a:effectLst/>
+                <a:latin typeface="Arial" charset="0"/>
+                <a:ea typeface="宋体" pitchFamily="2" charset="-122"/>
+                <a:cs typeface="+mn-cs"/>
+              </a:rPr>
+              <a:t>mingw,cygwin,djgpp</a:t>
+            </a:r>
+            <a:r>
+              <a:rPr lang="zh-CN" altLang="en-US" sz="1200" b="0" i="0" kern="1200" dirty="0" smtClean="0">
+                <a:solidFill>
+                  <a:schemeClr val="tx1"/>
+                </a:solidFill>
+                <a:effectLst/>
+                <a:latin typeface="Arial" charset="0"/>
+                <a:ea typeface="宋体" pitchFamily="2" charset="-122"/>
+                <a:cs typeface="+mn-cs"/>
+              </a:rPr>
+              <a:t>等。借助这些以</a:t>
+            </a:r>
+            <a:r>
+              <a:rPr lang="en-US" altLang="zh-CN" sz="1200" b="0" i="0" kern="1200" dirty="0" smtClean="0">
+                <a:solidFill>
+                  <a:schemeClr val="tx1"/>
+                </a:solidFill>
+                <a:effectLst/>
+                <a:latin typeface="Arial" charset="0"/>
+                <a:ea typeface="宋体" pitchFamily="2" charset="-122"/>
+                <a:cs typeface="+mn-cs"/>
+              </a:rPr>
+              <a:t>GCC</a:t>
+            </a:r>
+            <a:r>
+              <a:rPr lang="zh-CN" altLang="en-US" sz="1200" b="0" i="0" kern="1200" dirty="0" smtClean="0">
+                <a:solidFill>
+                  <a:schemeClr val="tx1"/>
+                </a:solidFill>
+                <a:effectLst/>
+                <a:latin typeface="Arial" charset="0"/>
+                <a:ea typeface="宋体" pitchFamily="2" charset="-122"/>
+                <a:cs typeface="+mn-cs"/>
+              </a:rPr>
+              <a:t>为基础的开发环境再加上</a:t>
+            </a:r>
+            <a:r>
+              <a:rPr lang="en-US" altLang="zh-CN" sz="1200" b="0" i="0" kern="1200" dirty="0" smtClean="0">
+                <a:solidFill>
+                  <a:schemeClr val="tx1"/>
+                </a:solidFill>
+                <a:effectLst/>
+                <a:latin typeface="Arial" charset="0"/>
+                <a:ea typeface="宋体" pitchFamily="2" charset="-122"/>
+                <a:cs typeface="+mn-cs"/>
+              </a:rPr>
+              <a:t>DEV C++</a:t>
+            </a:r>
+            <a:r>
+              <a:rPr lang="zh-CN" altLang="en-US" sz="1200" b="0" i="0" kern="1200" dirty="0" smtClean="0">
+                <a:solidFill>
+                  <a:schemeClr val="tx1"/>
+                </a:solidFill>
+                <a:effectLst/>
+                <a:latin typeface="Arial" charset="0"/>
+                <a:ea typeface="宋体" pitchFamily="2" charset="-122"/>
+                <a:cs typeface="+mn-cs"/>
+              </a:rPr>
+              <a:t>方可构成一个完整的开放式集成开发环境</a:t>
+            </a:r>
+            <a:r>
+              <a:rPr lang="en-US" altLang="zh-CN" sz="1200" b="0" i="0" kern="1200" dirty="0" smtClean="0">
+                <a:solidFill>
+                  <a:schemeClr val="tx1"/>
+                </a:solidFill>
+                <a:effectLst/>
+                <a:latin typeface="Arial" charset="0"/>
+                <a:ea typeface="宋体" pitchFamily="2" charset="-122"/>
+                <a:cs typeface="+mn-cs"/>
+              </a:rPr>
+              <a:t>IDE</a:t>
+            </a:r>
+            <a:r>
+              <a:rPr lang="zh-CN" altLang="en-US" sz="1200" b="0" i="0" kern="1200" dirty="0" smtClean="0">
+                <a:solidFill>
+                  <a:schemeClr val="tx1"/>
+                </a:solidFill>
+                <a:effectLst/>
+                <a:latin typeface="Arial" charset="0"/>
+                <a:ea typeface="宋体" pitchFamily="2" charset="-122"/>
+                <a:cs typeface="+mn-cs"/>
+              </a:rPr>
+              <a:t>。这一组合的魅力在于虽然会受到版权以及许可协议的约束，但是你无须为这些东西掏一分钱。</a:t>
+            </a:r>
+          </a:p>
+          <a:p>
+            <a:endParaRPr lang="en-US" altLang="zh-CN" dirty="0" smtClean="0"/>
+          </a:p>
+          <a:p>
+            <a:r>
+              <a:rPr lang="en-US" altLang="zh-CN" sz="1200" b="0" i="0" kern="1200" dirty="0" err="1" smtClean="0">
+                <a:solidFill>
+                  <a:schemeClr val="tx1"/>
+                </a:solidFill>
+                <a:effectLst/>
+                <a:latin typeface="Arial" charset="0"/>
+                <a:ea typeface="宋体" pitchFamily="2" charset="-122"/>
+                <a:cs typeface="+mn-cs"/>
+              </a:rPr>
+              <a:t>MinGW</a:t>
+            </a:r>
+            <a:r>
+              <a:rPr lang="zh-CN" altLang="en-US" sz="1200" b="0" i="0" kern="1200" dirty="0" smtClean="0">
+                <a:solidFill>
+                  <a:schemeClr val="tx1"/>
+                </a:solidFill>
+                <a:effectLst/>
+                <a:latin typeface="Arial" charset="0"/>
+                <a:ea typeface="宋体" pitchFamily="2" charset="-122"/>
+                <a:cs typeface="+mn-cs"/>
+              </a:rPr>
+              <a:t>，是</a:t>
+            </a:r>
+            <a:r>
+              <a:rPr lang="en-US" altLang="zh-CN" sz="1200" b="0" i="1" kern="1200" dirty="0" smtClean="0">
+                <a:solidFill>
+                  <a:schemeClr val="tx1"/>
+                </a:solidFill>
+                <a:effectLst/>
+                <a:latin typeface="Arial" charset="0"/>
+                <a:ea typeface="宋体" pitchFamily="2" charset="-122"/>
+                <a:cs typeface="+mn-cs"/>
+              </a:rPr>
+              <a:t>Minimalist </a:t>
+            </a:r>
+            <a:r>
+              <a:rPr lang="en-US" altLang="zh-CN" sz="1200" b="0" i="1" u="none" strike="noStrike" kern="1200" dirty="0" err="1" smtClean="0">
+                <a:solidFill>
+                  <a:schemeClr val="tx1"/>
+                </a:solidFill>
+                <a:effectLst/>
+                <a:latin typeface="Arial" charset="0"/>
+                <a:ea typeface="宋体" pitchFamily="2" charset="-122"/>
+                <a:cs typeface="+mn-cs"/>
+                <a:hlinkClick r:id="rId3"/>
+              </a:rPr>
+              <a:t>GNU</a:t>
+            </a:r>
+            <a:r>
+              <a:rPr lang="en-US" altLang="zh-CN" sz="1200" b="0" i="1" kern="1200" dirty="0" err="1" smtClean="0">
+                <a:solidFill>
+                  <a:schemeClr val="tx1"/>
+                </a:solidFill>
+                <a:effectLst/>
+                <a:latin typeface="Arial" charset="0"/>
+                <a:ea typeface="宋体" pitchFamily="2" charset="-122"/>
+                <a:cs typeface="+mn-cs"/>
+              </a:rPr>
+              <a:t>for</a:t>
+            </a:r>
+            <a:r>
+              <a:rPr lang="en-US" altLang="zh-CN" sz="1200" b="0" i="1" kern="1200" dirty="0" smtClean="0">
+                <a:solidFill>
+                  <a:schemeClr val="tx1"/>
+                </a:solidFill>
+                <a:effectLst/>
+                <a:latin typeface="Arial" charset="0"/>
+                <a:ea typeface="宋体" pitchFamily="2" charset="-122"/>
+                <a:cs typeface="+mn-cs"/>
+              </a:rPr>
+              <a:t> Windows</a:t>
+            </a:r>
+            <a:r>
+              <a:rPr lang="zh-CN" altLang="en-US" sz="1200" b="0" i="0" kern="1200" dirty="0" smtClean="0">
+                <a:solidFill>
+                  <a:schemeClr val="tx1"/>
+                </a:solidFill>
+                <a:effectLst/>
+                <a:latin typeface="Arial" charset="0"/>
+                <a:ea typeface="宋体" pitchFamily="2" charset="-122"/>
+                <a:cs typeface="+mn-cs"/>
+              </a:rPr>
+              <a:t>的缩写。它是一个可自由使用和自由发布的</a:t>
+            </a:r>
+            <a:r>
+              <a:rPr lang="en-US" altLang="zh-CN" sz="1200" b="0" i="0" kern="1200" dirty="0" smtClean="0">
+                <a:solidFill>
+                  <a:schemeClr val="tx1"/>
+                </a:solidFill>
+                <a:effectLst/>
+                <a:latin typeface="Arial" charset="0"/>
+                <a:ea typeface="宋体" pitchFamily="2" charset="-122"/>
+                <a:cs typeface="+mn-cs"/>
+              </a:rPr>
+              <a:t>Windows</a:t>
+            </a:r>
+            <a:r>
+              <a:rPr lang="zh-CN" altLang="en-US" sz="1200" b="0" i="0" kern="1200" dirty="0" smtClean="0">
+                <a:solidFill>
+                  <a:schemeClr val="tx1"/>
+                </a:solidFill>
+                <a:effectLst/>
+                <a:latin typeface="Arial" charset="0"/>
+                <a:ea typeface="宋体" pitchFamily="2" charset="-122"/>
+                <a:cs typeface="+mn-cs"/>
+              </a:rPr>
+              <a:t>特定</a:t>
+            </a:r>
+            <a:r>
+              <a:rPr lang="zh-CN" altLang="en-US" sz="1200" b="0" i="0" u="none" strike="noStrike" kern="1200" dirty="0" smtClean="0">
+                <a:solidFill>
+                  <a:schemeClr val="tx1"/>
+                </a:solidFill>
+                <a:effectLst/>
+                <a:latin typeface="Arial" charset="0"/>
+                <a:ea typeface="宋体" pitchFamily="2" charset="-122"/>
+                <a:cs typeface="+mn-cs"/>
+                <a:hlinkClick r:id="rId4"/>
+              </a:rPr>
+              <a:t>头文件</a:t>
+            </a:r>
+            <a:r>
+              <a:rPr lang="zh-CN" altLang="en-US" sz="1200" b="0" i="0" kern="1200" dirty="0" smtClean="0">
+                <a:solidFill>
+                  <a:schemeClr val="tx1"/>
+                </a:solidFill>
+                <a:effectLst/>
+                <a:latin typeface="Arial" charset="0"/>
+                <a:ea typeface="宋体" pitchFamily="2" charset="-122"/>
+                <a:cs typeface="+mn-cs"/>
+              </a:rPr>
+              <a:t>和使用</a:t>
+            </a:r>
+            <a:r>
+              <a:rPr lang="en-US" altLang="zh-CN" sz="1200" b="0" i="0" kern="1200" dirty="0" smtClean="0">
+                <a:solidFill>
+                  <a:schemeClr val="tx1"/>
+                </a:solidFill>
+                <a:effectLst/>
+                <a:latin typeface="Arial" charset="0"/>
+                <a:ea typeface="宋体" pitchFamily="2" charset="-122"/>
+                <a:cs typeface="+mn-cs"/>
+              </a:rPr>
+              <a:t>GNU</a:t>
+            </a:r>
+            <a:r>
+              <a:rPr lang="zh-CN" altLang="en-US" sz="1200" b="0" i="0" kern="1200" dirty="0" smtClean="0">
+                <a:solidFill>
+                  <a:schemeClr val="tx1"/>
+                </a:solidFill>
+                <a:effectLst/>
+                <a:latin typeface="Arial" charset="0"/>
+                <a:ea typeface="宋体" pitchFamily="2" charset="-122"/>
+                <a:cs typeface="+mn-cs"/>
+              </a:rPr>
+              <a:t>工具集导入库的集合，允许你在</a:t>
+            </a:r>
+            <a:r>
+              <a:rPr lang="en-US" altLang="zh-CN" sz="1200" b="0" i="0" u="none" strike="noStrike" kern="1200" dirty="0" smtClean="0">
+                <a:solidFill>
+                  <a:schemeClr val="tx1"/>
+                </a:solidFill>
+                <a:effectLst/>
+                <a:latin typeface="Arial" charset="0"/>
+                <a:ea typeface="宋体" pitchFamily="2" charset="-122"/>
+                <a:cs typeface="+mn-cs"/>
+                <a:hlinkClick r:id="rId3"/>
+              </a:rPr>
+              <a:t>GNU</a:t>
+            </a:r>
+            <a:r>
+              <a:rPr lang="en-US" altLang="zh-CN" sz="1200" b="0" i="0" kern="1200" dirty="0" smtClean="0">
+                <a:solidFill>
+                  <a:schemeClr val="tx1"/>
+                </a:solidFill>
+                <a:effectLst/>
+                <a:latin typeface="Arial" charset="0"/>
+                <a:ea typeface="宋体" pitchFamily="2" charset="-122"/>
+                <a:cs typeface="+mn-cs"/>
+              </a:rPr>
+              <a:t>/</a:t>
+            </a:r>
+            <a:r>
+              <a:rPr lang="en-US" altLang="zh-CN" sz="1200" b="0" i="0" u="none" strike="noStrike" kern="1200" dirty="0" smtClean="0">
+                <a:solidFill>
+                  <a:schemeClr val="tx1"/>
+                </a:solidFill>
+                <a:effectLst/>
+                <a:latin typeface="Arial" charset="0"/>
+                <a:ea typeface="宋体" pitchFamily="2" charset="-122"/>
+                <a:cs typeface="+mn-cs"/>
+                <a:hlinkClick r:id="rId5"/>
+              </a:rPr>
+              <a:t>Linux</a:t>
+            </a:r>
+            <a:r>
+              <a:rPr lang="zh-CN" altLang="en-US" sz="1200" b="0" i="0" kern="1200" dirty="0" smtClean="0">
+                <a:solidFill>
+                  <a:schemeClr val="tx1"/>
+                </a:solidFill>
+                <a:effectLst/>
+                <a:latin typeface="Arial" charset="0"/>
+                <a:ea typeface="宋体" pitchFamily="2" charset="-122"/>
+                <a:cs typeface="+mn-cs"/>
+              </a:rPr>
+              <a:t>和</a:t>
+            </a:r>
+            <a:r>
+              <a:rPr lang="en-US" altLang="zh-CN" sz="1200" b="0" i="0" u="none" strike="noStrike" kern="1200" dirty="0" smtClean="0">
+                <a:solidFill>
+                  <a:schemeClr val="tx1"/>
+                </a:solidFill>
+                <a:effectLst/>
+                <a:latin typeface="Arial" charset="0"/>
+                <a:ea typeface="宋体" pitchFamily="2" charset="-122"/>
+                <a:cs typeface="+mn-cs"/>
+                <a:hlinkClick r:id="rId6"/>
+              </a:rPr>
+              <a:t>Windows</a:t>
+            </a:r>
+            <a:r>
+              <a:rPr lang="zh-CN" altLang="en-US" sz="1200" b="0" i="0" kern="1200" dirty="0" smtClean="0">
+                <a:solidFill>
+                  <a:schemeClr val="tx1"/>
+                </a:solidFill>
+                <a:effectLst/>
+                <a:latin typeface="Arial" charset="0"/>
+                <a:ea typeface="宋体" pitchFamily="2" charset="-122"/>
+                <a:cs typeface="+mn-cs"/>
+              </a:rPr>
+              <a:t>平台生成本地的</a:t>
+            </a:r>
+            <a:r>
+              <a:rPr lang="en-US" altLang="zh-CN" sz="1200" b="0" i="0" kern="1200" dirty="0" smtClean="0">
+                <a:solidFill>
+                  <a:schemeClr val="tx1"/>
+                </a:solidFill>
+                <a:effectLst/>
+                <a:latin typeface="Arial" charset="0"/>
+                <a:ea typeface="宋体" pitchFamily="2" charset="-122"/>
+                <a:cs typeface="+mn-cs"/>
+              </a:rPr>
+              <a:t>Windows</a:t>
+            </a:r>
+            <a:r>
+              <a:rPr lang="zh-CN" altLang="en-US" sz="1200" b="0" i="0" kern="1200" dirty="0" smtClean="0">
+                <a:solidFill>
+                  <a:schemeClr val="tx1"/>
+                </a:solidFill>
+                <a:effectLst/>
+                <a:latin typeface="Arial" charset="0"/>
+                <a:ea typeface="宋体" pitchFamily="2" charset="-122"/>
+                <a:cs typeface="+mn-cs"/>
+              </a:rPr>
+              <a:t>程序而不需要第三方</a:t>
+            </a:r>
+            <a:r>
+              <a:rPr lang="en-US" altLang="zh-CN" sz="1200" b="0" i="0" kern="1200" dirty="0" smtClean="0">
+                <a:solidFill>
+                  <a:schemeClr val="tx1"/>
+                </a:solidFill>
+                <a:effectLst/>
+                <a:latin typeface="Arial" charset="0"/>
+                <a:ea typeface="宋体" pitchFamily="2" charset="-122"/>
+                <a:cs typeface="+mn-cs"/>
+              </a:rPr>
+              <a:t>C</a:t>
+            </a:r>
+            <a:r>
+              <a:rPr lang="zh-CN" altLang="en-US" sz="1200" b="0" i="0" kern="1200" dirty="0" smtClean="0">
+                <a:solidFill>
+                  <a:schemeClr val="tx1"/>
+                </a:solidFill>
+                <a:effectLst/>
+                <a:latin typeface="Arial" charset="0"/>
+                <a:ea typeface="宋体" pitchFamily="2" charset="-122"/>
+                <a:cs typeface="+mn-cs"/>
+              </a:rPr>
+              <a:t>运行时（</a:t>
+            </a:r>
+            <a:r>
+              <a:rPr lang="en-US" altLang="zh-CN" sz="1200" b="0" i="0" kern="1200" dirty="0" smtClean="0">
+                <a:solidFill>
+                  <a:schemeClr val="tx1"/>
+                </a:solidFill>
+                <a:effectLst/>
+                <a:latin typeface="Arial" charset="0"/>
+                <a:ea typeface="宋体" pitchFamily="2" charset="-122"/>
+                <a:cs typeface="+mn-cs"/>
+              </a:rPr>
+              <a:t>C Runtime</a:t>
+            </a:r>
+            <a:r>
+              <a:rPr lang="zh-CN" altLang="en-US" sz="1200" b="0" i="0" kern="1200" dirty="0" smtClean="0">
+                <a:solidFill>
+                  <a:schemeClr val="tx1"/>
+                </a:solidFill>
+                <a:effectLst/>
+                <a:latin typeface="Arial" charset="0"/>
+                <a:ea typeface="宋体" pitchFamily="2" charset="-122"/>
+                <a:cs typeface="+mn-cs"/>
+              </a:rPr>
+              <a:t>）库。</a:t>
+            </a:r>
+            <a:r>
+              <a:rPr lang="en-US" altLang="zh-CN" sz="1200" b="0" i="0" kern="1200" dirty="0" err="1" smtClean="0">
+                <a:solidFill>
+                  <a:schemeClr val="tx1"/>
+                </a:solidFill>
+                <a:effectLst/>
+                <a:latin typeface="Arial" charset="0"/>
+                <a:ea typeface="宋体" pitchFamily="2" charset="-122"/>
+                <a:cs typeface="+mn-cs"/>
+              </a:rPr>
+              <a:t>MinGW</a:t>
+            </a:r>
+            <a:r>
+              <a:rPr lang="en-US" altLang="zh-CN" sz="1200" b="0" i="0" kern="1200" dirty="0" smtClean="0">
+                <a:solidFill>
+                  <a:schemeClr val="tx1"/>
+                </a:solidFill>
+                <a:effectLst/>
+                <a:latin typeface="Arial" charset="0"/>
+                <a:ea typeface="宋体" pitchFamily="2" charset="-122"/>
+                <a:cs typeface="+mn-cs"/>
+              </a:rPr>
+              <a:t> </a:t>
+            </a:r>
+            <a:r>
+              <a:rPr lang="zh-CN" altLang="en-US" sz="1200" b="0" i="0" kern="1200" dirty="0" smtClean="0">
+                <a:solidFill>
+                  <a:schemeClr val="tx1"/>
+                </a:solidFill>
+                <a:effectLst/>
+                <a:latin typeface="Arial" charset="0"/>
+                <a:ea typeface="宋体" pitchFamily="2" charset="-122"/>
+                <a:cs typeface="+mn-cs"/>
+              </a:rPr>
+              <a:t>是一组包含文件和端口库，其功能是允许控制台模式的程序使用微软的标准</a:t>
+            </a:r>
+            <a:r>
+              <a:rPr lang="en-US" altLang="zh-CN" sz="1200" b="0" i="0" kern="1200" dirty="0" smtClean="0">
+                <a:solidFill>
+                  <a:schemeClr val="tx1"/>
+                </a:solidFill>
+                <a:effectLst/>
+                <a:latin typeface="Arial" charset="0"/>
+                <a:ea typeface="宋体" pitchFamily="2" charset="-122"/>
+                <a:cs typeface="+mn-cs"/>
+              </a:rPr>
+              <a:t>C</a:t>
+            </a:r>
+            <a:r>
+              <a:rPr lang="zh-CN" altLang="en-US" sz="1200" b="0" i="0" kern="1200" dirty="0" smtClean="0">
+                <a:solidFill>
+                  <a:schemeClr val="tx1"/>
+                </a:solidFill>
+                <a:effectLst/>
+                <a:latin typeface="Arial" charset="0"/>
+                <a:ea typeface="宋体" pitchFamily="2" charset="-122"/>
+                <a:cs typeface="+mn-cs"/>
+              </a:rPr>
+              <a:t>运行时（</a:t>
+            </a:r>
+            <a:r>
+              <a:rPr lang="en-US" altLang="zh-CN" sz="1200" b="0" i="0" kern="1200" dirty="0" smtClean="0">
+                <a:solidFill>
+                  <a:schemeClr val="tx1"/>
+                </a:solidFill>
+                <a:effectLst/>
+                <a:latin typeface="Arial" charset="0"/>
+                <a:ea typeface="宋体" pitchFamily="2" charset="-122"/>
+                <a:cs typeface="+mn-cs"/>
+              </a:rPr>
+              <a:t>C Runtime</a:t>
+            </a:r>
+            <a:r>
+              <a:rPr lang="zh-CN" altLang="en-US" sz="1200" b="0" i="0" kern="1200" dirty="0" smtClean="0">
+                <a:solidFill>
+                  <a:schemeClr val="tx1"/>
+                </a:solidFill>
+                <a:effectLst/>
+                <a:latin typeface="Arial" charset="0"/>
+                <a:ea typeface="宋体" pitchFamily="2" charset="-122"/>
+                <a:cs typeface="+mn-cs"/>
+              </a:rPr>
+              <a:t>）库（</a:t>
+            </a:r>
+            <a:r>
+              <a:rPr lang="en-US" altLang="zh-CN" sz="1200" b="0" i="0" u="none" strike="noStrike" kern="1200" dirty="0" smtClean="0">
+                <a:solidFill>
+                  <a:schemeClr val="tx1"/>
+                </a:solidFill>
+                <a:effectLst/>
+                <a:latin typeface="Arial" charset="0"/>
+                <a:ea typeface="宋体" pitchFamily="2" charset="-122"/>
+                <a:cs typeface="+mn-cs"/>
+                <a:hlinkClick r:id="rId7"/>
+              </a:rPr>
+              <a:t>MSVCRT.DLL</a:t>
+            </a:r>
+            <a:r>
+              <a:rPr lang="zh-CN" altLang="en-US" sz="1200" b="0" i="0" kern="1200" dirty="0" smtClean="0">
+                <a:solidFill>
+                  <a:schemeClr val="tx1"/>
+                </a:solidFill>
+                <a:effectLst/>
+                <a:latin typeface="Arial" charset="0"/>
+                <a:ea typeface="宋体" pitchFamily="2" charset="-122"/>
+                <a:cs typeface="+mn-cs"/>
+              </a:rPr>
+              <a:t>）</a:t>
+            </a:r>
+            <a:r>
+              <a:rPr lang="en-US" altLang="zh-CN" sz="1200" b="0" i="0" kern="1200" dirty="0" smtClean="0">
+                <a:solidFill>
+                  <a:schemeClr val="tx1"/>
+                </a:solidFill>
+                <a:effectLst/>
+                <a:latin typeface="Arial" charset="0"/>
+                <a:ea typeface="宋体" pitchFamily="2" charset="-122"/>
+                <a:cs typeface="+mn-cs"/>
+              </a:rPr>
+              <a:t>,</a:t>
+            </a:r>
+            <a:r>
+              <a:rPr lang="zh-CN" altLang="en-US" sz="1200" b="0" i="0" kern="1200" dirty="0" smtClean="0">
+                <a:solidFill>
+                  <a:schemeClr val="tx1"/>
+                </a:solidFill>
+                <a:effectLst/>
+                <a:latin typeface="Arial" charset="0"/>
+                <a:ea typeface="宋体" pitchFamily="2" charset="-122"/>
+                <a:cs typeface="+mn-cs"/>
+              </a:rPr>
+              <a:t>该库在所有的 </a:t>
+            </a:r>
+            <a:r>
+              <a:rPr lang="en-US" altLang="zh-CN" sz="1200" b="0" i="0" kern="1200" dirty="0" smtClean="0">
+                <a:solidFill>
+                  <a:schemeClr val="tx1"/>
+                </a:solidFill>
+                <a:effectLst/>
+                <a:latin typeface="Arial" charset="0"/>
+                <a:ea typeface="宋体" pitchFamily="2" charset="-122"/>
+                <a:cs typeface="+mn-cs"/>
+              </a:rPr>
+              <a:t>NT OS </a:t>
+            </a:r>
+            <a:r>
+              <a:rPr lang="zh-CN" altLang="en-US" sz="1200" b="0" i="0" kern="1200" dirty="0" smtClean="0">
+                <a:solidFill>
+                  <a:schemeClr val="tx1"/>
+                </a:solidFill>
+                <a:effectLst/>
+                <a:latin typeface="Arial" charset="0"/>
+                <a:ea typeface="宋体" pitchFamily="2" charset="-122"/>
+                <a:cs typeface="+mn-cs"/>
+              </a:rPr>
+              <a:t>上有效，在所有的 </a:t>
+            </a:r>
+            <a:r>
+              <a:rPr lang="en-US" altLang="zh-CN" sz="1200" b="0" i="0" u="none" strike="noStrike" kern="1200" dirty="0" smtClean="0">
+                <a:solidFill>
+                  <a:schemeClr val="tx1"/>
+                </a:solidFill>
+                <a:effectLst/>
+                <a:latin typeface="Arial" charset="0"/>
+                <a:ea typeface="宋体" pitchFamily="2" charset="-122"/>
+                <a:cs typeface="+mn-cs"/>
+                <a:hlinkClick r:id="rId8"/>
+              </a:rPr>
+              <a:t>Windows 95</a:t>
+            </a:r>
+            <a:r>
+              <a:rPr lang="zh-CN" altLang="en-US" sz="1200" b="0" i="0" kern="1200" dirty="0" smtClean="0">
+                <a:solidFill>
+                  <a:schemeClr val="tx1"/>
+                </a:solidFill>
+                <a:effectLst/>
+                <a:latin typeface="Arial" charset="0"/>
+                <a:ea typeface="宋体" pitchFamily="2" charset="-122"/>
+                <a:cs typeface="+mn-cs"/>
+              </a:rPr>
+              <a:t>发行版以上的 </a:t>
+            </a:r>
+            <a:r>
+              <a:rPr lang="en-US" altLang="zh-CN" sz="1200" b="0" i="0" kern="1200" dirty="0" smtClean="0">
+                <a:solidFill>
+                  <a:schemeClr val="tx1"/>
+                </a:solidFill>
+                <a:effectLst/>
+                <a:latin typeface="Arial" charset="0"/>
+                <a:ea typeface="宋体" pitchFamily="2" charset="-122"/>
+                <a:cs typeface="+mn-cs"/>
+              </a:rPr>
+              <a:t>Windows OS </a:t>
+            </a:r>
+            <a:r>
+              <a:rPr lang="zh-CN" altLang="en-US" sz="1200" b="0" i="0" kern="1200" dirty="0" smtClean="0">
+                <a:solidFill>
+                  <a:schemeClr val="tx1"/>
+                </a:solidFill>
+                <a:effectLst/>
+                <a:latin typeface="Arial" charset="0"/>
+                <a:ea typeface="宋体" pitchFamily="2" charset="-122"/>
+                <a:cs typeface="+mn-cs"/>
+              </a:rPr>
+              <a:t>有效，使用基本运行时，你可以使用 </a:t>
+            </a:r>
+            <a:r>
+              <a:rPr lang="en-US" altLang="zh-CN" sz="1200" b="0" i="0" kern="1200" dirty="0" smtClean="0">
+                <a:solidFill>
+                  <a:schemeClr val="tx1"/>
+                </a:solidFill>
+                <a:effectLst/>
+                <a:latin typeface="Arial" charset="0"/>
+                <a:ea typeface="宋体" pitchFamily="2" charset="-122"/>
+                <a:cs typeface="+mn-cs"/>
+              </a:rPr>
+              <a:t>GCC </a:t>
+            </a:r>
+            <a:r>
+              <a:rPr lang="zh-CN" altLang="en-US" sz="1200" b="0" i="0" kern="1200" dirty="0" smtClean="0">
+                <a:solidFill>
+                  <a:schemeClr val="tx1"/>
+                </a:solidFill>
+                <a:effectLst/>
+                <a:latin typeface="Arial" charset="0"/>
+                <a:ea typeface="宋体" pitchFamily="2" charset="-122"/>
+                <a:cs typeface="+mn-cs"/>
+              </a:rPr>
+              <a:t>写控制台模式的符合美国标准化组织（</a:t>
+            </a:r>
+            <a:r>
+              <a:rPr lang="en-US" altLang="zh-CN" sz="1200" b="0" i="0" kern="1200" dirty="0" smtClean="0">
+                <a:solidFill>
+                  <a:schemeClr val="tx1"/>
+                </a:solidFill>
+                <a:effectLst/>
+                <a:latin typeface="Arial" charset="0"/>
+                <a:ea typeface="宋体" pitchFamily="2" charset="-122"/>
+                <a:cs typeface="+mn-cs"/>
+              </a:rPr>
+              <a:t>ANSI</a:t>
+            </a:r>
+            <a:r>
+              <a:rPr lang="zh-CN" altLang="en-US" sz="1200" b="0" i="0" kern="1200" dirty="0" smtClean="0">
+                <a:solidFill>
+                  <a:schemeClr val="tx1"/>
+                </a:solidFill>
+                <a:effectLst/>
+                <a:latin typeface="Arial" charset="0"/>
+                <a:ea typeface="宋体" pitchFamily="2" charset="-122"/>
+                <a:cs typeface="+mn-cs"/>
+              </a:rPr>
+              <a:t>）程序，可以使用微软提供的 </a:t>
+            </a:r>
+            <a:r>
+              <a:rPr lang="en-US" altLang="zh-CN" sz="1200" b="0" i="0" kern="1200" dirty="0" smtClean="0">
+                <a:solidFill>
+                  <a:schemeClr val="tx1"/>
+                </a:solidFill>
+                <a:effectLst/>
+                <a:latin typeface="Arial" charset="0"/>
+                <a:ea typeface="宋体" pitchFamily="2" charset="-122"/>
+                <a:cs typeface="+mn-cs"/>
+              </a:rPr>
+              <a:t>C </a:t>
+            </a:r>
+            <a:r>
+              <a:rPr lang="zh-CN" altLang="en-US" sz="1200" b="0" i="0" kern="1200" dirty="0" smtClean="0">
+                <a:solidFill>
+                  <a:schemeClr val="tx1"/>
+                </a:solidFill>
+                <a:effectLst/>
+                <a:latin typeface="Arial" charset="0"/>
+                <a:ea typeface="宋体" pitchFamily="2" charset="-122"/>
+                <a:cs typeface="+mn-cs"/>
+              </a:rPr>
+              <a:t>运行时（</a:t>
+            </a:r>
+            <a:r>
+              <a:rPr lang="en-US" altLang="zh-CN" sz="1200" b="0" i="0" kern="1200" dirty="0" smtClean="0">
+                <a:solidFill>
+                  <a:schemeClr val="tx1"/>
+                </a:solidFill>
+                <a:effectLst/>
+                <a:latin typeface="Arial" charset="0"/>
+                <a:ea typeface="宋体" pitchFamily="2" charset="-122"/>
+                <a:cs typeface="+mn-cs"/>
+              </a:rPr>
+              <a:t>C Runtime</a:t>
+            </a:r>
+            <a:r>
+              <a:rPr lang="zh-CN" altLang="en-US" sz="1200" b="0" i="0" kern="1200" dirty="0" smtClean="0">
+                <a:solidFill>
+                  <a:schemeClr val="tx1"/>
+                </a:solidFill>
+                <a:effectLst/>
+                <a:latin typeface="Arial" charset="0"/>
+                <a:ea typeface="宋体" pitchFamily="2" charset="-122"/>
+                <a:cs typeface="+mn-cs"/>
+              </a:rPr>
+              <a:t>）扩展，与基本运行时相结合，就可以有充分的权利既使用 </a:t>
+            </a:r>
+            <a:r>
+              <a:rPr lang="en-US" altLang="zh-CN" sz="1200" b="0" i="0" kern="1200" dirty="0" smtClean="0">
+                <a:solidFill>
+                  <a:schemeClr val="tx1"/>
+                </a:solidFill>
+                <a:effectLst/>
+                <a:latin typeface="Arial" charset="0"/>
+                <a:ea typeface="宋体" pitchFamily="2" charset="-122"/>
+                <a:cs typeface="+mn-cs"/>
+              </a:rPr>
+              <a:t>CRT</a:t>
+            </a:r>
+            <a:r>
+              <a:rPr lang="zh-CN" altLang="en-US" sz="1200" b="0" i="0" kern="1200" dirty="0" smtClean="0">
+                <a:solidFill>
+                  <a:schemeClr val="tx1"/>
+                </a:solidFill>
+                <a:effectLst/>
+                <a:latin typeface="Arial" charset="0"/>
+                <a:ea typeface="宋体" pitchFamily="2" charset="-122"/>
+                <a:cs typeface="+mn-cs"/>
+              </a:rPr>
+              <a:t>（</a:t>
+            </a:r>
+            <a:r>
+              <a:rPr lang="en-US" altLang="zh-CN" sz="1200" b="0" i="0" kern="1200" dirty="0" smtClean="0">
+                <a:solidFill>
+                  <a:schemeClr val="tx1"/>
+                </a:solidFill>
+                <a:effectLst/>
+                <a:latin typeface="Arial" charset="0"/>
+                <a:ea typeface="宋体" pitchFamily="2" charset="-122"/>
+                <a:cs typeface="+mn-cs"/>
+              </a:rPr>
+              <a:t>C Runtime</a:t>
+            </a:r>
+            <a:r>
+              <a:rPr lang="zh-CN" altLang="en-US" sz="1200" b="0" i="0" kern="1200" dirty="0" smtClean="0">
+                <a:solidFill>
+                  <a:schemeClr val="tx1"/>
+                </a:solidFill>
+                <a:effectLst/>
+                <a:latin typeface="Arial" charset="0"/>
+                <a:ea typeface="宋体" pitchFamily="2" charset="-122"/>
+                <a:cs typeface="+mn-cs"/>
+              </a:rPr>
+              <a:t>）又使用 </a:t>
+            </a:r>
+            <a:r>
+              <a:rPr lang="en-US" altLang="zh-CN" sz="1200" b="0" i="0" kern="1200" dirty="0" err="1" smtClean="0">
+                <a:solidFill>
+                  <a:schemeClr val="tx1"/>
+                </a:solidFill>
+                <a:effectLst/>
+                <a:latin typeface="Arial" charset="0"/>
+                <a:ea typeface="宋体" pitchFamily="2" charset="-122"/>
+                <a:cs typeface="+mn-cs"/>
+              </a:rPr>
+              <a:t>Windows</a:t>
+            </a:r>
+            <a:r>
+              <a:rPr lang="en-US" altLang="zh-CN" sz="1200" b="0" i="0" u="none" strike="noStrike" kern="1200" dirty="0" err="1" smtClean="0">
+                <a:solidFill>
+                  <a:schemeClr val="tx1"/>
+                </a:solidFill>
+                <a:effectLst/>
+                <a:latin typeface="Arial" charset="0"/>
+                <a:ea typeface="宋体" pitchFamily="2" charset="-122"/>
+                <a:cs typeface="+mn-cs"/>
+                <a:hlinkClick r:id="rId9"/>
+              </a:rPr>
+              <a:t>API</a:t>
+            </a:r>
+            <a:r>
+              <a:rPr lang="zh-CN" altLang="en-US" sz="1200" b="0" i="0" kern="1200" dirty="0" smtClean="0">
+                <a:solidFill>
+                  <a:schemeClr val="tx1"/>
+                </a:solidFill>
+                <a:effectLst/>
+                <a:latin typeface="Arial" charset="0"/>
+                <a:ea typeface="宋体" pitchFamily="2" charset="-122"/>
+                <a:cs typeface="+mn-cs"/>
+              </a:rPr>
+              <a:t>功能。</a:t>
+            </a:r>
+            <a:endParaRPr lang="zh-CN" altLang="en-US" dirty="0"/>
+          </a:p>
+        </p:txBody>
+      </p:sp>
+      <p:sp>
+        <p:nvSpPr>
+          <p:cNvPr id="4" name="灯片编号占位符 3"/>
+          <p:cNvSpPr>
+            <a:spLocks noGrp="1"/>
+          </p:cNvSpPr>
+          <p:nvPr>
+            <p:ph type="sldNum" sz="quarter" idx="10"/>
+          </p:nvPr>
+        </p:nvSpPr>
+        <p:spPr/>
+        <p:txBody>
+          <a:bodyPr/>
+          <a:lstStyle/>
+          <a:p>
+            <a:pPr>
+              <a:defRPr/>
+            </a:pPr>
+            <a:fld id="{FBA0217D-2E3F-4F89-B4DA-28D8AD2710DE}" type="slidenum">
+              <a:rPr lang="zh-CN" altLang="en-US" smtClean="0"/>
+              <a:pPr>
+                <a:defRPr/>
+              </a:pPr>
+              <a:t>7</a:t>
+            </a:fld>
+            <a:endParaRPr lang="en-US" altLang="zh-CN"/>
+          </a:p>
+        </p:txBody>
+      </p:sp>
+    </p:spTree>
+    <p:extLst>
+      <p:ext uri="{BB962C8B-B14F-4D97-AF65-F5344CB8AC3E}">
+        <p14:creationId xmlns:p14="http://schemas.microsoft.com/office/powerpoint/2010/main" val="1331481568"/>
+      </p:ext>
+    </p:extLst>
+  </p:cSld>
+  <p:clrMapOvr>
+    <a:masterClrMapping/>
+  </p:clrMapOvr>
+</p:notes>
+</file>
+
 <file path=ppt/slideLayouts/slideLayout1.xml><?xml version="1.0" encoding="utf-8"?>
 <p:sldLayout xmlns:a="http://schemas.openxmlformats.org/drawingml/2006/main" xmlns:r="http://schemas.openxmlformats.org/officeDocument/2006/relationships" xmlns:p="http://schemas.openxmlformats.org/presentationml/2006/main" type="title" preserve="1">
   <p:cSld name="标题幻灯片">
@@ -813,7 +1873,7 @@
           <a:p>
             <a:fld id="{530820CF-B880-4189-942D-D702A7CBA730}" type="datetimeFigureOut">
               <a:rPr lang="zh-CN" altLang="en-US" smtClean="0"/>
-              <a:t>2016/10/9</a:t>
+              <a:t>2016/10/13</a:t>
             </a:fld>
             <a:endParaRPr lang="zh-CN" altLang="en-US"/>
           </a:p>
@@ -978,7 +2038,7 @@
           <a:p>
             <a:fld id="{530820CF-B880-4189-942D-D702A7CBA730}" type="datetimeFigureOut">
               <a:rPr lang="zh-CN" altLang="en-US" smtClean="0"/>
-              <a:t>2016/10/9</a:t>
+              <a:t>2016/10/13</a:t>
             </a:fld>
             <a:endParaRPr lang="zh-CN" altLang="en-US"/>
           </a:p>
@@ -1153,7 +2213,7 @@
           <a:p>
             <a:fld id="{530820CF-B880-4189-942D-D702A7CBA730}" type="datetimeFigureOut">
               <a:rPr lang="zh-CN" altLang="en-US" smtClean="0"/>
-              <a:t>2016/10/9</a:t>
+              <a:t>2016/10/13</a:t>
             </a:fld>
             <a:endParaRPr lang="zh-CN" altLang="en-US"/>
           </a:p>
@@ -1318,7 +2378,7 @@
           <a:p>
             <a:fld id="{530820CF-B880-4189-942D-D702A7CBA730}" type="datetimeFigureOut">
               <a:rPr lang="zh-CN" altLang="en-US" smtClean="0"/>
-              <a:t>2016/10/9</a:t>
+              <a:t>2016/10/13</a:t>
             </a:fld>
             <a:endParaRPr lang="zh-CN" altLang="en-US"/>
           </a:p>
@@ -1559,7 +2619,7 @@
           <a:p>
             <a:fld id="{530820CF-B880-4189-942D-D702A7CBA730}" type="datetimeFigureOut">
               <a:rPr lang="zh-CN" altLang="en-US" smtClean="0"/>
-              <a:t>2016/10/9</a:t>
+              <a:t>2016/10/13</a:t>
             </a:fld>
             <a:endParaRPr lang="zh-CN" altLang="en-US"/>
           </a:p>
@@ -1842,7 +2902,7 @@
           <a:p>
             <a:fld id="{530820CF-B880-4189-942D-D702A7CBA730}" type="datetimeFigureOut">
               <a:rPr lang="zh-CN" altLang="en-US" smtClean="0"/>
-              <a:t>2016/10/9</a:t>
+              <a:t>2016/10/13</a:t>
             </a:fld>
             <a:endParaRPr lang="zh-CN" altLang="en-US"/>
           </a:p>
@@ -2259,7 +3319,7 @@
           <a:p>
             <a:fld id="{530820CF-B880-4189-942D-D702A7CBA730}" type="datetimeFigureOut">
               <a:rPr lang="zh-CN" altLang="en-US" smtClean="0"/>
-              <a:t>2016/10/9</a:t>
+              <a:t>2016/10/13</a:t>
             </a:fld>
             <a:endParaRPr lang="zh-CN" altLang="en-US"/>
           </a:p>
@@ -2372,7 +3432,7 @@
           <a:p>
             <a:fld id="{530820CF-B880-4189-942D-D702A7CBA730}" type="datetimeFigureOut">
               <a:rPr lang="zh-CN" altLang="en-US" smtClean="0"/>
-              <a:t>2016/10/9</a:t>
+              <a:t>2016/10/13</a:t>
             </a:fld>
             <a:endParaRPr lang="zh-CN" altLang="en-US"/>
           </a:p>
@@ -2462,7 +3522,7 @@
           <a:p>
             <a:fld id="{530820CF-B880-4189-942D-D702A7CBA730}" type="datetimeFigureOut">
               <a:rPr lang="zh-CN" altLang="en-US" smtClean="0"/>
-              <a:t>2016/10/9</a:t>
+              <a:t>2016/10/13</a:t>
             </a:fld>
             <a:endParaRPr lang="zh-CN" altLang="en-US"/>
           </a:p>
@@ -2734,7 +3794,7 @@
           <a:p>
             <a:fld id="{530820CF-B880-4189-942D-D702A7CBA730}" type="datetimeFigureOut">
               <a:rPr lang="zh-CN" altLang="en-US" smtClean="0"/>
-              <a:t>2016/10/9</a:t>
+              <a:t>2016/10/13</a:t>
             </a:fld>
             <a:endParaRPr lang="zh-CN" altLang="en-US"/>
           </a:p>
@@ -2982,7 +4042,7 @@
           <a:p>
             <a:fld id="{530820CF-B880-4189-942D-D702A7CBA730}" type="datetimeFigureOut">
               <a:rPr lang="zh-CN" altLang="en-US" smtClean="0"/>
-              <a:t>2016/10/9</a:t>
+              <a:t>2016/10/13</a:t>
             </a:fld>
             <a:endParaRPr lang="zh-CN" altLang="en-US"/>
           </a:p>
@@ -3190,7 +4250,7 @@
           <a:p>
             <a:fld id="{530820CF-B880-4189-942D-D702A7CBA730}" type="datetimeFigureOut">
               <a:rPr lang="zh-CN" altLang="en-US" smtClean="0"/>
-              <a:t>2016/10/9</a:t>
+              <a:t>2016/10/13</a:t>
             </a:fld>
             <a:endParaRPr lang="zh-CN" altLang="en-US"/>
           </a:p>
@@ -3660,6 +4720,1417 @@
   <p:clrMapOvr>
     <a:masterClrMapping/>
   </p:clrMapOvr>
+  <p:timing>
+    <p:tnLst>
+      <p:par>
+        <p:cTn id="1" dur="indefinite" restart="never" nodeType="tmRoot"/>
+      </p:par>
+    </p:tnLst>
+  </p:timing>
+</p:sld>
+</file>
+
+<file path=ppt/slides/slide10.xml><?xml version="1.0" encoding="utf-8"?>
+<p:sld xmlns:a="http://schemas.openxmlformats.org/drawingml/2006/main" xmlns:r="http://schemas.openxmlformats.org/officeDocument/2006/relationships" xmlns:p="http://schemas.openxmlformats.org/presentationml/2006/main">
+  <p:cSld>
+    <p:spTree>
+      <p:nvGrpSpPr>
+        <p:cNvPr id="1" name=""/>
+        <p:cNvGrpSpPr/>
+        <p:nvPr/>
+      </p:nvGrpSpPr>
+      <p:grpSpPr>
+        <a:xfrm>
+          <a:off x="0" y="0"/>
+          <a:ext cx="0" cy="0"/>
+          <a:chOff x="0" y="0"/>
+          <a:chExt cx="0" cy="0"/>
+        </a:xfrm>
+      </p:grpSpPr>
+      <p:sp>
+        <p:nvSpPr>
+          <p:cNvPr id="3075" name="灯片编号占位符 5"/>
+          <p:cNvSpPr>
+            <a:spLocks noGrp="1" noChangeArrowheads="1"/>
+          </p:cNvSpPr>
+          <p:nvPr/>
+        </p:nvSpPr>
+        <p:spPr bwMode="auto">
+          <a:xfrm>
+            <a:off x="8556625" y="0"/>
+            <a:ext cx="587375" cy="396875"/>
+          </a:xfrm>
+          <a:prstGeom prst="rect">
+            <a:avLst/>
+          </a:prstGeom>
+          <a:noFill/>
+          <a:ln>
+            <a:noFill/>
+          </a:ln>
+          <a:extLst>
+            <a:ext uri="{909E8E84-426E-40DD-AFC4-6F175D3DCCD1}">
+              <a14:hiddenFill xmlns:a14="http://schemas.microsoft.com/office/drawing/2010/main">
+                <a:solidFill>
+                  <a:srgbClr val="FFFFFF"/>
+                </a:solidFill>
+              </a14:hiddenFill>
+            </a:ext>
+            <a:ext uri="{91240B29-F687-4F45-9708-019B960494DF}">
+              <a14:hiddenLine xmlns:a14="http://schemas.microsoft.com/office/drawing/2010/main" w="9525">
+                <a:solidFill>
+                  <a:srgbClr val="000000"/>
+                </a:solidFill>
+                <a:miter lim="800000"/>
+                <a:headEnd/>
+                <a:tailEnd/>
+              </a14:hiddenLine>
+            </a:ext>
+          </a:extLst>
+        </p:spPr>
+        <p:txBody>
+          <a:bodyPr/>
+          <a:lstStyle/>
+          <a:p>
+            <a:fld id="{5FFBC17F-40C8-49ED-B904-840D04F2287F}" type="slidenum">
+              <a:rPr lang="zh-CN" altLang="en-US">
+                <a:ea typeface="楷体_GB2312" pitchFamily="1" charset="-122"/>
+              </a:rPr>
+              <a:pPr/>
+              <a:t>10</a:t>
+            </a:fld>
+            <a:endParaRPr lang="en-US" altLang="zh-CN">
+              <a:ea typeface="楷体_GB2312" pitchFamily="1" charset="-122"/>
+            </a:endParaRPr>
+          </a:p>
+        </p:txBody>
+      </p:sp>
+      <p:sp>
+        <p:nvSpPr>
+          <p:cNvPr id="3076" name="Rectangle 2"/>
+          <p:cNvSpPr>
+            <a:spLocks noGrp="1" noChangeArrowheads="1"/>
+          </p:cNvSpPr>
+          <p:nvPr>
+            <p:ph type="title" idx="4294967295"/>
+          </p:nvPr>
+        </p:nvSpPr>
+        <p:spPr>
+          <a:xfrm>
+            <a:off x="467544" y="71437"/>
+            <a:ext cx="7715200" cy="650875"/>
+          </a:xfrm>
+        </p:spPr>
+        <p:txBody>
+          <a:bodyPr>
+            <a:normAutofit fontScale="90000"/>
+          </a:bodyPr>
+          <a:lstStyle/>
+          <a:p>
+            <a:pPr algn="just" eaLnBrk="1" hangingPunct="1"/>
+            <a:r>
+              <a:rPr lang="zh-CN" altLang="en-US" dirty="0" smtClean="0"/>
+              <a:t>整数除以整数，结果为整数</a:t>
+            </a:r>
+          </a:p>
+        </p:txBody>
+      </p:sp>
+      <p:sp>
+        <p:nvSpPr>
+          <p:cNvPr id="3077" name="Rectangle 3"/>
+          <p:cNvSpPr>
+            <a:spLocks noGrp="1" noChangeArrowheads="1"/>
+          </p:cNvSpPr>
+          <p:nvPr>
+            <p:ph type="body" idx="1"/>
+          </p:nvPr>
+        </p:nvSpPr>
+        <p:spPr>
+          <a:xfrm>
+            <a:off x="755650" y="836613"/>
+            <a:ext cx="8229600" cy="838200"/>
+          </a:xfrm>
+        </p:spPr>
+        <p:txBody>
+          <a:bodyPr/>
+          <a:lstStyle/>
+          <a:p>
+            <a:pPr marL="22225" indent="-17463" algn="l" eaLnBrk="1" hangingPunct="1">
+              <a:lnSpc>
+                <a:spcPct val="90000"/>
+              </a:lnSpc>
+            </a:pPr>
+            <a:r>
+              <a:rPr lang="zh-CN" altLang="en-US" sz="2000" dirty="0" smtClean="0"/>
+              <a:t>已知三条边a、b、c，求三角形面积</a:t>
+            </a:r>
+          </a:p>
+          <a:p>
+            <a:pPr marL="22225" indent="-17463" algn="l" eaLnBrk="1" hangingPunct="1">
+              <a:lnSpc>
+                <a:spcPct val="90000"/>
+              </a:lnSpc>
+            </a:pPr>
+            <a:r>
+              <a:rPr lang="zh-CN" altLang="en-US" sz="2000" dirty="0" smtClean="0"/>
+              <a:t>     三角形面积的计算公式 </a:t>
+            </a:r>
+          </a:p>
+        </p:txBody>
+      </p:sp>
+      <p:grpSp>
+        <p:nvGrpSpPr>
+          <p:cNvPr id="3078" name="Group 10"/>
+          <p:cNvGrpSpPr>
+            <a:grpSpLocks/>
+          </p:cNvGrpSpPr>
+          <p:nvPr/>
+        </p:nvGrpSpPr>
+        <p:grpSpPr bwMode="auto">
+          <a:xfrm>
+            <a:off x="4932363" y="766763"/>
+            <a:ext cx="3733800" cy="990600"/>
+            <a:chOff x="0" y="0"/>
+            <a:chExt cx="2352" cy="624"/>
+          </a:xfrm>
+        </p:grpSpPr>
+        <p:pic>
+          <p:nvPicPr>
+            <p:cNvPr id="3081" name="Object 5"/>
+            <p:cNvPicPr>
+              <a:picLocks noChangeAspect="1" noChangeArrowheads="1"/>
+            </p:cNvPicPr>
+            <p:nvPr/>
+          </p:nvPicPr>
+          <p:blipFill>
+            <a:blip r:embed="rId2" cstate="print">
+              <a:extLst>
+                <a:ext uri="{28A0092B-C50C-407E-A947-70E740481C1C}">
+                  <a14:useLocalDpi xmlns:a14="http://schemas.microsoft.com/office/drawing/2010/main" val="0"/>
+                </a:ext>
+              </a:extLst>
+            </a:blip>
+            <a:srcRect/>
+            <a:stretch>
+              <a:fillRect/>
+            </a:stretch>
+          </p:blipFill>
+          <p:spPr bwMode="auto">
+            <a:xfrm>
+              <a:off x="59" y="0"/>
+              <a:ext cx="2293" cy="242"/>
+            </a:xfrm>
+            <a:prstGeom prst="rect">
+              <a:avLst/>
+            </a:prstGeom>
+            <a:noFill/>
+            <a:ln>
+              <a:noFill/>
+            </a:ln>
+            <a:extLst>
+              <a:ext uri="{909E8E84-426E-40DD-AFC4-6F175D3DCCD1}">
+                <a14:hiddenFill xmlns:a14="http://schemas.microsoft.com/office/drawing/2010/main">
+                  <a:solidFill>
+                    <a:srgbClr val="FFFFFF"/>
+                  </a:solidFill>
+                </a14:hiddenFill>
+              </a:ext>
+              <a:ext uri="{91240B29-F687-4F45-9708-019B960494DF}">
+                <a14:hiddenLine xmlns:a14="http://schemas.microsoft.com/office/drawing/2010/main" w="9525">
+                  <a:solidFill>
+                    <a:srgbClr val="000000"/>
+                  </a:solidFill>
+                  <a:miter lim="800000"/>
+                  <a:headEnd/>
+                  <a:tailEnd/>
+                </a14:hiddenLine>
+              </a:ext>
+            </a:extLst>
+          </p:spPr>
+        </p:pic>
+        <p:pic>
+          <p:nvPicPr>
+            <p:cNvPr id="3082" name="Object 7"/>
+            <p:cNvPicPr>
+              <a:picLocks noChangeAspect="1" noChangeArrowheads="1"/>
+            </p:cNvPicPr>
+            <p:nvPr/>
+          </p:nvPicPr>
+          <p:blipFill>
+            <a:blip r:embed="rId3" cstate="print">
+              <a:extLst>
+                <a:ext uri="{28A0092B-C50C-407E-A947-70E740481C1C}">
+                  <a14:useLocalDpi xmlns:a14="http://schemas.microsoft.com/office/drawing/2010/main" val="0"/>
+                </a:ext>
+              </a:extLst>
+            </a:blip>
+            <a:srcRect/>
+            <a:stretch>
+              <a:fillRect/>
+            </a:stretch>
+          </p:blipFill>
+          <p:spPr bwMode="auto">
+            <a:xfrm>
+              <a:off x="576" y="242"/>
+              <a:ext cx="1297" cy="382"/>
+            </a:xfrm>
+            <a:prstGeom prst="rect">
+              <a:avLst/>
+            </a:prstGeom>
+            <a:noFill/>
+            <a:ln>
+              <a:noFill/>
+            </a:ln>
+            <a:extLst>
+              <a:ext uri="{909E8E84-426E-40DD-AFC4-6F175D3DCCD1}">
+                <a14:hiddenFill xmlns:a14="http://schemas.microsoft.com/office/drawing/2010/main">
+                  <a:solidFill>
+                    <a:srgbClr val="FFFFFF"/>
+                  </a:solidFill>
+                </a14:hiddenFill>
+              </a:ext>
+              <a:ext uri="{91240B29-F687-4F45-9708-019B960494DF}">
+                <a14:hiddenLine xmlns:a14="http://schemas.microsoft.com/office/drawing/2010/main" w="9525">
+                  <a:solidFill>
+                    <a:srgbClr val="000000"/>
+                  </a:solidFill>
+                  <a:miter lim="800000"/>
+                  <a:headEnd/>
+                  <a:tailEnd/>
+                </a14:hiddenLine>
+              </a:ext>
+            </a:extLst>
+          </p:spPr>
+        </p:pic>
+        <p:sp>
+          <p:nvSpPr>
+            <p:cNvPr id="3083" name="Text Box 8"/>
+            <p:cNvSpPr>
+              <a:spLocks noChangeArrowheads="1"/>
+            </p:cNvSpPr>
+            <p:nvPr/>
+          </p:nvSpPr>
+          <p:spPr bwMode="auto">
+            <a:xfrm>
+              <a:off x="0" y="240"/>
+              <a:ext cx="862" cy="302"/>
+            </a:xfrm>
+            <a:prstGeom prst="rect">
+              <a:avLst/>
+            </a:prstGeom>
+            <a:noFill/>
+            <a:ln>
+              <a:noFill/>
+            </a:ln>
+            <a:extLst>
+              <a:ext uri="{909E8E84-426E-40DD-AFC4-6F175D3DCCD1}">
+                <a14:hiddenFill xmlns:a14="http://schemas.microsoft.com/office/drawing/2010/main">
+                  <a:solidFill>
+                    <a:srgbClr val="FFFFFF"/>
+                  </a:solidFill>
+                </a14:hiddenFill>
+              </a:ext>
+              <a:ext uri="{91240B29-F687-4F45-9708-019B960494DF}">
+                <a14:hiddenLine xmlns:a14="http://schemas.microsoft.com/office/drawing/2010/main" w="9525">
+                  <a:solidFill>
+                    <a:srgbClr val="000000"/>
+                  </a:solidFill>
+                  <a:miter lim="800000"/>
+                  <a:headEnd/>
+                  <a:tailEnd/>
+                </a14:hiddenLine>
+              </a:ext>
+            </a:extLst>
+          </p:spPr>
+          <p:txBody>
+            <a:bodyPr/>
+            <a:lstStyle/>
+            <a:p>
+              <a:pPr algn="just">
+                <a:spcBef>
+                  <a:spcPct val="0"/>
+                </a:spcBef>
+              </a:pPr>
+              <a:r>
+                <a:rPr lang="zh-CN" altLang="en-US">
+                  <a:solidFill>
+                    <a:srgbClr val="006600"/>
+                  </a:solidFill>
+                  <a:ea typeface="楷体_GB2312" pitchFamily="1" charset="-122"/>
+                  <a:sym typeface="Arial" pitchFamily="34" charset="0"/>
+                </a:rPr>
+                <a:t>其中：</a:t>
+              </a:r>
+              <a:endParaRPr lang="zh-CN" altLang="en-US">
+                <a:ea typeface="楷体_GB2312" pitchFamily="1" charset="-122"/>
+              </a:endParaRPr>
+            </a:p>
+          </p:txBody>
+        </p:sp>
+      </p:grpSp>
+      <p:sp>
+        <p:nvSpPr>
+          <p:cNvPr id="4105" name="Rectangle 11"/>
+          <p:cNvSpPr>
+            <a:spLocks noChangeArrowheads="1"/>
+          </p:cNvSpPr>
+          <p:nvPr/>
+        </p:nvSpPr>
+        <p:spPr bwMode="auto">
+          <a:xfrm>
+            <a:off x="762000" y="1627188"/>
+            <a:ext cx="8001000" cy="3098800"/>
+          </a:xfrm>
+          <a:prstGeom prst="rect">
+            <a:avLst/>
+          </a:prstGeom>
+          <a:noFill/>
+          <a:ln w="9525">
+            <a:solidFill>
+              <a:schemeClr val="tx1"/>
+            </a:solidFill>
+            <a:miter lim="800000"/>
+            <a:headEnd/>
+            <a:tailEnd/>
+          </a:ln>
+          <a:extLst>
+            <a:ext uri="{909E8E84-426E-40DD-AFC4-6F175D3DCCD1}">
+              <a14:hiddenFill xmlns:a14="http://schemas.microsoft.com/office/drawing/2010/main">
+                <a:solidFill>
+                  <a:srgbClr val="FFFFFF"/>
+                </a:solidFill>
+              </a14:hiddenFill>
+            </a:ext>
+          </a:extLst>
+        </p:spPr>
+        <p:txBody>
+          <a:bodyPr/>
+          <a:lstStyle/>
+          <a:p>
+            <a:pPr marL="342900" indent="-342900" algn="just">
+              <a:spcBef>
+                <a:spcPct val="0"/>
+              </a:spcBef>
+            </a:pPr>
+            <a:r>
+              <a:rPr lang="zh-CN" altLang="en-US" sz="2000" dirty="0">
+                <a:solidFill>
+                  <a:srgbClr val="003366"/>
+                </a:solidFill>
+              </a:rPr>
+              <a:t>#</a:t>
+            </a:r>
+            <a:r>
+              <a:rPr lang="en-US" altLang="zh-CN" sz="2000" dirty="0">
+                <a:solidFill>
+                  <a:srgbClr val="003366"/>
+                </a:solidFill>
+              </a:rPr>
+              <a:t>include &lt;</a:t>
+            </a:r>
+            <a:r>
+              <a:rPr lang="en-US" altLang="zh-CN" sz="2000" dirty="0" err="1">
+                <a:solidFill>
+                  <a:srgbClr val="003366"/>
+                </a:solidFill>
+              </a:rPr>
+              <a:t>math.h</a:t>
+            </a:r>
+            <a:r>
+              <a:rPr lang="en-US" altLang="zh-CN" sz="2000" dirty="0">
+                <a:solidFill>
+                  <a:srgbClr val="003366"/>
+                </a:solidFill>
+              </a:rPr>
+              <a:t>&gt;</a:t>
+            </a:r>
+            <a:endParaRPr lang="zh-CN" altLang="en-US" sz="2000" dirty="0">
+              <a:solidFill>
+                <a:srgbClr val="003366"/>
+              </a:solidFill>
+            </a:endParaRPr>
+          </a:p>
+          <a:p>
+            <a:pPr marL="342900" indent="-342900" algn="just">
+              <a:spcBef>
+                <a:spcPct val="0"/>
+              </a:spcBef>
+            </a:pPr>
+            <a:r>
+              <a:rPr lang="en-US" altLang="zh-CN" sz="2000" dirty="0">
+                <a:solidFill>
+                  <a:srgbClr val="003366"/>
+                </a:solidFill>
+              </a:rPr>
+              <a:t>#include &lt;</a:t>
+            </a:r>
+            <a:r>
+              <a:rPr lang="en-US" altLang="zh-CN" sz="2000" dirty="0" err="1">
+                <a:solidFill>
+                  <a:srgbClr val="003366"/>
+                </a:solidFill>
+              </a:rPr>
+              <a:t>stdio.h</a:t>
+            </a:r>
+            <a:r>
+              <a:rPr lang="en-US" altLang="zh-CN" sz="2000" dirty="0">
+                <a:solidFill>
+                  <a:srgbClr val="003366"/>
+                </a:solidFill>
+              </a:rPr>
+              <a:t>&gt;</a:t>
+            </a:r>
+            <a:endParaRPr lang="zh-CN" altLang="en-US" sz="2000" dirty="0">
+              <a:solidFill>
+                <a:srgbClr val="003366"/>
+              </a:solidFill>
+            </a:endParaRPr>
+          </a:p>
+          <a:p>
+            <a:pPr marL="342900" indent="-342900" algn="just">
+              <a:spcBef>
+                <a:spcPct val="0"/>
+              </a:spcBef>
+            </a:pPr>
+            <a:r>
+              <a:rPr lang="zh-CN" altLang="en-US" sz="2000" dirty="0">
+                <a:solidFill>
+                  <a:srgbClr val="003366"/>
+                </a:solidFill>
+              </a:rPr>
+              <a:t>void </a:t>
+            </a:r>
+            <a:r>
+              <a:rPr lang="en-US" altLang="zh-CN" sz="2000" dirty="0">
+                <a:solidFill>
+                  <a:srgbClr val="003366"/>
+                </a:solidFill>
+              </a:rPr>
+              <a:t>main( )</a:t>
+            </a:r>
+            <a:endParaRPr lang="zh-CN" altLang="en-US" sz="2000" dirty="0">
+              <a:solidFill>
+                <a:srgbClr val="003366"/>
+              </a:solidFill>
+            </a:endParaRPr>
+          </a:p>
+          <a:p>
+            <a:pPr marL="342900" indent="-342900" algn="just">
+              <a:spcBef>
+                <a:spcPct val="0"/>
+              </a:spcBef>
+            </a:pPr>
+            <a:r>
+              <a:rPr lang="en-US" altLang="zh-CN" sz="2000" dirty="0">
+                <a:solidFill>
+                  <a:srgbClr val="003366"/>
+                </a:solidFill>
+              </a:rPr>
+              <a:t>{ </a:t>
+            </a:r>
+            <a:endParaRPr lang="zh-CN" altLang="en-US" sz="2000" dirty="0">
+              <a:solidFill>
+                <a:srgbClr val="003366"/>
+              </a:solidFill>
+            </a:endParaRPr>
+          </a:p>
+          <a:p>
+            <a:pPr marL="342900" indent="-342900" algn="just">
+              <a:spcBef>
+                <a:spcPct val="0"/>
+              </a:spcBef>
+            </a:pPr>
+            <a:r>
+              <a:rPr lang="en-US" altLang="zh-CN" sz="2000" dirty="0">
+                <a:solidFill>
+                  <a:srgbClr val="003366"/>
+                </a:solidFill>
+              </a:rPr>
+              <a:t>  float </a:t>
+            </a:r>
+            <a:r>
+              <a:rPr lang="en-US" altLang="zh-CN" sz="2000" dirty="0" err="1">
+                <a:solidFill>
+                  <a:srgbClr val="003366"/>
+                </a:solidFill>
+              </a:rPr>
+              <a:t>a,b,c</a:t>
+            </a:r>
+            <a:r>
+              <a:rPr lang="en-US" altLang="zh-CN" sz="2000" dirty="0">
+                <a:solidFill>
+                  <a:srgbClr val="003366"/>
+                </a:solidFill>
+              </a:rPr>
+              <a:t> </a:t>
+            </a:r>
+            <a:r>
+              <a:rPr lang="en-US" altLang="zh-CN" sz="2000" dirty="0" err="1">
+                <a:solidFill>
+                  <a:srgbClr val="003366"/>
+                </a:solidFill>
+              </a:rPr>
+              <a:t>s,area</a:t>
+            </a:r>
+            <a:r>
+              <a:rPr lang="en-US" altLang="zh-CN" sz="2000" dirty="0">
+                <a:solidFill>
+                  <a:srgbClr val="003366"/>
+                </a:solidFill>
+              </a:rPr>
+              <a:t> ;</a:t>
+            </a:r>
+            <a:endParaRPr lang="zh-CN" altLang="en-US" sz="2000" dirty="0">
+              <a:solidFill>
+                <a:srgbClr val="003366"/>
+              </a:solidFill>
+            </a:endParaRPr>
+          </a:p>
+          <a:p>
+            <a:pPr marL="342900" indent="-342900" algn="just">
+              <a:spcBef>
+                <a:spcPct val="0"/>
+              </a:spcBef>
+            </a:pPr>
+            <a:r>
+              <a:rPr lang="en-US" altLang="zh-CN" sz="2000" dirty="0">
+                <a:solidFill>
+                  <a:srgbClr val="003366"/>
+                </a:solidFill>
+              </a:rPr>
+              <a:t>  </a:t>
+            </a:r>
+            <a:r>
+              <a:rPr lang="zh-CN" altLang="en-US" sz="2000" dirty="0">
+                <a:solidFill>
+                  <a:srgbClr val="003366"/>
+                </a:solidFill>
+              </a:rPr>
+              <a:t>scanf("%f, %f, %f",&amp;a,&amp;b,&amp;c);</a:t>
+            </a:r>
+          </a:p>
+          <a:p>
+            <a:pPr marL="342900" indent="-342900" algn="just">
+              <a:spcBef>
+                <a:spcPct val="0"/>
+              </a:spcBef>
+            </a:pPr>
+            <a:r>
+              <a:rPr lang="en-US" altLang="zh-CN" sz="2000" dirty="0">
+                <a:solidFill>
+                  <a:srgbClr val="003366"/>
+                </a:solidFill>
+              </a:rPr>
+              <a:t>  s =1/2*(</a:t>
+            </a:r>
+            <a:r>
+              <a:rPr lang="en-US" altLang="zh-CN" sz="2000" dirty="0" err="1">
+                <a:solidFill>
+                  <a:srgbClr val="003366"/>
+                </a:solidFill>
+              </a:rPr>
+              <a:t>a+b+c</a:t>
+            </a:r>
+            <a:r>
+              <a:rPr lang="en-US" altLang="zh-CN" sz="2000" dirty="0">
+                <a:solidFill>
+                  <a:srgbClr val="003366"/>
+                </a:solidFill>
+              </a:rPr>
+              <a:t>) ;</a:t>
+            </a:r>
+            <a:endParaRPr lang="zh-CN" altLang="en-US" sz="2000" dirty="0">
+              <a:solidFill>
+                <a:srgbClr val="003366"/>
+              </a:solidFill>
+            </a:endParaRPr>
+          </a:p>
+          <a:p>
+            <a:pPr marL="342900" indent="-342900" algn="just">
+              <a:spcBef>
+                <a:spcPct val="0"/>
+              </a:spcBef>
+            </a:pPr>
+            <a:r>
+              <a:rPr lang="en-US" altLang="zh-CN" sz="2000" dirty="0">
+                <a:solidFill>
+                  <a:srgbClr val="003366"/>
+                </a:solidFill>
+              </a:rPr>
+              <a:t>  area = </a:t>
+            </a:r>
+            <a:r>
+              <a:rPr lang="en-US" altLang="zh-CN" sz="2000" dirty="0" err="1">
+                <a:solidFill>
+                  <a:srgbClr val="003366"/>
+                </a:solidFill>
+              </a:rPr>
+              <a:t>sqrt</a:t>
+            </a:r>
+            <a:r>
+              <a:rPr lang="en-US" altLang="zh-CN" sz="2000" dirty="0">
+                <a:solidFill>
+                  <a:srgbClr val="003366"/>
+                </a:solidFill>
+              </a:rPr>
+              <a:t>(s*(s-a)*(s-b)*(s-c)) ;</a:t>
+            </a:r>
+            <a:endParaRPr lang="zh-CN" altLang="en-US" sz="2000" dirty="0">
+              <a:solidFill>
+                <a:srgbClr val="003366"/>
+              </a:solidFill>
+            </a:endParaRPr>
+          </a:p>
+          <a:p>
+            <a:pPr marL="342900" indent="-342900" algn="just">
+              <a:spcBef>
+                <a:spcPct val="0"/>
+              </a:spcBef>
+            </a:pPr>
+            <a:r>
+              <a:rPr lang="en-US" altLang="zh-CN" sz="2000" dirty="0">
+                <a:solidFill>
+                  <a:srgbClr val="003366"/>
+                </a:solidFill>
+              </a:rPr>
+              <a:t>  </a:t>
+            </a:r>
+            <a:r>
+              <a:rPr lang="en-US" altLang="zh-CN" sz="2000" dirty="0" err="1">
+                <a:solidFill>
+                  <a:srgbClr val="003366"/>
+                </a:solidFill>
+              </a:rPr>
+              <a:t>printf</a:t>
+            </a:r>
+            <a:r>
+              <a:rPr lang="en-US" altLang="zh-CN" sz="2000" dirty="0">
+                <a:solidFill>
+                  <a:srgbClr val="003366"/>
+                </a:solidFill>
+              </a:rPr>
+              <a:t>("area = %8.3f \</a:t>
+            </a:r>
+            <a:r>
+              <a:rPr lang="en-US" altLang="zh-CN" sz="2000" dirty="0" err="1">
+                <a:solidFill>
+                  <a:srgbClr val="003366"/>
+                </a:solidFill>
+              </a:rPr>
+              <a:t>n",area</a:t>
+            </a:r>
+            <a:r>
+              <a:rPr lang="en-US" altLang="zh-CN" sz="2000" dirty="0">
+                <a:solidFill>
+                  <a:srgbClr val="003366"/>
+                </a:solidFill>
+              </a:rPr>
+              <a:t>) ;</a:t>
+            </a:r>
+            <a:endParaRPr lang="zh-CN" altLang="en-US" sz="2000" dirty="0">
+              <a:solidFill>
+                <a:srgbClr val="003366"/>
+              </a:solidFill>
+            </a:endParaRPr>
+          </a:p>
+          <a:p>
+            <a:pPr marL="342900" indent="-342900" algn="just">
+              <a:spcBef>
+                <a:spcPct val="0"/>
+              </a:spcBef>
+            </a:pPr>
+            <a:r>
+              <a:rPr lang="en-US" altLang="zh-CN" sz="2000" dirty="0">
+                <a:solidFill>
+                  <a:srgbClr val="003366"/>
+                </a:solidFill>
+              </a:rPr>
+              <a:t>}</a:t>
+            </a:r>
+            <a:endParaRPr lang="zh-CN" altLang="en-US" sz="2000" dirty="0">
+              <a:solidFill>
+                <a:srgbClr val="003366"/>
+              </a:solidFill>
+            </a:endParaRPr>
+          </a:p>
+        </p:txBody>
+      </p:sp>
+      <p:sp>
+        <p:nvSpPr>
+          <p:cNvPr id="4106" name="Text Box 10"/>
+          <p:cNvSpPr txBox="1">
+            <a:spLocks noChangeArrowheads="1"/>
+          </p:cNvSpPr>
+          <p:nvPr/>
+        </p:nvSpPr>
+        <p:spPr bwMode="auto">
+          <a:xfrm>
+            <a:off x="612775" y="4884738"/>
+            <a:ext cx="8351838" cy="1868487"/>
+          </a:xfrm>
+          <a:prstGeom prst="rect">
+            <a:avLst/>
+          </a:prstGeom>
+          <a:noFill/>
+          <a:ln w="9525">
+            <a:solidFill>
+              <a:schemeClr val="tx1"/>
+            </a:solidFill>
+            <a:miter lim="800000"/>
+            <a:headEnd/>
+            <a:tailEnd/>
+          </a:ln>
+          <a:extLst>
+            <a:ext uri="{909E8E84-426E-40DD-AFC4-6F175D3DCCD1}">
+              <a14:hiddenFill xmlns:a14="http://schemas.microsoft.com/office/drawing/2010/main">
+                <a:solidFill>
+                  <a:srgbClr val="FFFFFF"/>
+                </a:solidFill>
+              </a14:hiddenFill>
+            </a:ext>
+          </a:extLst>
+        </p:spPr>
+        <p:txBody>
+          <a:bodyPr>
+            <a:spAutoFit/>
+          </a:bodyPr>
+          <a:lstStyle>
+            <a:lvl1pPr>
+              <a:defRPr sz="2400" b="1">
+                <a:solidFill>
+                  <a:srgbClr val="000000"/>
+                </a:solidFill>
+                <a:latin typeface="Times New Roman" pitchFamily="18" charset="0"/>
+                <a:ea typeface="宋体" pitchFamily="2" charset="-122"/>
+              </a:defRPr>
+            </a:lvl1pPr>
+            <a:lvl2pPr marL="742950" indent="-285750">
+              <a:defRPr sz="2400" b="1">
+                <a:solidFill>
+                  <a:srgbClr val="000000"/>
+                </a:solidFill>
+                <a:latin typeface="Times New Roman" pitchFamily="18" charset="0"/>
+                <a:ea typeface="宋体" pitchFamily="2" charset="-122"/>
+              </a:defRPr>
+            </a:lvl2pPr>
+            <a:lvl3pPr marL="1143000" indent="-228600">
+              <a:defRPr sz="2400" b="1">
+                <a:solidFill>
+                  <a:srgbClr val="000000"/>
+                </a:solidFill>
+                <a:latin typeface="Times New Roman" pitchFamily="18" charset="0"/>
+                <a:ea typeface="宋体" pitchFamily="2" charset="-122"/>
+              </a:defRPr>
+            </a:lvl3pPr>
+            <a:lvl4pPr marL="1600200" indent="-228600">
+              <a:defRPr sz="2400" b="1">
+                <a:solidFill>
+                  <a:srgbClr val="000000"/>
+                </a:solidFill>
+                <a:latin typeface="Times New Roman" pitchFamily="18" charset="0"/>
+                <a:ea typeface="宋体" pitchFamily="2" charset="-122"/>
+              </a:defRPr>
+            </a:lvl4pPr>
+            <a:lvl5pPr marL="2057400" indent="-228600">
+              <a:defRPr sz="2400" b="1">
+                <a:solidFill>
+                  <a:srgbClr val="000000"/>
+                </a:solidFill>
+                <a:latin typeface="Times New Roman" pitchFamily="18" charset="0"/>
+                <a:ea typeface="宋体" pitchFamily="2" charset="-122"/>
+              </a:defRPr>
+            </a:lvl5pPr>
+            <a:lvl6pPr marL="2514600" indent="-228600" eaLnBrk="0" fontAlgn="base" hangingPunct="0">
+              <a:spcBef>
+                <a:spcPct val="20000"/>
+              </a:spcBef>
+              <a:spcAft>
+                <a:spcPct val="0"/>
+              </a:spcAft>
+              <a:buClr>
+                <a:schemeClr val="tx1"/>
+              </a:buClr>
+              <a:buSzPct val="75000"/>
+              <a:buFont typeface="Wingdings" pitchFamily="2" charset="2"/>
+              <a:defRPr sz="2400" b="1">
+                <a:solidFill>
+                  <a:srgbClr val="000000"/>
+                </a:solidFill>
+                <a:latin typeface="Times New Roman" pitchFamily="18" charset="0"/>
+                <a:ea typeface="宋体" pitchFamily="2" charset="-122"/>
+              </a:defRPr>
+            </a:lvl6pPr>
+            <a:lvl7pPr marL="2971800" indent="-228600" eaLnBrk="0" fontAlgn="base" hangingPunct="0">
+              <a:spcBef>
+                <a:spcPct val="20000"/>
+              </a:spcBef>
+              <a:spcAft>
+                <a:spcPct val="0"/>
+              </a:spcAft>
+              <a:buClr>
+                <a:schemeClr val="tx1"/>
+              </a:buClr>
+              <a:buSzPct val="75000"/>
+              <a:buFont typeface="Wingdings" pitchFamily="2" charset="2"/>
+              <a:defRPr sz="2400" b="1">
+                <a:solidFill>
+                  <a:srgbClr val="000000"/>
+                </a:solidFill>
+                <a:latin typeface="Times New Roman" pitchFamily="18" charset="0"/>
+                <a:ea typeface="宋体" pitchFamily="2" charset="-122"/>
+              </a:defRPr>
+            </a:lvl7pPr>
+            <a:lvl8pPr marL="3429000" indent="-228600" eaLnBrk="0" fontAlgn="base" hangingPunct="0">
+              <a:spcBef>
+                <a:spcPct val="20000"/>
+              </a:spcBef>
+              <a:spcAft>
+                <a:spcPct val="0"/>
+              </a:spcAft>
+              <a:buClr>
+                <a:schemeClr val="tx1"/>
+              </a:buClr>
+              <a:buSzPct val="75000"/>
+              <a:buFont typeface="Wingdings" pitchFamily="2" charset="2"/>
+              <a:defRPr sz="2400" b="1">
+                <a:solidFill>
+                  <a:srgbClr val="000000"/>
+                </a:solidFill>
+                <a:latin typeface="Times New Roman" pitchFamily="18" charset="0"/>
+                <a:ea typeface="宋体" pitchFamily="2" charset="-122"/>
+              </a:defRPr>
+            </a:lvl8pPr>
+            <a:lvl9pPr marL="3886200" indent="-228600" eaLnBrk="0" fontAlgn="base" hangingPunct="0">
+              <a:spcBef>
+                <a:spcPct val="20000"/>
+              </a:spcBef>
+              <a:spcAft>
+                <a:spcPct val="0"/>
+              </a:spcAft>
+              <a:buClr>
+                <a:schemeClr val="tx1"/>
+              </a:buClr>
+              <a:buSzPct val="75000"/>
+              <a:buFont typeface="Wingdings" pitchFamily="2" charset="2"/>
+              <a:defRPr sz="2400" b="1">
+                <a:solidFill>
+                  <a:srgbClr val="000000"/>
+                </a:solidFill>
+                <a:latin typeface="Times New Roman" pitchFamily="18" charset="0"/>
+                <a:ea typeface="宋体" pitchFamily="2" charset="-122"/>
+              </a:defRPr>
+            </a:lvl9pPr>
+          </a:lstStyle>
+          <a:p>
+            <a:r>
+              <a:rPr lang="zh-CN" altLang="en-US" sz="2000"/>
+              <a:t>s =1/2*(a+b+c);  // error, s=0</a:t>
+            </a:r>
+          </a:p>
+          <a:p>
+            <a:r>
+              <a:rPr lang="zh-CN" altLang="en-US" sz="2000"/>
+              <a:t>s =1.0/2*(a+b+c);  // ok, 整数相除，自动截断；实型常量，不要忘了'.'</a:t>
+            </a:r>
+          </a:p>
+          <a:p>
+            <a:r>
+              <a:rPr lang="zh-CN" altLang="en-US" sz="2000"/>
+              <a:t>s =1/2.0*(a+b+c);  // ok</a:t>
+            </a:r>
+          </a:p>
+          <a:p>
+            <a:r>
+              <a:rPr lang="zh-CN" altLang="en-US" sz="2000"/>
+              <a:t>s =1.0/2.0*(a+b+c);  // ok</a:t>
+            </a:r>
+          </a:p>
+          <a:p>
+            <a:r>
+              <a:rPr lang="zh-CN" altLang="en-US" sz="2000"/>
+              <a:t>s =0.5*(a+b+c);  // ok</a:t>
+            </a:r>
+          </a:p>
+        </p:txBody>
+      </p:sp>
+    </p:spTree>
+    <p:extLst>
+      <p:ext uri="{BB962C8B-B14F-4D97-AF65-F5344CB8AC3E}">
+        <p14:creationId xmlns:p14="http://schemas.microsoft.com/office/powerpoint/2010/main" val="1672556924"/>
+      </p:ext>
+    </p:extLst>
+  </p:cSld>
+  <p:clrMapOvr>
+    <a:masterClrMapping/>
+  </p:clrMapOvr>
+  <p:timing>
+    <p:tnLst>
+      <p:par>
+        <p:cTn id="1" dur="indefinite" restart="never" nodeType="tmRoot">
+          <p:childTnLst>
+            <p:seq concurrent="1" nextAc="seek">
+              <p:cTn id="2" dur="indefinite" nodeType="mainSeq">
+                <p:childTnLst>
+                  <p:par>
+                    <p:cTn id="3" fill="hold" nodeType="clickPar">
+                      <p:stCondLst>
+                        <p:cond delay="indefinite"/>
+                      </p:stCondLst>
+                      <p:childTnLst>
+                        <p:par>
+                          <p:cTn id="4" fill="hold" nodeType="withGroup">
+                            <p:stCondLst>
+                              <p:cond delay="0"/>
+                            </p:stCondLst>
+                            <p:childTnLst>
+                              <p:par>
+                                <p:cTn id="5" presetID="2" presetClass="entr" presetSubtype="8" fill="hold" grpId="0" nodeType="clickEffect">
+                                  <p:stCondLst>
+                                    <p:cond delay="0"/>
+                                  </p:stCondLst>
+                                  <p:childTnLst>
+                                    <p:set>
+                                      <p:cBhvr>
+                                        <p:cTn id="6" dur="1" fill="hold">
+                                          <p:stCondLst>
+                                            <p:cond delay="0"/>
+                                          </p:stCondLst>
+                                        </p:cTn>
+                                        <p:tgtEl>
+                                          <p:spTgt spid="4105"/>
+                                        </p:tgtEl>
+                                        <p:attrNameLst>
+                                          <p:attrName>style.visibility</p:attrName>
+                                        </p:attrNameLst>
+                                      </p:cBhvr>
+                                      <p:to>
+                                        <p:strVal val="visible"/>
+                                      </p:to>
+                                    </p:set>
+                                    <p:anim calcmode="lin" valueType="num">
+                                      <p:cBhvr>
+                                        <p:cTn id="7" dur="500" fill="hold"/>
+                                        <p:tgtEl>
+                                          <p:spTgt spid="4105"/>
+                                        </p:tgtEl>
+                                        <p:attrNameLst>
+                                          <p:attrName>ppt_x</p:attrName>
+                                        </p:attrNameLst>
+                                      </p:cBhvr>
+                                      <p:tavLst>
+                                        <p:tav tm="0">
+                                          <p:val>
+                                            <p:strVal val="0-#ppt_w/2"/>
+                                          </p:val>
+                                        </p:tav>
+                                        <p:tav tm="100000">
+                                          <p:val>
+                                            <p:strVal val="#ppt_x"/>
+                                          </p:val>
+                                        </p:tav>
+                                      </p:tavLst>
+                                    </p:anim>
+                                    <p:anim calcmode="lin" valueType="num">
+                                      <p:cBhvr>
+                                        <p:cTn id="8" dur="500" fill="hold"/>
+                                        <p:tgtEl>
+                                          <p:spTgt spid="4105"/>
+                                        </p:tgtEl>
+                                        <p:attrNameLst>
+                                          <p:attrName>ppt_y</p:attrName>
+                                        </p:attrNameLst>
+                                      </p:cBhvr>
+                                      <p:tavLst>
+                                        <p:tav tm="0">
+                                          <p:val>
+                                            <p:strVal val="#ppt_y"/>
+                                          </p:val>
+                                        </p:tav>
+                                        <p:tav tm="100000">
+                                          <p:val>
+                                            <p:strVal val="#ppt_y"/>
+                                          </p:val>
+                                        </p:tav>
+                                      </p:tavLst>
+                                    </p:anim>
+                                  </p:childTnLst>
+                                </p:cTn>
+                              </p:par>
+                            </p:childTnLst>
+                          </p:cTn>
+                        </p:par>
+                      </p:childTnLst>
+                    </p:cTn>
+                  </p:par>
+                  <p:par>
+                    <p:cTn id="9" fill="hold" nodeType="clickPar">
+                      <p:stCondLst>
+                        <p:cond delay="indefinite"/>
+                      </p:stCondLst>
+                      <p:childTnLst>
+                        <p:par>
+                          <p:cTn id="10" fill="hold" nodeType="withGroup">
+                            <p:stCondLst>
+                              <p:cond delay="0"/>
+                            </p:stCondLst>
+                            <p:childTnLst>
+                              <p:par>
+                                <p:cTn id="11" presetID="3" presetClass="entr" presetSubtype="10" fill="hold" grpId="0" nodeType="clickEffect">
+                                  <p:stCondLst>
+                                    <p:cond delay="0"/>
+                                  </p:stCondLst>
+                                  <p:childTnLst>
+                                    <p:set>
+                                      <p:cBhvr>
+                                        <p:cTn id="12" dur="1" fill="hold">
+                                          <p:stCondLst>
+                                            <p:cond delay="0"/>
+                                          </p:stCondLst>
+                                        </p:cTn>
+                                        <p:tgtEl>
+                                          <p:spTgt spid="4106">
+                                            <p:bg/>
+                                          </p:spTgt>
+                                        </p:tgtEl>
+                                        <p:attrNameLst>
+                                          <p:attrName>style.visibility</p:attrName>
+                                        </p:attrNameLst>
+                                      </p:cBhvr>
+                                      <p:to>
+                                        <p:strVal val="visible"/>
+                                      </p:to>
+                                    </p:set>
+                                    <p:animEffect transition="in" filter="blinds(horizontal)">
+                                      <p:cBhvr>
+                                        <p:cTn id="13" dur="500"/>
+                                        <p:tgtEl>
+                                          <p:spTgt spid="4106">
+                                            <p:bg/>
+                                          </p:spTgt>
+                                        </p:tgtEl>
+                                      </p:cBhvr>
+                                    </p:animEffect>
+                                  </p:childTnLst>
+                                </p:cTn>
+                              </p:par>
+                              <p:par>
+                                <p:cTn id="14" presetID="3" presetClass="entr" presetSubtype="10" fill="hold" grpId="0" nodeType="withEffect">
+                                  <p:stCondLst>
+                                    <p:cond delay="0"/>
+                                  </p:stCondLst>
+                                  <p:childTnLst>
+                                    <p:set>
+                                      <p:cBhvr>
+                                        <p:cTn id="15" dur="1" fill="hold">
+                                          <p:stCondLst>
+                                            <p:cond delay="0"/>
+                                          </p:stCondLst>
+                                        </p:cTn>
+                                        <p:tgtEl>
+                                          <p:spTgt spid="4106">
+                                            <p:txEl>
+                                              <p:pRg st="0" end="0"/>
+                                            </p:txEl>
+                                          </p:spTgt>
+                                        </p:tgtEl>
+                                        <p:attrNameLst>
+                                          <p:attrName>style.visibility</p:attrName>
+                                        </p:attrNameLst>
+                                      </p:cBhvr>
+                                      <p:to>
+                                        <p:strVal val="visible"/>
+                                      </p:to>
+                                    </p:set>
+                                    <p:animEffect transition="in" filter="blinds(horizontal)">
+                                      <p:cBhvr>
+                                        <p:cTn id="16" dur="500"/>
+                                        <p:tgtEl>
+                                          <p:spTgt spid="4106">
+                                            <p:txEl>
+                                              <p:pRg st="0" end="0"/>
+                                            </p:txEl>
+                                          </p:spTgt>
+                                        </p:tgtEl>
+                                      </p:cBhvr>
+                                    </p:animEffect>
+                                  </p:childTnLst>
+                                </p:cTn>
+                              </p:par>
+                            </p:childTnLst>
+                          </p:cTn>
+                        </p:par>
+                      </p:childTnLst>
+                    </p:cTn>
+                  </p:par>
+                  <p:par>
+                    <p:cTn id="17" fill="hold" nodeType="clickPar">
+                      <p:stCondLst>
+                        <p:cond delay="indefinite"/>
+                      </p:stCondLst>
+                      <p:childTnLst>
+                        <p:par>
+                          <p:cTn id="18" fill="hold" nodeType="withGroup">
+                            <p:stCondLst>
+                              <p:cond delay="0"/>
+                            </p:stCondLst>
+                            <p:childTnLst>
+                              <p:par>
+                                <p:cTn id="19" presetID="3" presetClass="entr" presetSubtype="10" fill="hold" grpId="0" nodeType="clickEffect">
+                                  <p:stCondLst>
+                                    <p:cond delay="0"/>
+                                  </p:stCondLst>
+                                  <p:childTnLst>
+                                    <p:set>
+                                      <p:cBhvr>
+                                        <p:cTn id="20" dur="1" fill="hold">
+                                          <p:stCondLst>
+                                            <p:cond delay="0"/>
+                                          </p:stCondLst>
+                                        </p:cTn>
+                                        <p:tgtEl>
+                                          <p:spTgt spid="4106">
+                                            <p:txEl>
+                                              <p:pRg st="1" end="1"/>
+                                            </p:txEl>
+                                          </p:spTgt>
+                                        </p:tgtEl>
+                                        <p:attrNameLst>
+                                          <p:attrName>style.visibility</p:attrName>
+                                        </p:attrNameLst>
+                                      </p:cBhvr>
+                                      <p:to>
+                                        <p:strVal val="visible"/>
+                                      </p:to>
+                                    </p:set>
+                                    <p:animEffect transition="in" filter="blinds(horizontal)">
+                                      <p:cBhvr>
+                                        <p:cTn id="21" dur="500"/>
+                                        <p:tgtEl>
+                                          <p:spTgt spid="4106">
+                                            <p:txEl>
+                                              <p:pRg st="1" end="1"/>
+                                            </p:txEl>
+                                          </p:spTgt>
+                                        </p:tgtEl>
+                                      </p:cBhvr>
+                                    </p:animEffect>
+                                  </p:childTnLst>
+                                </p:cTn>
+                              </p:par>
+                            </p:childTnLst>
+                          </p:cTn>
+                        </p:par>
+                      </p:childTnLst>
+                    </p:cTn>
+                  </p:par>
+                  <p:par>
+                    <p:cTn id="22" fill="hold" nodeType="clickPar">
+                      <p:stCondLst>
+                        <p:cond delay="indefinite"/>
+                      </p:stCondLst>
+                      <p:childTnLst>
+                        <p:par>
+                          <p:cTn id="23" fill="hold" nodeType="withGroup">
+                            <p:stCondLst>
+                              <p:cond delay="0"/>
+                            </p:stCondLst>
+                            <p:childTnLst>
+                              <p:par>
+                                <p:cTn id="24" presetID="3" presetClass="entr" presetSubtype="10" fill="hold" grpId="0" nodeType="clickEffect">
+                                  <p:stCondLst>
+                                    <p:cond delay="0"/>
+                                  </p:stCondLst>
+                                  <p:childTnLst>
+                                    <p:set>
+                                      <p:cBhvr>
+                                        <p:cTn id="25" dur="1" fill="hold">
+                                          <p:stCondLst>
+                                            <p:cond delay="0"/>
+                                          </p:stCondLst>
+                                        </p:cTn>
+                                        <p:tgtEl>
+                                          <p:spTgt spid="4106">
+                                            <p:txEl>
+                                              <p:pRg st="2" end="2"/>
+                                            </p:txEl>
+                                          </p:spTgt>
+                                        </p:tgtEl>
+                                        <p:attrNameLst>
+                                          <p:attrName>style.visibility</p:attrName>
+                                        </p:attrNameLst>
+                                      </p:cBhvr>
+                                      <p:to>
+                                        <p:strVal val="visible"/>
+                                      </p:to>
+                                    </p:set>
+                                    <p:animEffect transition="in" filter="blinds(horizontal)">
+                                      <p:cBhvr>
+                                        <p:cTn id="26" dur="500"/>
+                                        <p:tgtEl>
+                                          <p:spTgt spid="4106">
+                                            <p:txEl>
+                                              <p:pRg st="2" end="2"/>
+                                            </p:txEl>
+                                          </p:spTgt>
+                                        </p:tgtEl>
+                                      </p:cBhvr>
+                                    </p:animEffect>
+                                  </p:childTnLst>
+                                </p:cTn>
+                              </p:par>
+                            </p:childTnLst>
+                          </p:cTn>
+                        </p:par>
+                      </p:childTnLst>
+                    </p:cTn>
+                  </p:par>
+                  <p:par>
+                    <p:cTn id="27" fill="hold" nodeType="clickPar">
+                      <p:stCondLst>
+                        <p:cond delay="indefinite"/>
+                      </p:stCondLst>
+                      <p:childTnLst>
+                        <p:par>
+                          <p:cTn id="28" fill="hold" nodeType="withGroup">
+                            <p:stCondLst>
+                              <p:cond delay="0"/>
+                            </p:stCondLst>
+                            <p:childTnLst>
+                              <p:par>
+                                <p:cTn id="29" presetID="3" presetClass="entr" presetSubtype="10" fill="hold" grpId="0" nodeType="clickEffect">
+                                  <p:stCondLst>
+                                    <p:cond delay="0"/>
+                                  </p:stCondLst>
+                                  <p:childTnLst>
+                                    <p:set>
+                                      <p:cBhvr>
+                                        <p:cTn id="30" dur="1" fill="hold">
+                                          <p:stCondLst>
+                                            <p:cond delay="0"/>
+                                          </p:stCondLst>
+                                        </p:cTn>
+                                        <p:tgtEl>
+                                          <p:spTgt spid="4106">
+                                            <p:txEl>
+                                              <p:pRg st="3" end="3"/>
+                                            </p:txEl>
+                                          </p:spTgt>
+                                        </p:tgtEl>
+                                        <p:attrNameLst>
+                                          <p:attrName>style.visibility</p:attrName>
+                                        </p:attrNameLst>
+                                      </p:cBhvr>
+                                      <p:to>
+                                        <p:strVal val="visible"/>
+                                      </p:to>
+                                    </p:set>
+                                    <p:animEffect transition="in" filter="blinds(horizontal)">
+                                      <p:cBhvr>
+                                        <p:cTn id="31" dur="500"/>
+                                        <p:tgtEl>
+                                          <p:spTgt spid="4106">
+                                            <p:txEl>
+                                              <p:pRg st="3" end="3"/>
+                                            </p:txEl>
+                                          </p:spTgt>
+                                        </p:tgtEl>
+                                      </p:cBhvr>
+                                    </p:animEffect>
+                                  </p:childTnLst>
+                                </p:cTn>
+                              </p:par>
+                            </p:childTnLst>
+                          </p:cTn>
+                        </p:par>
+                      </p:childTnLst>
+                    </p:cTn>
+                  </p:par>
+                  <p:par>
+                    <p:cTn id="32" fill="hold" nodeType="clickPar">
+                      <p:stCondLst>
+                        <p:cond delay="indefinite"/>
+                      </p:stCondLst>
+                      <p:childTnLst>
+                        <p:par>
+                          <p:cTn id="33" fill="hold" nodeType="withGroup">
+                            <p:stCondLst>
+                              <p:cond delay="0"/>
+                            </p:stCondLst>
+                            <p:childTnLst>
+                              <p:par>
+                                <p:cTn id="34" presetID="3" presetClass="entr" presetSubtype="10" fill="hold" grpId="0" nodeType="clickEffect">
+                                  <p:stCondLst>
+                                    <p:cond delay="0"/>
+                                  </p:stCondLst>
+                                  <p:childTnLst>
+                                    <p:set>
+                                      <p:cBhvr>
+                                        <p:cTn id="35" dur="1" fill="hold">
+                                          <p:stCondLst>
+                                            <p:cond delay="0"/>
+                                          </p:stCondLst>
+                                        </p:cTn>
+                                        <p:tgtEl>
+                                          <p:spTgt spid="4106">
+                                            <p:txEl>
+                                              <p:pRg st="4" end="4"/>
+                                            </p:txEl>
+                                          </p:spTgt>
+                                        </p:tgtEl>
+                                        <p:attrNameLst>
+                                          <p:attrName>style.visibility</p:attrName>
+                                        </p:attrNameLst>
+                                      </p:cBhvr>
+                                      <p:to>
+                                        <p:strVal val="visible"/>
+                                      </p:to>
+                                    </p:set>
+                                    <p:animEffect transition="in" filter="blinds(horizontal)">
+                                      <p:cBhvr>
+                                        <p:cTn id="36" dur="500"/>
+                                        <p:tgtEl>
+                                          <p:spTgt spid="4106">
+                                            <p:txEl>
+                                              <p:pRg st="4" end="4"/>
+                                            </p:txEl>
+                                          </p:spTgt>
+                                        </p:tgtEl>
+                                      </p:cBhvr>
+                                    </p:animEffect>
+                                  </p:childTnLst>
+                                </p:cTn>
+                              </p:par>
+                            </p:childTnLst>
+                          </p:cTn>
+                        </p:par>
+                      </p:childTnLst>
+                    </p:cTn>
+                  </p:par>
+                </p:childTnLst>
+              </p:cTn>
+              <p:prevCondLst>
+                <p:cond evt="onPrev" delay="0">
+                  <p:tgtEl>
+                    <p:sldTgt/>
+                  </p:tgtEl>
+                </p:cond>
+              </p:prevCondLst>
+              <p:nextCondLst>
+                <p:cond evt="onNext" delay="0">
+                  <p:tgtEl>
+                    <p:sldTgt/>
+                  </p:tgtEl>
+                </p:cond>
+              </p:nextCondLst>
+            </p:seq>
+          </p:childTnLst>
+        </p:cTn>
+      </p:par>
+    </p:tnLst>
+    <p:bldLst>
+      <p:bldP spid="4105" grpId="0" bldLvl="0" animBg="1" autoUpdateAnimBg="0"/>
+      <p:bldP spid="4106" grpId="0" build="allAtOnce" bldLvl="0" animBg="1" autoUpdateAnimBg="0"/>
+    </p:bldLst>
+  </p:timing>
 </p:sld>
 </file>
 
@@ -3869,6 +6340,13 @@
   <p:clrMapOvr>
     <a:masterClrMapping/>
   </p:clrMapOvr>
+  <p:timing>
+    <p:tnLst>
+      <p:par>
+        <p:cTn id="1" dur="indefinite" restart="never" nodeType="tmRoot"/>
+      </p:par>
+    </p:tnLst>
+  </p:timing>
 </p:sld>
 </file>
 
@@ -3943,8 +6421,8 @@
         </p:nvSpPr>
         <p:spPr>
           <a:xfrm>
-            <a:off x="395536" y="1196752"/>
-            <a:ext cx="8568952" cy="5400600"/>
+            <a:off x="395536" y="1052736"/>
+            <a:ext cx="8496944" cy="5805264"/>
           </a:xfrm>
         </p:spPr>
         <p:txBody>
@@ -4029,36 +6507,41 @@
             </a:r>
             <a:r>
               <a:rPr lang="zh-CN" altLang="en-US" sz="2400" dirty="0"/>
-              <a:t>文件：</a:t>
+              <a:t>目录</a:t>
+            </a:r>
+            <a:r>
+              <a:rPr lang="zh-CN" altLang="en-US" sz="2400" dirty="0" smtClean="0"/>
+              <a:t>文件</a:t>
+            </a:r>
+            <a:r>
+              <a:rPr lang="zh-CN" altLang="en-US" sz="2400" dirty="0"/>
+              <a:t>：</a:t>
             </a:r>
             <a:r>
               <a:rPr lang="en-US" altLang="zh-CN" sz="2400" dirty="0" err="1" smtClean="0"/>
               <a:t>dir</a:t>
             </a:r>
-            <a:r>
-              <a:rPr lang="en-US" altLang="zh-CN" sz="2400" dirty="0" smtClean="0"/>
-              <a:t> \ </a:t>
-            </a:r>
+            <a:endParaRPr lang="en-US" altLang="zh-CN" sz="2400" dirty="0" smtClean="0"/>
           </a:p>
           <a:p>
             <a:pPr marL="0" indent="0">
               <a:buNone/>
             </a:pPr>
             <a:r>
+              <a:rPr lang="zh-CN" altLang="en-US" sz="2400" dirty="0"/>
+              <a:t>分页列出目录</a:t>
+            </a:r>
+            <a:r>
               <a:rPr lang="zh-CN" altLang="en-US" sz="2400" dirty="0" smtClean="0"/>
-              <a:t>进入</a:t>
-            </a:r>
-            <a:r>
-              <a:rPr lang="en-US" altLang="zh-CN" sz="2400" dirty="0"/>
-              <a:t>d</a:t>
-            </a:r>
-            <a:r>
-              <a:rPr lang="zh-CN" altLang="en-US" sz="2400" dirty="0" smtClean="0"/>
-              <a:t>盘根目录</a:t>
+              <a:t>文件：</a:t>
+            </a:r>
+            <a:r>
+              <a:rPr lang="en-US" altLang="zh-CN" sz="2400" dirty="0" err="1" smtClean="0"/>
+              <a:t>dir</a:t>
             </a:r>
             <a:r>
               <a:rPr lang="en-US" altLang="zh-CN" sz="2400" dirty="0" smtClean="0"/>
-              <a:t>: cd \</a:t>
+              <a:t> /p</a:t>
             </a:r>
           </a:p>
           <a:p>
@@ -4067,35 +6550,33 @@
             </a:pPr>
             <a:r>
               <a:rPr lang="zh-CN" altLang="en-US" sz="2400" dirty="0" smtClean="0"/>
-              <a:t>建立目录：</a:t>
+              <a:t>进入</a:t>
+            </a:r>
+            <a:r>
+              <a:rPr lang="en-US" altLang="zh-CN" sz="2400" dirty="0"/>
+              <a:t>d</a:t>
+            </a:r>
+            <a:r>
+              <a:rPr lang="zh-CN" altLang="en-US" sz="2400" dirty="0" smtClean="0"/>
+              <a:t>盘根目录</a:t>
             </a:r>
             <a:r>
               <a:rPr lang="en-US" altLang="zh-CN" sz="2400" dirty="0" smtClean="0"/>
-              <a:t>md </a:t>
-            </a:r>
-            <a:r>
-              <a:rPr lang="en-US" altLang="zh-CN" sz="2400" dirty="0" err="1" smtClean="0"/>
-              <a:t>tc</a:t>
-            </a:r>
-            <a:endParaRPr lang="en-US" altLang="zh-CN" sz="2400" dirty="0" smtClean="0"/>
+              <a:t>:  cd \</a:t>
+            </a:r>
           </a:p>
           <a:p>
             <a:pPr marL="0" indent="0">
               <a:buNone/>
             </a:pPr>
             <a:r>
-              <a:rPr lang="zh-CN" altLang="en-US" sz="2400" dirty="0"/>
-              <a:t>进入目录：</a:t>
-            </a:r>
-            <a:r>
-              <a:rPr lang="en-US" altLang="zh-CN" sz="2400" dirty="0"/>
-              <a:t>cd </a:t>
-            </a:r>
-            <a:r>
-              <a:rPr lang="en-US" altLang="zh-CN" sz="2400" dirty="0" err="1" smtClean="0"/>
-              <a:t>tc</a:t>
-            </a:r>
-            <a:endParaRPr lang="en-US" altLang="zh-CN" sz="2400" dirty="0" smtClean="0"/>
+              <a:rPr lang="zh-CN" altLang="en-US" sz="2400" dirty="0" smtClean="0"/>
+              <a:t>进入父级目录：</a:t>
+            </a:r>
+            <a:r>
+              <a:rPr lang="en-US" altLang="zh-CN" sz="2400" dirty="0" smtClean="0"/>
+              <a:t>cd ..</a:t>
+            </a:r>
           </a:p>
           <a:p>
             <a:pPr marL="0" indent="0">
@@ -4111,7 +6592,7 @@
             </a:r>
             <a:r>
               <a:rPr lang="en-US" altLang="zh-CN" sz="2400" dirty="0" err="1" smtClean="0"/>
-              <a:t>zm</a:t>
+              <a:t>tc</a:t>
             </a:r>
             <a:endParaRPr lang="en-US" altLang="zh-CN" sz="2400" dirty="0" smtClean="0"/>
           </a:p>
@@ -4120,13 +6601,18 @@
               <a:buNone/>
             </a:pPr>
             <a:r>
-              <a:rPr lang="zh-CN" altLang="en-US" sz="2400" dirty="0" smtClean="0"/>
-              <a:t>用记事本建立文件：</a:t>
-            </a:r>
-            <a:r>
-              <a:rPr lang="en-US" altLang="zh-CN" sz="2400" dirty="0" smtClean="0"/>
-              <a:t>tc.txt</a:t>
-            </a:r>
+              <a:rPr lang="zh-CN" altLang="en-US" sz="2400" dirty="0"/>
+              <a:t>进入目录：</a:t>
+            </a:r>
+            <a:r>
+              <a:rPr lang="en-US" altLang="zh-CN" sz="2400" dirty="0"/>
+              <a:t>cd </a:t>
+            </a:r>
+            <a:r>
+              <a:rPr lang="en-US" altLang="zh-CN" sz="2400" dirty="0" err="1" smtClean="0"/>
+              <a:t>tc</a:t>
+            </a:r>
+            <a:endParaRPr lang="en-US" altLang="zh-CN" sz="2400" dirty="0" smtClean="0"/>
           </a:p>
           <a:p>
             <a:pPr marL="0" indent="0">
@@ -4134,11 +6620,11 @@
             </a:pPr>
             <a:r>
               <a:rPr lang="zh-CN" altLang="en-US" sz="2400" dirty="0" smtClean="0"/>
-              <a:t>复制文件：</a:t>
+              <a:t>建立目录：</a:t>
             </a:r>
             <a:r>
               <a:rPr lang="en-US" altLang="zh-CN" sz="2400" dirty="0" smtClean="0"/>
-              <a:t>copy *.*  </a:t>
+              <a:t>md </a:t>
             </a:r>
             <a:r>
               <a:rPr lang="en-US" altLang="zh-CN" sz="2400" dirty="0" err="1" smtClean="0"/>
@@ -4152,17 +6638,43 @@
             </a:pPr>
             <a:r>
               <a:rPr lang="zh-CN" altLang="en-US" sz="2400" dirty="0" smtClean="0"/>
+              <a:t>用记事本建立文件：</a:t>
+            </a:r>
+            <a:r>
+              <a:rPr lang="en-US" altLang="zh-CN" sz="2400" dirty="0" smtClean="0"/>
+              <a:t>tc.txt</a:t>
+            </a:r>
+          </a:p>
+          <a:p>
+            <a:pPr marL="0" indent="0">
+              <a:buNone/>
+            </a:pPr>
+            <a:r>
+              <a:rPr lang="zh-CN" altLang="en-US" sz="2400" dirty="0" smtClean="0"/>
+              <a:t>复制文件：</a:t>
+            </a:r>
+            <a:r>
+              <a:rPr lang="en-US" altLang="zh-CN" sz="2400" dirty="0" smtClean="0"/>
+              <a:t>copy *.*  </a:t>
+            </a:r>
+            <a:r>
+              <a:rPr lang="en-US" altLang="zh-CN" sz="2400" dirty="0" err="1" smtClean="0"/>
+              <a:t>zm</a:t>
+            </a:r>
+            <a:endParaRPr lang="en-US" altLang="zh-CN" sz="2400" dirty="0" smtClean="0"/>
+          </a:p>
+          <a:p>
+            <a:pPr marL="0" indent="0">
+              <a:buNone/>
+            </a:pPr>
+            <a:r>
+              <a:rPr lang="zh-CN" altLang="en-US" sz="2400" dirty="0" smtClean="0"/>
               <a:t>显示文本文件</a:t>
             </a:r>
             <a:r>
               <a:rPr lang="en-US" altLang="zh-CN" sz="2400" dirty="0" smtClean="0"/>
-              <a:t>:  type </a:t>
-            </a:r>
-            <a:r>
-              <a:rPr lang="en-US" altLang="zh-CN" sz="2400" smtClean="0"/>
-              <a:t>tc.txt </a:t>
-            </a:r>
-            <a:endParaRPr lang="en-US" altLang="zh-CN" sz="2400" dirty="0" smtClean="0"/>
+              <a:t>:  type tc.txt </a:t>
+            </a:r>
           </a:p>
           <a:p>
             <a:pPr marL="0" indent="0">
@@ -4193,6 +6705,13 @@
   <p:clrMapOvr>
     <a:masterClrMapping/>
   </p:clrMapOvr>
+  <p:timing>
+    <p:tnLst>
+      <p:par>
+        <p:cTn id="1" dur="indefinite" restart="never" nodeType="tmRoot"/>
+      </p:par>
+    </p:tnLst>
+  </p:timing>
 </p:sld>
 </file>
 
@@ -4422,6 +6941,13 @@
   <p:clrMapOvr>
     <a:masterClrMapping/>
   </p:clrMapOvr>
+  <p:timing>
+    <p:tnLst>
+      <p:par>
+        <p:cTn id="1" dur="indefinite" restart="never" nodeType="tmRoot"/>
+      </p:par>
+    </p:tnLst>
+  </p:timing>
 </p:sld>
 </file>
 
@@ -4623,6 +7149,3050 @@
   <p:clrMapOvr>
     <a:masterClrMapping/>
   </p:clrMapOvr>
+  <p:timing>
+    <p:tnLst>
+      <p:par>
+        <p:cTn id="1" dur="indefinite" restart="never" nodeType="tmRoot"/>
+      </p:par>
+    </p:tnLst>
+  </p:timing>
+</p:sld>
+</file>
+
+<file path=ppt/slides/slide6.xml><?xml version="1.0" encoding="utf-8"?>
+<p:sld xmlns:a="http://schemas.openxmlformats.org/drawingml/2006/main" xmlns:r="http://schemas.openxmlformats.org/officeDocument/2006/relationships" xmlns:p="http://schemas.openxmlformats.org/presentationml/2006/main">
+  <p:cSld>
+    <p:spTree>
+      <p:nvGrpSpPr>
+        <p:cNvPr id="1" name=""/>
+        <p:cNvGrpSpPr/>
+        <p:nvPr/>
+      </p:nvGrpSpPr>
+      <p:grpSpPr>
+        <a:xfrm>
+          <a:off x="0" y="0"/>
+          <a:ext cx="0" cy="0"/>
+          <a:chOff x="0" y="0"/>
+          <a:chExt cx="0" cy="0"/>
+        </a:xfrm>
+      </p:grpSpPr>
+      <p:sp>
+        <p:nvSpPr>
+          <p:cNvPr id="2" name="标题 1"/>
+          <p:cNvSpPr>
+            <a:spLocks noGrp="1"/>
+          </p:cNvSpPr>
+          <p:nvPr>
+            <p:ph type="title"/>
+          </p:nvPr>
+        </p:nvSpPr>
+        <p:spPr/>
+        <p:txBody>
+          <a:bodyPr/>
+          <a:lstStyle/>
+          <a:p>
+            <a:r>
+              <a:rPr lang="en-US" altLang="zh-CN" dirty="0" smtClean="0"/>
+              <a:t>C</a:t>
+            </a:r>
+            <a:r>
+              <a:rPr lang="zh-CN" altLang="en-US" dirty="0" smtClean="0"/>
+              <a:t>语言第</a:t>
+            </a:r>
+            <a:r>
+              <a:rPr lang="en-US" altLang="zh-CN" dirty="0" smtClean="0"/>
+              <a:t>1</a:t>
+            </a:r>
+            <a:r>
+              <a:rPr lang="zh-CN" altLang="en-US" dirty="0" smtClean="0"/>
+              <a:t>次上机练习</a:t>
+            </a:r>
+            <a:endParaRPr lang="zh-CN" altLang="en-US" dirty="0"/>
+          </a:p>
+        </p:txBody>
+      </p:sp>
+      <p:sp>
+        <p:nvSpPr>
+          <p:cNvPr id="3" name="内容占位符 2"/>
+          <p:cNvSpPr>
+            <a:spLocks noGrp="1"/>
+          </p:cNvSpPr>
+          <p:nvPr>
+            <p:ph idx="1"/>
+          </p:nvPr>
+        </p:nvSpPr>
+        <p:spPr>
+          <a:xfrm>
+            <a:off x="457200" y="1600201"/>
+            <a:ext cx="8291264" cy="3917032"/>
+          </a:xfrm>
+        </p:spPr>
+        <p:txBody>
+          <a:bodyPr>
+            <a:noAutofit/>
+          </a:bodyPr>
+          <a:lstStyle/>
+          <a:p>
+            <a:r>
+              <a:rPr lang="zh-CN" altLang="en-US" dirty="0" smtClean="0"/>
+              <a:t>熟悉</a:t>
+            </a:r>
+            <a:r>
+              <a:rPr lang="en-US" altLang="zh-CN" dirty="0"/>
+              <a:t>Bloodshed </a:t>
+            </a:r>
+            <a:r>
+              <a:rPr lang="en-US" altLang="zh-CN" dirty="0" err="1"/>
+              <a:t>Dev</a:t>
+            </a:r>
+            <a:r>
+              <a:rPr lang="en-US" altLang="zh-CN" dirty="0"/>
+              <a:t>-C++</a:t>
+            </a:r>
+            <a:r>
+              <a:rPr lang="zh-CN" altLang="en-US" dirty="0"/>
+              <a:t>集成开发</a:t>
+            </a:r>
+            <a:r>
+              <a:rPr lang="zh-CN" altLang="en-US" dirty="0" smtClean="0"/>
+              <a:t>环境</a:t>
+            </a:r>
+            <a:endParaRPr lang="en-US" altLang="zh-CN" dirty="0" smtClean="0"/>
+          </a:p>
+          <a:p>
+            <a:pPr lvl="1"/>
+            <a:r>
+              <a:rPr kumimoji="1" lang="zh-CN" altLang="en-US" sz="2400" b="1" dirty="0">
+                <a:solidFill>
+                  <a:srgbClr val="000000"/>
+                </a:solidFill>
+                <a:ea typeface="楷体_GB2312" pitchFamily="49" charset="-122"/>
+              </a:rPr>
+              <a:t>新建项目</a:t>
+            </a:r>
+            <a:r>
+              <a:rPr kumimoji="1" lang="en-US" altLang="zh-CN" sz="2400" b="1" dirty="0">
+                <a:solidFill>
+                  <a:srgbClr val="000000"/>
+                </a:solidFill>
+                <a:ea typeface="楷体_GB2312" pitchFamily="49" charset="-122"/>
+              </a:rPr>
+              <a:t>(</a:t>
+            </a:r>
+            <a:r>
+              <a:rPr kumimoji="1" lang="zh-CN" altLang="en-US" sz="2400" b="1" dirty="0">
+                <a:solidFill>
+                  <a:srgbClr val="000000"/>
+                </a:solidFill>
+                <a:ea typeface="楷体_GB2312" pitchFamily="49" charset="-122"/>
+              </a:rPr>
+              <a:t>工程</a:t>
+            </a:r>
+            <a:r>
+              <a:rPr kumimoji="1" lang="en-US" altLang="zh-CN" sz="2400" b="1" dirty="0">
+                <a:solidFill>
+                  <a:srgbClr val="000000"/>
+                </a:solidFill>
+                <a:ea typeface="楷体_GB2312" pitchFamily="49" charset="-122"/>
+              </a:rPr>
+              <a:t>)</a:t>
+            </a:r>
+            <a:r>
+              <a:rPr kumimoji="1" lang="zh-CN" altLang="en-US" sz="2400" b="1" dirty="0">
+                <a:solidFill>
+                  <a:srgbClr val="000000"/>
+                </a:solidFill>
+                <a:ea typeface="楷体_GB2312" pitchFamily="49" charset="-122"/>
+              </a:rPr>
+              <a:t>，</a:t>
+            </a:r>
+            <a:r>
+              <a:rPr kumimoji="1" lang="en-US" altLang="zh-CN" sz="2400" b="1" dirty="0">
+                <a:solidFill>
+                  <a:srgbClr val="000000"/>
+                </a:solidFill>
+                <a:ea typeface="楷体_GB2312" pitchFamily="49" charset="-122"/>
+              </a:rPr>
+              <a:t>Console Application</a:t>
+            </a:r>
+            <a:r>
+              <a:rPr kumimoji="1" lang="zh-CN" altLang="en-US" sz="2400" b="1" dirty="0">
+                <a:solidFill>
+                  <a:srgbClr val="000000"/>
+                </a:solidFill>
+                <a:ea typeface="楷体_GB2312" pitchFamily="49" charset="-122"/>
+              </a:rPr>
+              <a:t>，项目</a:t>
+            </a:r>
+            <a:r>
+              <a:rPr kumimoji="1" lang="en-US" altLang="zh-CN" sz="2400" b="1" dirty="0" smtClean="0">
+                <a:solidFill>
+                  <a:srgbClr val="000000"/>
+                </a:solidFill>
+                <a:ea typeface="楷体_GB2312" pitchFamily="49" charset="-122"/>
+              </a:rPr>
+              <a:t>1.dev</a:t>
+            </a:r>
+          </a:p>
+          <a:p>
+            <a:pPr lvl="1"/>
+            <a:r>
+              <a:rPr kumimoji="1" lang="en-US" altLang="zh-CN" sz="2400" b="1" dirty="0">
+                <a:solidFill>
+                  <a:srgbClr val="000000"/>
+                </a:solidFill>
+                <a:ea typeface="楷体_GB2312" pitchFamily="49" charset="-122"/>
+              </a:rPr>
+              <a:t>main</a:t>
+            </a:r>
+            <a:r>
+              <a:rPr kumimoji="1" lang="zh-CN" altLang="en-US" sz="2400" b="1" dirty="0">
+                <a:solidFill>
+                  <a:srgbClr val="000000"/>
+                </a:solidFill>
+                <a:ea typeface="楷体_GB2312" pitchFamily="49" charset="-122"/>
+              </a:rPr>
+              <a:t>主函数，</a:t>
+            </a:r>
+            <a:r>
+              <a:rPr kumimoji="1" lang="en-US" altLang="zh-CN" sz="2400" b="1" dirty="0" err="1">
+                <a:solidFill>
+                  <a:srgbClr val="000000"/>
+                </a:solidFill>
+                <a:ea typeface="楷体_GB2312" pitchFamily="49" charset="-122"/>
+              </a:rPr>
+              <a:t>main.c</a:t>
+            </a:r>
+            <a:r>
+              <a:rPr kumimoji="1" lang="en-US" altLang="zh-CN" sz="2400" b="1" dirty="0">
+                <a:solidFill>
+                  <a:srgbClr val="000000"/>
+                </a:solidFill>
+                <a:ea typeface="楷体_GB2312" pitchFamily="49" charset="-122"/>
+              </a:rPr>
+              <a:t>; </a:t>
+            </a:r>
+            <a:r>
+              <a:rPr kumimoji="1" lang="zh-CN" altLang="en-US" sz="2400" b="1" dirty="0">
+                <a:solidFill>
+                  <a:srgbClr val="000000"/>
+                </a:solidFill>
+                <a:ea typeface="楷体_GB2312" pitchFamily="49" charset="-122"/>
+              </a:rPr>
+              <a:t>工程文件：项目</a:t>
+            </a:r>
+            <a:r>
+              <a:rPr kumimoji="1" lang="en-US" altLang="zh-CN" sz="2400" b="1" dirty="0">
+                <a:solidFill>
+                  <a:srgbClr val="000000"/>
+                </a:solidFill>
+                <a:ea typeface="楷体_GB2312" pitchFamily="49" charset="-122"/>
+              </a:rPr>
+              <a:t>1.dev</a:t>
+            </a:r>
+          </a:p>
+          <a:p>
+            <a:pPr lvl="1"/>
+            <a:r>
+              <a:rPr kumimoji="1" lang="zh-CN" altLang="en-US" sz="2400" b="1" dirty="0" smtClean="0">
+                <a:solidFill>
+                  <a:srgbClr val="000000"/>
+                </a:solidFill>
+                <a:ea typeface="楷体_GB2312" pitchFamily="49" charset="-122"/>
+              </a:rPr>
+              <a:t>一个项目中可以含多个</a:t>
+            </a:r>
+            <a:r>
+              <a:rPr kumimoji="1" lang="en-US" altLang="zh-CN" sz="2400" b="1" dirty="0" smtClean="0">
+                <a:solidFill>
+                  <a:srgbClr val="000000"/>
+                </a:solidFill>
+                <a:ea typeface="楷体_GB2312" pitchFamily="49" charset="-122"/>
+              </a:rPr>
+              <a:t>.c</a:t>
+            </a:r>
+            <a:r>
+              <a:rPr kumimoji="1" lang="zh-CN" altLang="en-US" sz="2400" b="1" dirty="0" smtClean="0">
+                <a:solidFill>
+                  <a:srgbClr val="000000"/>
+                </a:solidFill>
+                <a:ea typeface="楷体_GB2312" pitchFamily="49" charset="-122"/>
+              </a:rPr>
+              <a:t>源文件，只含一个主函数</a:t>
+            </a:r>
+            <a:endParaRPr kumimoji="1" lang="en-US" altLang="zh-CN" sz="2400" b="1" dirty="0">
+              <a:solidFill>
+                <a:srgbClr val="000000"/>
+              </a:solidFill>
+              <a:ea typeface="楷体_GB2312" pitchFamily="49" charset="-122"/>
+            </a:endParaRPr>
+          </a:p>
+          <a:p>
+            <a:r>
+              <a:rPr lang="zh-CN" altLang="en-US" dirty="0" smtClean="0"/>
+              <a:t>每次上机，建立一个自己的文件夹，将上述文件存入该文件夹，统一管理。</a:t>
+            </a:r>
+            <a:endParaRPr lang="en-US" altLang="zh-CN" dirty="0" smtClean="0"/>
+          </a:p>
+          <a:p>
+            <a:r>
+              <a:rPr kumimoji="1" lang="zh-CN" altLang="en-US" dirty="0">
+                <a:solidFill>
+                  <a:srgbClr val="000000"/>
+                </a:solidFill>
+                <a:ea typeface="楷体_GB2312" pitchFamily="49" charset="-122"/>
+              </a:rPr>
+              <a:t>多个函数、多个</a:t>
+            </a:r>
+            <a:r>
+              <a:rPr kumimoji="1" lang="en-US" altLang="zh-CN" dirty="0">
+                <a:solidFill>
+                  <a:srgbClr val="000000"/>
+                </a:solidFill>
+                <a:ea typeface="楷体_GB2312" pitchFamily="49" charset="-122"/>
+              </a:rPr>
+              <a:t>.c</a:t>
+            </a:r>
+            <a:r>
+              <a:rPr kumimoji="1" lang="zh-CN" altLang="en-US" dirty="0">
+                <a:solidFill>
+                  <a:srgbClr val="000000"/>
+                </a:solidFill>
+                <a:ea typeface="楷体_GB2312" pitchFamily="49" charset="-122"/>
+              </a:rPr>
+              <a:t>文件的</a:t>
+            </a:r>
+            <a:r>
+              <a:rPr kumimoji="1" lang="zh-CN" altLang="en-US" dirty="0" smtClean="0">
+                <a:solidFill>
+                  <a:srgbClr val="000000"/>
+                </a:solidFill>
+                <a:ea typeface="楷体_GB2312" pitchFamily="49" charset="-122"/>
+              </a:rPr>
+              <a:t>组成，每次上机</a:t>
+            </a:r>
+            <a:r>
+              <a:rPr kumimoji="1" lang="en-US" altLang="zh-CN" dirty="0" smtClean="0">
+                <a:solidFill>
+                  <a:srgbClr val="000000"/>
+                </a:solidFill>
+                <a:ea typeface="楷体_GB2312" pitchFamily="49" charset="-122"/>
+              </a:rPr>
+              <a:t>1</a:t>
+            </a:r>
+            <a:r>
+              <a:rPr kumimoji="1" lang="zh-CN" altLang="en-US" dirty="0" smtClean="0">
+                <a:solidFill>
+                  <a:srgbClr val="000000"/>
+                </a:solidFill>
+                <a:ea typeface="楷体_GB2312" pitchFamily="49" charset="-122"/>
+              </a:rPr>
+              <a:t>个</a:t>
+            </a:r>
+            <a:r>
+              <a:rPr kumimoji="1" lang="en-US" altLang="zh-CN" dirty="0" smtClean="0">
+                <a:solidFill>
+                  <a:srgbClr val="000000"/>
+                </a:solidFill>
+                <a:ea typeface="楷体_GB2312" pitchFamily="49" charset="-122"/>
+              </a:rPr>
+              <a:t>.c</a:t>
+            </a:r>
+            <a:r>
+              <a:rPr kumimoji="1" lang="zh-CN" altLang="en-US" dirty="0" smtClean="0">
+                <a:solidFill>
+                  <a:srgbClr val="000000"/>
+                </a:solidFill>
+                <a:ea typeface="楷体_GB2312" pitchFamily="49" charset="-122"/>
+              </a:rPr>
+              <a:t>文件</a:t>
+            </a:r>
+            <a:endParaRPr lang="zh-CN" altLang="en-US" dirty="0"/>
+          </a:p>
+        </p:txBody>
+      </p:sp>
+    </p:spTree>
+    <p:extLst>
+      <p:ext uri="{BB962C8B-B14F-4D97-AF65-F5344CB8AC3E}">
+        <p14:creationId xmlns:p14="http://schemas.microsoft.com/office/powerpoint/2010/main" val="2181250097"/>
+      </p:ext>
+    </p:extLst>
+  </p:cSld>
+  <p:clrMapOvr>
+    <a:masterClrMapping/>
+  </p:clrMapOvr>
+</p:sld>
+</file>
+
+<file path=ppt/slides/slide7.xml><?xml version="1.0" encoding="utf-8"?>
+<p:sld xmlns:a="http://schemas.openxmlformats.org/drawingml/2006/main" xmlns:r="http://schemas.openxmlformats.org/officeDocument/2006/relationships" xmlns:p="http://schemas.openxmlformats.org/presentationml/2006/main">
+  <p:cSld>
+    <p:spTree>
+      <p:nvGrpSpPr>
+        <p:cNvPr id="1" name=""/>
+        <p:cNvGrpSpPr/>
+        <p:nvPr/>
+      </p:nvGrpSpPr>
+      <p:grpSpPr>
+        <a:xfrm>
+          <a:off x="0" y="0"/>
+          <a:ext cx="0" cy="0"/>
+          <a:chOff x="0" y="0"/>
+          <a:chExt cx="0" cy="0"/>
+        </a:xfrm>
+      </p:grpSpPr>
+      <p:sp>
+        <p:nvSpPr>
+          <p:cNvPr id="5" name="日期占位符 3"/>
+          <p:cNvSpPr>
+            <a:spLocks noGrp="1"/>
+          </p:cNvSpPr>
+          <p:nvPr>
+            <p:ph type="dt" sz="quarter" idx="10"/>
+          </p:nvPr>
+        </p:nvSpPr>
+        <p:spPr/>
+        <p:txBody>
+          <a:bodyPr/>
+          <a:lstStyle/>
+          <a:p>
+            <a:pPr>
+              <a:defRPr/>
+            </a:pPr>
+            <a:fld id="{55081CE6-7F27-414C-8186-D8C912538B4A}" type="datetime10">
+              <a:rPr lang="zh-CN" altLang="en-US" smtClean="0"/>
+              <a:t>17:08</a:t>
+            </a:fld>
+            <a:endParaRPr lang="en-US" altLang="zh-CN"/>
+          </a:p>
+        </p:txBody>
+      </p:sp>
+      <p:sp>
+        <p:nvSpPr>
+          <p:cNvPr id="7" name="灯片编号占位符 5"/>
+          <p:cNvSpPr>
+            <a:spLocks noGrp="1"/>
+          </p:cNvSpPr>
+          <p:nvPr>
+            <p:ph type="sldNum" sz="quarter" idx="12"/>
+          </p:nvPr>
+        </p:nvSpPr>
+        <p:spPr/>
+        <p:txBody>
+          <a:bodyPr/>
+          <a:lstStyle/>
+          <a:p>
+            <a:pPr>
+              <a:defRPr/>
+            </a:pPr>
+            <a:fld id="{65BC1A2C-C9F4-4AF3-9BEB-CF42080C990E}" type="slidenum">
+              <a:rPr lang="zh-CN" altLang="en-US"/>
+              <a:pPr>
+                <a:defRPr/>
+              </a:pPr>
+              <a:t>7</a:t>
+            </a:fld>
+            <a:endParaRPr lang="en-US" altLang="zh-CN"/>
+          </a:p>
+        </p:txBody>
+      </p:sp>
+      <p:sp>
+        <p:nvSpPr>
+          <p:cNvPr id="681986" name="Rectangle 2"/>
+          <p:cNvSpPr>
+            <a:spLocks noGrp="1" noChangeArrowheads="1"/>
+          </p:cNvSpPr>
+          <p:nvPr>
+            <p:ph type="title"/>
+          </p:nvPr>
+        </p:nvSpPr>
+        <p:spPr>
+          <a:xfrm>
+            <a:off x="323528" y="233134"/>
+            <a:ext cx="7499176" cy="508918"/>
+          </a:xfrm>
+        </p:spPr>
+        <p:txBody>
+          <a:bodyPr>
+            <a:normAutofit fontScale="90000"/>
+          </a:bodyPr>
+          <a:lstStyle/>
+          <a:p>
+            <a:pPr eaLnBrk="1" hangingPunct="1">
+              <a:defRPr/>
+            </a:pPr>
+            <a:r>
+              <a:rPr lang="en-US" altLang="zh-CN" sz="3600" dirty="0" smtClean="0">
+                <a:latin typeface="Times New Roman" pitchFamily="18" charset="0"/>
+              </a:rPr>
+              <a:t>Bloodshed Dev-C++</a:t>
+            </a:r>
+            <a:r>
+              <a:rPr lang="zh-CN" altLang="en-US" sz="3600" dirty="0" smtClean="0">
+                <a:latin typeface="Times New Roman" pitchFamily="18" charset="0"/>
+              </a:rPr>
+              <a:t>集成开发环境</a:t>
+            </a:r>
+          </a:p>
+        </p:txBody>
+      </p:sp>
+      <p:sp>
+        <p:nvSpPr>
+          <p:cNvPr id="8" name="TextBox 7"/>
+          <p:cNvSpPr txBox="1">
+            <a:spLocks noChangeArrowheads="1"/>
+          </p:cNvSpPr>
+          <p:nvPr/>
+        </p:nvSpPr>
+        <p:spPr bwMode="auto">
+          <a:xfrm>
+            <a:off x="483075" y="742052"/>
+            <a:ext cx="8073550" cy="3046988"/>
+          </a:xfrm>
+          <a:prstGeom prst="rect">
+            <a:avLst/>
+          </a:prstGeom>
+          <a:solidFill>
+            <a:srgbClr val="FFC000"/>
+          </a:solidFill>
+          <a:ln>
+            <a:noFill/>
+          </a:ln>
+          <a:extLst/>
+        </p:spPr>
+        <p:txBody>
+          <a:bodyPr wrap="square">
+            <a:spAutoFit/>
+          </a:bodyPr>
+          <a:lstStyle>
+            <a:lvl1pPr>
+              <a:defRPr sz="2800">
+                <a:solidFill>
+                  <a:schemeClr val="tx1"/>
+                </a:solidFill>
+                <a:latin typeface="Times New Roman" pitchFamily="18" charset="0"/>
+                <a:ea typeface="宋体" pitchFamily="2" charset="-122"/>
+              </a:defRPr>
+            </a:lvl1pPr>
+            <a:lvl2pPr marL="742950" indent="-285750">
+              <a:defRPr sz="2800">
+                <a:solidFill>
+                  <a:schemeClr val="tx1"/>
+                </a:solidFill>
+                <a:latin typeface="Times New Roman" pitchFamily="18" charset="0"/>
+                <a:ea typeface="宋体" pitchFamily="2" charset="-122"/>
+              </a:defRPr>
+            </a:lvl2pPr>
+            <a:lvl3pPr marL="1143000" indent="-228600">
+              <a:defRPr sz="2800">
+                <a:solidFill>
+                  <a:schemeClr val="tx1"/>
+                </a:solidFill>
+                <a:latin typeface="Times New Roman" pitchFamily="18" charset="0"/>
+                <a:ea typeface="宋体" pitchFamily="2" charset="-122"/>
+              </a:defRPr>
+            </a:lvl3pPr>
+            <a:lvl4pPr marL="1600200" indent="-228600">
+              <a:defRPr sz="2800">
+                <a:solidFill>
+                  <a:schemeClr val="tx1"/>
+                </a:solidFill>
+                <a:latin typeface="Times New Roman" pitchFamily="18" charset="0"/>
+                <a:ea typeface="宋体" pitchFamily="2" charset="-122"/>
+              </a:defRPr>
+            </a:lvl4pPr>
+            <a:lvl5pPr marL="2057400" indent="-228600">
+              <a:defRPr sz="2800">
+                <a:solidFill>
+                  <a:schemeClr val="tx1"/>
+                </a:solidFill>
+                <a:latin typeface="Times New Roman" pitchFamily="18" charset="0"/>
+                <a:ea typeface="宋体" pitchFamily="2" charset="-122"/>
+              </a:defRPr>
+            </a:lvl5pPr>
+            <a:lvl6pPr marL="2514600" indent="-228600" eaLnBrk="0" fontAlgn="base" hangingPunct="0">
+              <a:lnSpc>
+                <a:spcPct val="96000"/>
+              </a:lnSpc>
+              <a:spcBef>
+                <a:spcPct val="0"/>
+              </a:spcBef>
+              <a:spcAft>
+                <a:spcPct val="0"/>
+              </a:spcAft>
+              <a:defRPr sz="2800">
+                <a:solidFill>
+                  <a:schemeClr val="tx1"/>
+                </a:solidFill>
+                <a:latin typeface="Times New Roman" pitchFamily="18" charset="0"/>
+                <a:ea typeface="宋体" pitchFamily="2" charset="-122"/>
+              </a:defRPr>
+            </a:lvl6pPr>
+            <a:lvl7pPr marL="2971800" indent="-228600" eaLnBrk="0" fontAlgn="base" hangingPunct="0">
+              <a:lnSpc>
+                <a:spcPct val="96000"/>
+              </a:lnSpc>
+              <a:spcBef>
+                <a:spcPct val="0"/>
+              </a:spcBef>
+              <a:spcAft>
+                <a:spcPct val="0"/>
+              </a:spcAft>
+              <a:defRPr sz="2800">
+                <a:solidFill>
+                  <a:schemeClr val="tx1"/>
+                </a:solidFill>
+                <a:latin typeface="Times New Roman" pitchFamily="18" charset="0"/>
+                <a:ea typeface="宋体" pitchFamily="2" charset="-122"/>
+              </a:defRPr>
+            </a:lvl7pPr>
+            <a:lvl8pPr marL="3429000" indent="-228600" eaLnBrk="0" fontAlgn="base" hangingPunct="0">
+              <a:lnSpc>
+                <a:spcPct val="96000"/>
+              </a:lnSpc>
+              <a:spcBef>
+                <a:spcPct val="0"/>
+              </a:spcBef>
+              <a:spcAft>
+                <a:spcPct val="0"/>
+              </a:spcAft>
+              <a:defRPr sz="2800">
+                <a:solidFill>
+                  <a:schemeClr val="tx1"/>
+                </a:solidFill>
+                <a:latin typeface="Times New Roman" pitchFamily="18" charset="0"/>
+                <a:ea typeface="宋体" pitchFamily="2" charset="-122"/>
+              </a:defRPr>
+            </a:lvl8pPr>
+            <a:lvl9pPr marL="3886200" indent="-228600" eaLnBrk="0" fontAlgn="base" hangingPunct="0">
+              <a:lnSpc>
+                <a:spcPct val="96000"/>
+              </a:lnSpc>
+              <a:spcBef>
+                <a:spcPct val="0"/>
+              </a:spcBef>
+              <a:spcAft>
+                <a:spcPct val="0"/>
+              </a:spcAft>
+              <a:defRPr sz="2800">
+                <a:solidFill>
+                  <a:schemeClr val="tx1"/>
+                </a:solidFill>
+                <a:latin typeface="Times New Roman" pitchFamily="18" charset="0"/>
+                <a:ea typeface="宋体" pitchFamily="2" charset="-122"/>
+              </a:defRPr>
+            </a:lvl9pPr>
+          </a:lstStyle>
+          <a:p>
+            <a:r>
+              <a:rPr lang="en-US" altLang="zh-CN" sz="2000" dirty="0" smtClean="0"/>
+              <a:t>#</a:t>
+            </a:r>
+            <a:r>
+              <a:rPr lang="en-US" altLang="zh-CN" sz="2000" dirty="0"/>
+              <a:t>include &lt;</a:t>
+            </a:r>
+            <a:r>
+              <a:rPr lang="en-US" altLang="zh-CN" sz="2000" dirty="0" err="1"/>
+              <a:t>stdio.h</a:t>
+            </a:r>
+            <a:r>
+              <a:rPr lang="en-US" altLang="zh-CN" sz="2000" dirty="0"/>
+              <a:t>&gt;   // for </a:t>
+            </a:r>
+            <a:r>
+              <a:rPr lang="en-US" altLang="zh-CN" sz="2000" dirty="0" err="1"/>
+              <a:t>printf</a:t>
+            </a:r>
+            <a:r>
+              <a:rPr lang="en-US" altLang="zh-CN" sz="2000" dirty="0"/>
+              <a:t>(),</a:t>
+            </a:r>
+            <a:r>
+              <a:rPr lang="en-US" altLang="zh-CN" sz="2000" dirty="0" err="1"/>
+              <a:t>scanf</a:t>
+            </a:r>
+            <a:r>
+              <a:rPr lang="en-US" altLang="zh-CN" sz="2000" dirty="0"/>
+              <a:t>()</a:t>
+            </a:r>
+          </a:p>
+          <a:p>
+            <a:r>
+              <a:rPr lang="en-US" altLang="zh-CN" sz="2000" dirty="0"/>
+              <a:t>#include &lt;</a:t>
+            </a:r>
+            <a:r>
+              <a:rPr lang="en-US" altLang="zh-CN" sz="2000" dirty="0" err="1"/>
+              <a:t>stdlib.h</a:t>
+            </a:r>
+            <a:r>
+              <a:rPr lang="en-US" altLang="zh-CN" sz="2000" dirty="0"/>
+              <a:t>&gt;  // for system("pause"); </a:t>
+            </a:r>
+          </a:p>
+          <a:p>
+            <a:r>
+              <a:rPr lang="en-US" altLang="zh-CN" sz="2000" dirty="0" err="1" smtClean="0"/>
+              <a:t>int</a:t>
+            </a:r>
+            <a:r>
+              <a:rPr lang="en-US" altLang="zh-CN" sz="2000" dirty="0" smtClean="0"/>
+              <a:t> </a:t>
+            </a:r>
+            <a:r>
+              <a:rPr lang="en-US" altLang="zh-CN" sz="2000" dirty="0"/>
+              <a:t>main(</a:t>
+            </a:r>
+            <a:r>
+              <a:rPr lang="en-US" altLang="zh-CN" sz="2000" dirty="0" err="1"/>
+              <a:t>int</a:t>
+            </a:r>
+            <a:r>
+              <a:rPr lang="en-US" altLang="zh-CN" sz="2000" dirty="0"/>
+              <a:t> </a:t>
+            </a:r>
+            <a:r>
+              <a:rPr lang="en-US" altLang="zh-CN" sz="2000" dirty="0" err="1"/>
+              <a:t>argc</a:t>
+            </a:r>
+            <a:r>
+              <a:rPr lang="en-US" altLang="zh-CN" sz="2000" dirty="0"/>
+              <a:t>, char* </a:t>
+            </a:r>
+            <a:r>
+              <a:rPr lang="en-US" altLang="zh-CN" sz="2000" dirty="0" err="1"/>
+              <a:t>argv</a:t>
+            </a:r>
+            <a:r>
+              <a:rPr lang="en-US" altLang="zh-CN" sz="2000" dirty="0"/>
+              <a:t>[])</a:t>
+            </a:r>
+          </a:p>
+          <a:p>
+            <a:r>
+              <a:rPr lang="en-US" altLang="zh-CN" sz="2000" dirty="0" smtClean="0"/>
+              <a:t>{</a:t>
+            </a:r>
+          </a:p>
+          <a:p>
+            <a:r>
+              <a:rPr lang="en-US" altLang="zh-CN" sz="2000" dirty="0"/>
+              <a:t> </a:t>
+            </a:r>
+            <a:r>
+              <a:rPr lang="en-US" altLang="zh-CN" sz="2000" dirty="0" smtClean="0"/>
+              <a:t>   </a:t>
+            </a:r>
+            <a:r>
+              <a:rPr lang="en-US" altLang="zh-CN" sz="2000" dirty="0" err="1" smtClean="0"/>
+              <a:t>int</a:t>
+            </a:r>
+            <a:r>
+              <a:rPr lang="en-US" altLang="zh-CN" sz="2000" dirty="0" smtClean="0"/>
+              <a:t> </a:t>
+            </a:r>
+            <a:r>
+              <a:rPr lang="zh-CN" altLang="en-US" sz="2000" dirty="0"/>
+              <a:t> </a:t>
+            </a:r>
+            <a:r>
+              <a:rPr lang="en-US" altLang="zh-CN" sz="2000" dirty="0" err="1" smtClean="0"/>
+              <a:t>a,b</a:t>
+            </a:r>
+            <a:r>
+              <a:rPr lang="en-US" altLang="zh-CN" sz="2000" dirty="0" smtClean="0"/>
+              <a:t>;</a:t>
+            </a:r>
+          </a:p>
+          <a:p>
+            <a:r>
+              <a:rPr lang="en-US" altLang="zh-CN" sz="2000" dirty="0"/>
+              <a:t> </a:t>
+            </a:r>
+            <a:r>
+              <a:rPr lang="en-US" altLang="zh-CN" sz="2000" dirty="0" smtClean="0"/>
+              <a:t>   </a:t>
+            </a:r>
+            <a:r>
+              <a:rPr lang="en-US" altLang="zh-CN" sz="2000" dirty="0" err="1" smtClean="0"/>
+              <a:t>scanf</a:t>
+            </a:r>
+            <a:r>
+              <a:rPr lang="en-US" altLang="zh-CN" sz="2000" dirty="0" smtClean="0"/>
+              <a:t>(“%</a:t>
+            </a:r>
+            <a:r>
+              <a:rPr lang="en-US" altLang="zh-CN" sz="2000" dirty="0" err="1" smtClean="0"/>
+              <a:t>d%d</a:t>
+            </a:r>
+            <a:r>
+              <a:rPr lang="en-US" altLang="zh-CN" sz="2000" dirty="0" smtClean="0"/>
+              <a:t>”,&amp;</a:t>
+            </a:r>
+            <a:r>
+              <a:rPr lang="en-US" altLang="zh-CN" sz="2000" dirty="0" err="1" smtClean="0"/>
+              <a:t>a,&amp;b</a:t>
+            </a:r>
+            <a:r>
+              <a:rPr lang="en-US" altLang="zh-CN" sz="2000" dirty="0" smtClean="0"/>
+              <a:t>);  // </a:t>
+            </a:r>
+            <a:r>
+              <a:rPr lang="zh-CN" altLang="en-US" sz="2000" dirty="0" smtClean="0"/>
+              <a:t>输入两个数值之间以空格分割</a:t>
+            </a:r>
+            <a:endParaRPr lang="en-US" altLang="zh-CN" sz="2000" dirty="0" smtClean="0"/>
+          </a:p>
+          <a:p>
+            <a:r>
+              <a:rPr lang="en-US" altLang="zh-CN" sz="2000" dirty="0"/>
+              <a:t> </a:t>
+            </a:r>
+            <a:r>
+              <a:rPr lang="en-US" altLang="zh-CN" sz="2000" dirty="0" smtClean="0"/>
+              <a:t>   </a:t>
+            </a:r>
+            <a:r>
+              <a:rPr lang="en-US" altLang="zh-CN" sz="2000" dirty="0" err="1" smtClean="0"/>
+              <a:t>printf</a:t>
+            </a:r>
+            <a:r>
+              <a:rPr lang="en-US" altLang="zh-CN" sz="2000" dirty="0" smtClean="0"/>
+              <a:t>(“</a:t>
+            </a:r>
+            <a:r>
+              <a:rPr lang="en-US" altLang="zh-CN" sz="2000" dirty="0" err="1" smtClean="0"/>
+              <a:t>a+b</a:t>
+            </a:r>
+            <a:r>
+              <a:rPr lang="en-US" altLang="zh-CN" sz="2000" dirty="0" smtClean="0"/>
+              <a:t>=%d!\</a:t>
+            </a:r>
+            <a:r>
+              <a:rPr lang="en-US" altLang="zh-CN" sz="2000" dirty="0"/>
+              <a:t>n</a:t>
+            </a:r>
+            <a:r>
+              <a:rPr lang="en-US" altLang="zh-CN" sz="2000" dirty="0" smtClean="0"/>
+              <a:t>”,</a:t>
+            </a:r>
+            <a:r>
+              <a:rPr lang="en-US" altLang="zh-CN" sz="2000" dirty="0" err="1" smtClean="0"/>
+              <a:t>a+b</a:t>
+            </a:r>
+            <a:r>
+              <a:rPr lang="en-US" altLang="zh-CN" sz="2000" dirty="0" smtClean="0"/>
+              <a:t>); </a:t>
+            </a:r>
+            <a:r>
+              <a:rPr lang="zh-CN" altLang="en-US" sz="2000" dirty="0"/>
+              <a:t> </a:t>
+            </a:r>
+            <a:r>
+              <a:rPr lang="en-US" altLang="zh-CN" sz="2000" dirty="0" smtClean="0"/>
+              <a:t>// </a:t>
+            </a:r>
+            <a:r>
+              <a:rPr lang="zh-CN" altLang="en-US" sz="2000" dirty="0" smtClean="0"/>
+              <a:t>“</a:t>
+            </a:r>
+            <a:r>
+              <a:rPr lang="en-US" altLang="zh-CN" sz="2000" dirty="0" smtClean="0"/>
+              <a:t> \n</a:t>
+            </a:r>
+            <a:r>
+              <a:rPr lang="zh-CN" altLang="en-US" sz="2000" dirty="0" smtClean="0"/>
+              <a:t>”回车</a:t>
+            </a:r>
+            <a:r>
+              <a:rPr lang="en-US" altLang="zh-CN" sz="2000" dirty="0" smtClean="0"/>
+              <a:t>(</a:t>
+            </a:r>
+            <a:r>
+              <a:rPr lang="zh-CN" altLang="en-US" sz="2000" dirty="0" smtClean="0"/>
+              <a:t>到第一个字符位置</a:t>
+            </a:r>
+            <a:r>
+              <a:rPr lang="en-US" altLang="zh-CN" sz="2000" dirty="0" smtClean="0"/>
+              <a:t>)</a:t>
+            </a:r>
+            <a:r>
+              <a:rPr lang="zh-CN" altLang="en-US" sz="2000" dirty="0" smtClean="0"/>
+              <a:t>，换行</a:t>
+            </a:r>
+            <a:endParaRPr lang="en-US" altLang="zh-CN" sz="2000" dirty="0"/>
+          </a:p>
+          <a:p>
+            <a:r>
+              <a:rPr lang="en-US" altLang="zh-CN" sz="2000" dirty="0" smtClean="0"/>
+              <a:t>    system</a:t>
+            </a:r>
+            <a:r>
+              <a:rPr lang="en-US" altLang="zh-CN" sz="2000" dirty="0"/>
+              <a:t>("pause</a:t>
+            </a:r>
+            <a:r>
+              <a:rPr lang="en-US" altLang="zh-CN" sz="2000" dirty="0" smtClean="0"/>
+              <a:t>");    /* </a:t>
+            </a:r>
+            <a:r>
+              <a:rPr lang="zh-CN" altLang="en-US" sz="2000" dirty="0"/>
+              <a:t>保持显示程序运行结果的</a:t>
+            </a:r>
+            <a:r>
+              <a:rPr lang="en-US" altLang="zh-CN" sz="2000" dirty="0"/>
+              <a:t>DOS</a:t>
+            </a:r>
+            <a:r>
+              <a:rPr lang="zh-CN" altLang="en-US" sz="2000" dirty="0"/>
+              <a:t>窗口 </a:t>
+            </a:r>
+            <a:r>
+              <a:rPr lang="en-US" altLang="zh-CN" sz="2000" dirty="0" smtClean="0"/>
+              <a:t>*/</a:t>
+            </a:r>
+            <a:endParaRPr lang="en-US" altLang="zh-CN" sz="2000" dirty="0"/>
+          </a:p>
+          <a:p>
+            <a:r>
+              <a:rPr lang="en-US" altLang="zh-CN" sz="2000" dirty="0"/>
+              <a:t>    return 0;</a:t>
+            </a:r>
+          </a:p>
+          <a:p>
+            <a:r>
+              <a:rPr lang="en-US" altLang="zh-CN" sz="2000" dirty="0"/>
+              <a:t>}</a:t>
+            </a:r>
+            <a:endParaRPr lang="zh-CN" altLang="en-US" sz="2000" dirty="0"/>
+          </a:p>
+        </p:txBody>
+      </p:sp>
+      <p:sp>
+        <p:nvSpPr>
+          <p:cNvPr id="12" name="TextBox 11"/>
+          <p:cNvSpPr txBox="1"/>
+          <p:nvPr/>
+        </p:nvSpPr>
+        <p:spPr>
+          <a:xfrm>
+            <a:off x="107504" y="3812361"/>
+            <a:ext cx="8964488" cy="2929007"/>
+          </a:xfrm>
+          <a:prstGeom prst="rect">
+            <a:avLst/>
+          </a:prstGeom>
+          <a:solidFill>
+            <a:srgbClr val="FFFF00"/>
+          </a:solidFill>
+        </p:spPr>
+        <p:txBody>
+          <a:bodyPr wrap="square" rtlCol="0">
+            <a:spAutoFit/>
+          </a:bodyPr>
+          <a:lstStyle/>
+          <a:p>
+            <a:pPr marL="342900" indent="-342900">
+              <a:buFont typeface="Wingdings" pitchFamily="2" charset="2"/>
+              <a:buChar char="Ø"/>
+            </a:pPr>
+            <a:r>
+              <a:rPr lang="zh-CN" altLang="en-US" sz="2400" dirty="0"/>
+              <a:t>调用输入输出函数，需要头文件</a:t>
+            </a:r>
+            <a:r>
+              <a:rPr lang="en-US" altLang="zh-CN" sz="2400" dirty="0"/>
+              <a:t>#include &lt;</a:t>
+            </a:r>
+            <a:r>
+              <a:rPr lang="en-US" altLang="zh-CN" sz="2400" dirty="0" err="1"/>
+              <a:t>stdio.h</a:t>
+            </a:r>
+            <a:r>
+              <a:rPr lang="en-US" altLang="zh-CN" sz="2400" dirty="0"/>
+              <a:t>&gt;</a:t>
+            </a:r>
+          </a:p>
+          <a:p>
+            <a:pPr marL="342900" indent="-342900">
+              <a:buFont typeface="Wingdings" pitchFamily="2" charset="2"/>
+              <a:buChar char="Ø"/>
+            </a:pPr>
+            <a:r>
+              <a:rPr lang="zh-CN" altLang="en-US" sz="2400" dirty="0"/>
+              <a:t>调用</a:t>
+            </a:r>
+            <a:r>
+              <a:rPr lang="en-US" altLang="zh-CN" sz="2400" dirty="0"/>
+              <a:t>system</a:t>
+            </a:r>
+            <a:r>
+              <a:rPr lang="zh-CN" altLang="en-US" sz="2400" dirty="0"/>
+              <a:t>函数</a:t>
+            </a:r>
+            <a:r>
+              <a:rPr lang="en-US" altLang="zh-CN" sz="2400" dirty="0"/>
+              <a:t>,</a:t>
+            </a:r>
+            <a:r>
+              <a:rPr lang="zh-CN" altLang="en-US" sz="2400" dirty="0" smtClean="0"/>
+              <a:t>需要头文件</a:t>
+            </a:r>
+            <a:r>
+              <a:rPr lang="en-US" altLang="zh-CN" sz="2400" dirty="0"/>
+              <a:t>#include &lt;</a:t>
+            </a:r>
+            <a:r>
+              <a:rPr lang="en-US" altLang="zh-CN" sz="2400" dirty="0" err="1"/>
+              <a:t>stdlib.h</a:t>
+            </a:r>
+            <a:r>
+              <a:rPr lang="en-US" altLang="zh-CN" sz="2400" dirty="0" smtClean="0"/>
+              <a:t>&gt;</a:t>
+            </a:r>
+          </a:p>
+          <a:p>
+            <a:pPr marL="342900" indent="-342900">
+              <a:buFont typeface="Wingdings" pitchFamily="2" charset="2"/>
+              <a:buChar char="Ø"/>
+            </a:pPr>
+            <a:r>
+              <a:rPr lang="zh-CN" altLang="en-US" sz="2400" dirty="0" smtClean="0"/>
+              <a:t>程序中只能有一个主函数</a:t>
+            </a:r>
+            <a:r>
+              <a:rPr lang="en-US" altLang="zh-CN" sz="2400" dirty="0" smtClean="0"/>
+              <a:t>,</a:t>
+            </a:r>
+            <a:r>
+              <a:rPr lang="zh-CN" altLang="en-US" sz="2400" dirty="0" smtClean="0"/>
+              <a:t>注意函数的返回类型与</a:t>
+            </a:r>
+            <a:r>
+              <a:rPr lang="en-US" altLang="zh-CN" sz="2400" dirty="0" smtClean="0"/>
+              <a:t>return</a:t>
+            </a:r>
+            <a:r>
+              <a:rPr lang="zh-CN" altLang="en-US" sz="2400" dirty="0" smtClean="0"/>
+              <a:t>保持一致</a:t>
+            </a:r>
+            <a:endParaRPr lang="en-US" altLang="zh-CN" sz="2400" dirty="0" smtClean="0"/>
+          </a:p>
+          <a:p>
+            <a:pPr marL="342900" indent="-342900">
+              <a:buFont typeface="Wingdings" pitchFamily="2" charset="2"/>
+              <a:buChar char="Ø"/>
+            </a:pPr>
+            <a:r>
+              <a:rPr lang="en-US" altLang="zh-CN" sz="2400" dirty="0" err="1" smtClean="0"/>
+              <a:t>int</a:t>
+            </a:r>
+            <a:r>
+              <a:rPr lang="en-US" altLang="zh-CN" sz="2400" dirty="0" smtClean="0"/>
+              <a:t> main(</a:t>
+            </a:r>
+            <a:r>
+              <a:rPr lang="en-US" altLang="zh-CN" sz="2400" dirty="0" err="1" smtClean="0"/>
+              <a:t>int</a:t>
+            </a:r>
+            <a:r>
+              <a:rPr lang="en-US" altLang="zh-CN" sz="2400" dirty="0" smtClean="0"/>
+              <a:t> </a:t>
+            </a:r>
+            <a:r>
+              <a:rPr lang="en-US" altLang="zh-CN" sz="2400" dirty="0" err="1" smtClean="0"/>
+              <a:t>argc,char</a:t>
+            </a:r>
+            <a:r>
+              <a:rPr lang="en-US" altLang="zh-CN" sz="2400" dirty="0" smtClean="0"/>
+              <a:t>* </a:t>
+            </a:r>
+            <a:r>
+              <a:rPr lang="en-US" altLang="zh-CN" sz="2400" dirty="0" err="1" smtClean="0"/>
+              <a:t>argv</a:t>
+            </a:r>
+            <a:r>
+              <a:rPr lang="en-US" altLang="zh-CN" sz="2400" dirty="0" smtClean="0"/>
+              <a:t>[]) { …   return 0;}  </a:t>
+            </a:r>
+          </a:p>
+          <a:p>
+            <a:pPr marL="342900" indent="-342900">
+              <a:buFont typeface="Wingdings" pitchFamily="2" charset="2"/>
+              <a:buChar char="Ø"/>
+            </a:pPr>
+            <a:r>
+              <a:rPr lang="en-US" altLang="zh-CN" sz="2400" dirty="0" err="1" smtClean="0"/>
+              <a:t>int</a:t>
+            </a:r>
+            <a:r>
+              <a:rPr lang="en-US" altLang="zh-CN" sz="2400" dirty="0" smtClean="0"/>
+              <a:t> main( ) </a:t>
+            </a:r>
+            <a:r>
+              <a:rPr lang="en-US" altLang="zh-CN" sz="2400" dirty="0"/>
+              <a:t>{ …   return 0</a:t>
+            </a:r>
+            <a:r>
+              <a:rPr lang="en-US" altLang="zh-CN" sz="2400" dirty="0" smtClean="0"/>
+              <a:t>;}</a:t>
+            </a:r>
+          </a:p>
+          <a:p>
+            <a:pPr marL="342900" indent="-342900">
+              <a:buFont typeface="Wingdings" pitchFamily="2" charset="2"/>
+              <a:buChar char="Ø"/>
+            </a:pPr>
+            <a:r>
+              <a:rPr lang="zh-CN" altLang="en-US" sz="2400" dirty="0" smtClean="0"/>
+              <a:t>书上无</a:t>
+            </a:r>
+            <a:r>
+              <a:rPr lang="en-US" altLang="zh-CN" sz="2400" dirty="0" err="1" smtClean="0"/>
+              <a:t>int</a:t>
+            </a:r>
+            <a:r>
+              <a:rPr lang="zh-CN" altLang="en-US" sz="2400" dirty="0" smtClean="0"/>
+              <a:t>的主函数，相当于</a:t>
+            </a:r>
+            <a:r>
+              <a:rPr lang="en-US" altLang="zh-CN" sz="2400" dirty="0" smtClean="0"/>
+              <a:t>: </a:t>
+            </a:r>
+            <a:r>
+              <a:rPr lang="en-US" altLang="zh-CN" sz="2400" dirty="0" err="1" smtClean="0"/>
+              <a:t>int</a:t>
+            </a:r>
+            <a:r>
+              <a:rPr lang="en-US" altLang="zh-CN" sz="2400" dirty="0" smtClean="0"/>
+              <a:t> main( )</a:t>
+            </a:r>
+            <a:endParaRPr lang="en-US" altLang="zh-CN" sz="2400" dirty="0"/>
+          </a:p>
+          <a:p>
+            <a:pPr marL="342900" indent="-342900">
+              <a:buFont typeface="Wingdings" pitchFamily="2" charset="2"/>
+              <a:buChar char="Ø"/>
+            </a:pPr>
+            <a:r>
+              <a:rPr lang="en-US" altLang="zh-CN" sz="2400" dirty="0" smtClean="0"/>
+              <a:t>void main( ) { </a:t>
+            </a:r>
+            <a:r>
+              <a:rPr lang="zh-CN" altLang="en-US" sz="2400" dirty="0" smtClean="0"/>
+              <a:t>无</a:t>
+            </a:r>
+            <a:r>
+              <a:rPr lang="en-US" altLang="zh-CN" sz="2400" dirty="0" smtClean="0"/>
+              <a:t>return</a:t>
+            </a:r>
+            <a:r>
+              <a:rPr lang="zh-CN" altLang="en-US" sz="2400" dirty="0" smtClean="0"/>
+              <a:t>语句，或：</a:t>
+            </a:r>
+            <a:r>
+              <a:rPr lang="en-US" altLang="zh-CN" sz="2400" dirty="0" smtClean="0"/>
+              <a:t>return;</a:t>
+            </a:r>
+            <a:r>
+              <a:rPr lang="zh-CN" altLang="en-US" sz="2400" dirty="0" smtClean="0"/>
+              <a:t> </a:t>
+            </a:r>
+            <a:r>
+              <a:rPr lang="en-US" altLang="zh-CN" sz="2400" dirty="0" smtClean="0"/>
+              <a:t>} //</a:t>
+            </a:r>
+            <a:r>
+              <a:rPr lang="zh-CN" altLang="en-US" sz="2400" dirty="0" smtClean="0"/>
+              <a:t>主函数最好有返回类型</a:t>
+            </a:r>
+            <a:r>
+              <a:rPr lang="en-US" altLang="zh-CN" sz="2400" dirty="0" err="1" smtClean="0"/>
+              <a:t>int</a:t>
+            </a:r>
+            <a:r>
+              <a:rPr lang="zh-CN" altLang="en-US" sz="2400" dirty="0" smtClean="0"/>
+              <a:t>，有些编译系统是强制要求的。</a:t>
+            </a:r>
+            <a:endParaRPr lang="zh-CN" altLang="en-US" sz="2400" dirty="0"/>
+          </a:p>
+        </p:txBody>
+      </p:sp>
+    </p:spTree>
+    <p:extLst>
+      <p:ext uri="{BB962C8B-B14F-4D97-AF65-F5344CB8AC3E}">
+        <p14:creationId xmlns:p14="http://schemas.microsoft.com/office/powerpoint/2010/main" val="1755973628"/>
+      </p:ext>
+    </p:extLst>
+  </p:cSld>
+  <p:clrMapOvr>
+    <a:masterClrMapping/>
+  </p:clrMapOvr>
+  <p:transition spd="med">
+    <p:fade/>
+  </p:transition>
+  <p:timing>
+    <p:tnLst>
+      <p:par>
+        <p:cTn id="1" dur="indefinite" restart="never" nodeType="tmRoot">
+          <p:childTnLst>
+            <p:seq concurrent="1" nextAc="seek">
+              <p:cTn id="2" dur="indefinite" nodeType="mainSeq">
+                <p:childTnLst>
+                  <p:par>
+                    <p:cTn id="3" fill="hold">
+                      <p:stCondLst>
+                        <p:cond delay="indefinite"/>
+                      </p:stCondLst>
+                      <p:childTnLst>
+                        <p:par>
+                          <p:cTn id="4" fill="hold">
+                            <p:stCondLst>
+                              <p:cond delay="0"/>
+                            </p:stCondLst>
+                            <p:childTnLst>
+                              <p:par>
+                                <p:cTn id="5" presetID="42" presetClass="entr" presetSubtype="0" fill="hold" grpId="0" nodeType="clickEffect">
+                                  <p:stCondLst>
+                                    <p:cond delay="0"/>
+                                  </p:stCondLst>
+                                  <p:childTnLst>
+                                    <p:set>
+                                      <p:cBhvr>
+                                        <p:cTn id="6" dur="1" fill="hold">
+                                          <p:stCondLst>
+                                            <p:cond delay="0"/>
+                                          </p:stCondLst>
+                                        </p:cTn>
+                                        <p:tgtEl>
+                                          <p:spTgt spid="12"/>
+                                        </p:tgtEl>
+                                        <p:attrNameLst>
+                                          <p:attrName>style.visibility</p:attrName>
+                                        </p:attrNameLst>
+                                      </p:cBhvr>
+                                      <p:to>
+                                        <p:strVal val="visible"/>
+                                      </p:to>
+                                    </p:set>
+                                    <p:animEffect transition="in" filter="fade">
+                                      <p:cBhvr>
+                                        <p:cTn id="7" dur="1000"/>
+                                        <p:tgtEl>
+                                          <p:spTgt spid="12"/>
+                                        </p:tgtEl>
+                                      </p:cBhvr>
+                                    </p:animEffect>
+                                    <p:anim calcmode="lin" valueType="num">
+                                      <p:cBhvr>
+                                        <p:cTn id="8" dur="1000" fill="hold"/>
+                                        <p:tgtEl>
+                                          <p:spTgt spid="12"/>
+                                        </p:tgtEl>
+                                        <p:attrNameLst>
+                                          <p:attrName>ppt_x</p:attrName>
+                                        </p:attrNameLst>
+                                      </p:cBhvr>
+                                      <p:tavLst>
+                                        <p:tav tm="0">
+                                          <p:val>
+                                            <p:strVal val="#ppt_x"/>
+                                          </p:val>
+                                        </p:tav>
+                                        <p:tav tm="100000">
+                                          <p:val>
+                                            <p:strVal val="#ppt_x"/>
+                                          </p:val>
+                                        </p:tav>
+                                      </p:tavLst>
+                                    </p:anim>
+                                    <p:anim calcmode="lin" valueType="num">
+                                      <p:cBhvr>
+                                        <p:cTn id="9" dur="1000" fill="hold"/>
+                                        <p:tgtEl>
+                                          <p:spTgt spid="12"/>
+                                        </p:tgtEl>
+                                        <p:attrNameLst>
+                                          <p:attrName>ppt_y</p:attrName>
+                                        </p:attrNameLst>
+                                      </p:cBhvr>
+                                      <p:tavLst>
+                                        <p:tav tm="0">
+                                          <p:val>
+                                            <p:strVal val="#ppt_y+.1"/>
+                                          </p:val>
+                                        </p:tav>
+                                        <p:tav tm="100000">
+                                          <p:val>
+                                            <p:strVal val="#ppt_y"/>
+                                          </p:val>
+                                        </p:tav>
+                                      </p:tavLst>
+                                    </p:anim>
+                                  </p:childTnLst>
+                                </p:cTn>
+                              </p:par>
+                            </p:childTnLst>
+                          </p:cTn>
+                        </p:par>
+                      </p:childTnLst>
+                    </p:cTn>
+                  </p:par>
+                </p:childTnLst>
+              </p:cTn>
+              <p:prevCondLst>
+                <p:cond evt="onPrev" delay="0">
+                  <p:tgtEl>
+                    <p:sldTgt/>
+                  </p:tgtEl>
+                </p:cond>
+              </p:prevCondLst>
+              <p:nextCondLst>
+                <p:cond evt="onNext" delay="0">
+                  <p:tgtEl>
+                    <p:sldTgt/>
+                  </p:tgtEl>
+                </p:cond>
+              </p:nextCondLst>
+            </p:seq>
+          </p:childTnLst>
+        </p:cTn>
+      </p:par>
+    </p:tnLst>
+    <p:bldLst>
+      <p:bldP spid="12" grpId="0" animBg="1"/>
+    </p:bldLst>
+  </p:timing>
+</p:sld>
+</file>
+
+<file path=ppt/slides/slide8.xml><?xml version="1.0" encoding="utf-8"?>
+<p:sld xmlns:a="http://schemas.openxmlformats.org/drawingml/2006/main" xmlns:r="http://schemas.openxmlformats.org/officeDocument/2006/relationships" xmlns:p="http://schemas.openxmlformats.org/presentationml/2006/main">
+  <p:cSld>
+    <p:spTree>
+      <p:nvGrpSpPr>
+        <p:cNvPr id="1" name=""/>
+        <p:cNvGrpSpPr/>
+        <p:nvPr/>
+      </p:nvGrpSpPr>
+      <p:grpSpPr>
+        <a:xfrm>
+          <a:off x="0" y="0"/>
+          <a:ext cx="0" cy="0"/>
+          <a:chOff x="0" y="0"/>
+          <a:chExt cx="0" cy="0"/>
+        </a:xfrm>
+      </p:grpSpPr>
+      <p:sp>
+        <p:nvSpPr>
+          <p:cNvPr id="2" name="标题 1"/>
+          <p:cNvSpPr>
+            <a:spLocks noGrp="1"/>
+          </p:cNvSpPr>
+          <p:nvPr>
+            <p:ph type="title"/>
+          </p:nvPr>
+        </p:nvSpPr>
+        <p:spPr/>
+        <p:txBody>
+          <a:bodyPr/>
+          <a:lstStyle/>
+          <a:p>
+            <a:r>
+              <a:rPr lang="en-US" altLang="zh-CN" dirty="0" smtClean="0"/>
+              <a:t>C</a:t>
+            </a:r>
+            <a:r>
+              <a:rPr lang="zh-CN" altLang="en-US" dirty="0" smtClean="0"/>
+              <a:t>语言第</a:t>
+            </a:r>
+            <a:r>
+              <a:rPr lang="en-US" altLang="zh-CN" dirty="0" smtClean="0"/>
+              <a:t>1</a:t>
+            </a:r>
+            <a:r>
+              <a:rPr lang="zh-CN" altLang="en-US" dirty="0" smtClean="0"/>
+              <a:t>次上机练习</a:t>
+            </a:r>
+            <a:endParaRPr lang="zh-CN" altLang="en-US" dirty="0"/>
+          </a:p>
+        </p:txBody>
+      </p:sp>
+      <p:sp>
+        <p:nvSpPr>
+          <p:cNvPr id="4" name="Rectangle 3"/>
+          <p:cNvSpPr>
+            <a:spLocks noGrp="1" noChangeArrowheads="1"/>
+          </p:cNvSpPr>
+          <p:nvPr>
+            <p:ph idx="1"/>
+          </p:nvPr>
+        </p:nvSpPr>
+        <p:spPr>
+          <a:xfrm>
+            <a:off x="35496" y="3060303"/>
+            <a:ext cx="5842992" cy="820688"/>
+          </a:xfrm>
+        </p:spPr>
+        <p:txBody>
+          <a:bodyPr>
+            <a:noAutofit/>
+          </a:bodyPr>
+          <a:lstStyle/>
+          <a:p>
+            <a:pPr marL="4762" indent="0" algn="l" eaLnBrk="1" hangingPunct="1">
+              <a:lnSpc>
+                <a:spcPct val="90000"/>
+              </a:lnSpc>
+              <a:buNone/>
+            </a:pPr>
+            <a:r>
+              <a:rPr lang="en-US" altLang="zh-CN" sz="2400" dirty="0" smtClean="0"/>
+              <a:t>2. </a:t>
+            </a:r>
+            <a:r>
+              <a:rPr lang="zh-CN" altLang="en-US" sz="2400" dirty="0" smtClean="0"/>
+              <a:t>已知</a:t>
+            </a:r>
+            <a:r>
+              <a:rPr lang="zh-CN" altLang="en-US" sz="2400" dirty="0" smtClean="0"/>
+              <a:t>三条边a、b、c，求三角形面积</a:t>
+            </a:r>
+          </a:p>
+          <a:p>
+            <a:pPr marL="4762" indent="0" algn="l" eaLnBrk="1" hangingPunct="1">
+              <a:lnSpc>
+                <a:spcPct val="90000"/>
+              </a:lnSpc>
+              <a:buNone/>
+            </a:pPr>
+            <a:r>
+              <a:rPr lang="zh-CN" altLang="en-US" sz="2400" dirty="0"/>
+              <a:t> </a:t>
+            </a:r>
+            <a:r>
+              <a:rPr lang="zh-CN" altLang="en-US" sz="2400" dirty="0" smtClean="0"/>
+              <a:t>       </a:t>
+            </a:r>
+            <a:r>
+              <a:rPr lang="en-US" altLang="zh-CN" sz="2400" dirty="0" err="1" smtClean="0"/>
+              <a:t>math.h</a:t>
+            </a:r>
+            <a:r>
+              <a:rPr lang="en-US" altLang="zh-CN" sz="2400" dirty="0" smtClean="0"/>
+              <a:t>, </a:t>
+            </a:r>
+            <a:r>
+              <a:rPr lang="en-US" altLang="zh-CN" sz="2400" dirty="0" err="1" smtClean="0"/>
+              <a:t>sqrt</a:t>
+            </a:r>
+            <a:r>
+              <a:rPr lang="en-US" altLang="zh-CN" sz="2400" dirty="0" smtClean="0"/>
+              <a:t>(x)</a:t>
+            </a:r>
+          </a:p>
+        </p:txBody>
+      </p:sp>
+      <p:grpSp>
+        <p:nvGrpSpPr>
+          <p:cNvPr id="5" name="Group 10"/>
+          <p:cNvGrpSpPr>
+            <a:grpSpLocks/>
+          </p:cNvGrpSpPr>
+          <p:nvPr/>
+        </p:nvGrpSpPr>
+        <p:grpSpPr bwMode="auto">
+          <a:xfrm>
+            <a:off x="5220072" y="3086472"/>
+            <a:ext cx="3733800" cy="990600"/>
+            <a:chOff x="0" y="0"/>
+            <a:chExt cx="2352" cy="624"/>
+          </a:xfrm>
+        </p:grpSpPr>
+        <p:pic>
+          <p:nvPicPr>
+            <p:cNvPr id="6" name="Object 5"/>
+            <p:cNvPicPr>
+              <a:picLocks noChangeAspect="1" noChangeArrowheads="1"/>
+            </p:cNvPicPr>
+            <p:nvPr/>
+          </p:nvPicPr>
+          <p:blipFill>
+            <a:blip r:embed="rId2" cstate="print">
+              <a:extLst>
+                <a:ext uri="{28A0092B-C50C-407E-A947-70E740481C1C}">
+                  <a14:useLocalDpi xmlns:a14="http://schemas.microsoft.com/office/drawing/2010/main" val="0"/>
+                </a:ext>
+              </a:extLst>
+            </a:blip>
+            <a:srcRect/>
+            <a:stretch>
+              <a:fillRect/>
+            </a:stretch>
+          </p:blipFill>
+          <p:spPr bwMode="auto">
+            <a:xfrm>
+              <a:off x="59" y="0"/>
+              <a:ext cx="2293" cy="242"/>
+            </a:xfrm>
+            <a:prstGeom prst="rect">
+              <a:avLst/>
+            </a:prstGeom>
+            <a:noFill/>
+            <a:ln>
+              <a:noFill/>
+            </a:ln>
+            <a:extLst>
+              <a:ext uri="{909E8E84-426E-40DD-AFC4-6F175D3DCCD1}">
+                <a14:hiddenFill xmlns:a14="http://schemas.microsoft.com/office/drawing/2010/main">
+                  <a:solidFill>
+                    <a:srgbClr val="FFFFFF"/>
+                  </a:solidFill>
+                </a14:hiddenFill>
+              </a:ext>
+              <a:ext uri="{91240B29-F687-4F45-9708-019B960494DF}">
+                <a14:hiddenLine xmlns:a14="http://schemas.microsoft.com/office/drawing/2010/main" w="9525">
+                  <a:solidFill>
+                    <a:srgbClr val="000000"/>
+                  </a:solidFill>
+                  <a:miter lim="800000"/>
+                  <a:headEnd/>
+                  <a:tailEnd/>
+                </a14:hiddenLine>
+              </a:ext>
+            </a:extLst>
+          </p:spPr>
+        </p:pic>
+        <p:pic>
+          <p:nvPicPr>
+            <p:cNvPr id="7" name="Object 7"/>
+            <p:cNvPicPr>
+              <a:picLocks noChangeAspect="1" noChangeArrowheads="1"/>
+            </p:cNvPicPr>
+            <p:nvPr/>
+          </p:nvPicPr>
+          <p:blipFill>
+            <a:blip r:embed="rId3" cstate="print">
+              <a:extLst>
+                <a:ext uri="{28A0092B-C50C-407E-A947-70E740481C1C}">
+                  <a14:useLocalDpi xmlns:a14="http://schemas.microsoft.com/office/drawing/2010/main" val="0"/>
+                </a:ext>
+              </a:extLst>
+            </a:blip>
+            <a:srcRect/>
+            <a:stretch>
+              <a:fillRect/>
+            </a:stretch>
+          </p:blipFill>
+          <p:spPr bwMode="auto">
+            <a:xfrm>
+              <a:off x="576" y="242"/>
+              <a:ext cx="1297" cy="382"/>
+            </a:xfrm>
+            <a:prstGeom prst="rect">
+              <a:avLst/>
+            </a:prstGeom>
+            <a:noFill/>
+            <a:ln>
+              <a:noFill/>
+            </a:ln>
+            <a:extLst>
+              <a:ext uri="{909E8E84-426E-40DD-AFC4-6F175D3DCCD1}">
+                <a14:hiddenFill xmlns:a14="http://schemas.microsoft.com/office/drawing/2010/main">
+                  <a:solidFill>
+                    <a:srgbClr val="FFFFFF"/>
+                  </a:solidFill>
+                </a14:hiddenFill>
+              </a:ext>
+              <a:ext uri="{91240B29-F687-4F45-9708-019B960494DF}">
+                <a14:hiddenLine xmlns:a14="http://schemas.microsoft.com/office/drawing/2010/main" w="9525">
+                  <a:solidFill>
+                    <a:srgbClr val="000000"/>
+                  </a:solidFill>
+                  <a:miter lim="800000"/>
+                  <a:headEnd/>
+                  <a:tailEnd/>
+                </a14:hiddenLine>
+              </a:ext>
+            </a:extLst>
+          </p:spPr>
+        </p:pic>
+        <p:sp>
+          <p:nvSpPr>
+            <p:cNvPr id="8" name="Text Box 8"/>
+            <p:cNvSpPr>
+              <a:spLocks noChangeArrowheads="1"/>
+            </p:cNvSpPr>
+            <p:nvPr/>
+          </p:nvSpPr>
+          <p:spPr bwMode="auto">
+            <a:xfrm>
+              <a:off x="0" y="240"/>
+              <a:ext cx="862" cy="302"/>
+            </a:xfrm>
+            <a:prstGeom prst="rect">
+              <a:avLst/>
+            </a:prstGeom>
+            <a:noFill/>
+            <a:ln>
+              <a:noFill/>
+            </a:ln>
+            <a:extLst>
+              <a:ext uri="{909E8E84-426E-40DD-AFC4-6F175D3DCCD1}">
+                <a14:hiddenFill xmlns:a14="http://schemas.microsoft.com/office/drawing/2010/main">
+                  <a:solidFill>
+                    <a:srgbClr val="FFFFFF"/>
+                  </a:solidFill>
+                </a14:hiddenFill>
+              </a:ext>
+              <a:ext uri="{91240B29-F687-4F45-9708-019B960494DF}">
+                <a14:hiddenLine xmlns:a14="http://schemas.microsoft.com/office/drawing/2010/main" w="9525">
+                  <a:solidFill>
+                    <a:srgbClr val="000000"/>
+                  </a:solidFill>
+                  <a:miter lim="800000"/>
+                  <a:headEnd/>
+                  <a:tailEnd/>
+                </a14:hiddenLine>
+              </a:ext>
+            </a:extLst>
+          </p:spPr>
+          <p:txBody>
+            <a:bodyPr/>
+            <a:lstStyle/>
+            <a:p>
+              <a:pPr algn="just">
+                <a:spcBef>
+                  <a:spcPct val="0"/>
+                </a:spcBef>
+              </a:pPr>
+              <a:r>
+                <a:rPr lang="zh-CN" altLang="en-US">
+                  <a:solidFill>
+                    <a:srgbClr val="006600"/>
+                  </a:solidFill>
+                  <a:ea typeface="楷体_GB2312" pitchFamily="1" charset="-122"/>
+                  <a:sym typeface="Arial" pitchFamily="34" charset="0"/>
+                </a:rPr>
+                <a:t>其中：</a:t>
+              </a:r>
+              <a:endParaRPr lang="zh-CN" altLang="en-US">
+                <a:ea typeface="楷体_GB2312" pitchFamily="1" charset="-122"/>
+              </a:endParaRPr>
+            </a:p>
+          </p:txBody>
+        </p:sp>
+      </p:grpSp>
+      <p:sp>
+        <p:nvSpPr>
+          <p:cNvPr id="9" name="TextBox 8"/>
+          <p:cNvSpPr txBox="1"/>
+          <p:nvPr/>
+        </p:nvSpPr>
+        <p:spPr>
+          <a:xfrm>
+            <a:off x="35496" y="1772816"/>
+            <a:ext cx="7272808" cy="461665"/>
+          </a:xfrm>
+          <a:prstGeom prst="rect">
+            <a:avLst/>
+          </a:prstGeom>
+          <a:noFill/>
+        </p:spPr>
+        <p:txBody>
+          <a:bodyPr wrap="square" rtlCol="0">
+            <a:spAutoFit/>
+          </a:bodyPr>
+          <a:lstStyle/>
+          <a:p>
+            <a:pPr marL="342900" indent="-342900">
+              <a:buFont typeface="+mj-lt"/>
+              <a:buAutoNum type="arabicPeriod"/>
+            </a:pPr>
+            <a:r>
+              <a:rPr lang="zh-CN" altLang="en-US" sz="2400" dirty="0" smtClean="0"/>
+              <a:t>输入两个数，输出和。</a:t>
+            </a:r>
+            <a:r>
+              <a:rPr lang="zh-CN" altLang="en-US" sz="2400" dirty="0"/>
+              <a:t>练习</a:t>
+            </a:r>
+            <a:r>
+              <a:rPr lang="en-US" altLang="zh-CN" sz="2400" dirty="0" err="1" smtClean="0"/>
+              <a:t>scanf</a:t>
+            </a:r>
+            <a:r>
+              <a:rPr lang="en-US" altLang="zh-CN" sz="2400" dirty="0" smtClean="0"/>
+              <a:t>()</a:t>
+            </a:r>
+            <a:r>
+              <a:rPr lang="zh-CN" altLang="en-US" sz="2400" dirty="0" smtClean="0"/>
+              <a:t>和</a:t>
+            </a:r>
+            <a:r>
+              <a:rPr lang="en-US" altLang="zh-CN" sz="2400" dirty="0" err="1" smtClean="0"/>
+              <a:t>printf</a:t>
+            </a:r>
+            <a:r>
+              <a:rPr lang="en-US" altLang="zh-CN" sz="2400" dirty="0" smtClean="0"/>
+              <a:t>()</a:t>
+            </a:r>
+            <a:endParaRPr lang="zh-CN" altLang="en-US" sz="2400" dirty="0"/>
+          </a:p>
+        </p:txBody>
+      </p:sp>
+      <p:sp>
+        <p:nvSpPr>
+          <p:cNvPr id="10" name="Rectangle 3"/>
+          <p:cNvSpPr txBox="1">
+            <a:spLocks noChangeArrowheads="1"/>
+          </p:cNvSpPr>
+          <p:nvPr/>
+        </p:nvSpPr>
+        <p:spPr>
+          <a:xfrm>
+            <a:off x="35496" y="4768552"/>
+            <a:ext cx="8352928" cy="820688"/>
+          </a:xfrm>
+          <a:prstGeom prst="rect">
+            <a:avLst/>
+          </a:prstGeom>
+        </p:spPr>
+        <p:txBody>
+          <a:bodyPr vert="horz" lIns="91440" tIns="45720" rIns="91440" bIns="45720" rtlCol="0">
+            <a:noAutofit/>
+          </a:bodyPr>
+          <a:lstStyle>
+            <a:lvl1pPr marL="342900" indent="-342900" algn="l" defTabSz="914400" rtl="0" eaLnBrk="1" latinLnBrk="0" hangingPunct="1">
+              <a:spcBef>
+                <a:spcPct val="20000"/>
+              </a:spcBef>
+              <a:buFont typeface="Arial" pitchFamily="34" charset="0"/>
+              <a:buChar char="•"/>
+              <a:defRPr sz="3200" kern="1200">
+                <a:solidFill>
+                  <a:schemeClr val="tx1"/>
+                </a:solidFill>
+                <a:latin typeface="+mn-lt"/>
+                <a:ea typeface="+mn-ea"/>
+                <a:cs typeface="+mn-cs"/>
+              </a:defRPr>
+            </a:lvl1pPr>
+            <a:lvl2pPr marL="742950" indent="-285750" algn="l" defTabSz="914400" rtl="0" eaLnBrk="1" latinLnBrk="0" hangingPunct="1">
+              <a:spcBef>
+                <a:spcPct val="20000"/>
+              </a:spcBef>
+              <a:buFont typeface="Arial" pitchFamily="34" charset="0"/>
+              <a:buChar char="–"/>
+              <a:defRPr sz="2800" kern="1200">
+                <a:solidFill>
+                  <a:schemeClr val="tx1"/>
+                </a:solidFill>
+                <a:latin typeface="+mn-lt"/>
+                <a:ea typeface="+mn-ea"/>
+                <a:cs typeface="+mn-cs"/>
+              </a:defRPr>
+            </a:lvl2pPr>
+            <a:lvl3pPr marL="1143000" indent="-228600" algn="l" defTabSz="914400" rtl="0" eaLnBrk="1" latinLnBrk="0" hangingPunct="1">
+              <a:spcBef>
+                <a:spcPct val="20000"/>
+              </a:spcBef>
+              <a:buFont typeface="Arial" pitchFamily="34" charset="0"/>
+              <a:buChar char="•"/>
+              <a:defRPr sz="2400" kern="1200">
+                <a:solidFill>
+                  <a:schemeClr val="tx1"/>
+                </a:solidFill>
+                <a:latin typeface="+mn-lt"/>
+                <a:ea typeface="+mn-ea"/>
+                <a:cs typeface="+mn-cs"/>
+              </a:defRPr>
+            </a:lvl3pPr>
+            <a:lvl4pPr marL="1600200" indent="-228600" algn="l" defTabSz="914400" rtl="0" eaLnBrk="1" latinLnBrk="0" hangingPunct="1">
+              <a:spcBef>
+                <a:spcPct val="20000"/>
+              </a:spcBef>
+              <a:buFont typeface="Arial" pitchFamily="34" charset="0"/>
+              <a:buChar char="–"/>
+              <a:defRPr sz="2000" kern="1200">
+                <a:solidFill>
+                  <a:schemeClr val="tx1"/>
+                </a:solidFill>
+                <a:latin typeface="+mn-lt"/>
+                <a:ea typeface="+mn-ea"/>
+                <a:cs typeface="+mn-cs"/>
+              </a:defRPr>
+            </a:lvl4pPr>
+            <a:lvl5pPr marL="2057400" indent="-228600" algn="l" defTabSz="914400" rtl="0" eaLnBrk="1" latinLnBrk="0" hangingPunct="1">
+              <a:spcBef>
+                <a:spcPct val="20000"/>
+              </a:spcBef>
+              <a:buFont typeface="Arial" pitchFamily="34" charset="0"/>
+              <a:buChar char="»"/>
+              <a:defRPr sz="2000" kern="1200">
+                <a:solidFill>
+                  <a:schemeClr val="tx1"/>
+                </a:solidFill>
+                <a:latin typeface="+mn-lt"/>
+                <a:ea typeface="+mn-ea"/>
+                <a:cs typeface="+mn-cs"/>
+              </a:defRPr>
+            </a:lvl5pPr>
+            <a:lvl6pPr marL="2514600" indent="-228600" algn="l" defTabSz="914400" rtl="0" eaLnBrk="1" latinLnBrk="0" hangingPunct="1">
+              <a:spcBef>
+                <a:spcPct val="20000"/>
+              </a:spcBef>
+              <a:buFont typeface="Arial" pitchFamily="34" charset="0"/>
+              <a:buChar char="•"/>
+              <a:defRPr sz="2000" kern="1200">
+                <a:solidFill>
+                  <a:schemeClr val="tx1"/>
+                </a:solidFill>
+                <a:latin typeface="+mn-lt"/>
+                <a:ea typeface="+mn-ea"/>
+                <a:cs typeface="+mn-cs"/>
+              </a:defRPr>
+            </a:lvl6pPr>
+            <a:lvl7pPr marL="2971800" indent="-228600" algn="l" defTabSz="914400" rtl="0" eaLnBrk="1" latinLnBrk="0" hangingPunct="1">
+              <a:spcBef>
+                <a:spcPct val="20000"/>
+              </a:spcBef>
+              <a:buFont typeface="Arial" pitchFamily="34" charset="0"/>
+              <a:buChar char="•"/>
+              <a:defRPr sz="2000" kern="1200">
+                <a:solidFill>
+                  <a:schemeClr val="tx1"/>
+                </a:solidFill>
+                <a:latin typeface="+mn-lt"/>
+                <a:ea typeface="+mn-ea"/>
+                <a:cs typeface="+mn-cs"/>
+              </a:defRPr>
+            </a:lvl7pPr>
+            <a:lvl8pPr marL="3429000" indent="-228600" algn="l" defTabSz="914400" rtl="0" eaLnBrk="1" latinLnBrk="0" hangingPunct="1">
+              <a:spcBef>
+                <a:spcPct val="20000"/>
+              </a:spcBef>
+              <a:buFont typeface="Arial" pitchFamily="34" charset="0"/>
+              <a:buChar char="•"/>
+              <a:defRPr sz="2000" kern="1200">
+                <a:solidFill>
+                  <a:schemeClr val="tx1"/>
+                </a:solidFill>
+                <a:latin typeface="+mn-lt"/>
+                <a:ea typeface="+mn-ea"/>
+                <a:cs typeface="+mn-cs"/>
+              </a:defRPr>
+            </a:lvl8pPr>
+            <a:lvl9pPr marL="3886200" indent="-228600" algn="l" defTabSz="914400" rtl="0" eaLnBrk="1" latinLnBrk="0" hangingPunct="1">
+              <a:spcBef>
+                <a:spcPct val="20000"/>
+              </a:spcBef>
+              <a:buFont typeface="Arial" pitchFamily="34" charset="0"/>
+              <a:buChar char="•"/>
+              <a:defRPr sz="2000" kern="1200">
+                <a:solidFill>
+                  <a:schemeClr val="tx1"/>
+                </a:solidFill>
+                <a:latin typeface="+mn-lt"/>
+                <a:ea typeface="+mn-ea"/>
+                <a:cs typeface="+mn-cs"/>
+              </a:defRPr>
+            </a:lvl9pPr>
+          </a:lstStyle>
+          <a:p>
+            <a:pPr marL="4762" indent="0">
+              <a:lnSpc>
+                <a:spcPct val="90000"/>
+              </a:lnSpc>
+              <a:buNone/>
+            </a:pPr>
+            <a:r>
+              <a:rPr lang="en-US" altLang="zh-CN" sz="2400" dirty="0"/>
+              <a:t>3. ch2</a:t>
+            </a:r>
+            <a:r>
+              <a:rPr lang="en-US" altLang="zh-CN" sz="2400" dirty="0" smtClean="0"/>
+              <a:t>, p54</a:t>
+            </a:r>
+            <a:r>
+              <a:rPr lang="en-US" altLang="zh-CN" sz="2400" dirty="0"/>
+              <a:t>, </a:t>
+            </a:r>
+            <a:r>
+              <a:rPr lang="en-US" altLang="zh-CN" sz="2400" dirty="0" smtClean="0"/>
+              <a:t>1~5</a:t>
+            </a:r>
+            <a:r>
+              <a:rPr lang="zh-CN" altLang="en-US" sz="2400" dirty="0" smtClean="0"/>
+              <a:t>题</a:t>
+            </a:r>
+            <a:endParaRPr lang="en-US" altLang="zh-CN" sz="2400" dirty="0" smtClean="0"/>
+          </a:p>
+        </p:txBody>
+      </p:sp>
+    </p:spTree>
+    <p:extLst>
+      <p:ext uri="{BB962C8B-B14F-4D97-AF65-F5344CB8AC3E}">
+        <p14:creationId xmlns:p14="http://schemas.microsoft.com/office/powerpoint/2010/main" val="3512702313"/>
+      </p:ext>
+    </p:extLst>
+  </p:cSld>
+  <p:clrMapOvr>
+    <a:masterClrMapping/>
+  </p:clrMapOvr>
+</p:sld>
+</file>
+
+<file path=ppt/slides/slide9.xml><?xml version="1.0" encoding="utf-8"?>
+<p:sld xmlns:a="http://schemas.openxmlformats.org/drawingml/2006/main" xmlns:r="http://schemas.openxmlformats.org/officeDocument/2006/relationships" xmlns:p="http://schemas.openxmlformats.org/presentationml/2006/main">
+  <p:cSld>
+    <p:spTree>
+      <p:nvGrpSpPr>
+        <p:cNvPr id="1" name=""/>
+        <p:cNvGrpSpPr/>
+        <p:nvPr/>
+      </p:nvGrpSpPr>
+      <p:grpSpPr>
+        <a:xfrm>
+          <a:off x="0" y="0"/>
+          <a:ext cx="0" cy="0"/>
+          <a:chOff x="0" y="0"/>
+          <a:chExt cx="0" cy="0"/>
+        </a:xfrm>
+      </p:grpSpPr>
+      <p:sp>
+        <p:nvSpPr>
+          <p:cNvPr id="2051" name="灯片编号占位符 5"/>
+          <p:cNvSpPr>
+            <a:spLocks noGrp="1" noChangeArrowheads="1"/>
+          </p:cNvSpPr>
+          <p:nvPr/>
+        </p:nvSpPr>
+        <p:spPr bwMode="auto">
+          <a:xfrm>
+            <a:off x="8556625" y="0"/>
+            <a:ext cx="587375" cy="396875"/>
+          </a:xfrm>
+          <a:prstGeom prst="rect">
+            <a:avLst/>
+          </a:prstGeom>
+          <a:noFill/>
+          <a:ln>
+            <a:noFill/>
+          </a:ln>
+          <a:extLst>
+            <a:ext uri="{909E8E84-426E-40DD-AFC4-6F175D3DCCD1}">
+              <a14:hiddenFill xmlns:a14="http://schemas.microsoft.com/office/drawing/2010/main">
+                <a:solidFill>
+                  <a:srgbClr val="FFFFFF"/>
+                </a:solidFill>
+              </a14:hiddenFill>
+            </a:ext>
+            <a:ext uri="{91240B29-F687-4F45-9708-019B960494DF}">
+              <a14:hiddenLine xmlns:a14="http://schemas.microsoft.com/office/drawing/2010/main" w="9525">
+                <a:solidFill>
+                  <a:srgbClr val="000000"/>
+                </a:solidFill>
+                <a:miter lim="800000"/>
+                <a:headEnd/>
+                <a:tailEnd/>
+              </a14:hiddenLine>
+            </a:ext>
+          </a:extLst>
+        </p:spPr>
+        <p:txBody>
+          <a:bodyPr/>
+          <a:lstStyle/>
+          <a:p>
+            <a:fld id="{8E7374F3-F8C9-4166-A31F-CD7FC0BBEF4D}" type="slidenum">
+              <a:rPr lang="zh-CN" altLang="en-US">
+                <a:ea typeface="楷体_GB2312" pitchFamily="1" charset="-122"/>
+              </a:rPr>
+              <a:pPr/>
+              <a:t>9</a:t>
+            </a:fld>
+            <a:endParaRPr lang="en-US" altLang="zh-CN">
+              <a:ea typeface="楷体_GB2312" pitchFamily="1" charset="-122"/>
+            </a:endParaRPr>
+          </a:p>
+        </p:txBody>
+      </p:sp>
+      <p:sp>
+        <p:nvSpPr>
+          <p:cNvPr id="2052" name="Rectangle 2"/>
+          <p:cNvSpPr>
+            <a:spLocks noGrp="1" noChangeArrowheads="1"/>
+          </p:cNvSpPr>
+          <p:nvPr>
+            <p:ph type="title" idx="4294967295"/>
+          </p:nvPr>
+        </p:nvSpPr>
+        <p:spPr>
+          <a:xfrm>
+            <a:off x="107949" y="0"/>
+            <a:ext cx="8871391" cy="762000"/>
+          </a:xfrm>
+        </p:spPr>
+        <p:txBody>
+          <a:bodyPr>
+            <a:noAutofit/>
+          </a:bodyPr>
+          <a:lstStyle/>
+          <a:p>
+            <a:r>
+              <a:rPr kumimoji="1" lang="en-US" altLang="zh-CN" sz="2800" b="1" dirty="0" err="1" smtClean="0">
+                <a:solidFill>
+                  <a:srgbClr val="000000"/>
+                </a:solidFill>
+                <a:ea typeface="楷体_GB2312" pitchFamily="49" charset="-122"/>
+              </a:rPr>
+              <a:t>scanf</a:t>
+            </a:r>
+            <a:r>
+              <a:rPr kumimoji="1" lang="en-US" altLang="zh-CN" sz="2800" b="1" dirty="0">
+                <a:solidFill>
+                  <a:srgbClr val="000000"/>
+                </a:solidFill>
+                <a:ea typeface="楷体_GB2312" pitchFamily="49" charset="-122"/>
+              </a:rPr>
+              <a:t>()</a:t>
+            </a:r>
+            <a:r>
+              <a:rPr kumimoji="1" lang="zh-CN" altLang="en-US" sz="2800" b="1" dirty="0">
+                <a:solidFill>
+                  <a:srgbClr val="000000"/>
+                </a:solidFill>
+                <a:ea typeface="楷体_GB2312" pitchFamily="49" charset="-122"/>
+              </a:rPr>
+              <a:t>和</a:t>
+            </a:r>
+            <a:r>
+              <a:rPr kumimoji="1" lang="en-US" altLang="zh-CN" sz="2800" b="1" dirty="0" err="1">
+                <a:solidFill>
+                  <a:srgbClr val="000000"/>
+                </a:solidFill>
+                <a:ea typeface="楷体_GB2312" pitchFamily="49" charset="-122"/>
+              </a:rPr>
+              <a:t>printf</a:t>
+            </a:r>
+            <a:r>
+              <a:rPr kumimoji="1" lang="en-US" altLang="zh-CN" sz="2800" b="1" dirty="0">
+                <a:solidFill>
+                  <a:srgbClr val="000000"/>
+                </a:solidFill>
+                <a:ea typeface="楷体_GB2312" pitchFamily="49" charset="-122"/>
+              </a:rPr>
+              <a:t>()</a:t>
+            </a:r>
+            <a:r>
+              <a:rPr kumimoji="1" lang="zh-CN" altLang="en-US" sz="2800" b="1" dirty="0">
+                <a:solidFill>
+                  <a:srgbClr val="000000"/>
+                </a:solidFill>
+                <a:ea typeface="楷体_GB2312" pitchFamily="49" charset="-122"/>
+              </a:rPr>
+              <a:t>的用法，“原样输入，原样输出”</a:t>
+            </a:r>
+            <a:endParaRPr kumimoji="1" lang="en-US" altLang="zh-CN" sz="2800" b="1" dirty="0">
+              <a:solidFill>
+                <a:srgbClr val="000000"/>
+              </a:solidFill>
+              <a:ea typeface="楷体_GB2312" pitchFamily="49" charset="-122"/>
+            </a:endParaRPr>
+          </a:p>
+        </p:txBody>
+      </p:sp>
+      <p:sp>
+        <p:nvSpPr>
+          <p:cNvPr id="3082" name="Text Box 10"/>
+          <p:cNvSpPr txBox="1">
+            <a:spLocks noChangeArrowheads="1"/>
+          </p:cNvSpPr>
+          <p:nvPr/>
+        </p:nvSpPr>
+        <p:spPr bwMode="auto">
+          <a:xfrm>
+            <a:off x="179513" y="980728"/>
+            <a:ext cx="8799828" cy="4708981"/>
+          </a:xfrm>
+          <a:prstGeom prst="rect">
+            <a:avLst/>
+          </a:prstGeom>
+          <a:noFill/>
+          <a:ln w="9525">
+            <a:solidFill>
+              <a:schemeClr val="tx1"/>
+            </a:solidFill>
+            <a:miter lim="800000"/>
+            <a:headEnd/>
+            <a:tailEnd/>
+          </a:ln>
+          <a:extLst>
+            <a:ext uri="{909E8E84-426E-40DD-AFC4-6F175D3DCCD1}">
+              <a14:hiddenFill xmlns:a14="http://schemas.microsoft.com/office/drawing/2010/main">
+                <a:solidFill>
+                  <a:srgbClr val="FFFFFF"/>
+                </a:solidFill>
+              </a14:hiddenFill>
+            </a:ext>
+          </a:extLst>
+        </p:spPr>
+        <p:txBody>
+          <a:bodyPr wrap="square">
+            <a:spAutoFit/>
+          </a:bodyPr>
+          <a:lstStyle>
+            <a:lvl1pPr>
+              <a:defRPr sz="2400" b="1">
+                <a:solidFill>
+                  <a:srgbClr val="000000"/>
+                </a:solidFill>
+                <a:latin typeface="Times New Roman" pitchFamily="18" charset="0"/>
+                <a:ea typeface="宋体" pitchFamily="2" charset="-122"/>
+              </a:defRPr>
+            </a:lvl1pPr>
+            <a:lvl2pPr marL="742950" indent="-285750">
+              <a:defRPr sz="2400" b="1">
+                <a:solidFill>
+                  <a:srgbClr val="000000"/>
+                </a:solidFill>
+                <a:latin typeface="Times New Roman" pitchFamily="18" charset="0"/>
+                <a:ea typeface="宋体" pitchFamily="2" charset="-122"/>
+              </a:defRPr>
+            </a:lvl2pPr>
+            <a:lvl3pPr marL="1143000" indent="-228600">
+              <a:defRPr sz="2400" b="1">
+                <a:solidFill>
+                  <a:srgbClr val="000000"/>
+                </a:solidFill>
+                <a:latin typeface="Times New Roman" pitchFamily="18" charset="0"/>
+                <a:ea typeface="宋体" pitchFamily="2" charset="-122"/>
+              </a:defRPr>
+            </a:lvl3pPr>
+            <a:lvl4pPr marL="1600200" indent="-228600">
+              <a:defRPr sz="2400" b="1">
+                <a:solidFill>
+                  <a:srgbClr val="000000"/>
+                </a:solidFill>
+                <a:latin typeface="Times New Roman" pitchFamily="18" charset="0"/>
+                <a:ea typeface="宋体" pitchFamily="2" charset="-122"/>
+              </a:defRPr>
+            </a:lvl4pPr>
+            <a:lvl5pPr marL="2057400" indent="-228600">
+              <a:defRPr sz="2400" b="1">
+                <a:solidFill>
+                  <a:srgbClr val="000000"/>
+                </a:solidFill>
+                <a:latin typeface="Times New Roman" pitchFamily="18" charset="0"/>
+                <a:ea typeface="宋体" pitchFamily="2" charset="-122"/>
+              </a:defRPr>
+            </a:lvl5pPr>
+            <a:lvl6pPr marL="2514600" indent="-228600" eaLnBrk="0" fontAlgn="base" hangingPunct="0">
+              <a:spcBef>
+                <a:spcPct val="20000"/>
+              </a:spcBef>
+              <a:spcAft>
+                <a:spcPct val="0"/>
+              </a:spcAft>
+              <a:buClr>
+                <a:schemeClr val="tx1"/>
+              </a:buClr>
+              <a:buSzPct val="75000"/>
+              <a:buFont typeface="Wingdings" pitchFamily="2" charset="2"/>
+              <a:defRPr sz="2400" b="1">
+                <a:solidFill>
+                  <a:srgbClr val="000000"/>
+                </a:solidFill>
+                <a:latin typeface="Times New Roman" pitchFamily="18" charset="0"/>
+                <a:ea typeface="宋体" pitchFamily="2" charset="-122"/>
+              </a:defRPr>
+            </a:lvl6pPr>
+            <a:lvl7pPr marL="2971800" indent="-228600" eaLnBrk="0" fontAlgn="base" hangingPunct="0">
+              <a:spcBef>
+                <a:spcPct val="20000"/>
+              </a:spcBef>
+              <a:spcAft>
+                <a:spcPct val="0"/>
+              </a:spcAft>
+              <a:buClr>
+                <a:schemeClr val="tx1"/>
+              </a:buClr>
+              <a:buSzPct val="75000"/>
+              <a:buFont typeface="Wingdings" pitchFamily="2" charset="2"/>
+              <a:defRPr sz="2400" b="1">
+                <a:solidFill>
+                  <a:srgbClr val="000000"/>
+                </a:solidFill>
+                <a:latin typeface="Times New Roman" pitchFamily="18" charset="0"/>
+                <a:ea typeface="宋体" pitchFamily="2" charset="-122"/>
+              </a:defRPr>
+            </a:lvl7pPr>
+            <a:lvl8pPr marL="3429000" indent="-228600" eaLnBrk="0" fontAlgn="base" hangingPunct="0">
+              <a:spcBef>
+                <a:spcPct val="20000"/>
+              </a:spcBef>
+              <a:spcAft>
+                <a:spcPct val="0"/>
+              </a:spcAft>
+              <a:buClr>
+                <a:schemeClr val="tx1"/>
+              </a:buClr>
+              <a:buSzPct val="75000"/>
+              <a:buFont typeface="Wingdings" pitchFamily="2" charset="2"/>
+              <a:defRPr sz="2400" b="1">
+                <a:solidFill>
+                  <a:srgbClr val="000000"/>
+                </a:solidFill>
+                <a:latin typeface="Times New Roman" pitchFamily="18" charset="0"/>
+                <a:ea typeface="宋体" pitchFamily="2" charset="-122"/>
+              </a:defRPr>
+            </a:lvl8pPr>
+            <a:lvl9pPr marL="3886200" indent="-228600" eaLnBrk="0" fontAlgn="base" hangingPunct="0">
+              <a:spcBef>
+                <a:spcPct val="20000"/>
+              </a:spcBef>
+              <a:spcAft>
+                <a:spcPct val="0"/>
+              </a:spcAft>
+              <a:buClr>
+                <a:schemeClr val="tx1"/>
+              </a:buClr>
+              <a:buSzPct val="75000"/>
+              <a:buFont typeface="Wingdings" pitchFamily="2" charset="2"/>
+              <a:defRPr sz="2400" b="1">
+                <a:solidFill>
+                  <a:srgbClr val="000000"/>
+                </a:solidFill>
+                <a:latin typeface="Times New Roman" pitchFamily="18" charset="0"/>
+                <a:ea typeface="宋体" pitchFamily="2" charset="-122"/>
+              </a:defRPr>
+            </a:lvl9pPr>
+          </a:lstStyle>
+          <a:p>
+            <a:pPr>
+              <a:lnSpc>
+                <a:spcPct val="150000"/>
+              </a:lnSpc>
+            </a:pPr>
+            <a:r>
+              <a:rPr lang="en-US" altLang="zh-CN" sz="2000" dirty="0"/>
+              <a:t>f</a:t>
+            </a:r>
+            <a:r>
+              <a:rPr lang="en-US" altLang="zh-CN" sz="2000" dirty="0" smtClean="0"/>
+              <a:t>loat </a:t>
+            </a:r>
+            <a:r>
+              <a:rPr lang="en-US" altLang="zh-CN" sz="2000" dirty="0" err="1" smtClean="0"/>
+              <a:t>a,b,c</a:t>
+            </a:r>
+            <a:r>
+              <a:rPr lang="en-US" altLang="zh-CN" sz="2000" dirty="0" smtClean="0"/>
+              <a:t>;</a:t>
+            </a:r>
+          </a:p>
+          <a:p>
+            <a:pPr>
+              <a:lnSpc>
+                <a:spcPct val="150000"/>
+              </a:lnSpc>
+            </a:pPr>
+            <a:r>
+              <a:rPr lang="zh-CN" altLang="en-US" sz="2000" dirty="0" smtClean="0"/>
+              <a:t>scanf</a:t>
+            </a:r>
+            <a:r>
+              <a:rPr lang="zh-CN" altLang="en-US" sz="2000" dirty="0"/>
+              <a:t>("%f,%f,%f\n",&amp;a,&amp;b,&amp;c);  </a:t>
+            </a:r>
+            <a:r>
+              <a:rPr lang="zh-CN" altLang="en-US" sz="2000" dirty="0">
+                <a:solidFill>
+                  <a:schemeClr val="tx1">
+                    <a:lumMod val="75000"/>
+                  </a:schemeClr>
+                </a:solidFill>
+              </a:rPr>
+              <a:t>// 输入必须用逗号隔开。两次回车接收输入,如3,4,5回车 3,4,5回车</a:t>
+            </a:r>
+          </a:p>
+          <a:p>
+            <a:pPr>
+              <a:lnSpc>
+                <a:spcPct val="150000"/>
+              </a:lnSpc>
+            </a:pPr>
+            <a:r>
+              <a:rPr lang="zh-CN" altLang="en-US" sz="2000" dirty="0"/>
+              <a:t>scanf("%f,%f,%f",&amp;a,&amp;b,&amp;c);  </a:t>
+            </a:r>
+            <a:r>
+              <a:rPr lang="zh-CN" altLang="en-US" sz="2000" dirty="0">
+                <a:solidFill>
+                  <a:schemeClr val="tx1">
+                    <a:lumMod val="75000"/>
+                  </a:schemeClr>
+                </a:solidFill>
+              </a:rPr>
+              <a:t>// 输入必须用逗号隔开。如3,4,5</a:t>
+            </a:r>
+          </a:p>
+          <a:p>
+            <a:pPr>
+              <a:lnSpc>
+                <a:spcPct val="150000"/>
+              </a:lnSpc>
+            </a:pPr>
+            <a:r>
+              <a:rPr lang="zh-CN" altLang="en-US" sz="2000" dirty="0"/>
+              <a:t>scanf("%f%f%f",&amp;a,&amp;b,&amp;c);    </a:t>
+            </a:r>
+            <a:r>
+              <a:rPr lang="zh-CN" altLang="en-US" sz="2000" dirty="0">
+                <a:solidFill>
+                  <a:schemeClr val="tx1">
+                    <a:lumMod val="75000"/>
+                  </a:schemeClr>
+                </a:solidFill>
+              </a:rPr>
+              <a:t>// 输入必须用空格隔开。推荐使用,如3 4 5</a:t>
+            </a:r>
+          </a:p>
+          <a:p>
+            <a:pPr>
+              <a:lnSpc>
+                <a:spcPct val="150000"/>
+              </a:lnSpc>
+            </a:pPr>
+            <a:r>
+              <a:rPr lang="zh-CN" altLang="en-US" sz="2000" dirty="0">
+                <a:solidFill>
+                  <a:schemeClr val="tx1">
+                    <a:lumMod val="75000"/>
+                  </a:schemeClr>
+                </a:solidFill>
+              </a:rPr>
+              <a:t>格式%f必须与变量数据类型对应，float,%f;  double, %lf;  int, %d</a:t>
+            </a:r>
+          </a:p>
+          <a:p>
+            <a:pPr>
+              <a:lnSpc>
+                <a:spcPct val="150000"/>
+              </a:lnSpc>
+            </a:pPr>
+            <a:r>
+              <a:rPr lang="zh-CN" altLang="en-US" sz="2000" dirty="0">
+                <a:solidFill>
+                  <a:schemeClr val="tx1">
+                    <a:lumMod val="75000"/>
+                  </a:schemeClr>
+                </a:solidFill>
+              </a:rPr>
+              <a:t>变量列表中，不要忘了'&amp;'</a:t>
+            </a:r>
+            <a:r>
+              <a:rPr lang="zh-CN" altLang="en-US" sz="2000" dirty="0" smtClean="0">
+                <a:solidFill>
+                  <a:schemeClr val="tx1">
+                    <a:lumMod val="75000"/>
+                  </a:schemeClr>
+                </a:solidFill>
+              </a:rPr>
+              <a:t>；</a:t>
+            </a:r>
+            <a:endParaRPr lang="en-US" altLang="zh-CN" sz="2000" dirty="0" smtClean="0">
+              <a:solidFill>
+                <a:schemeClr val="tx1">
+                  <a:lumMod val="75000"/>
+                </a:schemeClr>
+              </a:solidFill>
+            </a:endParaRPr>
+          </a:p>
+          <a:p>
+            <a:pPr>
+              <a:lnSpc>
+                <a:spcPct val="150000"/>
+              </a:lnSpc>
+            </a:pPr>
+            <a:r>
+              <a:rPr lang="zh-CN" altLang="en-US" sz="2000" dirty="0" smtClean="0">
+                <a:solidFill>
+                  <a:srgbClr val="C00000"/>
+                </a:solidFill>
+              </a:rPr>
+              <a:t>调试程序技巧：</a:t>
+            </a:r>
+            <a:endParaRPr lang="en-US" altLang="zh-CN" sz="2000" dirty="0" smtClean="0">
+              <a:solidFill>
+                <a:srgbClr val="C00000"/>
+              </a:solidFill>
+            </a:endParaRPr>
+          </a:p>
+          <a:p>
+            <a:pPr>
+              <a:lnSpc>
+                <a:spcPct val="150000"/>
+              </a:lnSpc>
+            </a:pPr>
+            <a:r>
+              <a:rPr lang="zh-CN" altLang="en-US" sz="2000" dirty="0" smtClean="0">
+                <a:solidFill>
+                  <a:srgbClr val="C00000"/>
+                </a:solidFill>
+              </a:rPr>
+              <a:t>采用输出语句，检验输入数据的正确性或程序执行过程。</a:t>
+            </a:r>
+            <a:endParaRPr lang="en-US" altLang="zh-CN" sz="2000" dirty="0" smtClean="0">
+              <a:solidFill>
+                <a:srgbClr val="C00000"/>
+              </a:solidFill>
+            </a:endParaRPr>
+          </a:p>
+          <a:p>
+            <a:pPr>
+              <a:lnSpc>
+                <a:spcPct val="150000"/>
+              </a:lnSpc>
+            </a:pPr>
+            <a:r>
+              <a:rPr lang="en-US" altLang="zh-CN" sz="2000" dirty="0" err="1" smtClean="0">
+                <a:solidFill>
+                  <a:srgbClr val="C00000"/>
+                </a:solidFill>
+              </a:rPr>
+              <a:t>printf</a:t>
+            </a:r>
+            <a:r>
+              <a:rPr lang="zh-CN" altLang="en-US" sz="2000" dirty="0" smtClean="0">
+                <a:solidFill>
+                  <a:srgbClr val="C00000"/>
+                </a:solidFill>
+              </a:rPr>
+              <a:t>(“%f，%f，%f</a:t>
+            </a:r>
+            <a:r>
+              <a:rPr lang="en-US" altLang="zh-CN" sz="2000" dirty="0" smtClean="0">
+                <a:solidFill>
+                  <a:srgbClr val="C00000"/>
+                </a:solidFill>
+              </a:rPr>
+              <a:t>\n</a:t>
+            </a:r>
+            <a:r>
+              <a:rPr lang="zh-CN" altLang="en-US" sz="2000" dirty="0" smtClean="0">
+                <a:solidFill>
+                  <a:srgbClr val="C00000"/>
+                </a:solidFill>
+              </a:rPr>
+              <a:t>",a,b,c</a:t>
+            </a:r>
+            <a:r>
+              <a:rPr lang="en-US" altLang="zh-CN" sz="2000" dirty="0" smtClean="0">
+                <a:solidFill>
+                  <a:srgbClr val="C00000"/>
+                </a:solidFill>
+              </a:rPr>
+              <a:t>);</a:t>
+            </a:r>
+            <a:endParaRPr lang="zh-CN" altLang="en-US" sz="2000" dirty="0">
+              <a:solidFill>
+                <a:srgbClr val="C00000"/>
+              </a:solidFill>
+            </a:endParaRPr>
+          </a:p>
+        </p:txBody>
+      </p:sp>
+    </p:spTree>
+    <p:extLst>
+      <p:ext uri="{BB962C8B-B14F-4D97-AF65-F5344CB8AC3E}">
+        <p14:creationId xmlns:p14="http://schemas.microsoft.com/office/powerpoint/2010/main" val="2824283325"/>
+      </p:ext>
+    </p:extLst>
+  </p:cSld>
+  <p:clrMapOvr>
+    <a:masterClrMapping/>
+  </p:clrMapOvr>
+  <p:timing>
+    <p:tnLst>
+      <p:par>
+        <p:cTn id="1" dur="indefinite" restart="never" nodeType="tmRoot">
+          <p:childTnLst>
+            <p:seq concurrent="1" nextAc="seek">
+              <p:cTn id="2" dur="indefinite" nodeType="mainSeq">
+                <p:childTnLst>
+                  <p:par>
+                    <p:cTn id="3" fill="hold">
+                      <p:stCondLst>
+                        <p:cond delay="indefinite"/>
+                      </p:stCondLst>
+                      <p:childTnLst>
+                        <p:par>
+                          <p:cTn id="4" fill="hold">
+                            <p:stCondLst>
+                              <p:cond delay="0"/>
+                            </p:stCondLst>
+                            <p:childTnLst>
+                              <p:par>
+                                <p:cTn id="5" presetID="3" presetClass="entr" presetSubtype="10" fill="hold" nodeType="clickEffect">
+                                  <p:stCondLst>
+                                    <p:cond delay="0"/>
+                                  </p:stCondLst>
+                                  <p:childTnLst>
+                                    <p:set>
+                                      <p:cBhvr>
+                                        <p:cTn id="6" dur="1" fill="hold">
+                                          <p:stCondLst>
+                                            <p:cond delay="0"/>
+                                          </p:stCondLst>
+                                        </p:cTn>
+                                        <p:tgtEl>
+                                          <p:spTgt spid="3082">
+                                            <p:txEl>
+                                              <p:pRg st="1" end="1"/>
+                                            </p:txEl>
+                                          </p:spTgt>
+                                        </p:tgtEl>
+                                        <p:attrNameLst>
+                                          <p:attrName>style.visibility</p:attrName>
+                                        </p:attrNameLst>
+                                      </p:cBhvr>
+                                      <p:to>
+                                        <p:strVal val="visible"/>
+                                      </p:to>
+                                    </p:set>
+                                    <p:animEffect transition="in" filter="blinds(horizontal)">
+                                      <p:cBhvr>
+                                        <p:cTn id="7" dur="500"/>
+                                        <p:tgtEl>
+                                          <p:spTgt spid="3082">
+                                            <p:txEl>
+                                              <p:pRg st="1" end="1"/>
+                                            </p:txEl>
+                                          </p:spTgt>
+                                        </p:tgtEl>
+                                      </p:cBhvr>
+                                    </p:animEffect>
+                                  </p:childTnLst>
+                                </p:cTn>
+                              </p:par>
+                            </p:childTnLst>
+                          </p:cTn>
+                        </p:par>
+                      </p:childTnLst>
+                    </p:cTn>
+                  </p:par>
+                  <p:par>
+                    <p:cTn id="8" fill="hold">
+                      <p:stCondLst>
+                        <p:cond delay="indefinite"/>
+                      </p:stCondLst>
+                      <p:childTnLst>
+                        <p:par>
+                          <p:cTn id="9" fill="hold">
+                            <p:stCondLst>
+                              <p:cond delay="0"/>
+                            </p:stCondLst>
+                            <p:childTnLst>
+                              <p:par>
+                                <p:cTn id="10" presetID="3" presetClass="entr" presetSubtype="10" fill="hold" nodeType="clickEffect">
+                                  <p:stCondLst>
+                                    <p:cond delay="0"/>
+                                  </p:stCondLst>
+                                  <p:childTnLst>
+                                    <p:set>
+                                      <p:cBhvr>
+                                        <p:cTn id="11" dur="1" fill="hold">
+                                          <p:stCondLst>
+                                            <p:cond delay="0"/>
+                                          </p:stCondLst>
+                                        </p:cTn>
+                                        <p:tgtEl>
+                                          <p:spTgt spid="3082">
+                                            <p:txEl>
+                                              <p:pRg st="0" end="0"/>
+                                            </p:txEl>
+                                          </p:spTgt>
+                                        </p:tgtEl>
+                                        <p:attrNameLst>
+                                          <p:attrName>style.visibility</p:attrName>
+                                        </p:attrNameLst>
+                                      </p:cBhvr>
+                                      <p:to>
+                                        <p:strVal val="visible"/>
+                                      </p:to>
+                                    </p:set>
+                                    <p:animEffect transition="in" filter="blinds(horizontal)">
+                                      <p:cBhvr>
+                                        <p:cTn id="12" dur="500"/>
+                                        <p:tgtEl>
+                                          <p:spTgt spid="3082">
+                                            <p:txEl>
+                                              <p:pRg st="0" end="0"/>
+                                            </p:txEl>
+                                          </p:spTgt>
+                                        </p:tgtEl>
+                                      </p:cBhvr>
+                                    </p:animEffect>
+                                  </p:childTnLst>
+                                </p:cTn>
+                              </p:par>
+                            </p:childTnLst>
+                          </p:cTn>
+                        </p:par>
+                      </p:childTnLst>
+                    </p:cTn>
+                  </p:par>
+                  <p:par>
+                    <p:cTn id="13" fill="hold" nodeType="clickPar">
+                      <p:stCondLst>
+                        <p:cond delay="indefinite"/>
+                      </p:stCondLst>
+                      <p:childTnLst>
+                        <p:par>
+                          <p:cTn id="14" fill="hold" nodeType="withGroup">
+                            <p:stCondLst>
+                              <p:cond delay="0"/>
+                            </p:stCondLst>
+                            <p:childTnLst>
+                              <p:par>
+                                <p:cTn id="15" presetID="3" presetClass="entr" presetSubtype="10" fill="hold" nodeType="clickEffect">
+                                  <p:stCondLst>
+                                    <p:cond delay="0"/>
+                                  </p:stCondLst>
+                                  <p:childTnLst>
+                                    <p:set>
+                                      <p:cBhvr>
+                                        <p:cTn id="16" dur="1" fill="hold">
+                                          <p:stCondLst>
+                                            <p:cond delay="0"/>
+                                          </p:stCondLst>
+                                        </p:cTn>
+                                        <p:tgtEl>
+                                          <p:spTgt spid="3082">
+                                            <p:txEl>
+                                              <p:pRg st="2" end="2"/>
+                                            </p:txEl>
+                                          </p:spTgt>
+                                        </p:tgtEl>
+                                        <p:attrNameLst>
+                                          <p:attrName>style.visibility</p:attrName>
+                                        </p:attrNameLst>
+                                      </p:cBhvr>
+                                      <p:to>
+                                        <p:strVal val="visible"/>
+                                      </p:to>
+                                    </p:set>
+                                    <p:animEffect transition="in" filter="blinds(horizontal)">
+                                      <p:cBhvr>
+                                        <p:cTn id="17" dur="500"/>
+                                        <p:tgtEl>
+                                          <p:spTgt spid="3082">
+                                            <p:txEl>
+                                              <p:pRg st="2" end="2"/>
+                                            </p:txEl>
+                                          </p:spTgt>
+                                        </p:tgtEl>
+                                      </p:cBhvr>
+                                    </p:animEffect>
+                                  </p:childTnLst>
+                                </p:cTn>
+                              </p:par>
+                            </p:childTnLst>
+                          </p:cTn>
+                        </p:par>
+                      </p:childTnLst>
+                    </p:cTn>
+                  </p:par>
+                  <p:par>
+                    <p:cTn id="18" fill="hold" nodeType="clickPar">
+                      <p:stCondLst>
+                        <p:cond delay="indefinite"/>
+                      </p:stCondLst>
+                      <p:childTnLst>
+                        <p:par>
+                          <p:cTn id="19" fill="hold" nodeType="withGroup">
+                            <p:stCondLst>
+                              <p:cond delay="0"/>
+                            </p:stCondLst>
+                            <p:childTnLst>
+                              <p:par>
+                                <p:cTn id="20" presetID="3" presetClass="entr" presetSubtype="10" fill="hold" nodeType="clickEffect">
+                                  <p:stCondLst>
+                                    <p:cond delay="0"/>
+                                  </p:stCondLst>
+                                  <p:childTnLst>
+                                    <p:set>
+                                      <p:cBhvr>
+                                        <p:cTn id="21" dur="1" fill="hold">
+                                          <p:stCondLst>
+                                            <p:cond delay="0"/>
+                                          </p:stCondLst>
+                                        </p:cTn>
+                                        <p:tgtEl>
+                                          <p:spTgt spid="3082">
+                                            <p:txEl>
+                                              <p:pRg st="3" end="3"/>
+                                            </p:txEl>
+                                          </p:spTgt>
+                                        </p:tgtEl>
+                                        <p:attrNameLst>
+                                          <p:attrName>style.visibility</p:attrName>
+                                        </p:attrNameLst>
+                                      </p:cBhvr>
+                                      <p:to>
+                                        <p:strVal val="visible"/>
+                                      </p:to>
+                                    </p:set>
+                                    <p:animEffect transition="in" filter="blinds(horizontal)">
+                                      <p:cBhvr>
+                                        <p:cTn id="22" dur="500"/>
+                                        <p:tgtEl>
+                                          <p:spTgt spid="3082">
+                                            <p:txEl>
+                                              <p:pRg st="3" end="3"/>
+                                            </p:txEl>
+                                          </p:spTgt>
+                                        </p:tgtEl>
+                                      </p:cBhvr>
+                                    </p:animEffect>
+                                  </p:childTnLst>
+                                </p:cTn>
+                              </p:par>
+                            </p:childTnLst>
+                          </p:cTn>
+                        </p:par>
+                      </p:childTnLst>
+                    </p:cTn>
+                  </p:par>
+                  <p:par>
+                    <p:cTn id="23" fill="hold" nodeType="clickPar">
+                      <p:stCondLst>
+                        <p:cond delay="indefinite"/>
+                      </p:stCondLst>
+                      <p:childTnLst>
+                        <p:par>
+                          <p:cTn id="24" fill="hold" nodeType="withGroup">
+                            <p:stCondLst>
+                              <p:cond delay="0"/>
+                            </p:stCondLst>
+                            <p:childTnLst>
+                              <p:par>
+                                <p:cTn id="25" presetID="3" presetClass="entr" presetSubtype="10" fill="hold" nodeType="clickEffect">
+                                  <p:stCondLst>
+                                    <p:cond delay="0"/>
+                                  </p:stCondLst>
+                                  <p:childTnLst>
+                                    <p:set>
+                                      <p:cBhvr>
+                                        <p:cTn id="26" dur="1" fill="hold">
+                                          <p:stCondLst>
+                                            <p:cond delay="0"/>
+                                          </p:stCondLst>
+                                        </p:cTn>
+                                        <p:tgtEl>
+                                          <p:spTgt spid="3082">
+                                            <p:txEl>
+                                              <p:pRg st="4" end="4"/>
+                                            </p:txEl>
+                                          </p:spTgt>
+                                        </p:tgtEl>
+                                        <p:attrNameLst>
+                                          <p:attrName>style.visibility</p:attrName>
+                                        </p:attrNameLst>
+                                      </p:cBhvr>
+                                      <p:to>
+                                        <p:strVal val="visible"/>
+                                      </p:to>
+                                    </p:set>
+                                    <p:animEffect transition="in" filter="blinds(horizontal)">
+                                      <p:cBhvr>
+                                        <p:cTn id="27" dur="500"/>
+                                        <p:tgtEl>
+                                          <p:spTgt spid="3082">
+                                            <p:txEl>
+                                              <p:pRg st="4" end="4"/>
+                                            </p:txEl>
+                                          </p:spTgt>
+                                        </p:tgtEl>
+                                      </p:cBhvr>
+                                    </p:animEffect>
+                                  </p:childTnLst>
+                                </p:cTn>
+                              </p:par>
+                            </p:childTnLst>
+                          </p:cTn>
+                        </p:par>
+                      </p:childTnLst>
+                    </p:cTn>
+                  </p:par>
+                  <p:par>
+                    <p:cTn id="28" fill="hold" nodeType="clickPar">
+                      <p:stCondLst>
+                        <p:cond delay="indefinite"/>
+                      </p:stCondLst>
+                      <p:childTnLst>
+                        <p:par>
+                          <p:cTn id="29" fill="hold" nodeType="withGroup">
+                            <p:stCondLst>
+                              <p:cond delay="0"/>
+                            </p:stCondLst>
+                            <p:childTnLst>
+                              <p:par>
+                                <p:cTn id="30" presetID="3" presetClass="entr" presetSubtype="10" fill="hold" nodeType="clickEffect">
+                                  <p:stCondLst>
+                                    <p:cond delay="0"/>
+                                  </p:stCondLst>
+                                  <p:childTnLst>
+                                    <p:set>
+                                      <p:cBhvr>
+                                        <p:cTn id="31" dur="1" fill="hold">
+                                          <p:stCondLst>
+                                            <p:cond delay="0"/>
+                                          </p:stCondLst>
+                                        </p:cTn>
+                                        <p:tgtEl>
+                                          <p:spTgt spid="3082">
+                                            <p:txEl>
+                                              <p:pRg st="5" end="5"/>
+                                            </p:txEl>
+                                          </p:spTgt>
+                                        </p:tgtEl>
+                                        <p:attrNameLst>
+                                          <p:attrName>style.visibility</p:attrName>
+                                        </p:attrNameLst>
+                                      </p:cBhvr>
+                                      <p:to>
+                                        <p:strVal val="visible"/>
+                                      </p:to>
+                                    </p:set>
+                                    <p:animEffect transition="in" filter="blinds(horizontal)">
+                                      <p:cBhvr>
+                                        <p:cTn id="32" dur="500"/>
+                                        <p:tgtEl>
+                                          <p:spTgt spid="3082">
+                                            <p:txEl>
+                                              <p:pRg st="5" end="5"/>
+                                            </p:txEl>
+                                          </p:spTgt>
+                                        </p:tgtEl>
+                                      </p:cBhvr>
+                                    </p:animEffect>
+                                  </p:childTnLst>
+                                </p:cTn>
+                              </p:par>
+                            </p:childTnLst>
+                          </p:cTn>
+                        </p:par>
+                      </p:childTnLst>
+                    </p:cTn>
+                  </p:par>
+                  <p:par>
+                    <p:cTn id="33" fill="hold">
+                      <p:stCondLst>
+                        <p:cond delay="indefinite"/>
+                      </p:stCondLst>
+                      <p:childTnLst>
+                        <p:par>
+                          <p:cTn id="34" fill="hold">
+                            <p:stCondLst>
+                              <p:cond delay="0"/>
+                            </p:stCondLst>
+                            <p:childTnLst>
+                              <p:par>
+                                <p:cTn id="35" presetID="3" presetClass="entr" presetSubtype="10" fill="hold" nodeType="clickEffect">
+                                  <p:stCondLst>
+                                    <p:cond delay="0"/>
+                                  </p:stCondLst>
+                                  <p:childTnLst>
+                                    <p:set>
+                                      <p:cBhvr>
+                                        <p:cTn id="36" dur="1" fill="hold">
+                                          <p:stCondLst>
+                                            <p:cond delay="0"/>
+                                          </p:stCondLst>
+                                        </p:cTn>
+                                        <p:tgtEl>
+                                          <p:spTgt spid="3082">
+                                            <p:txEl>
+                                              <p:pRg st="6" end="6"/>
+                                            </p:txEl>
+                                          </p:spTgt>
+                                        </p:tgtEl>
+                                        <p:attrNameLst>
+                                          <p:attrName>style.visibility</p:attrName>
+                                        </p:attrNameLst>
+                                      </p:cBhvr>
+                                      <p:to>
+                                        <p:strVal val="visible"/>
+                                      </p:to>
+                                    </p:set>
+                                    <p:animEffect transition="in" filter="blinds(horizontal)">
+                                      <p:cBhvr>
+                                        <p:cTn id="37" dur="500"/>
+                                        <p:tgtEl>
+                                          <p:spTgt spid="3082">
+                                            <p:txEl>
+                                              <p:pRg st="6" end="6"/>
+                                            </p:txEl>
+                                          </p:spTgt>
+                                        </p:tgtEl>
+                                      </p:cBhvr>
+                                    </p:animEffect>
+                                  </p:childTnLst>
+                                </p:cTn>
+                              </p:par>
+                            </p:childTnLst>
+                          </p:cTn>
+                        </p:par>
+                      </p:childTnLst>
+                    </p:cTn>
+                  </p:par>
+                  <p:par>
+                    <p:cTn id="38" fill="hold">
+                      <p:stCondLst>
+                        <p:cond delay="indefinite"/>
+                      </p:stCondLst>
+                      <p:childTnLst>
+                        <p:par>
+                          <p:cTn id="39" fill="hold">
+                            <p:stCondLst>
+                              <p:cond delay="0"/>
+                            </p:stCondLst>
+                            <p:childTnLst>
+                              <p:par>
+                                <p:cTn id="40" presetID="3" presetClass="entr" presetSubtype="10" fill="hold" nodeType="clickEffect">
+                                  <p:stCondLst>
+                                    <p:cond delay="0"/>
+                                  </p:stCondLst>
+                                  <p:childTnLst>
+                                    <p:set>
+                                      <p:cBhvr>
+                                        <p:cTn id="41" dur="1" fill="hold">
+                                          <p:stCondLst>
+                                            <p:cond delay="0"/>
+                                          </p:stCondLst>
+                                        </p:cTn>
+                                        <p:tgtEl>
+                                          <p:spTgt spid="3082">
+                                            <p:txEl>
+                                              <p:pRg st="7" end="7"/>
+                                            </p:txEl>
+                                          </p:spTgt>
+                                        </p:tgtEl>
+                                        <p:attrNameLst>
+                                          <p:attrName>style.visibility</p:attrName>
+                                        </p:attrNameLst>
+                                      </p:cBhvr>
+                                      <p:to>
+                                        <p:strVal val="visible"/>
+                                      </p:to>
+                                    </p:set>
+                                    <p:animEffect transition="in" filter="blinds(horizontal)">
+                                      <p:cBhvr>
+                                        <p:cTn id="42" dur="500"/>
+                                        <p:tgtEl>
+                                          <p:spTgt spid="3082">
+                                            <p:txEl>
+                                              <p:pRg st="7" end="7"/>
+                                            </p:txEl>
+                                          </p:spTgt>
+                                        </p:tgtEl>
+                                      </p:cBhvr>
+                                    </p:animEffect>
+                                  </p:childTnLst>
+                                </p:cTn>
+                              </p:par>
+                            </p:childTnLst>
+                          </p:cTn>
+                        </p:par>
+                      </p:childTnLst>
+                    </p:cTn>
+                  </p:par>
+                  <p:par>
+                    <p:cTn id="43" fill="hold">
+                      <p:stCondLst>
+                        <p:cond delay="indefinite"/>
+                      </p:stCondLst>
+                      <p:childTnLst>
+                        <p:par>
+                          <p:cTn id="44" fill="hold">
+                            <p:stCondLst>
+                              <p:cond delay="0"/>
+                            </p:stCondLst>
+                            <p:childTnLst>
+                              <p:par>
+                                <p:cTn id="45" presetID="3" presetClass="entr" presetSubtype="10" fill="hold" nodeType="clickEffect">
+                                  <p:stCondLst>
+                                    <p:cond delay="0"/>
+                                  </p:stCondLst>
+                                  <p:childTnLst>
+                                    <p:set>
+                                      <p:cBhvr>
+                                        <p:cTn id="46" dur="1" fill="hold">
+                                          <p:stCondLst>
+                                            <p:cond delay="0"/>
+                                          </p:stCondLst>
+                                        </p:cTn>
+                                        <p:tgtEl>
+                                          <p:spTgt spid="3082">
+                                            <p:txEl>
+                                              <p:pRg st="8" end="8"/>
+                                            </p:txEl>
+                                          </p:spTgt>
+                                        </p:tgtEl>
+                                        <p:attrNameLst>
+                                          <p:attrName>style.visibility</p:attrName>
+                                        </p:attrNameLst>
+                                      </p:cBhvr>
+                                      <p:to>
+                                        <p:strVal val="visible"/>
+                                      </p:to>
+                                    </p:set>
+                                    <p:animEffect transition="in" filter="blinds(horizontal)">
+                                      <p:cBhvr>
+                                        <p:cTn id="47" dur="500"/>
+                                        <p:tgtEl>
+                                          <p:spTgt spid="3082">
+                                            <p:txEl>
+                                              <p:pRg st="8" end="8"/>
+                                            </p:txEl>
+                                          </p:spTgt>
+                                        </p:tgtEl>
+                                      </p:cBhvr>
+                                    </p:animEffect>
+                                  </p:childTnLst>
+                                </p:cTn>
+                              </p:par>
+                            </p:childTnLst>
+                          </p:cTn>
+                        </p:par>
+                      </p:childTnLst>
+                    </p:cTn>
+                  </p:par>
+                </p:childTnLst>
+              </p:cTn>
+              <p:prevCondLst>
+                <p:cond evt="onPrev" delay="0">
+                  <p:tgtEl>
+                    <p:sldTgt/>
+                  </p:tgtEl>
+                </p:cond>
+              </p:prevCondLst>
+              <p:nextCondLst>
+                <p:cond evt="onNext" delay="0">
+                  <p:tgtEl>
+                    <p:sldTgt/>
+                  </p:tgtEl>
+                </p:cond>
+              </p:nextCondLst>
+            </p:seq>
+          </p:childTnLst>
+        </p:cTn>
+      </p:par>
+    </p:tnLst>
+  </p:timing>
 </p:sld>
 </file>
 

--- a/2016/上机安排.pptx
+++ b/2016/上机安排.pptx
@@ -5,7 +5,7 @@
     <p:sldMasterId id="2147483648" r:id="rId1"/>
   </p:sldMasterIdLst>
   <p:notesMasterIdLst>
-    <p:notesMasterId r:id="rId12"/>
+    <p:notesMasterId r:id="rId11"/>
   </p:notesMasterIdLst>
   <p:sldIdLst>
     <p:sldId id="256" r:id="rId2"/>
@@ -15,9 +15,8 @@
     <p:sldId id="258" r:id="rId6"/>
     <p:sldId id="261" r:id="rId7"/>
     <p:sldId id="262" r:id="rId8"/>
-    <p:sldId id="263" r:id="rId9"/>
-    <p:sldId id="264" r:id="rId10"/>
-    <p:sldId id="265" r:id="rId11"/>
+    <p:sldId id="264" r:id="rId9"/>
+    <p:sldId id="263" r:id="rId10"/>
   </p:sldIdLst>
   <p:sldSz cx="9144000" cy="6858000" type="screen4x3"/>
   <p:notesSz cx="6858000" cy="9144000"/>
@@ -201,7 +200,7 @@
           <a:p>
             <a:fld id="{E32E8F51-7589-4D7B-B384-FD766A27EFA9}" type="datetimeFigureOut">
               <a:rPr lang="zh-CN" altLang="en-US" smtClean="0"/>
-              <a:t>2016/10/13</a:t>
+              <a:t>2016/10/14</a:t>
             </a:fld>
             <a:endParaRPr lang="zh-CN" altLang="en-US"/>
           </a:p>
@@ -1873,7 +1872,7 @@
           <a:p>
             <a:fld id="{530820CF-B880-4189-942D-D702A7CBA730}" type="datetimeFigureOut">
               <a:rPr lang="zh-CN" altLang="en-US" smtClean="0"/>
-              <a:t>2016/10/13</a:t>
+              <a:t>2016/10/14</a:t>
             </a:fld>
             <a:endParaRPr lang="zh-CN" altLang="en-US"/>
           </a:p>
@@ -2038,7 +2037,7 @@
           <a:p>
             <a:fld id="{530820CF-B880-4189-942D-D702A7CBA730}" type="datetimeFigureOut">
               <a:rPr lang="zh-CN" altLang="en-US" smtClean="0"/>
-              <a:t>2016/10/13</a:t>
+              <a:t>2016/10/14</a:t>
             </a:fld>
             <a:endParaRPr lang="zh-CN" altLang="en-US"/>
           </a:p>
@@ -2213,7 +2212,7 @@
           <a:p>
             <a:fld id="{530820CF-B880-4189-942D-D702A7CBA730}" type="datetimeFigureOut">
               <a:rPr lang="zh-CN" altLang="en-US" smtClean="0"/>
-              <a:t>2016/10/13</a:t>
+              <a:t>2016/10/14</a:t>
             </a:fld>
             <a:endParaRPr lang="zh-CN" altLang="en-US"/>
           </a:p>
@@ -2378,7 +2377,7 @@
           <a:p>
             <a:fld id="{530820CF-B880-4189-942D-D702A7CBA730}" type="datetimeFigureOut">
               <a:rPr lang="zh-CN" altLang="en-US" smtClean="0"/>
-              <a:t>2016/10/13</a:t>
+              <a:t>2016/10/14</a:t>
             </a:fld>
             <a:endParaRPr lang="zh-CN" altLang="en-US"/>
           </a:p>
@@ -2619,7 +2618,7 @@
           <a:p>
             <a:fld id="{530820CF-B880-4189-942D-D702A7CBA730}" type="datetimeFigureOut">
               <a:rPr lang="zh-CN" altLang="en-US" smtClean="0"/>
-              <a:t>2016/10/13</a:t>
+              <a:t>2016/10/14</a:t>
             </a:fld>
             <a:endParaRPr lang="zh-CN" altLang="en-US"/>
           </a:p>
@@ -2902,7 +2901,7 @@
           <a:p>
             <a:fld id="{530820CF-B880-4189-942D-D702A7CBA730}" type="datetimeFigureOut">
               <a:rPr lang="zh-CN" altLang="en-US" smtClean="0"/>
-              <a:t>2016/10/13</a:t>
+              <a:t>2016/10/14</a:t>
             </a:fld>
             <a:endParaRPr lang="zh-CN" altLang="en-US"/>
           </a:p>
@@ -3319,7 +3318,7 @@
           <a:p>
             <a:fld id="{530820CF-B880-4189-942D-D702A7CBA730}" type="datetimeFigureOut">
               <a:rPr lang="zh-CN" altLang="en-US" smtClean="0"/>
-              <a:t>2016/10/13</a:t>
+              <a:t>2016/10/14</a:t>
             </a:fld>
             <a:endParaRPr lang="zh-CN" altLang="en-US"/>
           </a:p>
@@ -3432,7 +3431,7 @@
           <a:p>
             <a:fld id="{530820CF-B880-4189-942D-D702A7CBA730}" type="datetimeFigureOut">
               <a:rPr lang="zh-CN" altLang="en-US" smtClean="0"/>
-              <a:t>2016/10/13</a:t>
+              <a:t>2016/10/14</a:t>
             </a:fld>
             <a:endParaRPr lang="zh-CN" altLang="en-US"/>
           </a:p>
@@ -3522,7 +3521,7 @@
           <a:p>
             <a:fld id="{530820CF-B880-4189-942D-D702A7CBA730}" type="datetimeFigureOut">
               <a:rPr lang="zh-CN" altLang="en-US" smtClean="0"/>
-              <a:t>2016/10/13</a:t>
+              <a:t>2016/10/14</a:t>
             </a:fld>
             <a:endParaRPr lang="zh-CN" altLang="en-US"/>
           </a:p>
@@ -3794,7 +3793,7 @@
           <a:p>
             <a:fld id="{530820CF-B880-4189-942D-D702A7CBA730}" type="datetimeFigureOut">
               <a:rPr lang="zh-CN" altLang="en-US" smtClean="0"/>
-              <a:t>2016/10/13</a:t>
+              <a:t>2016/10/14</a:t>
             </a:fld>
             <a:endParaRPr lang="zh-CN" altLang="en-US"/>
           </a:p>
@@ -4042,7 +4041,7 @@
           <a:p>
             <a:fld id="{530820CF-B880-4189-942D-D702A7CBA730}" type="datetimeFigureOut">
               <a:rPr lang="zh-CN" altLang="en-US" smtClean="0"/>
-              <a:t>2016/10/13</a:t>
+              <a:t>2016/10/14</a:t>
             </a:fld>
             <a:endParaRPr lang="zh-CN" altLang="en-US"/>
           </a:p>
@@ -4250,7 +4249,7 @@
           <a:p>
             <a:fld id="{530820CF-B880-4189-942D-D702A7CBA730}" type="datetimeFigureOut">
               <a:rPr lang="zh-CN" altLang="en-US" smtClean="0"/>
-              <a:t>2016/10/13</a:t>
+              <a:t>2016/10/14</a:t>
             </a:fld>
             <a:endParaRPr lang="zh-CN" altLang="en-US"/>
           </a:p>
@@ -4730,1410 +4729,6 @@
 </p:sld>
 </file>
 
-<file path=ppt/slides/slide10.xml><?xml version="1.0" encoding="utf-8"?>
-<p:sld xmlns:a="http://schemas.openxmlformats.org/drawingml/2006/main" xmlns:r="http://schemas.openxmlformats.org/officeDocument/2006/relationships" xmlns:p="http://schemas.openxmlformats.org/presentationml/2006/main">
-  <p:cSld>
-    <p:spTree>
-      <p:nvGrpSpPr>
-        <p:cNvPr id="1" name=""/>
-        <p:cNvGrpSpPr/>
-        <p:nvPr/>
-      </p:nvGrpSpPr>
-      <p:grpSpPr>
-        <a:xfrm>
-          <a:off x="0" y="0"/>
-          <a:ext cx="0" cy="0"/>
-          <a:chOff x="0" y="0"/>
-          <a:chExt cx="0" cy="0"/>
-        </a:xfrm>
-      </p:grpSpPr>
-      <p:sp>
-        <p:nvSpPr>
-          <p:cNvPr id="3075" name="灯片编号占位符 5"/>
-          <p:cNvSpPr>
-            <a:spLocks noGrp="1" noChangeArrowheads="1"/>
-          </p:cNvSpPr>
-          <p:nvPr/>
-        </p:nvSpPr>
-        <p:spPr bwMode="auto">
-          <a:xfrm>
-            <a:off x="8556625" y="0"/>
-            <a:ext cx="587375" cy="396875"/>
-          </a:xfrm>
-          <a:prstGeom prst="rect">
-            <a:avLst/>
-          </a:prstGeom>
-          <a:noFill/>
-          <a:ln>
-            <a:noFill/>
-          </a:ln>
-          <a:extLst>
-            <a:ext uri="{909E8E84-426E-40DD-AFC4-6F175D3DCCD1}">
-              <a14:hiddenFill xmlns:a14="http://schemas.microsoft.com/office/drawing/2010/main">
-                <a:solidFill>
-                  <a:srgbClr val="FFFFFF"/>
-                </a:solidFill>
-              </a14:hiddenFill>
-            </a:ext>
-            <a:ext uri="{91240B29-F687-4F45-9708-019B960494DF}">
-              <a14:hiddenLine xmlns:a14="http://schemas.microsoft.com/office/drawing/2010/main" w="9525">
-                <a:solidFill>
-                  <a:srgbClr val="000000"/>
-                </a:solidFill>
-                <a:miter lim="800000"/>
-                <a:headEnd/>
-                <a:tailEnd/>
-              </a14:hiddenLine>
-            </a:ext>
-          </a:extLst>
-        </p:spPr>
-        <p:txBody>
-          <a:bodyPr/>
-          <a:lstStyle/>
-          <a:p>
-            <a:fld id="{5FFBC17F-40C8-49ED-B904-840D04F2287F}" type="slidenum">
-              <a:rPr lang="zh-CN" altLang="en-US">
-                <a:ea typeface="楷体_GB2312" pitchFamily="1" charset="-122"/>
-              </a:rPr>
-              <a:pPr/>
-              <a:t>10</a:t>
-            </a:fld>
-            <a:endParaRPr lang="en-US" altLang="zh-CN">
-              <a:ea typeface="楷体_GB2312" pitchFamily="1" charset="-122"/>
-            </a:endParaRPr>
-          </a:p>
-        </p:txBody>
-      </p:sp>
-      <p:sp>
-        <p:nvSpPr>
-          <p:cNvPr id="3076" name="Rectangle 2"/>
-          <p:cNvSpPr>
-            <a:spLocks noGrp="1" noChangeArrowheads="1"/>
-          </p:cNvSpPr>
-          <p:nvPr>
-            <p:ph type="title" idx="4294967295"/>
-          </p:nvPr>
-        </p:nvSpPr>
-        <p:spPr>
-          <a:xfrm>
-            <a:off x="467544" y="71437"/>
-            <a:ext cx="7715200" cy="650875"/>
-          </a:xfrm>
-        </p:spPr>
-        <p:txBody>
-          <a:bodyPr>
-            <a:normAutofit fontScale="90000"/>
-          </a:bodyPr>
-          <a:lstStyle/>
-          <a:p>
-            <a:pPr algn="just" eaLnBrk="1" hangingPunct="1"/>
-            <a:r>
-              <a:rPr lang="zh-CN" altLang="en-US" dirty="0" smtClean="0"/>
-              <a:t>整数除以整数，结果为整数</a:t>
-            </a:r>
-          </a:p>
-        </p:txBody>
-      </p:sp>
-      <p:sp>
-        <p:nvSpPr>
-          <p:cNvPr id="3077" name="Rectangle 3"/>
-          <p:cNvSpPr>
-            <a:spLocks noGrp="1" noChangeArrowheads="1"/>
-          </p:cNvSpPr>
-          <p:nvPr>
-            <p:ph type="body" idx="1"/>
-          </p:nvPr>
-        </p:nvSpPr>
-        <p:spPr>
-          <a:xfrm>
-            <a:off x="755650" y="836613"/>
-            <a:ext cx="8229600" cy="838200"/>
-          </a:xfrm>
-        </p:spPr>
-        <p:txBody>
-          <a:bodyPr/>
-          <a:lstStyle/>
-          <a:p>
-            <a:pPr marL="22225" indent="-17463" algn="l" eaLnBrk="1" hangingPunct="1">
-              <a:lnSpc>
-                <a:spcPct val="90000"/>
-              </a:lnSpc>
-            </a:pPr>
-            <a:r>
-              <a:rPr lang="zh-CN" altLang="en-US" sz="2000" dirty="0" smtClean="0"/>
-              <a:t>已知三条边a、b、c，求三角形面积</a:t>
-            </a:r>
-          </a:p>
-          <a:p>
-            <a:pPr marL="22225" indent="-17463" algn="l" eaLnBrk="1" hangingPunct="1">
-              <a:lnSpc>
-                <a:spcPct val="90000"/>
-              </a:lnSpc>
-            </a:pPr>
-            <a:r>
-              <a:rPr lang="zh-CN" altLang="en-US" sz="2000" dirty="0" smtClean="0"/>
-              <a:t>     三角形面积的计算公式 </a:t>
-            </a:r>
-          </a:p>
-        </p:txBody>
-      </p:sp>
-      <p:grpSp>
-        <p:nvGrpSpPr>
-          <p:cNvPr id="3078" name="Group 10"/>
-          <p:cNvGrpSpPr>
-            <a:grpSpLocks/>
-          </p:cNvGrpSpPr>
-          <p:nvPr/>
-        </p:nvGrpSpPr>
-        <p:grpSpPr bwMode="auto">
-          <a:xfrm>
-            <a:off x="4932363" y="766763"/>
-            <a:ext cx="3733800" cy="990600"/>
-            <a:chOff x="0" y="0"/>
-            <a:chExt cx="2352" cy="624"/>
-          </a:xfrm>
-        </p:grpSpPr>
-        <p:pic>
-          <p:nvPicPr>
-            <p:cNvPr id="3081" name="Object 5"/>
-            <p:cNvPicPr>
-              <a:picLocks noChangeAspect="1" noChangeArrowheads="1"/>
-            </p:cNvPicPr>
-            <p:nvPr/>
-          </p:nvPicPr>
-          <p:blipFill>
-            <a:blip r:embed="rId2" cstate="print">
-              <a:extLst>
-                <a:ext uri="{28A0092B-C50C-407E-A947-70E740481C1C}">
-                  <a14:useLocalDpi xmlns:a14="http://schemas.microsoft.com/office/drawing/2010/main" val="0"/>
-                </a:ext>
-              </a:extLst>
-            </a:blip>
-            <a:srcRect/>
-            <a:stretch>
-              <a:fillRect/>
-            </a:stretch>
-          </p:blipFill>
-          <p:spPr bwMode="auto">
-            <a:xfrm>
-              <a:off x="59" y="0"/>
-              <a:ext cx="2293" cy="242"/>
-            </a:xfrm>
-            <a:prstGeom prst="rect">
-              <a:avLst/>
-            </a:prstGeom>
-            <a:noFill/>
-            <a:ln>
-              <a:noFill/>
-            </a:ln>
-            <a:extLst>
-              <a:ext uri="{909E8E84-426E-40DD-AFC4-6F175D3DCCD1}">
-                <a14:hiddenFill xmlns:a14="http://schemas.microsoft.com/office/drawing/2010/main">
-                  <a:solidFill>
-                    <a:srgbClr val="FFFFFF"/>
-                  </a:solidFill>
-                </a14:hiddenFill>
-              </a:ext>
-              <a:ext uri="{91240B29-F687-4F45-9708-019B960494DF}">
-                <a14:hiddenLine xmlns:a14="http://schemas.microsoft.com/office/drawing/2010/main" w="9525">
-                  <a:solidFill>
-                    <a:srgbClr val="000000"/>
-                  </a:solidFill>
-                  <a:miter lim="800000"/>
-                  <a:headEnd/>
-                  <a:tailEnd/>
-                </a14:hiddenLine>
-              </a:ext>
-            </a:extLst>
-          </p:spPr>
-        </p:pic>
-        <p:pic>
-          <p:nvPicPr>
-            <p:cNvPr id="3082" name="Object 7"/>
-            <p:cNvPicPr>
-              <a:picLocks noChangeAspect="1" noChangeArrowheads="1"/>
-            </p:cNvPicPr>
-            <p:nvPr/>
-          </p:nvPicPr>
-          <p:blipFill>
-            <a:blip r:embed="rId3" cstate="print">
-              <a:extLst>
-                <a:ext uri="{28A0092B-C50C-407E-A947-70E740481C1C}">
-                  <a14:useLocalDpi xmlns:a14="http://schemas.microsoft.com/office/drawing/2010/main" val="0"/>
-                </a:ext>
-              </a:extLst>
-            </a:blip>
-            <a:srcRect/>
-            <a:stretch>
-              <a:fillRect/>
-            </a:stretch>
-          </p:blipFill>
-          <p:spPr bwMode="auto">
-            <a:xfrm>
-              <a:off x="576" y="242"/>
-              <a:ext cx="1297" cy="382"/>
-            </a:xfrm>
-            <a:prstGeom prst="rect">
-              <a:avLst/>
-            </a:prstGeom>
-            <a:noFill/>
-            <a:ln>
-              <a:noFill/>
-            </a:ln>
-            <a:extLst>
-              <a:ext uri="{909E8E84-426E-40DD-AFC4-6F175D3DCCD1}">
-                <a14:hiddenFill xmlns:a14="http://schemas.microsoft.com/office/drawing/2010/main">
-                  <a:solidFill>
-                    <a:srgbClr val="FFFFFF"/>
-                  </a:solidFill>
-                </a14:hiddenFill>
-              </a:ext>
-              <a:ext uri="{91240B29-F687-4F45-9708-019B960494DF}">
-                <a14:hiddenLine xmlns:a14="http://schemas.microsoft.com/office/drawing/2010/main" w="9525">
-                  <a:solidFill>
-                    <a:srgbClr val="000000"/>
-                  </a:solidFill>
-                  <a:miter lim="800000"/>
-                  <a:headEnd/>
-                  <a:tailEnd/>
-                </a14:hiddenLine>
-              </a:ext>
-            </a:extLst>
-          </p:spPr>
-        </p:pic>
-        <p:sp>
-          <p:nvSpPr>
-            <p:cNvPr id="3083" name="Text Box 8"/>
-            <p:cNvSpPr>
-              <a:spLocks noChangeArrowheads="1"/>
-            </p:cNvSpPr>
-            <p:nvPr/>
-          </p:nvSpPr>
-          <p:spPr bwMode="auto">
-            <a:xfrm>
-              <a:off x="0" y="240"/>
-              <a:ext cx="862" cy="302"/>
-            </a:xfrm>
-            <a:prstGeom prst="rect">
-              <a:avLst/>
-            </a:prstGeom>
-            <a:noFill/>
-            <a:ln>
-              <a:noFill/>
-            </a:ln>
-            <a:extLst>
-              <a:ext uri="{909E8E84-426E-40DD-AFC4-6F175D3DCCD1}">
-                <a14:hiddenFill xmlns:a14="http://schemas.microsoft.com/office/drawing/2010/main">
-                  <a:solidFill>
-                    <a:srgbClr val="FFFFFF"/>
-                  </a:solidFill>
-                </a14:hiddenFill>
-              </a:ext>
-              <a:ext uri="{91240B29-F687-4F45-9708-019B960494DF}">
-                <a14:hiddenLine xmlns:a14="http://schemas.microsoft.com/office/drawing/2010/main" w="9525">
-                  <a:solidFill>
-                    <a:srgbClr val="000000"/>
-                  </a:solidFill>
-                  <a:miter lim="800000"/>
-                  <a:headEnd/>
-                  <a:tailEnd/>
-                </a14:hiddenLine>
-              </a:ext>
-            </a:extLst>
-          </p:spPr>
-          <p:txBody>
-            <a:bodyPr/>
-            <a:lstStyle/>
-            <a:p>
-              <a:pPr algn="just">
-                <a:spcBef>
-                  <a:spcPct val="0"/>
-                </a:spcBef>
-              </a:pPr>
-              <a:r>
-                <a:rPr lang="zh-CN" altLang="en-US">
-                  <a:solidFill>
-                    <a:srgbClr val="006600"/>
-                  </a:solidFill>
-                  <a:ea typeface="楷体_GB2312" pitchFamily="1" charset="-122"/>
-                  <a:sym typeface="Arial" pitchFamily="34" charset="0"/>
-                </a:rPr>
-                <a:t>其中：</a:t>
-              </a:r>
-              <a:endParaRPr lang="zh-CN" altLang="en-US">
-                <a:ea typeface="楷体_GB2312" pitchFamily="1" charset="-122"/>
-              </a:endParaRPr>
-            </a:p>
-          </p:txBody>
-        </p:sp>
-      </p:grpSp>
-      <p:sp>
-        <p:nvSpPr>
-          <p:cNvPr id="4105" name="Rectangle 11"/>
-          <p:cNvSpPr>
-            <a:spLocks noChangeArrowheads="1"/>
-          </p:cNvSpPr>
-          <p:nvPr/>
-        </p:nvSpPr>
-        <p:spPr bwMode="auto">
-          <a:xfrm>
-            <a:off x="762000" y="1627188"/>
-            <a:ext cx="8001000" cy="3098800"/>
-          </a:xfrm>
-          <a:prstGeom prst="rect">
-            <a:avLst/>
-          </a:prstGeom>
-          <a:noFill/>
-          <a:ln w="9525">
-            <a:solidFill>
-              <a:schemeClr val="tx1"/>
-            </a:solidFill>
-            <a:miter lim="800000"/>
-            <a:headEnd/>
-            <a:tailEnd/>
-          </a:ln>
-          <a:extLst>
-            <a:ext uri="{909E8E84-426E-40DD-AFC4-6F175D3DCCD1}">
-              <a14:hiddenFill xmlns:a14="http://schemas.microsoft.com/office/drawing/2010/main">
-                <a:solidFill>
-                  <a:srgbClr val="FFFFFF"/>
-                </a:solidFill>
-              </a14:hiddenFill>
-            </a:ext>
-          </a:extLst>
-        </p:spPr>
-        <p:txBody>
-          <a:bodyPr/>
-          <a:lstStyle/>
-          <a:p>
-            <a:pPr marL="342900" indent="-342900" algn="just">
-              <a:spcBef>
-                <a:spcPct val="0"/>
-              </a:spcBef>
-            </a:pPr>
-            <a:r>
-              <a:rPr lang="zh-CN" altLang="en-US" sz="2000" dirty="0">
-                <a:solidFill>
-                  <a:srgbClr val="003366"/>
-                </a:solidFill>
-              </a:rPr>
-              <a:t>#</a:t>
-            </a:r>
-            <a:r>
-              <a:rPr lang="en-US" altLang="zh-CN" sz="2000" dirty="0">
-                <a:solidFill>
-                  <a:srgbClr val="003366"/>
-                </a:solidFill>
-              </a:rPr>
-              <a:t>include &lt;</a:t>
-            </a:r>
-            <a:r>
-              <a:rPr lang="en-US" altLang="zh-CN" sz="2000" dirty="0" err="1">
-                <a:solidFill>
-                  <a:srgbClr val="003366"/>
-                </a:solidFill>
-              </a:rPr>
-              <a:t>math.h</a:t>
-            </a:r>
-            <a:r>
-              <a:rPr lang="en-US" altLang="zh-CN" sz="2000" dirty="0">
-                <a:solidFill>
-                  <a:srgbClr val="003366"/>
-                </a:solidFill>
-              </a:rPr>
-              <a:t>&gt;</a:t>
-            </a:r>
-            <a:endParaRPr lang="zh-CN" altLang="en-US" sz="2000" dirty="0">
-              <a:solidFill>
-                <a:srgbClr val="003366"/>
-              </a:solidFill>
-            </a:endParaRPr>
-          </a:p>
-          <a:p>
-            <a:pPr marL="342900" indent="-342900" algn="just">
-              <a:spcBef>
-                <a:spcPct val="0"/>
-              </a:spcBef>
-            </a:pPr>
-            <a:r>
-              <a:rPr lang="en-US" altLang="zh-CN" sz="2000" dirty="0">
-                <a:solidFill>
-                  <a:srgbClr val="003366"/>
-                </a:solidFill>
-              </a:rPr>
-              <a:t>#include &lt;</a:t>
-            </a:r>
-            <a:r>
-              <a:rPr lang="en-US" altLang="zh-CN" sz="2000" dirty="0" err="1">
-                <a:solidFill>
-                  <a:srgbClr val="003366"/>
-                </a:solidFill>
-              </a:rPr>
-              <a:t>stdio.h</a:t>
-            </a:r>
-            <a:r>
-              <a:rPr lang="en-US" altLang="zh-CN" sz="2000" dirty="0">
-                <a:solidFill>
-                  <a:srgbClr val="003366"/>
-                </a:solidFill>
-              </a:rPr>
-              <a:t>&gt;</a:t>
-            </a:r>
-            <a:endParaRPr lang="zh-CN" altLang="en-US" sz="2000" dirty="0">
-              <a:solidFill>
-                <a:srgbClr val="003366"/>
-              </a:solidFill>
-            </a:endParaRPr>
-          </a:p>
-          <a:p>
-            <a:pPr marL="342900" indent="-342900" algn="just">
-              <a:spcBef>
-                <a:spcPct val="0"/>
-              </a:spcBef>
-            </a:pPr>
-            <a:r>
-              <a:rPr lang="zh-CN" altLang="en-US" sz="2000" dirty="0">
-                <a:solidFill>
-                  <a:srgbClr val="003366"/>
-                </a:solidFill>
-              </a:rPr>
-              <a:t>void </a:t>
-            </a:r>
-            <a:r>
-              <a:rPr lang="en-US" altLang="zh-CN" sz="2000" dirty="0">
-                <a:solidFill>
-                  <a:srgbClr val="003366"/>
-                </a:solidFill>
-              </a:rPr>
-              <a:t>main( )</a:t>
-            </a:r>
-            <a:endParaRPr lang="zh-CN" altLang="en-US" sz="2000" dirty="0">
-              <a:solidFill>
-                <a:srgbClr val="003366"/>
-              </a:solidFill>
-            </a:endParaRPr>
-          </a:p>
-          <a:p>
-            <a:pPr marL="342900" indent="-342900" algn="just">
-              <a:spcBef>
-                <a:spcPct val="0"/>
-              </a:spcBef>
-            </a:pPr>
-            <a:r>
-              <a:rPr lang="en-US" altLang="zh-CN" sz="2000" dirty="0">
-                <a:solidFill>
-                  <a:srgbClr val="003366"/>
-                </a:solidFill>
-              </a:rPr>
-              <a:t>{ </a:t>
-            </a:r>
-            <a:endParaRPr lang="zh-CN" altLang="en-US" sz="2000" dirty="0">
-              <a:solidFill>
-                <a:srgbClr val="003366"/>
-              </a:solidFill>
-            </a:endParaRPr>
-          </a:p>
-          <a:p>
-            <a:pPr marL="342900" indent="-342900" algn="just">
-              <a:spcBef>
-                <a:spcPct val="0"/>
-              </a:spcBef>
-            </a:pPr>
-            <a:r>
-              <a:rPr lang="en-US" altLang="zh-CN" sz="2000" dirty="0">
-                <a:solidFill>
-                  <a:srgbClr val="003366"/>
-                </a:solidFill>
-              </a:rPr>
-              <a:t>  float </a:t>
-            </a:r>
-            <a:r>
-              <a:rPr lang="en-US" altLang="zh-CN" sz="2000" dirty="0" err="1">
-                <a:solidFill>
-                  <a:srgbClr val="003366"/>
-                </a:solidFill>
-              </a:rPr>
-              <a:t>a,b,c</a:t>
-            </a:r>
-            <a:r>
-              <a:rPr lang="en-US" altLang="zh-CN" sz="2000" dirty="0">
-                <a:solidFill>
-                  <a:srgbClr val="003366"/>
-                </a:solidFill>
-              </a:rPr>
-              <a:t> </a:t>
-            </a:r>
-            <a:r>
-              <a:rPr lang="en-US" altLang="zh-CN" sz="2000" dirty="0" err="1">
-                <a:solidFill>
-                  <a:srgbClr val="003366"/>
-                </a:solidFill>
-              </a:rPr>
-              <a:t>s,area</a:t>
-            </a:r>
-            <a:r>
-              <a:rPr lang="en-US" altLang="zh-CN" sz="2000" dirty="0">
-                <a:solidFill>
-                  <a:srgbClr val="003366"/>
-                </a:solidFill>
-              </a:rPr>
-              <a:t> ;</a:t>
-            </a:r>
-            <a:endParaRPr lang="zh-CN" altLang="en-US" sz="2000" dirty="0">
-              <a:solidFill>
-                <a:srgbClr val="003366"/>
-              </a:solidFill>
-            </a:endParaRPr>
-          </a:p>
-          <a:p>
-            <a:pPr marL="342900" indent="-342900" algn="just">
-              <a:spcBef>
-                <a:spcPct val="0"/>
-              </a:spcBef>
-            </a:pPr>
-            <a:r>
-              <a:rPr lang="en-US" altLang="zh-CN" sz="2000" dirty="0">
-                <a:solidFill>
-                  <a:srgbClr val="003366"/>
-                </a:solidFill>
-              </a:rPr>
-              <a:t>  </a:t>
-            </a:r>
-            <a:r>
-              <a:rPr lang="zh-CN" altLang="en-US" sz="2000" dirty="0">
-                <a:solidFill>
-                  <a:srgbClr val="003366"/>
-                </a:solidFill>
-              </a:rPr>
-              <a:t>scanf("%f, %f, %f",&amp;a,&amp;b,&amp;c);</a:t>
-            </a:r>
-          </a:p>
-          <a:p>
-            <a:pPr marL="342900" indent="-342900" algn="just">
-              <a:spcBef>
-                <a:spcPct val="0"/>
-              </a:spcBef>
-            </a:pPr>
-            <a:r>
-              <a:rPr lang="en-US" altLang="zh-CN" sz="2000" dirty="0">
-                <a:solidFill>
-                  <a:srgbClr val="003366"/>
-                </a:solidFill>
-              </a:rPr>
-              <a:t>  s =1/2*(</a:t>
-            </a:r>
-            <a:r>
-              <a:rPr lang="en-US" altLang="zh-CN" sz="2000" dirty="0" err="1">
-                <a:solidFill>
-                  <a:srgbClr val="003366"/>
-                </a:solidFill>
-              </a:rPr>
-              <a:t>a+b+c</a:t>
-            </a:r>
-            <a:r>
-              <a:rPr lang="en-US" altLang="zh-CN" sz="2000" dirty="0">
-                <a:solidFill>
-                  <a:srgbClr val="003366"/>
-                </a:solidFill>
-              </a:rPr>
-              <a:t>) ;</a:t>
-            </a:r>
-            <a:endParaRPr lang="zh-CN" altLang="en-US" sz="2000" dirty="0">
-              <a:solidFill>
-                <a:srgbClr val="003366"/>
-              </a:solidFill>
-            </a:endParaRPr>
-          </a:p>
-          <a:p>
-            <a:pPr marL="342900" indent="-342900" algn="just">
-              <a:spcBef>
-                <a:spcPct val="0"/>
-              </a:spcBef>
-            </a:pPr>
-            <a:r>
-              <a:rPr lang="en-US" altLang="zh-CN" sz="2000" dirty="0">
-                <a:solidFill>
-                  <a:srgbClr val="003366"/>
-                </a:solidFill>
-              </a:rPr>
-              <a:t>  area = </a:t>
-            </a:r>
-            <a:r>
-              <a:rPr lang="en-US" altLang="zh-CN" sz="2000" dirty="0" err="1">
-                <a:solidFill>
-                  <a:srgbClr val="003366"/>
-                </a:solidFill>
-              </a:rPr>
-              <a:t>sqrt</a:t>
-            </a:r>
-            <a:r>
-              <a:rPr lang="en-US" altLang="zh-CN" sz="2000" dirty="0">
-                <a:solidFill>
-                  <a:srgbClr val="003366"/>
-                </a:solidFill>
-              </a:rPr>
-              <a:t>(s*(s-a)*(s-b)*(s-c)) ;</a:t>
-            </a:r>
-            <a:endParaRPr lang="zh-CN" altLang="en-US" sz="2000" dirty="0">
-              <a:solidFill>
-                <a:srgbClr val="003366"/>
-              </a:solidFill>
-            </a:endParaRPr>
-          </a:p>
-          <a:p>
-            <a:pPr marL="342900" indent="-342900" algn="just">
-              <a:spcBef>
-                <a:spcPct val="0"/>
-              </a:spcBef>
-            </a:pPr>
-            <a:r>
-              <a:rPr lang="en-US" altLang="zh-CN" sz="2000" dirty="0">
-                <a:solidFill>
-                  <a:srgbClr val="003366"/>
-                </a:solidFill>
-              </a:rPr>
-              <a:t>  </a:t>
-            </a:r>
-            <a:r>
-              <a:rPr lang="en-US" altLang="zh-CN" sz="2000" dirty="0" err="1">
-                <a:solidFill>
-                  <a:srgbClr val="003366"/>
-                </a:solidFill>
-              </a:rPr>
-              <a:t>printf</a:t>
-            </a:r>
-            <a:r>
-              <a:rPr lang="en-US" altLang="zh-CN" sz="2000" dirty="0">
-                <a:solidFill>
-                  <a:srgbClr val="003366"/>
-                </a:solidFill>
-              </a:rPr>
-              <a:t>("area = %8.3f \</a:t>
-            </a:r>
-            <a:r>
-              <a:rPr lang="en-US" altLang="zh-CN" sz="2000" dirty="0" err="1">
-                <a:solidFill>
-                  <a:srgbClr val="003366"/>
-                </a:solidFill>
-              </a:rPr>
-              <a:t>n",area</a:t>
-            </a:r>
-            <a:r>
-              <a:rPr lang="en-US" altLang="zh-CN" sz="2000" dirty="0">
-                <a:solidFill>
-                  <a:srgbClr val="003366"/>
-                </a:solidFill>
-              </a:rPr>
-              <a:t>) ;</a:t>
-            </a:r>
-            <a:endParaRPr lang="zh-CN" altLang="en-US" sz="2000" dirty="0">
-              <a:solidFill>
-                <a:srgbClr val="003366"/>
-              </a:solidFill>
-            </a:endParaRPr>
-          </a:p>
-          <a:p>
-            <a:pPr marL="342900" indent="-342900" algn="just">
-              <a:spcBef>
-                <a:spcPct val="0"/>
-              </a:spcBef>
-            </a:pPr>
-            <a:r>
-              <a:rPr lang="en-US" altLang="zh-CN" sz="2000" dirty="0">
-                <a:solidFill>
-                  <a:srgbClr val="003366"/>
-                </a:solidFill>
-              </a:rPr>
-              <a:t>}</a:t>
-            </a:r>
-            <a:endParaRPr lang="zh-CN" altLang="en-US" sz="2000" dirty="0">
-              <a:solidFill>
-                <a:srgbClr val="003366"/>
-              </a:solidFill>
-            </a:endParaRPr>
-          </a:p>
-        </p:txBody>
-      </p:sp>
-      <p:sp>
-        <p:nvSpPr>
-          <p:cNvPr id="4106" name="Text Box 10"/>
-          <p:cNvSpPr txBox="1">
-            <a:spLocks noChangeArrowheads="1"/>
-          </p:cNvSpPr>
-          <p:nvPr/>
-        </p:nvSpPr>
-        <p:spPr bwMode="auto">
-          <a:xfrm>
-            <a:off x="612775" y="4884738"/>
-            <a:ext cx="8351838" cy="1868487"/>
-          </a:xfrm>
-          <a:prstGeom prst="rect">
-            <a:avLst/>
-          </a:prstGeom>
-          <a:noFill/>
-          <a:ln w="9525">
-            <a:solidFill>
-              <a:schemeClr val="tx1"/>
-            </a:solidFill>
-            <a:miter lim="800000"/>
-            <a:headEnd/>
-            <a:tailEnd/>
-          </a:ln>
-          <a:extLst>
-            <a:ext uri="{909E8E84-426E-40DD-AFC4-6F175D3DCCD1}">
-              <a14:hiddenFill xmlns:a14="http://schemas.microsoft.com/office/drawing/2010/main">
-                <a:solidFill>
-                  <a:srgbClr val="FFFFFF"/>
-                </a:solidFill>
-              </a14:hiddenFill>
-            </a:ext>
-          </a:extLst>
-        </p:spPr>
-        <p:txBody>
-          <a:bodyPr>
-            <a:spAutoFit/>
-          </a:bodyPr>
-          <a:lstStyle>
-            <a:lvl1pPr>
-              <a:defRPr sz="2400" b="1">
-                <a:solidFill>
-                  <a:srgbClr val="000000"/>
-                </a:solidFill>
-                <a:latin typeface="Times New Roman" pitchFamily="18" charset="0"/>
-                <a:ea typeface="宋体" pitchFamily="2" charset="-122"/>
-              </a:defRPr>
-            </a:lvl1pPr>
-            <a:lvl2pPr marL="742950" indent="-285750">
-              <a:defRPr sz="2400" b="1">
-                <a:solidFill>
-                  <a:srgbClr val="000000"/>
-                </a:solidFill>
-                <a:latin typeface="Times New Roman" pitchFamily="18" charset="0"/>
-                <a:ea typeface="宋体" pitchFamily="2" charset="-122"/>
-              </a:defRPr>
-            </a:lvl2pPr>
-            <a:lvl3pPr marL="1143000" indent="-228600">
-              <a:defRPr sz="2400" b="1">
-                <a:solidFill>
-                  <a:srgbClr val="000000"/>
-                </a:solidFill>
-                <a:latin typeface="Times New Roman" pitchFamily="18" charset="0"/>
-                <a:ea typeface="宋体" pitchFamily="2" charset="-122"/>
-              </a:defRPr>
-            </a:lvl3pPr>
-            <a:lvl4pPr marL="1600200" indent="-228600">
-              <a:defRPr sz="2400" b="1">
-                <a:solidFill>
-                  <a:srgbClr val="000000"/>
-                </a:solidFill>
-                <a:latin typeface="Times New Roman" pitchFamily="18" charset="0"/>
-                <a:ea typeface="宋体" pitchFamily="2" charset="-122"/>
-              </a:defRPr>
-            </a:lvl4pPr>
-            <a:lvl5pPr marL="2057400" indent="-228600">
-              <a:defRPr sz="2400" b="1">
-                <a:solidFill>
-                  <a:srgbClr val="000000"/>
-                </a:solidFill>
-                <a:latin typeface="Times New Roman" pitchFamily="18" charset="0"/>
-                <a:ea typeface="宋体" pitchFamily="2" charset="-122"/>
-              </a:defRPr>
-            </a:lvl5pPr>
-            <a:lvl6pPr marL="2514600" indent="-228600" eaLnBrk="0" fontAlgn="base" hangingPunct="0">
-              <a:spcBef>
-                <a:spcPct val="20000"/>
-              </a:spcBef>
-              <a:spcAft>
-                <a:spcPct val="0"/>
-              </a:spcAft>
-              <a:buClr>
-                <a:schemeClr val="tx1"/>
-              </a:buClr>
-              <a:buSzPct val="75000"/>
-              <a:buFont typeface="Wingdings" pitchFamily="2" charset="2"/>
-              <a:defRPr sz="2400" b="1">
-                <a:solidFill>
-                  <a:srgbClr val="000000"/>
-                </a:solidFill>
-                <a:latin typeface="Times New Roman" pitchFamily="18" charset="0"/>
-                <a:ea typeface="宋体" pitchFamily="2" charset="-122"/>
-              </a:defRPr>
-            </a:lvl6pPr>
-            <a:lvl7pPr marL="2971800" indent="-228600" eaLnBrk="0" fontAlgn="base" hangingPunct="0">
-              <a:spcBef>
-                <a:spcPct val="20000"/>
-              </a:spcBef>
-              <a:spcAft>
-                <a:spcPct val="0"/>
-              </a:spcAft>
-              <a:buClr>
-                <a:schemeClr val="tx1"/>
-              </a:buClr>
-              <a:buSzPct val="75000"/>
-              <a:buFont typeface="Wingdings" pitchFamily="2" charset="2"/>
-              <a:defRPr sz="2400" b="1">
-                <a:solidFill>
-                  <a:srgbClr val="000000"/>
-                </a:solidFill>
-                <a:latin typeface="Times New Roman" pitchFamily="18" charset="0"/>
-                <a:ea typeface="宋体" pitchFamily="2" charset="-122"/>
-              </a:defRPr>
-            </a:lvl7pPr>
-            <a:lvl8pPr marL="3429000" indent="-228600" eaLnBrk="0" fontAlgn="base" hangingPunct="0">
-              <a:spcBef>
-                <a:spcPct val="20000"/>
-              </a:spcBef>
-              <a:spcAft>
-                <a:spcPct val="0"/>
-              </a:spcAft>
-              <a:buClr>
-                <a:schemeClr val="tx1"/>
-              </a:buClr>
-              <a:buSzPct val="75000"/>
-              <a:buFont typeface="Wingdings" pitchFamily="2" charset="2"/>
-              <a:defRPr sz="2400" b="1">
-                <a:solidFill>
-                  <a:srgbClr val="000000"/>
-                </a:solidFill>
-                <a:latin typeface="Times New Roman" pitchFamily="18" charset="0"/>
-                <a:ea typeface="宋体" pitchFamily="2" charset="-122"/>
-              </a:defRPr>
-            </a:lvl8pPr>
-            <a:lvl9pPr marL="3886200" indent="-228600" eaLnBrk="0" fontAlgn="base" hangingPunct="0">
-              <a:spcBef>
-                <a:spcPct val="20000"/>
-              </a:spcBef>
-              <a:spcAft>
-                <a:spcPct val="0"/>
-              </a:spcAft>
-              <a:buClr>
-                <a:schemeClr val="tx1"/>
-              </a:buClr>
-              <a:buSzPct val="75000"/>
-              <a:buFont typeface="Wingdings" pitchFamily="2" charset="2"/>
-              <a:defRPr sz="2400" b="1">
-                <a:solidFill>
-                  <a:srgbClr val="000000"/>
-                </a:solidFill>
-                <a:latin typeface="Times New Roman" pitchFamily="18" charset="0"/>
-                <a:ea typeface="宋体" pitchFamily="2" charset="-122"/>
-              </a:defRPr>
-            </a:lvl9pPr>
-          </a:lstStyle>
-          <a:p>
-            <a:r>
-              <a:rPr lang="zh-CN" altLang="en-US" sz="2000"/>
-              <a:t>s =1/2*(a+b+c);  // error, s=0</a:t>
-            </a:r>
-          </a:p>
-          <a:p>
-            <a:r>
-              <a:rPr lang="zh-CN" altLang="en-US" sz="2000"/>
-              <a:t>s =1.0/2*(a+b+c);  // ok, 整数相除，自动截断；实型常量，不要忘了'.'</a:t>
-            </a:r>
-          </a:p>
-          <a:p>
-            <a:r>
-              <a:rPr lang="zh-CN" altLang="en-US" sz="2000"/>
-              <a:t>s =1/2.0*(a+b+c);  // ok</a:t>
-            </a:r>
-          </a:p>
-          <a:p>
-            <a:r>
-              <a:rPr lang="zh-CN" altLang="en-US" sz="2000"/>
-              <a:t>s =1.0/2.0*(a+b+c);  // ok</a:t>
-            </a:r>
-          </a:p>
-          <a:p>
-            <a:r>
-              <a:rPr lang="zh-CN" altLang="en-US" sz="2000"/>
-              <a:t>s =0.5*(a+b+c);  // ok</a:t>
-            </a:r>
-          </a:p>
-        </p:txBody>
-      </p:sp>
-    </p:spTree>
-    <p:extLst>
-      <p:ext uri="{BB962C8B-B14F-4D97-AF65-F5344CB8AC3E}">
-        <p14:creationId xmlns:p14="http://schemas.microsoft.com/office/powerpoint/2010/main" val="1672556924"/>
-      </p:ext>
-    </p:extLst>
-  </p:cSld>
-  <p:clrMapOvr>
-    <a:masterClrMapping/>
-  </p:clrMapOvr>
-  <p:timing>
-    <p:tnLst>
-      <p:par>
-        <p:cTn id="1" dur="indefinite" restart="never" nodeType="tmRoot">
-          <p:childTnLst>
-            <p:seq concurrent="1" nextAc="seek">
-              <p:cTn id="2" dur="indefinite" nodeType="mainSeq">
-                <p:childTnLst>
-                  <p:par>
-                    <p:cTn id="3" fill="hold" nodeType="clickPar">
-                      <p:stCondLst>
-                        <p:cond delay="indefinite"/>
-                      </p:stCondLst>
-                      <p:childTnLst>
-                        <p:par>
-                          <p:cTn id="4" fill="hold" nodeType="withGroup">
-                            <p:stCondLst>
-                              <p:cond delay="0"/>
-                            </p:stCondLst>
-                            <p:childTnLst>
-                              <p:par>
-                                <p:cTn id="5" presetID="2" presetClass="entr" presetSubtype="8" fill="hold" grpId="0" nodeType="clickEffect">
-                                  <p:stCondLst>
-                                    <p:cond delay="0"/>
-                                  </p:stCondLst>
-                                  <p:childTnLst>
-                                    <p:set>
-                                      <p:cBhvr>
-                                        <p:cTn id="6" dur="1" fill="hold">
-                                          <p:stCondLst>
-                                            <p:cond delay="0"/>
-                                          </p:stCondLst>
-                                        </p:cTn>
-                                        <p:tgtEl>
-                                          <p:spTgt spid="4105"/>
-                                        </p:tgtEl>
-                                        <p:attrNameLst>
-                                          <p:attrName>style.visibility</p:attrName>
-                                        </p:attrNameLst>
-                                      </p:cBhvr>
-                                      <p:to>
-                                        <p:strVal val="visible"/>
-                                      </p:to>
-                                    </p:set>
-                                    <p:anim calcmode="lin" valueType="num">
-                                      <p:cBhvr>
-                                        <p:cTn id="7" dur="500" fill="hold"/>
-                                        <p:tgtEl>
-                                          <p:spTgt spid="4105"/>
-                                        </p:tgtEl>
-                                        <p:attrNameLst>
-                                          <p:attrName>ppt_x</p:attrName>
-                                        </p:attrNameLst>
-                                      </p:cBhvr>
-                                      <p:tavLst>
-                                        <p:tav tm="0">
-                                          <p:val>
-                                            <p:strVal val="0-#ppt_w/2"/>
-                                          </p:val>
-                                        </p:tav>
-                                        <p:tav tm="100000">
-                                          <p:val>
-                                            <p:strVal val="#ppt_x"/>
-                                          </p:val>
-                                        </p:tav>
-                                      </p:tavLst>
-                                    </p:anim>
-                                    <p:anim calcmode="lin" valueType="num">
-                                      <p:cBhvr>
-                                        <p:cTn id="8" dur="500" fill="hold"/>
-                                        <p:tgtEl>
-                                          <p:spTgt spid="4105"/>
-                                        </p:tgtEl>
-                                        <p:attrNameLst>
-                                          <p:attrName>ppt_y</p:attrName>
-                                        </p:attrNameLst>
-                                      </p:cBhvr>
-                                      <p:tavLst>
-                                        <p:tav tm="0">
-                                          <p:val>
-                                            <p:strVal val="#ppt_y"/>
-                                          </p:val>
-                                        </p:tav>
-                                        <p:tav tm="100000">
-                                          <p:val>
-                                            <p:strVal val="#ppt_y"/>
-                                          </p:val>
-                                        </p:tav>
-                                      </p:tavLst>
-                                    </p:anim>
-                                  </p:childTnLst>
-                                </p:cTn>
-                              </p:par>
-                            </p:childTnLst>
-                          </p:cTn>
-                        </p:par>
-                      </p:childTnLst>
-                    </p:cTn>
-                  </p:par>
-                  <p:par>
-                    <p:cTn id="9" fill="hold" nodeType="clickPar">
-                      <p:stCondLst>
-                        <p:cond delay="indefinite"/>
-                      </p:stCondLst>
-                      <p:childTnLst>
-                        <p:par>
-                          <p:cTn id="10" fill="hold" nodeType="withGroup">
-                            <p:stCondLst>
-                              <p:cond delay="0"/>
-                            </p:stCondLst>
-                            <p:childTnLst>
-                              <p:par>
-                                <p:cTn id="11" presetID="3" presetClass="entr" presetSubtype="10" fill="hold" grpId="0" nodeType="clickEffect">
-                                  <p:stCondLst>
-                                    <p:cond delay="0"/>
-                                  </p:stCondLst>
-                                  <p:childTnLst>
-                                    <p:set>
-                                      <p:cBhvr>
-                                        <p:cTn id="12" dur="1" fill="hold">
-                                          <p:stCondLst>
-                                            <p:cond delay="0"/>
-                                          </p:stCondLst>
-                                        </p:cTn>
-                                        <p:tgtEl>
-                                          <p:spTgt spid="4106">
-                                            <p:bg/>
-                                          </p:spTgt>
-                                        </p:tgtEl>
-                                        <p:attrNameLst>
-                                          <p:attrName>style.visibility</p:attrName>
-                                        </p:attrNameLst>
-                                      </p:cBhvr>
-                                      <p:to>
-                                        <p:strVal val="visible"/>
-                                      </p:to>
-                                    </p:set>
-                                    <p:animEffect transition="in" filter="blinds(horizontal)">
-                                      <p:cBhvr>
-                                        <p:cTn id="13" dur="500"/>
-                                        <p:tgtEl>
-                                          <p:spTgt spid="4106">
-                                            <p:bg/>
-                                          </p:spTgt>
-                                        </p:tgtEl>
-                                      </p:cBhvr>
-                                    </p:animEffect>
-                                  </p:childTnLst>
-                                </p:cTn>
-                              </p:par>
-                              <p:par>
-                                <p:cTn id="14" presetID="3" presetClass="entr" presetSubtype="10" fill="hold" grpId="0" nodeType="withEffect">
-                                  <p:stCondLst>
-                                    <p:cond delay="0"/>
-                                  </p:stCondLst>
-                                  <p:childTnLst>
-                                    <p:set>
-                                      <p:cBhvr>
-                                        <p:cTn id="15" dur="1" fill="hold">
-                                          <p:stCondLst>
-                                            <p:cond delay="0"/>
-                                          </p:stCondLst>
-                                        </p:cTn>
-                                        <p:tgtEl>
-                                          <p:spTgt spid="4106">
-                                            <p:txEl>
-                                              <p:pRg st="0" end="0"/>
-                                            </p:txEl>
-                                          </p:spTgt>
-                                        </p:tgtEl>
-                                        <p:attrNameLst>
-                                          <p:attrName>style.visibility</p:attrName>
-                                        </p:attrNameLst>
-                                      </p:cBhvr>
-                                      <p:to>
-                                        <p:strVal val="visible"/>
-                                      </p:to>
-                                    </p:set>
-                                    <p:animEffect transition="in" filter="blinds(horizontal)">
-                                      <p:cBhvr>
-                                        <p:cTn id="16" dur="500"/>
-                                        <p:tgtEl>
-                                          <p:spTgt spid="4106">
-                                            <p:txEl>
-                                              <p:pRg st="0" end="0"/>
-                                            </p:txEl>
-                                          </p:spTgt>
-                                        </p:tgtEl>
-                                      </p:cBhvr>
-                                    </p:animEffect>
-                                  </p:childTnLst>
-                                </p:cTn>
-                              </p:par>
-                            </p:childTnLst>
-                          </p:cTn>
-                        </p:par>
-                      </p:childTnLst>
-                    </p:cTn>
-                  </p:par>
-                  <p:par>
-                    <p:cTn id="17" fill="hold" nodeType="clickPar">
-                      <p:stCondLst>
-                        <p:cond delay="indefinite"/>
-                      </p:stCondLst>
-                      <p:childTnLst>
-                        <p:par>
-                          <p:cTn id="18" fill="hold" nodeType="withGroup">
-                            <p:stCondLst>
-                              <p:cond delay="0"/>
-                            </p:stCondLst>
-                            <p:childTnLst>
-                              <p:par>
-                                <p:cTn id="19" presetID="3" presetClass="entr" presetSubtype="10" fill="hold" grpId="0" nodeType="clickEffect">
-                                  <p:stCondLst>
-                                    <p:cond delay="0"/>
-                                  </p:stCondLst>
-                                  <p:childTnLst>
-                                    <p:set>
-                                      <p:cBhvr>
-                                        <p:cTn id="20" dur="1" fill="hold">
-                                          <p:stCondLst>
-                                            <p:cond delay="0"/>
-                                          </p:stCondLst>
-                                        </p:cTn>
-                                        <p:tgtEl>
-                                          <p:spTgt spid="4106">
-                                            <p:txEl>
-                                              <p:pRg st="1" end="1"/>
-                                            </p:txEl>
-                                          </p:spTgt>
-                                        </p:tgtEl>
-                                        <p:attrNameLst>
-                                          <p:attrName>style.visibility</p:attrName>
-                                        </p:attrNameLst>
-                                      </p:cBhvr>
-                                      <p:to>
-                                        <p:strVal val="visible"/>
-                                      </p:to>
-                                    </p:set>
-                                    <p:animEffect transition="in" filter="blinds(horizontal)">
-                                      <p:cBhvr>
-                                        <p:cTn id="21" dur="500"/>
-                                        <p:tgtEl>
-                                          <p:spTgt spid="4106">
-                                            <p:txEl>
-                                              <p:pRg st="1" end="1"/>
-                                            </p:txEl>
-                                          </p:spTgt>
-                                        </p:tgtEl>
-                                      </p:cBhvr>
-                                    </p:animEffect>
-                                  </p:childTnLst>
-                                </p:cTn>
-                              </p:par>
-                            </p:childTnLst>
-                          </p:cTn>
-                        </p:par>
-                      </p:childTnLst>
-                    </p:cTn>
-                  </p:par>
-                  <p:par>
-                    <p:cTn id="22" fill="hold" nodeType="clickPar">
-                      <p:stCondLst>
-                        <p:cond delay="indefinite"/>
-                      </p:stCondLst>
-                      <p:childTnLst>
-                        <p:par>
-                          <p:cTn id="23" fill="hold" nodeType="withGroup">
-                            <p:stCondLst>
-                              <p:cond delay="0"/>
-                            </p:stCondLst>
-                            <p:childTnLst>
-                              <p:par>
-                                <p:cTn id="24" presetID="3" presetClass="entr" presetSubtype="10" fill="hold" grpId="0" nodeType="clickEffect">
-                                  <p:stCondLst>
-                                    <p:cond delay="0"/>
-                                  </p:stCondLst>
-                                  <p:childTnLst>
-                                    <p:set>
-                                      <p:cBhvr>
-                                        <p:cTn id="25" dur="1" fill="hold">
-                                          <p:stCondLst>
-                                            <p:cond delay="0"/>
-                                          </p:stCondLst>
-                                        </p:cTn>
-                                        <p:tgtEl>
-                                          <p:spTgt spid="4106">
-                                            <p:txEl>
-                                              <p:pRg st="2" end="2"/>
-                                            </p:txEl>
-                                          </p:spTgt>
-                                        </p:tgtEl>
-                                        <p:attrNameLst>
-                                          <p:attrName>style.visibility</p:attrName>
-                                        </p:attrNameLst>
-                                      </p:cBhvr>
-                                      <p:to>
-                                        <p:strVal val="visible"/>
-                                      </p:to>
-                                    </p:set>
-                                    <p:animEffect transition="in" filter="blinds(horizontal)">
-                                      <p:cBhvr>
-                                        <p:cTn id="26" dur="500"/>
-                                        <p:tgtEl>
-                                          <p:spTgt spid="4106">
-                                            <p:txEl>
-                                              <p:pRg st="2" end="2"/>
-                                            </p:txEl>
-                                          </p:spTgt>
-                                        </p:tgtEl>
-                                      </p:cBhvr>
-                                    </p:animEffect>
-                                  </p:childTnLst>
-                                </p:cTn>
-                              </p:par>
-                            </p:childTnLst>
-                          </p:cTn>
-                        </p:par>
-                      </p:childTnLst>
-                    </p:cTn>
-                  </p:par>
-                  <p:par>
-                    <p:cTn id="27" fill="hold" nodeType="clickPar">
-                      <p:stCondLst>
-                        <p:cond delay="indefinite"/>
-                      </p:stCondLst>
-                      <p:childTnLst>
-                        <p:par>
-                          <p:cTn id="28" fill="hold" nodeType="withGroup">
-                            <p:stCondLst>
-                              <p:cond delay="0"/>
-                            </p:stCondLst>
-                            <p:childTnLst>
-                              <p:par>
-                                <p:cTn id="29" presetID="3" presetClass="entr" presetSubtype="10" fill="hold" grpId="0" nodeType="clickEffect">
-                                  <p:stCondLst>
-                                    <p:cond delay="0"/>
-                                  </p:stCondLst>
-                                  <p:childTnLst>
-                                    <p:set>
-                                      <p:cBhvr>
-                                        <p:cTn id="30" dur="1" fill="hold">
-                                          <p:stCondLst>
-                                            <p:cond delay="0"/>
-                                          </p:stCondLst>
-                                        </p:cTn>
-                                        <p:tgtEl>
-                                          <p:spTgt spid="4106">
-                                            <p:txEl>
-                                              <p:pRg st="3" end="3"/>
-                                            </p:txEl>
-                                          </p:spTgt>
-                                        </p:tgtEl>
-                                        <p:attrNameLst>
-                                          <p:attrName>style.visibility</p:attrName>
-                                        </p:attrNameLst>
-                                      </p:cBhvr>
-                                      <p:to>
-                                        <p:strVal val="visible"/>
-                                      </p:to>
-                                    </p:set>
-                                    <p:animEffect transition="in" filter="blinds(horizontal)">
-                                      <p:cBhvr>
-                                        <p:cTn id="31" dur="500"/>
-                                        <p:tgtEl>
-                                          <p:spTgt spid="4106">
-                                            <p:txEl>
-                                              <p:pRg st="3" end="3"/>
-                                            </p:txEl>
-                                          </p:spTgt>
-                                        </p:tgtEl>
-                                      </p:cBhvr>
-                                    </p:animEffect>
-                                  </p:childTnLst>
-                                </p:cTn>
-                              </p:par>
-                            </p:childTnLst>
-                          </p:cTn>
-                        </p:par>
-                      </p:childTnLst>
-                    </p:cTn>
-                  </p:par>
-                  <p:par>
-                    <p:cTn id="32" fill="hold" nodeType="clickPar">
-                      <p:stCondLst>
-                        <p:cond delay="indefinite"/>
-                      </p:stCondLst>
-                      <p:childTnLst>
-                        <p:par>
-                          <p:cTn id="33" fill="hold" nodeType="withGroup">
-                            <p:stCondLst>
-                              <p:cond delay="0"/>
-                            </p:stCondLst>
-                            <p:childTnLst>
-                              <p:par>
-                                <p:cTn id="34" presetID="3" presetClass="entr" presetSubtype="10" fill="hold" grpId="0" nodeType="clickEffect">
-                                  <p:stCondLst>
-                                    <p:cond delay="0"/>
-                                  </p:stCondLst>
-                                  <p:childTnLst>
-                                    <p:set>
-                                      <p:cBhvr>
-                                        <p:cTn id="35" dur="1" fill="hold">
-                                          <p:stCondLst>
-                                            <p:cond delay="0"/>
-                                          </p:stCondLst>
-                                        </p:cTn>
-                                        <p:tgtEl>
-                                          <p:spTgt spid="4106">
-                                            <p:txEl>
-                                              <p:pRg st="4" end="4"/>
-                                            </p:txEl>
-                                          </p:spTgt>
-                                        </p:tgtEl>
-                                        <p:attrNameLst>
-                                          <p:attrName>style.visibility</p:attrName>
-                                        </p:attrNameLst>
-                                      </p:cBhvr>
-                                      <p:to>
-                                        <p:strVal val="visible"/>
-                                      </p:to>
-                                    </p:set>
-                                    <p:animEffect transition="in" filter="blinds(horizontal)">
-                                      <p:cBhvr>
-                                        <p:cTn id="36" dur="500"/>
-                                        <p:tgtEl>
-                                          <p:spTgt spid="4106">
-                                            <p:txEl>
-                                              <p:pRg st="4" end="4"/>
-                                            </p:txEl>
-                                          </p:spTgt>
-                                        </p:tgtEl>
-                                      </p:cBhvr>
-                                    </p:animEffect>
-                                  </p:childTnLst>
-                                </p:cTn>
-                              </p:par>
-                            </p:childTnLst>
-                          </p:cTn>
-                        </p:par>
-                      </p:childTnLst>
-                    </p:cTn>
-                  </p:par>
-                </p:childTnLst>
-              </p:cTn>
-              <p:prevCondLst>
-                <p:cond evt="onPrev" delay="0">
-                  <p:tgtEl>
-                    <p:sldTgt/>
-                  </p:tgtEl>
-                </p:cond>
-              </p:prevCondLst>
-              <p:nextCondLst>
-                <p:cond evt="onNext" delay="0">
-                  <p:tgtEl>
-                    <p:sldTgt/>
-                  </p:tgtEl>
-                </p:cond>
-              </p:nextCondLst>
-            </p:seq>
-          </p:childTnLst>
-        </p:cTn>
-      </p:par>
-    </p:tnLst>
-    <p:bldLst>
-      <p:bldP spid="4105" grpId="0" bldLvl="0" animBg="1" autoUpdateAnimBg="0"/>
-      <p:bldP spid="4106" grpId="0" build="allAtOnce" bldLvl="0" animBg="1" autoUpdateAnimBg="0"/>
-    </p:bldLst>
-  </p:timing>
-</p:sld>
-</file>
-
 <file path=ppt/slides/slide2.xml><?xml version="1.0" encoding="utf-8"?>
 <p:sld xmlns:a="http://schemas.openxmlformats.org/drawingml/2006/main" xmlns:r="http://schemas.openxmlformats.org/officeDocument/2006/relationships" xmlns:p="http://schemas.openxmlformats.org/presentationml/2006/main">
   <p:cSld>
@@ -7420,6 +6015,24 @@
               </a:rPr>
               <a:t>源文件，只含一个主函数</a:t>
             </a:r>
+            <a:endParaRPr kumimoji="1" lang="en-US" altLang="zh-CN" sz="2400" b="1" dirty="0" smtClean="0">
+              <a:solidFill>
+                <a:srgbClr val="000000"/>
+              </a:solidFill>
+              <a:ea typeface="楷体_GB2312" pitchFamily="49" charset="-122"/>
+            </a:endParaRPr>
+          </a:p>
+          <a:p>
+            <a:pPr lvl="1"/>
+            <a:r>
+              <a:rPr kumimoji="1" lang="zh-CN" altLang="en-US" sz="2400" b="1" dirty="0" smtClean="0">
+                <a:solidFill>
+                  <a:srgbClr val="000000"/>
+                </a:solidFill>
+                <a:ea typeface="楷体_GB2312" pitchFamily="49" charset="-122"/>
+              </a:rPr>
+              <a:t>演示函数说明与定义，调用时要知道函数名、参数及返回类型</a:t>
+            </a:r>
             <a:endParaRPr kumimoji="1" lang="en-US" altLang="zh-CN" sz="2400" b="1" dirty="0">
               <a:solidFill>
                 <a:srgbClr val="000000"/>
@@ -7561,7 +6174,7 @@
             </a:pPr>
             <a:fld id="{55081CE6-7F27-414C-8186-D8C912538B4A}" type="datetime10">
               <a:rPr lang="zh-CN" altLang="en-US" smtClean="0"/>
-              <a:t>17:08</a:t>
+              <a:t>09:13</a:t>
             </a:fld>
             <a:endParaRPr lang="en-US" altLang="zh-CN"/>
           </a:p>
@@ -8078,7 +6691,7 @@
         <p:spPr>
           <a:xfrm>
             <a:off x="107504" y="3812361"/>
-            <a:ext cx="8964488" cy="2929007"/>
+            <a:ext cx="8964488" cy="2554545"/>
           </a:xfrm>
           <a:prstGeom prst="rect">
             <a:avLst/>
@@ -8098,19 +6711,19 @@
               <a:buChar char="Ø"/>
             </a:pPr>
             <a:r>
-              <a:rPr lang="zh-CN" altLang="en-US" sz="2400" dirty="0"/>
+              <a:rPr lang="zh-CN" altLang="en-US" sz="2000" dirty="0"/>
               <a:t>调用输入输出函数，需要头文件</a:t>
             </a:r>
             <a:r>
-              <a:rPr lang="en-US" altLang="zh-CN" sz="2400" dirty="0"/>
+              <a:rPr lang="en-US" altLang="zh-CN" sz="2000" dirty="0"/>
               <a:t>#include &lt;</a:t>
             </a:r>
             <a:r>
-              <a:rPr lang="en-US" altLang="zh-CN" sz="2400" dirty="0" err="1"/>
+              <a:rPr lang="en-US" altLang="zh-CN" sz="2000" dirty="0" err="1"/>
               <a:t>stdio.h</a:t>
             </a:r>
             <a:r>
-              <a:rPr lang="en-US" altLang="zh-CN" sz="2400" dirty="0"/>
+              <a:rPr lang="en-US" altLang="zh-CN" sz="2000" dirty="0"/>
               <a:t>&gt;</a:t>
             </a:r>
           </a:p>
@@ -8120,35 +6733,35 @@
               <a:buChar char="Ø"/>
             </a:pPr>
             <a:r>
-              <a:rPr lang="zh-CN" altLang="en-US" sz="2400" dirty="0"/>
+              <a:rPr lang="zh-CN" altLang="en-US" sz="2000" dirty="0"/>
               <a:t>调用</a:t>
             </a:r>
             <a:r>
-              <a:rPr lang="en-US" altLang="zh-CN" sz="2400" dirty="0"/>
+              <a:rPr lang="en-US" altLang="zh-CN" sz="2000" dirty="0"/>
               <a:t>system</a:t>
             </a:r>
             <a:r>
-              <a:rPr lang="zh-CN" altLang="en-US" sz="2400" dirty="0"/>
+              <a:rPr lang="zh-CN" altLang="en-US" sz="2000" dirty="0"/>
               <a:t>函数</a:t>
             </a:r>
             <a:r>
-              <a:rPr lang="en-US" altLang="zh-CN" sz="2400" dirty="0"/>
+              <a:rPr lang="en-US" altLang="zh-CN" sz="2000" dirty="0"/>
               <a:t>,</a:t>
             </a:r>
             <a:r>
-              <a:rPr lang="zh-CN" altLang="en-US" sz="2400" dirty="0" smtClean="0"/>
+              <a:rPr lang="zh-CN" altLang="en-US" sz="2000" dirty="0" smtClean="0"/>
               <a:t>需要头文件</a:t>
             </a:r>
             <a:r>
-              <a:rPr lang="en-US" altLang="zh-CN" sz="2400" dirty="0"/>
+              <a:rPr lang="en-US" altLang="zh-CN" sz="2000" dirty="0"/>
               <a:t>#include &lt;</a:t>
             </a:r>
             <a:r>
-              <a:rPr lang="en-US" altLang="zh-CN" sz="2400" dirty="0" err="1"/>
+              <a:rPr lang="en-US" altLang="zh-CN" sz="2000" dirty="0" err="1"/>
               <a:t>stdlib.h</a:t>
             </a:r>
             <a:r>
-              <a:rPr lang="en-US" altLang="zh-CN" sz="2400" dirty="0" smtClean="0"/>
+              <a:rPr lang="en-US" altLang="zh-CN" sz="2000" dirty="0" smtClean="0"/>
               <a:t>&gt;</a:t>
             </a:r>
           </a:p>
@@ -8158,26 +6771,26 @@
               <a:buChar char="Ø"/>
             </a:pPr>
             <a:r>
-              <a:rPr lang="zh-CN" altLang="en-US" sz="2400" dirty="0" smtClean="0"/>
+              <a:rPr lang="zh-CN" altLang="en-US" sz="2000" dirty="0" smtClean="0"/>
               <a:t>程序中只能有一个主函数</a:t>
             </a:r>
             <a:r>
-              <a:rPr lang="en-US" altLang="zh-CN" sz="2400" dirty="0" smtClean="0"/>
+              <a:rPr lang="en-US" altLang="zh-CN" sz="2000" dirty="0" smtClean="0"/>
               <a:t>,</a:t>
             </a:r>
             <a:r>
-              <a:rPr lang="zh-CN" altLang="en-US" sz="2400" dirty="0" smtClean="0"/>
+              <a:rPr lang="zh-CN" altLang="en-US" sz="2000" dirty="0" smtClean="0"/>
               <a:t>注意函数的返回类型与</a:t>
             </a:r>
             <a:r>
-              <a:rPr lang="en-US" altLang="zh-CN" sz="2400" dirty="0" smtClean="0"/>
+              <a:rPr lang="en-US" altLang="zh-CN" sz="2000" dirty="0" smtClean="0"/>
               <a:t>return</a:t>
             </a:r>
             <a:r>
-              <a:rPr lang="zh-CN" altLang="en-US" sz="2400" dirty="0" smtClean="0"/>
+              <a:rPr lang="zh-CN" altLang="en-US" sz="2000" dirty="0" smtClean="0"/>
               <a:t>保持一致</a:t>
             </a:r>
-            <a:endParaRPr lang="en-US" altLang="zh-CN" sz="2400" dirty="0" smtClean="0"/>
+            <a:endParaRPr lang="en-US" altLang="zh-CN" sz="2000" dirty="0" smtClean="0"/>
           </a:p>
           <a:p>
             <a:pPr marL="342900" indent="-342900">
@@ -8185,35 +6798,35 @@
               <a:buChar char="Ø"/>
             </a:pPr>
             <a:r>
-              <a:rPr lang="en-US" altLang="zh-CN" sz="2400" dirty="0" err="1" smtClean="0"/>
+              <a:rPr lang="en-US" altLang="zh-CN" sz="2000" dirty="0" err="1" smtClean="0"/>
               <a:t>int</a:t>
             </a:r>
             <a:r>
-              <a:rPr lang="en-US" altLang="zh-CN" sz="2400" dirty="0" smtClean="0"/>
+              <a:rPr lang="en-US" altLang="zh-CN" sz="2000" dirty="0" smtClean="0"/>
               <a:t> main(</a:t>
             </a:r>
             <a:r>
-              <a:rPr lang="en-US" altLang="zh-CN" sz="2400" dirty="0" err="1" smtClean="0"/>
+              <a:rPr lang="en-US" altLang="zh-CN" sz="2000" dirty="0" err="1" smtClean="0"/>
               <a:t>int</a:t>
             </a:r>
             <a:r>
-              <a:rPr lang="en-US" altLang="zh-CN" sz="2400" dirty="0" smtClean="0"/>
+              <a:rPr lang="en-US" altLang="zh-CN" sz="2000" dirty="0" smtClean="0"/>
               <a:t> </a:t>
             </a:r>
             <a:r>
-              <a:rPr lang="en-US" altLang="zh-CN" sz="2400" dirty="0" err="1" smtClean="0"/>
+              <a:rPr lang="en-US" altLang="zh-CN" sz="2000" dirty="0" err="1" smtClean="0"/>
               <a:t>argc,char</a:t>
             </a:r>
             <a:r>
-              <a:rPr lang="en-US" altLang="zh-CN" sz="2400" dirty="0" smtClean="0"/>
+              <a:rPr lang="en-US" altLang="zh-CN" sz="2000" dirty="0" smtClean="0"/>
               <a:t>* </a:t>
             </a:r>
             <a:r>
-              <a:rPr lang="en-US" altLang="zh-CN" sz="2400" dirty="0" err="1" smtClean="0"/>
+              <a:rPr lang="en-US" altLang="zh-CN" sz="2000" dirty="0" err="1" smtClean="0"/>
               <a:t>argv</a:t>
             </a:r>
             <a:r>
-              <a:rPr lang="en-US" altLang="zh-CN" sz="2400" dirty="0" smtClean="0"/>
+              <a:rPr lang="en-US" altLang="zh-CN" sz="2000" dirty="0" smtClean="0"/>
               <a:t>[]) { …   return 0;}  </a:t>
             </a:r>
           </a:p>
@@ -8223,19 +6836,19 @@
               <a:buChar char="Ø"/>
             </a:pPr>
             <a:r>
-              <a:rPr lang="en-US" altLang="zh-CN" sz="2400" dirty="0" err="1" smtClean="0"/>
+              <a:rPr lang="en-US" altLang="zh-CN" sz="2000" dirty="0" err="1" smtClean="0"/>
               <a:t>int</a:t>
             </a:r>
             <a:r>
-              <a:rPr lang="en-US" altLang="zh-CN" sz="2400" dirty="0" smtClean="0"/>
+              <a:rPr lang="en-US" altLang="zh-CN" sz="2000" dirty="0" smtClean="0"/>
               <a:t> main( ) </a:t>
             </a:r>
             <a:r>
-              <a:rPr lang="en-US" altLang="zh-CN" sz="2400" dirty="0"/>
+              <a:rPr lang="en-US" altLang="zh-CN" sz="2000" dirty="0"/>
               <a:t>{ …   return 0</a:t>
             </a:r>
             <a:r>
-              <a:rPr lang="en-US" altLang="zh-CN" sz="2400" dirty="0" smtClean="0"/>
+              <a:rPr lang="en-US" altLang="zh-CN" sz="2000" dirty="0" smtClean="0"/>
               <a:t>;}</a:t>
             </a:r>
           </a:p>
@@ -8245,30 +6858,30 @@
               <a:buChar char="Ø"/>
             </a:pPr>
             <a:r>
-              <a:rPr lang="zh-CN" altLang="en-US" sz="2400" dirty="0" smtClean="0"/>
+              <a:rPr lang="zh-CN" altLang="en-US" sz="2000" dirty="0" smtClean="0"/>
               <a:t>书上无</a:t>
             </a:r>
             <a:r>
-              <a:rPr lang="en-US" altLang="zh-CN" sz="2400" dirty="0" err="1" smtClean="0"/>
+              <a:rPr lang="en-US" altLang="zh-CN" sz="2000" dirty="0" err="1" smtClean="0"/>
               <a:t>int</a:t>
             </a:r>
             <a:r>
-              <a:rPr lang="zh-CN" altLang="en-US" sz="2400" dirty="0" smtClean="0"/>
+              <a:rPr lang="zh-CN" altLang="en-US" sz="2000" dirty="0" smtClean="0"/>
               <a:t>的主函数，相当于</a:t>
             </a:r>
             <a:r>
-              <a:rPr lang="en-US" altLang="zh-CN" sz="2400" dirty="0" smtClean="0"/>
+              <a:rPr lang="en-US" altLang="zh-CN" sz="2000" dirty="0" smtClean="0"/>
               <a:t>: </a:t>
             </a:r>
             <a:r>
-              <a:rPr lang="en-US" altLang="zh-CN" sz="2400" dirty="0" err="1" smtClean="0"/>
+              <a:rPr lang="en-US" altLang="zh-CN" sz="2000" dirty="0" err="1" smtClean="0"/>
               <a:t>int</a:t>
             </a:r>
             <a:r>
-              <a:rPr lang="en-US" altLang="zh-CN" sz="2400" dirty="0" smtClean="0"/>
+              <a:rPr lang="en-US" altLang="zh-CN" sz="2000" dirty="0" smtClean="0"/>
               <a:t> main( )</a:t>
             </a:r>
-            <a:endParaRPr lang="en-US" altLang="zh-CN" sz="2400" dirty="0"/>
+            <a:endParaRPr lang="en-US" altLang="zh-CN" sz="2000" dirty="0"/>
           </a:p>
           <a:p>
             <a:pPr marL="342900" indent="-342900">
@@ -8276,46 +6889,46 @@
               <a:buChar char="Ø"/>
             </a:pPr>
             <a:r>
-              <a:rPr lang="en-US" altLang="zh-CN" sz="2400" dirty="0" smtClean="0"/>
+              <a:rPr lang="en-US" altLang="zh-CN" sz="2000" dirty="0" smtClean="0"/>
               <a:t>void main( ) { </a:t>
             </a:r>
             <a:r>
-              <a:rPr lang="zh-CN" altLang="en-US" sz="2400" dirty="0" smtClean="0"/>
+              <a:rPr lang="zh-CN" altLang="en-US" sz="2000" dirty="0" smtClean="0"/>
               <a:t>无</a:t>
             </a:r>
             <a:r>
-              <a:rPr lang="en-US" altLang="zh-CN" sz="2400" dirty="0" smtClean="0"/>
+              <a:rPr lang="en-US" altLang="zh-CN" sz="2000" dirty="0" smtClean="0"/>
               <a:t>return</a:t>
             </a:r>
             <a:r>
-              <a:rPr lang="zh-CN" altLang="en-US" sz="2400" dirty="0" smtClean="0"/>
+              <a:rPr lang="zh-CN" altLang="en-US" sz="2000" dirty="0" smtClean="0"/>
               <a:t>语句，或：</a:t>
             </a:r>
             <a:r>
-              <a:rPr lang="en-US" altLang="zh-CN" sz="2400" dirty="0" smtClean="0"/>
+              <a:rPr lang="en-US" altLang="zh-CN" sz="2000" dirty="0" smtClean="0"/>
               <a:t>return;</a:t>
             </a:r>
             <a:r>
-              <a:rPr lang="zh-CN" altLang="en-US" sz="2400" dirty="0" smtClean="0"/>
+              <a:rPr lang="zh-CN" altLang="en-US" sz="2000" dirty="0" smtClean="0"/>
               <a:t> </a:t>
             </a:r>
             <a:r>
-              <a:rPr lang="en-US" altLang="zh-CN" sz="2400" dirty="0" smtClean="0"/>
+              <a:rPr lang="en-US" altLang="zh-CN" sz="2000" dirty="0" smtClean="0"/>
               <a:t>} //</a:t>
             </a:r>
             <a:r>
-              <a:rPr lang="zh-CN" altLang="en-US" sz="2400" dirty="0" smtClean="0"/>
+              <a:rPr lang="zh-CN" altLang="en-US" sz="2000" dirty="0" smtClean="0"/>
               <a:t>主函数最好有返回类型</a:t>
             </a:r>
             <a:r>
-              <a:rPr lang="en-US" altLang="zh-CN" sz="2400" dirty="0" err="1" smtClean="0"/>
+              <a:rPr lang="en-US" altLang="zh-CN" sz="2000" dirty="0" err="1" smtClean="0"/>
               <a:t>int</a:t>
             </a:r>
             <a:r>
-              <a:rPr lang="zh-CN" altLang="en-US" sz="2400" dirty="0" smtClean="0"/>
+              <a:rPr lang="zh-CN" altLang="en-US" sz="2000" dirty="0" smtClean="0"/>
               <a:t>，有些编译系统是强制要求的。</a:t>
             </a:r>
-            <a:endParaRPr lang="zh-CN" altLang="en-US" sz="2400" dirty="0"/>
+            <a:endParaRPr lang="zh-CN" altLang="en-US" sz="2000" dirty="0"/>
           </a:p>
         </p:txBody>
       </p:sp>
@@ -8486,583 +7099,6 @@
       </p:grpSpPr>
       <p:sp>
         <p:nvSpPr>
-          <p:cNvPr id="2" name="标题 1"/>
-          <p:cNvSpPr>
-            <a:spLocks noGrp="1"/>
-          </p:cNvSpPr>
-          <p:nvPr>
-            <p:ph type="title"/>
-          </p:nvPr>
-        </p:nvSpPr>
-        <p:spPr/>
-        <p:txBody>
-          <a:bodyPr/>
-          <a:lstStyle/>
-          <a:p>
-            <a:r>
-              <a:rPr lang="en-US" altLang="zh-CN" dirty="0" smtClean="0"/>
-              <a:t>C</a:t>
-            </a:r>
-            <a:r>
-              <a:rPr lang="zh-CN" altLang="en-US" dirty="0" smtClean="0"/>
-              <a:t>语言第</a:t>
-            </a:r>
-            <a:r>
-              <a:rPr lang="en-US" altLang="zh-CN" dirty="0" smtClean="0"/>
-              <a:t>1</a:t>
-            </a:r>
-            <a:r>
-              <a:rPr lang="zh-CN" altLang="en-US" dirty="0" smtClean="0"/>
-              <a:t>次上机练习</a:t>
-            </a:r>
-            <a:endParaRPr lang="zh-CN" altLang="en-US" dirty="0"/>
-          </a:p>
-        </p:txBody>
-      </p:sp>
-      <p:sp>
-        <p:nvSpPr>
-          <p:cNvPr id="4" name="Rectangle 3"/>
-          <p:cNvSpPr>
-            <a:spLocks noGrp="1" noChangeArrowheads="1"/>
-          </p:cNvSpPr>
-          <p:nvPr>
-            <p:ph idx="1"/>
-          </p:nvPr>
-        </p:nvSpPr>
-        <p:spPr>
-          <a:xfrm>
-            <a:off x="35496" y="3060303"/>
-            <a:ext cx="5842992" cy="820688"/>
-          </a:xfrm>
-        </p:spPr>
-        <p:txBody>
-          <a:bodyPr>
-            <a:noAutofit/>
-          </a:bodyPr>
-          <a:lstStyle/>
-          <a:p>
-            <a:pPr marL="4762" indent="0" algn="l" eaLnBrk="1" hangingPunct="1">
-              <a:lnSpc>
-                <a:spcPct val="90000"/>
-              </a:lnSpc>
-              <a:buNone/>
-            </a:pPr>
-            <a:r>
-              <a:rPr lang="en-US" altLang="zh-CN" sz="2400" dirty="0" smtClean="0"/>
-              <a:t>2. </a:t>
-            </a:r>
-            <a:r>
-              <a:rPr lang="zh-CN" altLang="en-US" sz="2400" dirty="0" smtClean="0"/>
-              <a:t>已知</a:t>
-            </a:r>
-            <a:r>
-              <a:rPr lang="zh-CN" altLang="en-US" sz="2400" dirty="0" smtClean="0"/>
-              <a:t>三条边a、b、c，求三角形面积</a:t>
-            </a:r>
-          </a:p>
-          <a:p>
-            <a:pPr marL="4762" indent="0" algn="l" eaLnBrk="1" hangingPunct="1">
-              <a:lnSpc>
-                <a:spcPct val="90000"/>
-              </a:lnSpc>
-              <a:buNone/>
-            </a:pPr>
-            <a:r>
-              <a:rPr lang="zh-CN" altLang="en-US" sz="2400" dirty="0"/>
-              <a:t> </a:t>
-            </a:r>
-            <a:r>
-              <a:rPr lang="zh-CN" altLang="en-US" sz="2400" dirty="0" smtClean="0"/>
-              <a:t>       </a:t>
-            </a:r>
-            <a:r>
-              <a:rPr lang="en-US" altLang="zh-CN" sz="2400" dirty="0" err="1" smtClean="0"/>
-              <a:t>math.h</a:t>
-            </a:r>
-            <a:r>
-              <a:rPr lang="en-US" altLang="zh-CN" sz="2400" dirty="0" smtClean="0"/>
-              <a:t>, </a:t>
-            </a:r>
-            <a:r>
-              <a:rPr lang="en-US" altLang="zh-CN" sz="2400" dirty="0" err="1" smtClean="0"/>
-              <a:t>sqrt</a:t>
-            </a:r>
-            <a:r>
-              <a:rPr lang="en-US" altLang="zh-CN" sz="2400" dirty="0" smtClean="0"/>
-              <a:t>(x)</a:t>
-            </a:r>
-          </a:p>
-        </p:txBody>
-      </p:sp>
-      <p:grpSp>
-        <p:nvGrpSpPr>
-          <p:cNvPr id="5" name="Group 10"/>
-          <p:cNvGrpSpPr>
-            <a:grpSpLocks/>
-          </p:cNvGrpSpPr>
-          <p:nvPr/>
-        </p:nvGrpSpPr>
-        <p:grpSpPr bwMode="auto">
-          <a:xfrm>
-            <a:off x="5220072" y="3086472"/>
-            <a:ext cx="3733800" cy="990600"/>
-            <a:chOff x="0" y="0"/>
-            <a:chExt cx="2352" cy="624"/>
-          </a:xfrm>
-        </p:grpSpPr>
-        <p:pic>
-          <p:nvPicPr>
-            <p:cNvPr id="6" name="Object 5"/>
-            <p:cNvPicPr>
-              <a:picLocks noChangeAspect="1" noChangeArrowheads="1"/>
-            </p:cNvPicPr>
-            <p:nvPr/>
-          </p:nvPicPr>
-          <p:blipFill>
-            <a:blip r:embed="rId2" cstate="print">
-              <a:extLst>
-                <a:ext uri="{28A0092B-C50C-407E-A947-70E740481C1C}">
-                  <a14:useLocalDpi xmlns:a14="http://schemas.microsoft.com/office/drawing/2010/main" val="0"/>
-                </a:ext>
-              </a:extLst>
-            </a:blip>
-            <a:srcRect/>
-            <a:stretch>
-              <a:fillRect/>
-            </a:stretch>
-          </p:blipFill>
-          <p:spPr bwMode="auto">
-            <a:xfrm>
-              <a:off x="59" y="0"/>
-              <a:ext cx="2293" cy="242"/>
-            </a:xfrm>
-            <a:prstGeom prst="rect">
-              <a:avLst/>
-            </a:prstGeom>
-            <a:noFill/>
-            <a:ln>
-              <a:noFill/>
-            </a:ln>
-            <a:extLst>
-              <a:ext uri="{909E8E84-426E-40DD-AFC4-6F175D3DCCD1}">
-                <a14:hiddenFill xmlns:a14="http://schemas.microsoft.com/office/drawing/2010/main">
-                  <a:solidFill>
-                    <a:srgbClr val="FFFFFF"/>
-                  </a:solidFill>
-                </a14:hiddenFill>
-              </a:ext>
-              <a:ext uri="{91240B29-F687-4F45-9708-019B960494DF}">
-                <a14:hiddenLine xmlns:a14="http://schemas.microsoft.com/office/drawing/2010/main" w="9525">
-                  <a:solidFill>
-                    <a:srgbClr val="000000"/>
-                  </a:solidFill>
-                  <a:miter lim="800000"/>
-                  <a:headEnd/>
-                  <a:tailEnd/>
-                </a14:hiddenLine>
-              </a:ext>
-            </a:extLst>
-          </p:spPr>
-        </p:pic>
-        <p:pic>
-          <p:nvPicPr>
-            <p:cNvPr id="7" name="Object 7"/>
-            <p:cNvPicPr>
-              <a:picLocks noChangeAspect="1" noChangeArrowheads="1"/>
-            </p:cNvPicPr>
-            <p:nvPr/>
-          </p:nvPicPr>
-          <p:blipFill>
-            <a:blip r:embed="rId3" cstate="print">
-              <a:extLst>
-                <a:ext uri="{28A0092B-C50C-407E-A947-70E740481C1C}">
-                  <a14:useLocalDpi xmlns:a14="http://schemas.microsoft.com/office/drawing/2010/main" val="0"/>
-                </a:ext>
-              </a:extLst>
-            </a:blip>
-            <a:srcRect/>
-            <a:stretch>
-              <a:fillRect/>
-            </a:stretch>
-          </p:blipFill>
-          <p:spPr bwMode="auto">
-            <a:xfrm>
-              <a:off x="576" y="242"/>
-              <a:ext cx="1297" cy="382"/>
-            </a:xfrm>
-            <a:prstGeom prst="rect">
-              <a:avLst/>
-            </a:prstGeom>
-            <a:noFill/>
-            <a:ln>
-              <a:noFill/>
-            </a:ln>
-            <a:extLst>
-              <a:ext uri="{909E8E84-426E-40DD-AFC4-6F175D3DCCD1}">
-                <a14:hiddenFill xmlns:a14="http://schemas.microsoft.com/office/drawing/2010/main">
-                  <a:solidFill>
-                    <a:srgbClr val="FFFFFF"/>
-                  </a:solidFill>
-                </a14:hiddenFill>
-              </a:ext>
-              <a:ext uri="{91240B29-F687-4F45-9708-019B960494DF}">
-                <a14:hiddenLine xmlns:a14="http://schemas.microsoft.com/office/drawing/2010/main" w="9525">
-                  <a:solidFill>
-                    <a:srgbClr val="000000"/>
-                  </a:solidFill>
-                  <a:miter lim="800000"/>
-                  <a:headEnd/>
-                  <a:tailEnd/>
-                </a14:hiddenLine>
-              </a:ext>
-            </a:extLst>
-          </p:spPr>
-        </p:pic>
-        <p:sp>
-          <p:nvSpPr>
-            <p:cNvPr id="8" name="Text Box 8"/>
-            <p:cNvSpPr>
-              <a:spLocks noChangeArrowheads="1"/>
-            </p:cNvSpPr>
-            <p:nvPr/>
-          </p:nvSpPr>
-          <p:spPr bwMode="auto">
-            <a:xfrm>
-              <a:off x="0" y="240"/>
-              <a:ext cx="862" cy="302"/>
-            </a:xfrm>
-            <a:prstGeom prst="rect">
-              <a:avLst/>
-            </a:prstGeom>
-            <a:noFill/>
-            <a:ln>
-              <a:noFill/>
-            </a:ln>
-            <a:extLst>
-              <a:ext uri="{909E8E84-426E-40DD-AFC4-6F175D3DCCD1}">
-                <a14:hiddenFill xmlns:a14="http://schemas.microsoft.com/office/drawing/2010/main">
-                  <a:solidFill>
-                    <a:srgbClr val="FFFFFF"/>
-                  </a:solidFill>
-                </a14:hiddenFill>
-              </a:ext>
-              <a:ext uri="{91240B29-F687-4F45-9708-019B960494DF}">
-                <a14:hiddenLine xmlns:a14="http://schemas.microsoft.com/office/drawing/2010/main" w="9525">
-                  <a:solidFill>
-                    <a:srgbClr val="000000"/>
-                  </a:solidFill>
-                  <a:miter lim="800000"/>
-                  <a:headEnd/>
-                  <a:tailEnd/>
-                </a14:hiddenLine>
-              </a:ext>
-            </a:extLst>
-          </p:spPr>
-          <p:txBody>
-            <a:bodyPr/>
-            <a:lstStyle/>
-            <a:p>
-              <a:pPr algn="just">
-                <a:spcBef>
-                  <a:spcPct val="0"/>
-                </a:spcBef>
-              </a:pPr>
-              <a:r>
-                <a:rPr lang="zh-CN" altLang="en-US">
-                  <a:solidFill>
-                    <a:srgbClr val="006600"/>
-                  </a:solidFill>
-                  <a:ea typeface="楷体_GB2312" pitchFamily="1" charset="-122"/>
-                  <a:sym typeface="Arial" pitchFamily="34" charset="0"/>
-                </a:rPr>
-                <a:t>其中：</a:t>
-              </a:r>
-              <a:endParaRPr lang="zh-CN" altLang="en-US">
-                <a:ea typeface="楷体_GB2312" pitchFamily="1" charset="-122"/>
-              </a:endParaRPr>
-            </a:p>
-          </p:txBody>
-        </p:sp>
-      </p:grpSp>
-      <p:sp>
-        <p:nvSpPr>
-          <p:cNvPr id="9" name="TextBox 8"/>
-          <p:cNvSpPr txBox="1"/>
-          <p:nvPr/>
-        </p:nvSpPr>
-        <p:spPr>
-          <a:xfrm>
-            <a:off x="35496" y="1772816"/>
-            <a:ext cx="7272808" cy="461665"/>
-          </a:xfrm>
-          <a:prstGeom prst="rect">
-            <a:avLst/>
-          </a:prstGeom>
-          <a:noFill/>
-        </p:spPr>
-        <p:txBody>
-          <a:bodyPr wrap="square" rtlCol="0">
-            <a:spAutoFit/>
-          </a:bodyPr>
-          <a:lstStyle/>
-          <a:p>
-            <a:pPr marL="342900" indent="-342900">
-              <a:buFont typeface="+mj-lt"/>
-              <a:buAutoNum type="arabicPeriod"/>
-            </a:pPr>
-            <a:r>
-              <a:rPr lang="zh-CN" altLang="en-US" sz="2400" dirty="0" smtClean="0"/>
-              <a:t>输入两个数，输出和。</a:t>
-            </a:r>
-            <a:r>
-              <a:rPr lang="zh-CN" altLang="en-US" sz="2400" dirty="0"/>
-              <a:t>练习</a:t>
-            </a:r>
-            <a:r>
-              <a:rPr lang="en-US" altLang="zh-CN" sz="2400" dirty="0" err="1" smtClean="0"/>
-              <a:t>scanf</a:t>
-            </a:r>
-            <a:r>
-              <a:rPr lang="en-US" altLang="zh-CN" sz="2400" dirty="0" smtClean="0"/>
-              <a:t>()</a:t>
-            </a:r>
-            <a:r>
-              <a:rPr lang="zh-CN" altLang="en-US" sz="2400" dirty="0" smtClean="0"/>
-              <a:t>和</a:t>
-            </a:r>
-            <a:r>
-              <a:rPr lang="en-US" altLang="zh-CN" sz="2400" dirty="0" err="1" smtClean="0"/>
-              <a:t>printf</a:t>
-            </a:r>
-            <a:r>
-              <a:rPr lang="en-US" altLang="zh-CN" sz="2400" dirty="0" smtClean="0"/>
-              <a:t>()</a:t>
-            </a:r>
-            <a:endParaRPr lang="zh-CN" altLang="en-US" sz="2400" dirty="0"/>
-          </a:p>
-        </p:txBody>
-      </p:sp>
-      <p:sp>
-        <p:nvSpPr>
-          <p:cNvPr id="10" name="Rectangle 3"/>
-          <p:cNvSpPr txBox="1">
-            <a:spLocks noChangeArrowheads="1"/>
-          </p:cNvSpPr>
-          <p:nvPr/>
-        </p:nvSpPr>
-        <p:spPr>
-          <a:xfrm>
-            <a:off x="35496" y="4768552"/>
-            <a:ext cx="8352928" cy="820688"/>
-          </a:xfrm>
-          <a:prstGeom prst="rect">
-            <a:avLst/>
-          </a:prstGeom>
-        </p:spPr>
-        <p:txBody>
-          <a:bodyPr vert="horz" lIns="91440" tIns="45720" rIns="91440" bIns="45720" rtlCol="0">
-            <a:noAutofit/>
-          </a:bodyPr>
-          <a:lstStyle>
-            <a:lvl1pPr marL="342900" indent="-342900" algn="l" defTabSz="914400" rtl="0" eaLnBrk="1" latinLnBrk="0" hangingPunct="1">
-              <a:spcBef>
-                <a:spcPct val="20000"/>
-              </a:spcBef>
-              <a:buFont typeface="Arial" pitchFamily="34" charset="0"/>
-              <a:buChar char="•"/>
-              <a:defRPr sz="3200" kern="1200">
-                <a:solidFill>
-                  <a:schemeClr val="tx1"/>
-                </a:solidFill>
-                <a:latin typeface="+mn-lt"/>
-                <a:ea typeface="+mn-ea"/>
-                <a:cs typeface="+mn-cs"/>
-              </a:defRPr>
-            </a:lvl1pPr>
-            <a:lvl2pPr marL="742950" indent="-285750" algn="l" defTabSz="914400" rtl="0" eaLnBrk="1" latinLnBrk="0" hangingPunct="1">
-              <a:spcBef>
-                <a:spcPct val="20000"/>
-              </a:spcBef>
-              <a:buFont typeface="Arial" pitchFamily="34" charset="0"/>
-              <a:buChar char="–"/>
-              <a:defRPr sz="2800" kern="1200">
-                <a:solidFill>
-                  <a:schemeClr val="tx1"/>
-                </a:solidFill>
-                <a:latin typeface="+mn-lt"/>
-                <a:ea typeface="+mn-ea"/>
-                <a:cs typeface="+mn-cs"/>
-              </a:defRPr>
-            </a:lvl2pPr>
-            <a:lvl3pPr marL="1143000" indent="-228600" algn="l" defTabSz="914400" rtl="0" eaLnBrk="1" latinLnBrk="0" hangingPunct="1">
-              <a:spcBef>
-                <a:spcPct val="20000"/>
-              </a:spcBef>
-              <a:buFont typeface="Arial" pitchFamily="34" charset="0"/>
-              <a:buChar char="•"/>
-              <a:defRPr sz="2400" kern="1200">
-                <a:solidFill>
-                  <a:schemeClr val="tx1"/>
-                </a:solidFill>
-                <a:latin typeface="+mn-lt"/>
-                <a:ea typeface="+mn-ea"/>
-                <a:cs typeface="+mn-cs"/>
-              </a:defRPr>
-            </a:lvl3pPr>
-            <a:lvl4pPr marL="1600200" indent="-228600" algn="l" defTabSz="914400" rtl="0" eaLnBrk="1" latinLnBrk="0" hangingPunct="1">
-              <a:spcBef>
-                <a:spcPct val="20000"/>
-              </a:spcBef>
-              <a:buFont typeface="Arial" pitchFamily="34" charset="0"/>
-              <a:buChar char="–"/>
-              <a:defRPr sz="2000" kern="1200">
-                <a:solidFill>
-                  <a:schemeClr val="tx1"/>
-                </a:solidFill>
-                <a:latin typeface="+mn-lt"/>
-                <a:ea typeface="+mn-ea"/>
-                <a:cs typeface="+mn-cs"/>
-              </a:defRPr>
-            </a:lvl4pPr>
-            <a:lvl5pPr marL="2057400" indent="-228600" algn="l" defTabSz="914400" rtl="0" eaLnBrk="1" latinLnBrk="0" hangingPunct="1">
-              <a:spcBef>
-                <a:spcPct val="20000"/>
-              </a:spcBef>
-              <a:buFont typeface="Arial" pitchFamily="34" charset="0"/>
-              <a:buChar char="»"/>
-              <a:defRPr sz="2000" kern="1200">
-                <a:solidFill>
-                  <a:schemeClr val="tx1"/>
-                </a:solidFill>
-                <a:latin typeface="+mn-lt"/>
-                <a:ea typeface="+mn-ea"/>
-                <a:cs typeface="+mn-cs"/>
-              </a:defRPr>
-            </a:lvl5pPr>
-            <a:lvl6pPr marL="2514600" indent="-228600" algn="l" defTabSz="914400" rtl="0" eaLnBrk="1" latinLnBrk="0" hangingPunct="1">
-              <a:spcBef>
-                <a:spcPct val="20000"/>
-              </a:spcBef>
-              <a:buFont typeface="Arial" pitchFamily="34" charset="0"/>
-              <a:buChar char="•"/>
-              <a:defRPr sz="2000" kern="1200">
-                <a:solidFill>
-                  <a:schemeClr val="tx1"/>
-                </a:solidFill>
-                <a:latin typeface="+mn-lt"/>
-                <a:ea typeface="+mn-ea"/>
-                <a:cs typeface="+mn-cs"/>
-              </a:defRPr>
-            </a:lvl6pPr>
-            <a:lvl7pPr marL="2971800" indent="-228600" algn="l" defTabSz="914400" rtl="0" eaLnBrk="1" latinLnBrk="0" hangingPunct="1">
-              <a:spcBef>
-                <a:spcPct val="20000"/>
-              </a:spcBef>
-              <a:buFont typeface="Arial" pitchFamily="34" charset="0"/>
-              <a:buChar char="•"/>
-              <a:defRPr sz="2000" kern="1200">
-                <a:solidFill>
-                  <a:schemeClr val="tx1"/>
-                </a:solidFill>
-                <a:latin typeface="+mn-lt"/>
-                <a:ea typeface="+mn-ea"/>
-                <a:cs typeface="+mn-cs"/>
-              </a:defRPr>
-            </a:lvl7pPr>
-            <a:lvl8pPr marL="3429000" indent="-228600" algn="l" defTabSz="914400" rtl="0" eaLnBrk="1" latinLnBrk="0" hangingPunct="1">
-              <a:spcBef>
-                <a:spcPct val="20000"/>
-              </a:spcBef>
-              <a:buFont typeface="Arial" pitchFamily="34" charset="0"/>
-              <a:buChar char="•"/>
-              <a:defRPr sz="2000" kern="1200">
-                <a:solidFill>
-                  <a:schemeClr val="tx1"/>
-                </a:solidFill>
-                <a:latin typeface="+mn-lt"/>
-                <a:ea typeface="+mn-ea"/>
-                <a:cs typeface="+mn-cs"/>
-              </a:defRPr>
-            </a:lvl8pPr>
-            <a:lvl9pPr marL="3886200" indent="-228600" algn="l" defTabSz="914400" rtl="0" eaLnBrk="1" latinLnBrk="0" hangingPunct="1">
-              <a:spcBef>
-                <a:spcPct val="20000"/>
-              </a:spcBef>
-              <a:buFont typeface="Arial" pitchFamily="34" charset="0"/>
-              <a:buChar char="•"/>
-              <a:defRPr sz="2000" kern="1200">
-                <a:solidFill>
-                  <a:schemeClr val="tx1"/>
-                </a:solidFill>
-                <a:latin typeface="+mn-lt"/>
-                <a:ea typeface="+mn-ea"/>
-                <a:cs typeface="+mn-cs"/>
-              </a:defRPr>
-            </a:lvl9pPr>
-          </a:lstStyle>
-          <a:p>
-            <a:pPr marL="4762" indent="0">
-              <a:lnSpc>
-                <a:spcPct val="90000"/>
-              </a:lnSpc>
-              <a:buNone/>
-            </a:pPr>
-            <a:r>
-              <a:rPr lang="en-US" altLang="zh-CN" sz="2400" dirty="0"/>
-              <a:t>3. ch2</a:t>
-            </a:r>
-            <a:r>
-              <a:rPr lang="en-US" altLang="zh-CN" sz="2400" dirty="0" smtClean="0"/>
-              <a:t>, p54</a:t>
-            </a:r>
-            <a:r>
-              <a:rPr lang="en-US" altLang="zh-CN" sz="2400" dirty="0"/>
-              <a:t>, </a:t>
-            </a:r>
-            <a:r>
-              <a:rPr lang="en-US" altLang="zh-CN" sz="2400" dirty="0" smtClean="0"/>
-              <a:t>1~5</a:t>
-            </a:r>
-            <a:r>
-              <a:rPr lang="zh-CN" altLang="en-US" sz="2400" dirty="0" smtClean="0"/>
-              <a:t>题</a:t>
-            </a:r>
-            <a:endParaRPr lang="en-US" altLang="zh-CN" sz="2400" dirty="0" smtClean="0"/>
-          </a:p>
-        </p:txBody>
-      </p:sp>
-    </p:spTree>
-    <p:extLst>
-      <p:ext uri="{BB962C8B-B14F-4D97-AF65-F5344CB8AC3E}">
-        <p14:creationId xmlns:p14="http://schemas.microsoft.com/office/powerpoint/2010/main" val="3512702313"/>
-      </p:ext>
-    </p:extLst>
-  </p:cSld>
-  <p:clrMapOvr>
-    <a:masterClrMapping/>
-  </p:clrMapOvr>
-</p:sld>
-</file>
-
-<file path=ppt/slides/slide9.xml><?xml version="1.0" encoding="utf-8"?>
-<p:sld xmlns:a="http://schemas.openxmlformats.org/drawingml/2006/main" xmlns:r="http://schemas.openxmlformats.org/officeDocument/2006/relationships" xmlns:p="http://schemas.openxmlformats.org/presentationml/2006/main">
-  <p:cSld>
-    <p:spTree>
-      <p:nvGrpSpPr>
-        <p:cNvPr id="1" name=""/>
-        <p:cNvGrpSpPr/>
-        <p:nvPr/>
-      </p:nvGrpSpPr>
-      <p:grpSpPr>
-        <a:xfrm>
-          <a:off x="0" y="0"/>
-          <a:ext cx="0" cy="0"/>
-          <a:chOff x="0" y="0"/>
-          <a:chExt cx="0" cy="0"/>
-        </a:xfrm>
-      </p:grpSpPr>
-      <p:sp>
-        <p:nvSpPr>
           <p:cNvPr id="2051" name="灯片编号占位符 5"/>
           <p:cNvSpPr>
             <a:spLocks noGrp="1" noChangeArrowheads="1"/>
@@ -9110,7 +7146,7 @@
                 <a:ea typeface="楷体_GB2312" pitchFamily="1" charset="-122"/>
               </a:rPr>
               <a:pPr/>
-              <a:t>9</a:t>
+              <a:t>8</a:t>
             </a:fld>
             <a:endParaRPr lang="en-US" altLang="zh-CN">
               <a:ea typeface="楷体_GB2312" pitchFamily="1" charset="-122"/>
@@ -10196,6 +8232,552 @@
 </p:sld>
 </file>
 
+<file path=ppt/slides/slide9.xml><?xml version="1.0" encoding="utf-8"?>
+<p:sld xmlns:a="http://schemas.openxmlformats.org/drawingml/2006/main" xmlns:r="http://schemas.openxmlformats.org/officeDocument/2006/relationships" xmlns:p="http://schemas.openxmlformats.org/presentationml/2006/main">
+  <p:cSld>
+    <p:spTree>
+      <p:nvGrpSpPr>
+        <p:cNvPr id="1" name=""/>
+        <p:cNvGrpSpPr/>
+        <p:nvPr/>
+      </p:nvGrpSpPr>
+      <p:grpSpPr>
+        <a:xfrm>
+          <a:off x="0" y="0"/>
+          <a:ext cx="0" cy="0"/>
+          <a:chOff x="0" y="0"/>
+          <a:chExt cx="0" cy="0"/>
+        </a:xfrm>
+      </p:grpSpPr>
+      <p:sp>
+        <p:nvSpPr>
+          <p:cNvPr id="2" name="标题 1"/>
+          <p:cNvSpPr>
+            <a:spLocks noGrp="1"/>
+          </p:cNvSpPr>
+          <p:nvPr>
+            <p:ph type="title"/>
+          </p:nvPr>
+        </p:nvSpPr>
+        <p:spPr/>
+        <p:txBody>
+          <a:bodyPr/>
+          <a:lstStyle/>
+          <a:p>
+            <a:r>
+              <a:rPr lang="en-US" altLang="zh-CN" dirty="0" smtClean="0"/>
+              <a:t>C</a:t>
+            </a:r>
+            <a:r>
+              <a:rPr lang="zh-CN" altLang="en-US" dirty="0" smtClean="0"/>
+              <a:t>语言第</a:t>
+            </a:r>
+            <a:r>
+              <a:rPr lang="en-US" altLang="zh-CN" dirty="0" smtClean="0"/>
+              <a:t>1</a:t>
+            </a:r>
+            <a:r>
+              <a:rPr lang="zh-CN" altLang="en-US" dirty="0" smtClean="0"/>
+              <a:t>次上机练习</a:t>
+            </a:r>
+            <a:endParaRPr lang="zh-CN" altLang="en-US" dirty="0"/>
+          </a:p>
+        </p:txBody>
+      </p:sp>
+      <p:sp>
+        <p:nvSpPr>
+          <p:cNvPr id="3" name="内容占位符 2"/>
+          <p:cNvSpPr>
+            <a:spLocks noGrp="1"/>
+          </p:cNvSpPr>
+          <p:nvPr>
+            <p:ph idx="1"/>
+          </p:nvPr>
+        </p:nvSpPr>
+        <p:spPr>
+          <a:xfrm>
+            <a:off x="251520" y="1600200"/>
+            <a:ext cx="8435280" cy="5069160"/>
+          </a:xfrm>
+        </p:spPr>
+        <p:txBody>
+          <a:bodyPr>
+            <a:noAutofit/>
+          </a:bodyPr>
+          <a:lstStyle/>
+          <a:p>
+            <a:pPr>
+              <a:lnSpc>
+                <a:spcPct val="120000"/>
+              </a:lnSpc>
+            </a:pPr>
+            <a:r>
+              <a:rPr lang="en-US" altLang="zh-CN" sz="2000" b="1" dirty="0"/>
+              <a:t>c</a:t>
+            </a:r>
+            <a:r>
+              <a:rPr lang="en-US" altLang="zh-CN" sz="2000" b="1" dirty="0" smtClean="0"/>
+              <a:t>h2. p55, 2. </a:t>
+            </a:r>
+            <a:r>
+              <a:rPr lang="zh-CN" altLang="en-US" sz="2000" b="1" dirty="0" smtClean="0"/>
+              <a:t>若</a:t>
+            </a:r>
+            <a:r>
+              <a:rPr lang="zh-CN" altLang="en-US" sz="2000" b="1" dirty="0"/>
+              <a:t>有定义</a:t>
+            </a:r>
+            <a:r>
+              <a:rPr lang="zh-CN" altLang="en-US" sz="2000" b="1" dirty="0" smtClean="0"/>
+              <a:t>：</a:t>
+            </a:r>
+            <a:r>
+              <a:rPr lang="en-US" altLang="zh-CN" sz="2000" b="1" dirty="0" err="1" smtClean="0"/>
+              <a:t>int</a:t>
+            </a:r>
+            <a:r>
+              <a:rPr lang="en-US" altLang="zh-CN" sz="2000" b="1" dirty="0" smtClean="0"/>
+              <a:t> a=2,b=3; float </a:t>
+            </a:r>
+            <a:r>
+              <a:rPr lang="en-US" altLang="zh-CN" sz="2000" b="1" dirty="0"/>
+              <a:t>x=3.5,y=2.5; </a:t>
+            </a:r>
+          </a:p>
+          <a:p>
+            <a:pPr marL="0" indent="0">
+              <a:lnSpc>
+                <a:spcPct val="120000"/>
+              </a:lnSpc>
+              <a:buNone/>
+            </a:pPr>
+            <a:r>
+              <a:rPr lang="en-US" altLang="zh-CN" sz="2000" dirty="0" smtClean="0"/>
+              <a:t>     </a:t>
+            </a:r>
+            <a:r>
+              <a:rPr lang="zh-CN" altLang="en-US" sz="2000" dirty="0" smtClean="0"/>
+              <a:t>则</a:t>
+            </a:r>
+            <a:r>
+              <a:rPr lang="zh-CN" altLang="en-US" sz="2000" dirty="0"/>
+              <a:t>下列表达式的值是多少</a:t>
+            </a:r>
+            <a:r>
+              <a:rPr lang="zh-CN" altLang="en-US" sz="2000" dirty="0" smtClean="0"/>
+              <a:t>？</a:t>
+            </a:r>
+            <a:endParaRPr lang="en-US" altLang="zh-CN" sz="2000" dirty="0" smtClean="0"/>
+          </a:p>
+          <a:p>
+            <a:pPr marL="0" indent="0">
+              <a:lnSpc>
+                <a:spcPct val="120000"/>
+              </a:lnSpc>
+              <a:buNone/>
+            </a:pPr>
+            <a:r>
+              <a:rPr lang="en-US" altLang="zh-CN" sz="2000" dirty="0" smtClean="0"/>
+              <a:t>     </a:t>
+            </a:r>
+            <a:r>
+              <a:rPr lang="zh-CN" altLang="en-US" sz="2000" dirty="0" smtClean="0"/>
+              <a:t>（</a:t>
+            </a:r>
+            <a:r>
+              <a:rPr lang="en-US" altLang="zh-CN" sz="2000" dirty="0" smtClean="0"/>
+              <a:t>1</a:t>
+            </a:r>
+            <a:r>
+              <a:rPr lang="zh-CN" altLang="en-US" sz="2000" dirty="0" smtClean="0"/>
+              <a:t>）</a:t>
+            </a:r>
+            <a:r>
+              <a:rPr lang="en-US" altLang="zh-CN" sz="2000" dirty="0" smtClean="0"/>
+              <a:t> (</a:t>
+            </a:r>
+            <a:r>
+              <a:rPr lang="en-US" altLang="zh-CN" sz="2000" dirty="0"/>
+              <a:t>float)(</a:t>
+            </a:r>
+            <a:r>
+              <a:rPr lang="en-US" altLang="zh-CN" sz="2000" dirty="0" err="1"/>
+              <a:t>a+b</a:t>
+            </a:r>
+            <a:r>
+              <a:rPr lang="en-US" altLang="zh-CN" sz="2000" dirty="0"/>
+              <a:t>)/2+(</a:t>
+            </a:r>
+            <a:r>
+              <a:rPr lang="en-US" altLang="zh-CN" sz="2000" dirty="0" err="1"/>
+              <a:t>int</a:t>
+            </a:r>
+            <a:r>
+              <a:rPr lang="en-US" altLang="zh-CN" sz="2000" dirty="0"/>
+              <a:t>)x%(</a:t>
+            </a:r>
+            <a:r>
+              <a:rPr lang="en-US" altLang="zh-CN" sz="2000" dirty="0" err="1" smtClean="0"/>
+              <a:t>int</a:t>
+            </a:r>
+            <a:r>
+              <a:rPr lang="en-US" altLang="zh-CN" sz="2000" dirty="0" smtClean="0"/>
+              <a:t>)y</a:t>
+            </a:r>
+          </a:p>
+          <a:p>
+            <a:pPr marL="0" indent="0">
+              <a:lnSpc>
+                <a:spcPct val="120000"/>
+              </a:lnSpc>
+              <a:buNone/>
+            </a:pPr>
+            <a:r>
+              <a:rPr lang="en-US" altLang="zh-CN" sz="2000" dirty="0" smtClean="0"/>
+              <a:t>      </a:t>
+            </a:r>
+            <a:r>
+              <a:rPr lang="zh-CN" altLang="en-US" sz="2000" dirty="0" smtClean="0"/>
+              <a:t>（</a:t>
+            </a:r>
+            <a:r>
+              <a:rPr lang="en-US" altLang="zh-CN" sz="2000" dirty="0" smtClean="0"/>
+              <a:t>2</a:t>
+            </a:r>
+            <a:r>
+              <a:rPr lang="zh-CN" altLang="en-US" sz="2000" dirty="0" smtClean="0"/>
+              <a:t>）</a:t>
+            </a:r>
+            <a:r>
+              <a:rPr lang="en-US" altLang="zh-CN" sz="2000" dirty="0" smtClean="0"/>
+              <a:t>(</a:t>
+            </a:r>
+            <a:r>
+              <a:rPr lang="en-US" altLang="zh-CN" sz="2000" dirty="0" err="1" smtClean="0"/>
+              <a:t>a+b</a:t>
+            </a:r>
+            <a:r>
+              <a:rPr lang="en-US" altLang="zh-CN" sz="2000" dirty="0"/>
+              <a:t>)%2+(</a:t>
+            </a:r>
+            <a:r>
+              <a:rPr lang="en-US" altLang="zh-CN" sz="2000" dirty="0" err="1"/>
+              <a:t>int</a:t>
+            </a:r>
+            <a:r>
+              <a:rPr lang="en-US" altLang="zh-CN" sz="2000" dirty="0"/>
+              <a:t>)y/(</a:t>
+            </a:r>
+            <a:r>
+              <a:rPr lang="en-US" altLang="zh-CN" sz="2000" dirty="0" err="1" smtClean="0"/>
+              <a:t>int</a:t>
+            </a:r>
+            <a:r>
+              <a:rPr lang="en-US" altLang="zh-CN" sz="2000" dirty="0" smtClean="0"/>
+              <a:t>)x</a:t>
+            </a:r>
+          </a:p>
+          <a:p>
+            <a:pPr marL="0" indent="0">
+              <a:lnSpc>
+                <a:spcPct val="120000"/>
+              </a:lnSpc>
+              <a:buNone/>
+            </a:pPr>
+            <a:r>
+              <a:rPr lang="en-US" altLang="zh-CN" sz="2000" dirty="0" smtClean="0"/>
+              <a:t>      </a:t>
+            </a:r>
+            <a:r>
+              <a:rPr lang="zh-CN" altLang="en-US" sz="2000" dirty="0" smtClean="0"/>
+              <a:t>（</a:t>
+            </a:r>
+            <a:r>
+              <a:rPr lang="en-US" altLang="zh-CN" sz="2000" dirty="0" smtClean="0"/>
+              <a:t>3</a:t>
+            </a:r>
+            <a:r>
+              <a:rPr lang="zh-CN" altLang="en-US" sz="2000" dirty="0" smtClean="0"/>
+              <a:t>）</a:t>
+            </a:r>
+            <a:r>
+              <a:rPr lang="en-US" altLang="zh-CN" sz="2000" dirty="0" smtClean="0"/>
+              <a:t>a</a:t>
+            </a:r>
+            <a:r>
+              <a:rPr lang="en-US" altLang="zh-CN" sz="2000" dirty="0"/>
+              <a:t>=(2*a*b)%(b%2</a:t>
+            </a:r>
+            <a:r>
+              <a:rPr lang="en-US" altLang="zh-CN" sz="2000" dirty="0" smtClean="0"/>
+              <a:t>)</a:t>
+            </a:r>
+          </a:p>
+          <a:p>
+            <a:pPr marL="0" indent="0">
+              <a:lnSpc>
+                <a:spcPct val="120000"/>
+              </a:lnSpc>
+              <a:buNone/>
+            </a:pPr>
+            <a:r>
+              <a:rPr lang="zh-CN" altLang="en-US" sz="2000" dirty="0" smtClean="0"/>
+              <a:t>提示：</a:t>
+            </a:r>
+            <a:r>
+              <a:rPr lang="zh-CN" altLang="en-US" sz="2000" dirty="0"/>
+              <a:t>使用</a:t>
+            </a:r>
+            <a:r>
+              <a:rPr lang="en-US" altLang="zh-CN" sz="2000" dirty="0" err="1" smtClean="0"/>
+              <a:t>printf</a:t>
+            </a:r>
+            <a:r>
+              <a:rPr lang="en-US" altLang="zh-CN" sz="2000" dirty="0" smtClean="0"/>
+              <a:t>()</a:t>
+            </a:r>
+            <a:r>
+              <a:rPr lang="zh-CN" altLang="en-US" sz="2000" dirty="0" smtClean="0"/>
+              <a:t>的</a:t>
+            </a:r>
+            <a:r>
+              <a:rPr lang="en-US" altLang="zh-CN" sz="2000" dirty="0" smtClean="0"/>
+              <a:t>”%</a:t>
+            </a:r>
+            <a:r>
+              <a:rPr lang="en-US" altLang="zh-CN" sz="2000" dirty="0" err="1" smtClean="0"/>
+              <a:t>d”,”%f</a:t>
+            </a:r>
+            <a:r>
+              <a:rPr lang="en-US" altLang="zh-CN" sz="2000" dirty="0" smtClean="0"/>
+              <a:t>”</a:t>
+            </a:r>
+            <a:r>
+              <a:rPr lang="zh-CN" altLang="en-US" sz="2000" dirty="0" smtClean="0"/>
+              <a:t>打印相应表达式的值。注意整数相除的结果。</a:t>
+            </a:r>
+            <a:endParaRPr lang="en-US" altLang="zh-CN" sz="2000" dirty="0" smtClean="0"/>
+          </a:p>
+          <a:p>
+            <a:pPr>
+              <a:lnSpc>
+                <a:spcPct val="120000"/>
+              </a:lnSpc>
+            </a:pPr>
+            <a:r>
+              <a:rPr lang="en-US" altLang="zh-CN" sz="2000" b="1" dirty="0"/>
+              <a:t>ch2,p55, 3.</a:t>
+            </a:r>
+            <a:r>
+              <a:rPr lang="zh-CN" altLang="en-US" sz="2000" b="1" dirty="0"/>
+              <a:t>假设</a:t>
+            </a:r>
+            <a:r>
+              <a:rPr lang="en-US" altLang="zh-CN" sz="2000" b="1" dirty="0"/>
+              <a:t>m</a:t>
+            </a:r>
+            <a:r>
+              <a:rPr lang="zh-CN" altLang="en-US" sz="2000" b="1" dirty="0"/>
+              <a:t>是一个已知</a:t>
+            </a:r>
+            <a:r>
+              <a:rPr lang="en-US" altLang="zh-CN" sz="2000" b="1" dirty="0"/>
+              <a:t>3</a:t>
+            </a:r>
+            <a:r>
+              <a:rPr lang="zh-CN" altLang="en-US" sz="2000" b="1" dirty="0"/>
+              <a:t>位数，从左到右用</a:t>
+            </a:r>
+            <a:r>
+              <a:rPr lang="en-US" altLang="zh-CN" sz="2000" b="1" dirty="0" err="1"/>
+              <a:t>a,b,c</a:t>
+            </a:r>
+            <a:r>
+              <a:rPr lang="zh-CN" altLang="en-US" sz="2000" b="1" dirty="0"/>
+              <a:t>表示各位数字，则由数</a:t>
+            </a:r>
+            <a:r>
+              <a:rPr lang="en-US" altLang="zh-CN" sz="2000" b="1" dirty="0" err="1"/>
+              <a:t>abc</a:t>
+            </a:r>
+            <a:r>
+              <a:rPr lang="zh-CN" altLang="en-US" sz="2000" b="1" dirty="0"/>
+              <a:t>如何求数</a:t>
+            </a:r>
+            <a:r>
+              <a:rPr lang="en-US" altLang="zh-CN" sz="2000" b="1" dirty="0" err="1"/>
+              <a:t>bac</a:t>
+            </a:r>
+            <a:r>
+              <a:rPr lang="zh-CN" altLang="en-US" sz="2000" b="1" dirty="0"/>
+              <a:t>，写出表达式</a:t>
+            </a:r>
+            <a:r>
+              <a:rPr lang="zh-CN" altLang="en-US" sz="2000" b="1" dirty="0" smtClean="0"/>
+              <a:t>。</a:t>
+            </a:r>
+            <a:r>
+              <a:rPr lang="en-US" altLang="zh-CN" sz="2000" b="1" dirty="0" smtClean="0"/>
+              <a:t>[</a:t>
+            </a:r>
+            <a:r>
+              <a:rPr lang="zh-CN" altLang="en-US" sz="2000" b="1" dirty="0" smtClean="0"/>
+              <a:t>输入</a:t>
+            </a:r>
+            <a:r>
+              <a:rPr lang="en-US" altLang="zh-CN" sz="2000" b="1" dirty="0" smtClean="0"/>
+              <a:t>m</a:t>
+            </a:r>
+            <a:r>
+              <a:rPr lang="zh-CN" altLang="en-US" sz="2000" b="1" dirty="0" smtClean="0"/>
+              <a:t>，输出</a:t>
+            </a:r>
+            <a:r>
+              <a:rPr lang="en-US" altLang="zh-CN" sz="2000" b="1" dirty="0" err="1" smtClean="0"/>
+              <a:t>bac</a:t>
+            </a:r>
+            <a:r>
+              <a:rPr lang="en-US" altLang="zh-CN" sz="2000" b="1" dirty="0" smtClean="0"/>
+              <a:t>]</a:t>
+            </a:r>
+          </a:p>
+          <a:p>
+            <a:pPr>
+              <a:lnSpc>
+                <a:spcPct val="120000"/>
+              </a:lnSpc>
+            </a:pPr>
+            <a:r>
+              <a:rPr lang="en-US" altLang="zh-CN" sz="2000" b="1" dirty="0" smtClean="0"/>
+              <a:t>ch2,p55,5</a:t>
+            </a:r>
+            <a:r>
+              <a:rPr lang="en-US" altLang="zh-CN" sz="2000" b="1" dirty="0"/>
+              <a:t>.</a:t>
+            </a:r>
+            <a:r>
+              <a:rPr lang="zh-CN" altLang="en-US" sz="2000" b="1" dirty="0"/>
+              <a:t>写出一个表达式，如果变量</a:t>
+            </a:r>
+            <a:r>
+              <a:rPr lang="en-US" altLang="zh-CN" sz="2000" b="1" dirty="0"/>
+              <a:t>C</a:t>
+            </a:r>
+            <a:r>
+              <a:rPr lang="zh-CN" altLang="en-US" sz="2000" b="1" dirty="0"/>
+              <a:t>是大写字母，则将</a:t>
+            </a:r>
+            <a:r>
+              <a:rPr lang="en-US" altLang="zh-CN" sz="2000" b="1" dirty="0"/>
+              <a:t>C</a:t>
+            </a:r>
+            <a:r>
+              <a:rPr lang="zh-CN" altLang="en-US" sz="2000" b="1" dirty="0"/>
+              <a:t>转换为小写字母，否则</a:t>
+            </a:r>
+            <a:r>
+              <a:rPr lang="en-US" altLang="zh-CN" sz="2000" b="1" dirty="0"/>
+              <a:t>C</a:t>
+            </a:r>
+            <a:r>
+              <a:rPr lang="zh-CN" altLang="en-US" sz="2000" b="1" dirty="0"/>
+              <a:t>的值不变</a:t>
+            </a:r>
+            <a:r>
+              <a:rPr lang="zh-CN" altLang="en-US" sz="2000" b="1" dirty="0" smtClean="0"/>
+              <a:t>。</a:t>
+            </a:r>
+            <a:r>
+              <a:rPr lang="en-US" altLang="zh-CN" sz="2000" b="1" smtClean="0"/>
+              <a:t>[%c</a:t>
+            </a:r>
+            <a:r>
+              <a:rPr lang="zh-CN" altLang="en-US" sz="2000" b="1" smtClean="0"/>
+              <a:t>输入</a:t>
+            </a:r>
+            <a:r>
+              <a:rPr lang="en-US" altLang="zh-CN" sz="2000" b="1" dirty="0" smtClean="0"/>
+              <a:t>C</a:t>
+            </a:r>
+            <a:r>
+              <a:rPr lang="zh-CN" altLang="en-US" sz="2000" b="1" dirty="0" smtClean="0"/>
+              <a:t>，输出结果</a:t>
+            </a:r>
+            <a:r>
+              <a:rPr lang="en-US" altLang="zh-CN" sz="2000" b="1" dirty="0" smtClean="0"/>
+              <a:t>]</a:t>
+            </a:r>
+          </a:p>
+          <a:p>
+            <a:pPr>
+              <a:lnSpc>
+                <a:spcPct val="120000"/>
+              </a:lnSpc>
+            </a:pPr>
+            <a:r>
+              <a:rPr lang="zh-CN" altLang="en-US" sz="2000" b="1" dirty="0" smtClean="0"/>
+              <a:t>选做，</a:t>
+            </a:r>
+            <a:r>
+              <a:rPr lang="en-US" altLang="zh-CN" sz="2000" b="1" dirty="0" smtClean="0"/>
+              <a:t>ch2,p55, 1</a:t>
+            </a:r>
+            <a:r>
+              <a:rPr lang="zh-CN" altLang="en-US" sz="2000" b="1" dirty="0" smtClean="0"/>
+              <a:t>、</a:t>
+            </a:r>
+            <a:r>
+              <a:rPr lang="en-US" altLang="zh-CN" sz="2000" b="1" dirty="0" smtClean="0"/>
+              <a:t>4</a:t>
+            </a:r>
+            <a:r>
+              <a:rPr lang="zh-CN" altLang="en-US" sz="2000" b="1" dirty="0" smtClean="0"/>
+              <a:t>题，第</a:t>
+            </a:r>
+            <a:r>
+              <a:rPr lang="en-US" altLang="zh-CN" sz="2000" b="1" dirty="0" smtClean="0"/>
+              <a:t>1</a:t>
+            </a:r>
+            <a:r>
+              <a:rPr lang="zh-CN" altLang="en-US" sz="2000" b="1" dirty="0" smtClean="0"/>
+              <a:t>题数学函数见</a:t>
+            </a:r>
+            <a:r>
+              <a:rPr lang="en-US" altLang="zh-CN" sz="2000" b="1" dirty="0" smtClean="0"/>
+              <a:t>p253</a:t>
+            </a:r>
+            <a:r>
+              <a:rPr lang="zh-CN" altLang="en-US" sz="2000" b="1" dirty="0" smtClean="0"/>
+              <a:t>，</a:t>
+            </a:r>
+            <a:r>
+              <a:rPr lang="en-US" altLang="zh-CN" sz="2000" b="1" dirty="0" err="1" smtClean="0"/>
+              <a:t>math.h</a:t>
+            </a:r>
+            <a:endParaRPr lang="zh-CN" altLang="en-US" sz="2000" b="1" dirty="0"/>
+          </a:p>
+        </p:txBody>
+      </p:sp>
+    </p:spTree>
+    <p:extLst>
+      <p:ext uri="{BB962C8B-B14F-4D97-AF65-F5344CB8AC3E}">
+        <p14:creationId xmlns:p14="http://schemas.microsoft.com/office/powerpoint/2010/main" val="3512702313"/>
+      </p:ext>
+    </p:extLst>
+  </p:cSld>
+  <p:clrMapOvr>
+    <a:masterClrMapping/>
+  </p:clrMapOvr>
+  <p:timing>
+    <p:tnLst>
+      <p:par>
+        <p:cTn id="1" dur="indefinite" restart="never" nodeType="tmRoot"/>
+      </p:par>
+    </p:tnLst>
+  </p:timing>
+</p:sld>
+</file>
+
 <file path=ppt/theme/theme1.xml><?xml version="1.0" encoding="utf-8"?>
 <a:theme xmlns:a="http://schemas.openxmlformats.org/drawingml/2006/main" name="Office 主题">
   <a:themeElements>

--- a/2016/上机安排.pptx
+++ b/2016/上机安排.pptx
@@ -5,7 +5,7 @@
     <p:sldMasterId id="2147483648" r:id="rId1"/>
   </p:sldMasterIdLst>
   <p:notesMasterIdLst>
-    <p:notesMasterId r:id="rId11"/>
+    <p:notesMasterId r:id="rId15"/>
   </p:notesMasterIdLst>
   <p:sldIdLst>
     <p:sldId id="256" r:id="rId2"/>
@@ -17,6 +17,10 @@
     <p:sldId id="262" r:id="rId8"/>
     <p:sldId id="264" r:id="rId9"/>
     <p:sldId id="263" r:id="rId10"/>
+    <p:sldId id="265" r:id="rId11"/>
+    <p:sldId id="266" r:id="rId12"/>
+    <p:sldId id="267" r:id="rId13"/>
+    <p:sldId id="268" r:id="rId14"/>
   </p:sldIdLst>
   <p:sldSz cx="9144000" cy="6858000" type="screen4x3"/>
   <p:notesSz cx="6858000" cy="9144000"/>
@@ -4729,6 +4733,1434 @@
 </p:sld>
 </file>
 
+<file path=ppt/slides/slide10.xml><?xml version="1.0" encoding="utf-8"?>
+<p:sld xmlns:a="http://schemas.openxmlformats.org/drawingml/2006/main" xmlns:r="http://schemas.openxmlformats.org/officeDocument/2006/relationships" xmlns:p="http://schemas.openxmlformats.org/presentationml/2006/main">
+  <p:cSld>
+    <p:spTree>
+      <p:nvGrpSpPr>
+        <p:cNvPr id="1" name=""/>
+        <p:cNvGrpSpPr/>
+        <p:nvPr/>
+      </p:nvGrpSpPr>
+      <p:grpSpPr>
+        <a:xfrm>
+          <a:off x="0" y="0"/>
+          <a:ext cx="0" cy="0"/>
+          <a:chOff x="0" y="0"/>
+          <a:chExt cx="0" cy="0"/>
+        </a:xfrm>
+      </p:grpSpPr>
+      <p:sp>
+        <p:nvSpPr>
+          <p:cNvPr id="2" name="标题 1"/>
+          <p:cNvSpPr>
+            <a:spLocks noGrp="1"/>
+          </p:cNvSpPr>
+          <p:nvPr>
+            <p:ph type="title"/>
+          </p:nvPr>
+        </p:nvSpPr>
+        <p:spPr/>
+        <p:txBody>
+          <a:bodyPr/>
+          <a:lstStyle/>
+          <a:p>
+            <a:r>
+              <a:rPr lang="en-US" altLang="zh-CN" dirty="0" smtClean="0"/>
+              <a:t>C</a:t>
+            </a:r>
+            <a:r>
+              <a:rPr lang="zh-CN" altLang="en-US" dirty="0" smtClean="0"/>
+              <a:t>语言第</a:t>
+            </a:r>
+            <a:r>
+              <a:rPr lang="en-US" altLang="zh-CN" dirty="0" smtClean="0"/>
+              <a:t>1</a:t>
+            </a:r>
+            <a:r>
+              <a:rPr lang="zh-CN" altLang="en-US" dirty="0" smtClean="0"/>
+              <a:t>次上机</a:t>
+            </a:r>
+            <a:r>
+              <a:rPr lang="zh-CN" altLang="en-US" dirty="0" smtClean="0"/>
+              <a:t>练习答案</a:t>
+            </a:r>
+            <a:endParaRPr lang="zh-CN" altLang="en-US" dirty="0"/>
+          </a:p>
+        </p:txBody>
+      </p:sp>
+      <p:sp>
+        <p:nvSpPr>
+          <p:cNvPr id="3" name="内容占位符 2"/>
+          <p:cNvSpPr>
+            <a:spLocks noGrp="1"/>
+          </p:cNvSpPr>
+          <p:nvPr>
+            <p:ph idx="1"/>
+          </p:nvPr>
+        </p:nvSpPr>
+        <p:spPr>
+          <a:xfrm>
+            <a:off x="251520" y="1600200"/>
+            <a:ext cx="8435280" cy="5069160"/>
+          </a:xfrm>
+        </p:spPr>
+        <p:txBody>
+          <a:bodyPr>
+            <a:noAutofit/>
+          </a:bodyPr>
+          <a:lstStyle/>
+          <a:p>
+            <a:pPr>
+              <a:lnSpc>
+                <a:spcPct val="120000"/>
+              </a:lnSpc>
+            </a:pPr>
+            <a:r>
+              <a:rPr lang="en-US" altLang="zh-CN" sz="2000" b="1" dirty="0"/>
+              <a:t>c</a:t>
+            </a:r>
+            <a:r>
+              <a:rPr lang="en-US" altLang="zh-CN" sz="2000" b="1" dirty="0" smtClean="0"/>
+              <a:t>h2. p55, 2. </a:t>
+            </a:r>
+            <a:r>
+              <a:rPr lang="zh-CN" altLang="en-US" sz="2000" b="1" dirty="0" smtClean="0"/>
+              <a:t>若</a:t>
+            </a:r>
+            <a:r>
+              <a:rPr lang="zh-CN" altLang="en-US" sz="2000" b="1" dirty="0"/>
+              <a:t>有定义</a:t>
+            </a:r>
+            <a:r>
+              <a:rPr lang="zh-CN" altLang="en-US" sz="2000" b="1" dirty="0" smtClean="0"/>
+              <a:t>：</a:t>
+            </a:r>
+            <a:r>
+              <a:rPr lang="en-US" altLang="zh-CN" sz="2000" b="1" dirty="0" err="1" smtClean="0"/>
+              <a:t>int</a:t>
+            </a:r>
+            <a:r>
+              <a:rPr lang="en-US" altLang="zh-CN" sz="2000" b="1" dirty="0" smtClean="0"/>
+              <a:t> a=2,b=3; float </a:t>
+            </a:r>
+            <a:r>
+              <a:rPr lang="en-US" altLang="zh-CN" sz="2000" b="1" dirty="0"/>
+              <a:t>x=3.5,y=2.5; </a:t>
+            </a:r>
+          </a:p>
+          <a:p>
+            <a:pPr marL="0" indent="0">
+              <a:lnSpc>
+                <a:spcPct val="120000"/>
+              </a:lnSpc>
+              <a:buNone/>
+            </a:pPr>
+            <a:r>
+              <a:rPr lang="en-US" altLang="zh-CN" sz="2000" dirty="0" smtClean="0"/>
+              <a:t>     </a:t>
+            </a:r>
+            <a:r>
+              <a:rPr lang="zh-CN" altLang="en-US" sz="2000" dirty="0" smtClean="0"/>
+              <a:t>则</a:t>
+            </a:r>
+            <a:r>
+              <a:rPr lang="zh-CN" altLang="en-US" sz="2000" dirty="0"/>
+              <a:t>下列表达式的值是多少</a:t>
+            </a:r>
+            <a:r>
+              <a:rPr lang="zh-CN" altLang="en-US" sz="2000" dirty="0" smtClean="0"/>
+              <a:t>？</a:t>
+            </a:r>
+            <a:endParaRPr lang="en-US" altLang="zh-CN" sz="2000" dirty="0" smtClean="0"/>
+          </a:p>
+          <a:p>
+            <a:pPr marL="0" indent="0">
+              <a:lnSpc>
+                <a:spcPct val="120000"/>
+              </a:lnSpc>
+              <a:buNone/>
+            </a:pPr>
+            <a:r>
+              <a:rPr lang="en-US" altLang="zh-CN" sz="2000" dirty="0" smtClean="0"/>
+              <a:t>     </a:t>
+            </a:r>
+            <a:r>
+              <a:rPr lang="zh-CN" altLang="en-US" sz="2000" dirty="0" smtClean="0"/>
+              <a:t>（</a:t>
+            </a:r>
+            <a:r>
+              <a:rPr lang="en-US" altLang="zh-CN" sz="2000" dirty="0" smtClean="0"/>
+              <a:t>1</a:t>
+            </a:r>
+            <a:r>
+              <a:rPr lang="zh-CN" altLang="en-US" sz="2000" dirty="0" smtClean="0"/>
+              <a:t>）</a:t>
+            </a:r>
+            <a:r>
+              <a:rPr lang="en-US" altLang="zh-CN" sz="2000" dirty="0" smtClean="0"/>
+              <a:t> (</a:t>
+            </a:r>
+            <a:r>
+              <a:rPr lang="en-US" altLang="zh-CN" sz="2000" dirty="0"/>
+              <a:t>float)(</a:t>
+            </a:r>
+            <a:r>
+              <a:rPr lang="en-US" altLang="zh-CN" sz="2000" dirty="0" err="1"/>
+              <a:t>a+b</a:t>
+            </a:r>
+            <a:r>
+              <a:rPr lang="en-US" altLang="zh-CN" sz="2000" dirty="0"/>
+              <a:t>)/2+(</a:t>
+            </a:r>
+            <a:r>
+              <a:rPr lang="en-US" altLang="zh-CN" sz="2000" dirty="0" err="1"/>
+              <a:t>int</a:t>
+            </a:r>
+            <a:r>
+              <a:rPr lang="en-US" altLang="zh-CN" sz="2000" dirty="0"/>
+              <a:t>)x%(</a:t>
+            </a:r>
+            <a:r>
+              <a:rPr lang="en-US" altLang="zh-CN" sz="2000" dirty="0" err="1" smtClean="0"/>
+              <a:t>int</a:t>
+            </a:r>
+            <a:r>
+              <a:rPr lang="en-US" altLang="zh-CN" sz="2000" dirty="0" smtClean="0"/>
+              <a:t>)y</a:t>
+            </a:r>
+          </a:p>
+          <a:p>
+            <a:pPr marL="0" indent="0">
+              <a:lnSpc>
+                <a:spcPct val="120000"/>
+              </a:lnSpc>
+              <a:buNone/>
+            </a:pPr>
+            <a:r>
+              <a:rPr lang="en-US" altLang="zh-CN" sz="2000" dirty="0" smtClean="0"/>
+              <a:t>      </a:t>
+            </a:r>
+            <a:r>
+              <a:rPr lang="zh-CN" altLang="en-US" sz="2000" dirty="0" smtClean="0"/>
+              <a:t>（</a:t>
+            </a:r>
+            <a:r>
+              <a:rPr lang="en-US" altLang="zh-CN" sz="2000" dirty="0" smtClean="0"/>
+              <a:t>2</a:t>
+            </a:r>
+            <a:r>
+              <a:rPr lang="zh-CN" altLang="en-US" sz="2000" dirty="0" smtClean="0"/>
+              <a:t>）</a:t>
+            </a:r>
+            <a:r>
+              <a:rPr lang="en-US" altLang="zh-CN" sz="2000" dirty="0" smtClean="0"/>
+              <a:t>(</a:t>
+            </a:r>
+            <a:r>
+              <a:rPr lang="en-US" altLang="zh-CN" sz="2000" dirty="0" err="1" smtClean="0"/>
+              <a:t>a+b</a:t>
+            </a:r>
+            <a:r>
+              <a:rPr lang="en-US" altLang="zh-CN" sz="2000" dirty="0"/>
+              <a:t>)%2+(</a:t>
+            </a:r>
+            <a:r>
+              <a:rPr lang="en-US" altLang="zh-CN" sz="2000" dirty="0" err="1"/>
+              <a:t>int</a:t>
+            </a:r>
+            <a:r>
+              <a:rPr lang="en-US" altLang="zh-CN" sz="2000" dirty="0"/>
+              <a:t>)y/(</a:t>
+            </a:r>
+            <a:r>
+              <a:rPr lang="en-US" altLang="zh-CN" sz="2000" dirty="0" err="1" smtClean="0"/>
+              <a:t>int</a:t>
+            </a:r>
+            <a:r>
+              <a:rPr lang="en-US" altLang="zh-CN" sz="2000" dirty="0" smtClean="0"/>
+              <a:t>)x</a:t>
+            </a:r>
+          </a:p>
+          <a:p>
+            <a:pPr marL="0" indent="0">
+              <a:lnSpc>
+                <a:spcPct val="120000"/>
+              </a:lnSpc>
+              <a:buNone/>
+            </a:pPr>
+            <a:r>
+              <a:rPr lang="en-US" altLang="zh-CN" sz="2000" dirty="0" smtClean="0"/>
+              <a:t>      </a:t>
+            </a:r>
+            <a:r>
+              <a:rPr lang="zh-CN" altLang="en-US" sz="2000" dirty="0" smtClean="0"/>
+              <a:t>（</a:t>
+            </a:r>
+            <a:r>
+              <a:rPr lang="en-US" altLang="zh-CN" sz="2000" dirty="0" smtClean="0"/>
+              <a:t>3</a:t>
+            </a:r>
+            <a:r>
+              <a:rPr lang="zh-CN" altLang="en-US" sz="2000" dirty="0" smtClean="0"/>
+              <a:t>）</a:t>
+            </a:r>
+            <a:r>
+              <a:rPr lang="en-US" altLang="zh-CN" sz="2000" dirty="0" smtClean="0"/>
+              <a:t>a</a:t>
+            </a:r>
+            <a:r>
+              <a:rPr lang="en-US" altLang="zh-CN" sz="2000" dirty="0"/>
+              <a:t>=(2*a*b)%(b%2</a:t>
+            </a:r>
+            <a:r>
+              <a:rPr lang="en-US" altLang="zh-CN" sz="2000" dirty="0" smtClean="0"/>
+              <a:t>)</a:t>
+            </a:r>
+          </a:p>
+          <a:p>
+            <a:pPr marL="0" indent="0">
+              <a:lnSpc>
+                <a:spcPct val="120000"/>
+              </a:lnSpc>
+              <a:buNone/>
+            </a:pPr>
+            <a:r>
+              <a:rPr lang="zh-CN" altLang="en-US" sz="2000" dirty="0" smtClean="0"/>
+              <a:t>提示：</a:t>
+            </a:r>
+            <a:r>
+              <a:rPr lang="zh-CN" altLang="en-US" sz="2000" dirty="0"/>
+              <a:t>使用</a:t>
+            </a:r>
+            <a:r>
+              <a:rPr lang="en-US" altLang="zh-CN" sz="2000" dirty="0" err="1" smtClean="0"/>
+              <a:t>printf</a:t>
+            </a:r>
+            <a:r>
+              <a:rPr lang="en-US" altLang="zh-CN" sz="2000" dirty="0" smtClean="0"/>
+              <a:t>()</a:t>
+            </a:r>
+            <a:r>
+              <a:rPr lang="zh-CN" altLang="en-US" sz="2000" dirty="0" smtClean="0"/>
+              <a:t>的</a:t>
+            </a:r>
+            <a:r>
+              <a:rPr lang="en-US" altLang="zh-CN" sz="2000" dirty="0" smtClean="0"/>
+              <a:t>”%</a:t>
+            </a:r>
+            <a:r>
+              <a:rPr lang="en-US" altLang="zh-CN" sz="2000" dirty="0" err="1" smtClean="0"/>
+              <a:t>d”,”%f</a:t>
+            </a:r>
+            <a:r>
+              <a:rPr lang="en-US" altLang="zh-CN" sz="2000" dirty="0" smtClean="0"/>
+              <a:t>”</a:t>
+            </a:r>
+            <a:r>
+              <a:rPr lang="zh-CN" altLang="en-US" sz="2000" dirty="0" smtClean="0"/>
+              <a:t>打印相应表达式的值。注意整数相除的结果</a:t>
+            </a:r>
+            <a:r>
+              <a:rPr lang="zh-CN" altLang="en-US" sz="2000" dirty="0" smtClean="0"/>
+              <a:t>。</a:t>
+            </a:r>
+            <a:endParaRPr lang="en-US" altLang="zh-CN" sz="2000" dirty="0" smtClean="0"/>
+          </a:p>
+          <a:p>
+            <a:pPr marL="0" indent="0">
+              <a:lnSpc>
+                <a:spcPct val="120000"/>
+              </a:lnSpc>
+              <a:buNone/>
+            </a:pPr>
+            <a:endParaRPr lang="en-US" altLang="zh-CN" sz="2000" dirty="0"/>
+          </a:p>
+          <a:p>
+            <a:pPr marL="0" indent="0">
+              <a:lnSpc>
+                <a:spcPct val="120000"/>
+              </a:lnSpc>
+              <a:buNone/>
+            </a:pPr>
+            <a:r>
+              <a:rPr lang="en-US" altLang="zh-CN" sz="2000" dirty="0" err="1" smtClean="0"/>
+              <a:t>int</a:t>
+            </a:r>
+            <a:r>
+              <a:rPr lang="en-US" altLang="zh-CN" sz="2000" dirty="0" smtClean="0"/>
+              <a:t> a ;</a:t>
+            </a:r>
+          </a:p>
+          <a:p>
+            <a:pPr marL="0" indent="0">
+              <a:lnSpc>
+                <a:spcPct val="120000"/>
+              </a:lnSpc>
+              <a:buNone/>
+            </a:pPr>
+            <a:r>
+              <a:rPr lang="en-US" altLang="zh-CN" sz="2000" dirty="0" smtClean="0"/>
+              <a:t>a = </a:t>
+            </a:r>
+            <a:r>
+              <a:rPr lang="en-US" altLang="zh-CN" sz="2000" dirty="0" smtClean="0"/>
+              <a:t>1</a:t>
+            </a:r>
+            <a:r>
+              <a:rPr lang="en-US" altLang="zh-CN" sz="2000" dirty="0" smtClean="0"/>
+              <a:t>/2;</a:t>
+            </a:r>
+          </a:p>
+          <a:p>
+            <a:pPr marL="0" indent="0">
+              <a:lnSpc>
+                <a:spcPct val="120000"/>
+              </a:lnSpc>
+              <a:buNone/>
+            </a:pPr>
+            <a:r>
+              <a:rPr lang="en-US" altLang="zh-CN" sz="2000" dirty="0" err="1" smtClean="0"/>
+              <a:t>printf</a:t>
+            </a:r>
+            <a:r>
+              <a:rPr lang="en-US" altLang="zh-CN" sz="2000" dirty="0" smtClean="0"/>
+              <a:t>(“%d\</a:t>
+            </a:r>
+            <a:r>
+              <a:rPr lang="en-US" altLang="zh-CN" sz="2000" dirty="0" err="1" smtClean="0"/>
+              <a:t>n”,a</a:t>
+            </a:r>
+            <a:r>
+              <a:rPr lang="en-US" altLang="zh-CN" sz="2000" dirty="0" smtClean="0"/>
+              <a:t>);  // a = 0 </a:t>
+            </a:r>
+            <a:endParaRPr lang="en-US" altLang="zh-CN" sz="2000" dirty="0" smtClean="0"/>
+          </a:p>
+        </p:txBody>
+      </p:sp>
+    </p:spTree>
+    <p:extLst>
+      <p:ext uri="{BB962C8B-B14F-4D97-AF65-F5344CB8AC3E}">
+        <p14:creationId xmlns:p14="http://schemas.microsoft.com/office/powerpoint/2010/main" val="2651650644"/>
+      </p:ext>
+    </p:extLst>
+  </p:cSld>
+  <p:clrMapOvr>
+    <a:masterClrMapping/>
+  </p:clrMapOvr>
+  <p:timing>
+    <p:tnLst>
+      <p:par>
+        <p:cTn id="1" dur="indefinite" restart="never" nodeType="tmRoot"/>
+      </p:par>
+    </p:tnLst>
+  </p:timing>
+</p:sld>
+</file>
+
+<file path=ppt/slides/slide11.xml><?xml version="1.0" encoding="utf-8"?>
+<p:sld xmlns:a="http://schemas.openxmlformats.org/drawingml/2006/main" xmlns:r="http://schemas.openxmlformats.org/officeDocument/2006/relationships" xmlns:p="http://schemas.openxmlformats.org/presentationml/2006/main">
+  <p:cSld>
+    <p:spTree>
+      <p:nvGrpSpPr>
+        <p:cNvPr id="1" name=""/>
+        <p:cNvGrpSpPr/>
+        <p:nvPr/>
+      </p:nvGrpSpPr>
+      <p:grpSpPr>
+        <a:xfrm>
+          <a:off x="0" y="0"/>
+          <a:ext cx="0" cy="0"/>
+          <a:chOff x="0" y="0"/>
+          <a:chExt cx="0" cy="0"/>
+        </a:xfrm>
+      </p:grpSpPr>
+      <p:sp>
+        <p:nvSpPr>
+          <p:cNvPr id="2" name="标题 1"/>
+          <p:cNvSpPr>
+            <a:spLocks noGrp="1"/>
+          </p:cNvSpPr>
+          <p:nvPr>
+            <p:ph type="title"/>
+          </p:nvPr>
+        </p:nvSpPr>
+        <p:spPr/>
+        <p:txBody>
+          <a:bodyPr/>
+          <a:lstStyle/>
+          <a:p>
+            <a:r>
+              <a:rPr lang="en-US" altLang="zh-CN" dirty="0" smtClean="0"/>
+              <a:t>C</a:t>
+            </a:r>
+            <a:r>
+              <a:rPr lang="zh-CN" altLang="en-US" dirty="0" smtClean="0"/>
+              <a:t>语言第</a:t>
+            </a:r>
+            <a:r>
+              <a:rPr lang="en-US" altLang="zh-CN" dirty="0" smtClean="0"/>
+              <a:t>1</a:t>
+            </a:r>
+            <a:r>
+              <a:rPr lang="zh-CN" altLang="en-US" dirty="0" smtClean="0"/>
+              <a:t>次上机</a:t>
+            </a:r>
+            <a:r>
+              <a:rPr lang="zh-CN" altLang="en-US" dirty="0" smtClean="0"/>
+              <a:t>练习</a:t>
+            </a:r>
+            <a:r>
+              <a:rPr lang="zh-CN" altLang="en-US" dirty="0"/>
+              <a:t>答案</a:t>
+            </a:r>
+            <a:endParaRPr lang="zh-CN" altLang="en-US" dirty="0"/>
+          </a:p>
+        </p:txBody>
+      </p:sp>
+      <p:sp>
+        <p:nvSpPr>
+          <p:cNvPr id="3" name="内容占位符 2"/>
+          <p:cNvSpPr>
+            <a:spLocks noGrp="1"/>
+          </p:cNvSpPr>
+          <p:nvPr>
+            <p:ph idx="1"/>
+          </p:nvPr>
+        </p:nvSpPr>
+        <p:spPr>
+          <a:xfrm>
+            <a:off x="251520" y="1600200"/>
+            <a:ext cx="8435280" cy="5069160"/>
+          </a:xfrm>
+        </p:spPr>
+        <p:txBody>
+          <a:bodyPr>
+            <a:noAutofit/>
+          </a:bodyPr>
+          <a:lstStyle/>
+          <a:p>
+            <a:pPr>
+              <a:lnSpc>
+                <a:spcPct val="120000"/>
+              </a:lnSpc>
+            </a:pPr>
+            <a:r>
+              <a:rPr lang="en-US" altLang="zh-CN" sz="2000" b="1" dirty="0" smtClean="0"/>
+              <a:t>ch2,p55</a:t>
+            </a:r>
+            <a:r>
+              <a:rPr lang="en-US" altLang="zh-CN" sz="2000" b="1" dirty="0"/>
+              <a:t>, 3.</a:t>
+            </a:r>
+            <a:r>
+              <a:rPr lang="zh-CN" altLang="en-US" sz="2000" b="1" dirty="0"/>
+              <a:t>假设</a:t>
+            </a:r>
+            <a:r>
+              <a:rPr lang="en-US" altLang="zh-CN" sz="2000" b="1" dirty="0"/>
+              <a:t>m</a:t>
+            </a:r>
+            <a:r>
+              <a:rPr lang="zh-CN" altLang="en-US" sz="2000" b="1" dirty="0"/>
+              <a:t>是一个已知</a:t>
+            </a:r>
+            <a:r>
+              <a:rPr lang="en-US" altLang="zh-CN" sz="2000" b="1" dirty="0"/>
+              <a:t>3</a:t>
+            </a:r>
+            <a:r>
+              <a:rPr lang="zh-CN" altLang="en-US" sz="2000" b="1" dirty="0"/>
+              <a:t>位数，从左到右用</a:t>
+            </a:r>
+            <a:r>
+              <a:rPr lang="en-US" altLang="zh-CN" sz="2000" b="1" dirty="0" err="1"/>
+              <a:t>a,b,c</a:t>
+            </a:r>
+            <a:r>
+              <a:rPr lang="zh-CN" altLang="en-US" sz="2000" b="1" dirty="0"/>
+              <a:t>表示各位数字，则由数</a:t>
+            </a:r>
+            <a:r>
+              <a:rPr lang="en-US" altLang="zh-CN" sz="2000" b="1" dirty="0" err="1"/>
+              <a:t>abc</a:t>
+            </a:r>
+            <a:r>
+              <a:rPr lang="zh-CN" altLang="en-US" sz="2000" b="1" dirty="0"/>
+              <a:t>如何求数</a:t>
+            </a:r>
+            <a:r>
+              <a:rPr lang="en-US" altLang="zh-CN" sz="2000" b="1" dirty="0" err="1"/>
+              <a:t>bac</a:t>
+            </a:r>
+            <a:r>
+              <a:rPr lang="zh-CN" altLang="en-US" sz="2000" b="1" dirty="0"/>
+              <a:t>，写出表达式</a:t>
+            </a:r>
+            <a:r>
+              <a:rPr lang="zh-CN" altLang="en-US" sz="2000" b="1" dirty="0" smtClean="0"/>
+              <a:t>。</a:t>
+            </a:r>
+            <a:r>
+              <a:rPr lang="en-US" altLang="zh-CN" sz="2000" b="1" dirty="0" smtClean="0"/>
+              <a:t>[</a:t>
+            </a:r>
+            <a:r>
+              <a:rPr lang="zh-CN" altLang="en-US" sz="2000" b="1" dirty="0" smtClean="0"/>
+              <a:t>输入</a:t>
+            </a:r>
+            <a:r>
+              <a:rPr lang="en-US" altLang="zh-CN" sz="2000" b="1" dirty="0" smtClean="0"/>
+              <a:t>m</a:t>
+            </a:r>
+            <a:r>
+              <a:rPr lang="zh-CN" altLang="en-US" sz="2000" b="1" dirty="0" smtClean="0"/>
+              <a:t>，输出</a:t>
+            </a:r>
+            <a:r>
+              <a:rPr lang="en-US" altLang="zh-CN" sz="2000" b="1" dirty="0" err="1" smtClean="0"/>
+              <a:t>bac</a:t>
+            </a:r>
+            <a:r>
+              <a:rPr lang="en-US" altLang="zh-CN" sz="2000" b="1" dirty="0" smtClean="0"/>
+              <a:t>]</a:t>
+            </a:r>
+          </a:p>
+          <a:p>
+            <a:pPr>
+              <a:lnSpc>
+                <a:spcPct val="120000"/>
+              </a:lnSpc>
+            </a:pPr>
+            <a:endParaRPr lang="en-US" altLang="zh-CN" sz="2000" b="1" dirty="0" smtClean="0"/>
+          </a:p>
+          <a:p>
+            <a:pPr marL="0" indent="0">
+              <a:lnSpc>
+                <a:spcPct val="120000"/>
+              </a:lnSpc>
+              <a:buNone/>
+            </a:pPr>
+            <a:r>
+              <a:rPr lang="en-US" altLang="zh-CN" sz="2000" b="1" dirty="0" smtClean="0"/>
+              <a:t>          </a:t>
+            </a:r>
+            <a:r>
+              <a:rPr lang="en-US" altLang="zh-CN" sz="2000" b="1" dirty="0" err="1" smtClean="0"/>
+              <a:t>int</a:t>
+            </a:r>
+            <a:r>
+              <a:rPr lang="en-US" altLang="zh-CN" sz="2000" b="1" dirty="0" smtClean="0"/>
+              <a:t> </a:t>
+            </a:r>
+            <a:r>
+              <a:rPr lang="en-US" altLang="zh-CN" sz="2000" b="1" dirty="0" err="1" smtClean="0"/>
+              <a:t>m,a,b,c,bac</a:t>
+            </a:r>
+            <a:r>
+              <a:rPr lang="en-US" altLang="zh-CN" sz="2000" b="1" dirty="0" smtClean="0"/>
+              <a:t>;</a:t>
+            </a:r>
+          </a:p>
+          <a:p>
+            <a:pPr marL="0" indent="0">
+              <a:lnSpc>
+                <a:spcPct val="120000"/>
+              </a:lnSpc>
+              <a:buNone/>
+            </a:pPr>
+            <a:r>
+              <a:rPr lang="en-US" altLang="zh-CN" sz="2000" b="1" dirty="0"/>
+              <a:t> </a:t>
+            </a:r>
+            <a:r>
+              <a:rPr lang="en-US" altLang="zh-CN" sz="2000" b="1" dirty="0" smtClean="0"/>
+              <a:t>         </a:t>
+            </a:r>
+            <a:r>
+              <a:rPr lang="en-US" altLang="zh-CN" sz="2000" b="1" dirty="0" err="1" smtClean="0"/>
+              <a:t>scanf</a:t>
+            </a:r>
+            <a:r>
+              <a:rPr lang="en-US" altLang="zh-CN" sz="2000" b="1" dirty="0" smtClean="0"/>
+              <a:t>(“%</a:t>
+            </a:r>
+            <a:r>
+              <a:rPr lang="en-US" altLang="zh-CN" sz="2000" b="1" dirty="0" err="1" smtClean="0"/>
+              <a:t>d”,m</a:t>
+            </a:r>
+            <a:r>
+              <a:rPr lang="en-US" altLang="zh-CN" sz="2000" b="1" dirty="0" smtClean="0"/>
+              <a:t>);   // </a:t>
+            </a:r>
+            <a:r>
+              <a:rPr lang="zh-CN" altLang="en-US" sz="2000" b="1" dirty="0" smtClean="0"/>
+              <a:t>注意格式</a:t>
+            </a:r>
+            <a:endParaRPr lang="en-US" altLang="zh-CN" sz="2000" b="1" dirty="0"/>
+          </a:p>
+          <a:p>
+            <a:pPr marL="0" indent="0">
+              <a:lnSpc>
+                <a:spcPct val="120000"/>
+              </a:lnSpc>
+              <a:buNone/>
+            </a:pPr>
+            <a:r>
+              <a:rPr lang="zh-CN" altLang="en-US" sz="2000" b="1" dirty="0" smtClean="0"/>
+              <a:t>         由</a:t>
+            </a:r>
+            <a:r>
+              <a:rPr lang="zh-CN" altLang="en-US" sz="2000" b="1" dirty="0"/>
+              <a:t>数</a:t>
+            </a:r>
+            <a:r>
+              <a:rPr lang="en-US" altLang="zh-CN" sz="2000" b="1" dirty="0" err="1"/>
+              <a:t>abc</a:t>
+            </a:r>
+            <a:r>
+              <a:rPr lang="en-US" altLang="zh-CN" sz="2000" b="1" dirty="0"/>
+              <a:t>(</a:t>
+            </a:r>
+            <a:r>
+              <a:rPr lang="zh-CN" altLang="en-US" sz="2000" b="1" dirty="0"/>
+              <a:t>用</a:t>
+            </a:r>
+            <a:r>
+              <a:rPr lang="en-US" altLang="zh-CN" sz="2000" b="1" dirty="0"/>
+              <a:t>m</a:t>
+            </a:r>
+            <a:r>
+              <a:rPr lang="zh-CN" altLang="en-US" sz="2000" b="1" dirty="0"/>
+              <a:t>表示</a:t>
+            </a:r>
+            <a:r>
+              <a:rPr lang="en-US" altLang="zh-CN" sz="2000" b="1" dirty="0"/>
+              <a:t>)</a:t>
+            </a:r>
+            <a:r>
+              <a:rPr lang="zh-CN" altLang="en-US" sz="2000" b="1" dirty="0"/>
+              <a:t>，求出</a:t>
+            </a:r>
+            <a:r>
+              <a:rPr lang="en-US" altLang="zh-CN" sz="2000" b="1" dirty="0"/>
+              <a:t>: a=m/100,b=m/10%10,c=m%10</a:t>
+            </a:r>
+            <a:r>
+              <a:rPr lang="zh-CN" altLang="en-US" sz="2000" b="1" dirty="0"/>
+              <a:t>。</a:t>
+            </a:r>
+          </a:p>
+          <a:p>
+            <a:pPr marL="0" indent="0">
+              <a:lnSpc>
+                <a:spcPct val="120000"/>
+              </a:lnSpc>
+              <a:buNone/>
+            </a:pPr>
+            <a:r>
+              <a:rPr lang="zh-CN" altLang="en-US" sz="2000" b="1" dirty="0"/>
+              <a:t>  </a:t>
+            </a:r>
+            <a:r>
+              <a:rPr lang="zh-CN" altLang="en-US" sz="2000" b="1" dirty="0" smtClean="0"/>
+              <a:t>       表达式</a:t>
+            </a:r>
+            <a:r>
+              <a:rPr lang="zh-CN" altLang="en-US" sz="2000" b="1" dirty="0"/>
+              <a:t>：</a:t>
+            </a:r>
+            <a:r>
+              <a:rPr lang="en-US" altLang="zh-CN" sz="2000" b="1" dirty="0" err="1"/>
+              <a:t>bac</a:t>
+            </a:r>
+            <a:r>
+              <a:rPr lang="en-US" altLang="zh-CN" sz="2000" b="1" dirty="0"/>
+              <a:t> = b*100 + a*10 + c; </a:t>
+            </a:r>
+            <a:endParaRPr lang="en-US" altLang="zh-CN" sz="2000" b="1" dirty="0" smtClean="0"/>
+          </a:p>
+          <a:p>
+            <a:pPr marL="0" indent="0">
+              <a:lnSpc>
+                <a:spcPct val="120000"/>
+              </a:lnSpc>
+              <a:buNone/>
+            </a:pPr>
+            <a:r>
+              <a:rPr lang="en-US" altLang="zh-CN" sz="2000" b="1" dirty="0"/>
+              <a:t> </a:t>
+            </a:r>
+            <a:r>
+              <a:rPr lang="en-US" altLang="zh-CN" sz="2000" b="1" dirty="0" smtClean="0"/>
+              <a:t>        </a:t>
+            </a:r>
+            <a:r>
+              <a:rPr lang="en-US" altLang="zh-CN" sz="2000" b="1" dirty="0" err="1" smtClean="0"/>
+              <a:t>printf</a:t>
+            </a:r>
+            <a:r>
+              <a:rPr lang="en-US" altLang="zh-CN" sz="2000" b="1" dirty="0" smtClean="0"/>
+              <a:t>(“%d\n”,</a:t>
+            </a:r>
+            <a:r>
+              <a:rPr lang="en-US" altLang="zh-CN" sz="2000" b="1" dirty="0" err="1" smtClean="0"/>
+              <a:t>bac</a:t>
+            </a:r>
+            <a:r>
+              <a:rPr lang="en-US" altLang="zh-CN" sz="2000" b="1" dirty="0" smtClean="0"/>
+              <a:t>);</a:t>
+            </a:r>
+            <a:endParaRPr lang="en-US" altLang="zh-CN" sz="2000" b="1" dirty="0" smtClean="0"/>
+          </a:p>
+        </p:txBody>
+      </p:sp>
+    </p:spTree>
+    <p:extLst>
+      <p:ext uri="{BB962C8B-B14F-4D97-AF65-F5344CB8AC3E}">
+        <p14:creationId xmlns:p14="http://schemas.microsoft.com/office/powerpoint/2010/main" val="2651650644"/>
+      </p:ext>
+    </p:extLst>
+  </p:cSld>
+  <p:clrMapOvr>
+    <a:masterClrMapping/>
+  </p:clrMapOvr>
+  <p:timing>
+    <p:tnLst>
+      <p:par>
+        <p:cTn id="1" dur="indefinite" restart="never" nodeType="tmRoot"/>
+      </p:par>
+    </p:tnLst>
+  </p:timing>
+</p:sld>
+</file>
+
+<file path=ppt/slides/slide12.xml><?xml version="1.0" encoding="utf-8"?>
+<p:sld xmlns:a="http://schemas.openxmlformats.org/drawingml/2006/main" xmlns:r="http://schemas.openxmlformats.org/officeDocument/2006/relationships" xmlns:p="http://schemas.openxmlformats.org/presentationml/2006/main">
+  <p:cSld>
+    <p:spTree>
+      <p:nvGrpSpPr>
+        <p:cNvPr id="1" name=""/>
+        <p:cNvGrpSpPr/>
+        <p:nvPr/>
+      </p:nvGrpSpPr>
+      <p:grpSpPr>
+        <a:xfrm>
+          <a:off x="0" y="0"/>
+          <a:ext cx="0" cy="0"/>
+          <a:chOff x="0" y="0"/>
+          <a:chExt cx="0" cy="0"/>
+        </a:xfrm>
+      </p:grpSpPr>
+      <p:sp>
+        <p:nvSpPr>
+          <p:cNvPr id="2" name="标题 1"/>
+          <p:cNvSpPr>
+            <a:spLocks noGrp="1"/>
+          </p:cNvSpPr>
+          <p:nvPr>
+            <p:ph type="title"/>
+          </p:nvPr>
+        </p:nvSpPr>
+        <p:spPr/>
+        <p:txBody>
+          <a:bodyPr/>
+          <a:lstStyle/>
+          <a:p>
+            <a:r>
+              <a:rPr lang="en-US" altLang="zh-CN" dirty="0" smtClean="0"/>
+              <a:t>C</a:t>
+            </a:r>
+            <a:r>
+              <a:rPr lang="zh-CN" altLang="en-US" dirty="0" smtClean="0"/>
+              <a:t>语言第</a:t>
+            </a:r>
+            <a:r>
+              <a:rPr lang="en-US" altLang="zh-CN" dirty="0" smtClean="0"/>
+              <a:t>1</a:t>
+            </a:r>
+            <a:r>
+              <a:rPr lang="zh-CN" altLang="en-US" dirty="0" smtClean="0"/>
+              <a:t>次上机练习</a:t>
+            </a:r>
+            <a:endParaRPr lang="zh-CN" altLang="en-US" dirty="0"/>
+          </a:p>
+        </p:txBody>
+      </p:sp>
+      <p:sp>
+        <p:nvSpPr>
+          <p:cNvPr id="3" name="内容占位符 2"/>
+          <p:cNvSpPr>
+            <a:spLocks noGrp="1"/>
+          </p:cNvSpPr>
+          <p:nvPr>
+            <p:ph idx="1"/>
+          </p:nvPr>
+        </p:nvSpPr>
+        <p:spPr>
+          <a:xfrm>
+            <a:off x="251520" y="1600200"/>
+            <a:ext cx="8435280" cy="5069160"/>
+          </a:xfrm>
+        </p:spPr>
+        <p:txBody>
+          <a:bodyPr>
+            <a:noAutofit/>
+          </a:bodyPr>
+          <a:lstStyle/>
+          <a:p>
+            <a:pPr>
+              <a:lnSpc>
+                <a:spcPct val="120000"/>
+              </a:lnSpc>
+            </a:pPr>
+            <a:r>
+              <a:rPr lang="en-US" altLang="zh-CN" sz="2000" b="1" dirty="0" smtClean="0"/>
+              <a:t>ch2,p55,5</a:t>
+            </a:r>
+            <a:r>
+              <a:rPr lang="en-US" altLang="zh-CN" sz="2000" b="1" dirty="0"/>
+              <a:t>.</a:t>
+            </a:r>
+            <a:r>
+              <a:rPr lang="zh-CN" altLang="en-US" sz="2000" b="1" dirty="0"/>
+              <a:t>写出一个表达式，如果变量</a:t>
+            </a:r>
+            <a:r>
+              <a:rPr lang="en-US" altLang="zh-CN" sz="2000" b="1" dirty="0"/>
+              <a:t>C</a:t>
+            </a:r>
+            <a:r>
+              <a:rPr lang="zh-CN" altLang="en-US" sz="2000" b="1" dirty="0"/>
+              <a:t>是大写字母，则将</a:t>
+            </a:r>
+            <a:r>
+              <a:rPr lang="en-US" altLang="zh-CN" sz="2000" b="1" dirty="0"/>
+              <a:t>C</a:t>
+            </a:r>
+            <a:r>
+              <a:rPr lang="zh-CN" altLang="en-US" sz="2000" b="1" dirty="0"/>
+              <a:t>转换为小写字母，否则</a:t>
+            </a:r>
+            <a:r>
+              <a:rPr lang="en-US" altLang="zh-CN" sz="2000" b="1" dirty="0"/>
+              <a:t>C</a:t>
+            </a:r>
+            <a:r>
+              <a:rPr lang="zh-CN" altLang="en-US" sz="2000" b="1" dirty="0"/>
+              <a:t>的值不变</a:t>
+            </a:r>
+            <a:r>
+              <a:rPr lang="zh-CN" altLang="en-US" sz="2000" b="1" dirty="0" smtClean="0"/>
+              <a:t>。</a:t>
+            </a:r>
+            <a:r>
+              <a:rPr lang="en-US" altLang="zh-CN" sz="2000" b="1" dirty="0" smtClean="0"/>
+              <a:t>[%c</a:t>
+            </a:r>
+            <a:r>
+              <a:rPr lang="zh-CN" altLang="en-US" sz="2000" b="1" dirty="0" smtClean="0"/>
+              <a:t>输入</a:t>
+            </a:r>
+            <a:r>
+              <a:rPr lang="en-US" altLang="zh-CN" sz="2000" b="1" dirty="0" smtClean="0"/>
+              <a:t>C</a:t>
+            </a:r>
+            <a:r>
+              <a:rPr lang="zh-CN" altLang="en-US" sz="2000" b="1" dirty="0" smtClean="0"/>
+              <a:t>，输出结果</a:t>
+            </a:r>
+            <a:r>
+              <a:rPr lang="en-US" altLang="zh-CN" sz="2000" b="1" dirty="0" smtClean="0"/>
+              <a:t>]</a:t>
+            </a:r>
+          </a:p>
+          <a:p>
+            <a:pPr marL="0" indent="0">
+              <a:lnSpc>
+                <a:spcPct val="120000"/>
+              </a:lnSpc>
+              <a:buNone/>
+            </a:pPr>
+            <a:r>
+              <a:rPr lang="en-US" altLang="zh-CN" sz="2000" b="1" dirty="0"/>
+              <a:t> </a:t>
+            </a:r>
+            <a:r>
+              <a:rPr lang="en-US" altLang="zh-CN" sz="2000" b="1" dirty="0" smtClean="0"/>
+              <a:t>     char C;</a:t>
+            </a:r>
+          </a:p>
+          <a:p>
+            <a:pPr marL="0" indent="0">
+              <a:lnSpc>
+                <a:spcPct val="120000"/>
+              </a:lnSpc>
+              <a:buNone/>
+            </a:pPr>
+            <a:r>
+              <a:rPr lang="en-US" altLang="zh-CN" sz="2000" b="1" dirty="0"/>
+              <a:t> </a:t>
+            </a:r>
+            <a:r>
+              <a:rPr lang="en-US" altLang="zh-CN" sz="2000" b="1" dirty="0" smtClean="0"/>
+              <a:t>     </a:t>
+            </a:r>
+            <a:r>
+              <a:rPr lang="en-US" altLang="zh-CN" sz="2000" b="1" dirty="0" err="1" smtClean="0"/>
+              <a:t>scanf</a:t>
+            </a:r>
+            <a:r>
+              <a:rPr lang="en-US" altLang="zh-CN" sz="2000" b="1" dirty="0" smtClean="0"/>
+              <a:t>(“%</a:t>
+            </a:r>
+            <a:r>
+              <a:rPr lang="en-US" altLang="zh-CN" sz="2000" b="1" dirty="0" err="1" smtClean="0"/>
+              <a:t>c”,C</a:t>
+            </a:r>
+            <a:r>
+              <a:rPr lang="en-US" altLang="zh-CN" sz="2000" b="1" dirty="0" smtClean="0"/>
+              <a:t>);</a:t>
+            </a:r>
+          </a:p>
+          <a:p>
+            <a:pPr marL="0" indent="0">
+              <a:lnSpc>
+                <a:spcPct val="120000"/>
+              </a:lnSpc>
+              <a:buNone/>
+            </a:pPr>
+            <a:r>
+              <a:rPr lang="en-US" altLang="zh-CN" sz="2000" b="1" dirty="0"/>
+              <a:t> </a:t>
+            </a:r>
+            <a:r>
+              <a:rPr lang="en-US" altLang="zh-CN" sz="2000" b="1" dirty="0" smtClean="0"/>
+              <a:t>     </a:t>
+            </a:r>
+            <a:r>
+              <a:rPr lang="nl-NL" altLang="zh-CN" sz="2000" b="1" dirty="0"/>
+              <a:t>C = 'A'&lt;=C &amp;&amp; C&lt;='Z'?</a:t>
+            </a:r>
+            <a:r>
+              <a:rPr lang="nl-NL" altLang="zh-CN" sz="2000" b="1" dirty="0" smtClean="0"/>
+              <a:t>C+32:C;</a:t>
+            </a:r>
+          </a:p>
+          <a:p>
+            <a:pPr marL="0" indent="0">
+              <a:lnSpc>
+                <a:spcPct val="120000"/>
+              </a:lnSpc>
+              <a:buNone/>
+            </a:pPr>
+            <a:r>
+              <a:rPr lang="nl-NL" altLang="zh-CN" sz="2000" b="1" dirty="0"/>
+              <a:t> </a:t>
+            </a:r>
+            <a:r>
+              <a:rPr lang="nl-NL" altLang="zh-CN" sz="2000" b="1" dirty="0" smtClean="0"/>
+              <a:t>     printf(“%c\n”,C); </a:t>
+            </a:r>
+            <a:endParaRPr lang="en-US" altLang="zh-CN" sz="2000" b="1" dirty="0" smtClean="0"/>
+          </a:p>
+        </p:txBody>
+      </p:sp>
+    </p:spTree>
+    <p:extLst>
+      <p:ext uri="{BB962C8B-B14F-4D97-AF65-F5344CB8AC3E}">
+        <p14:creationId xmlns:p14="http://schemas.microsoft.com/office/powerpoint/2010/main" val="2651650644"/>
+      </p:ext>
+    </p:extLst>
+  </p:cSld>
+  <p:clrMapOvr>
+    <a:masterClrMapping/>
+  </p:clrMapOvr>
+  <p:timing>
+    <p:tnLst>
+      <p:par>
+        <p:cTn id="1" dur="indefinite" restart="never" nodeType="tmRoot"/>
+      </p:par>
+    </p:tnLst>
+  </p:timing>
+</p:sld>
+</file>
+
+<file path=ppt/slides/slide13.xml><?xml version="1.0" encoding="utf-8"?>
+<p:sld xmlns:a="http://schemas.openxmlformats.org/drawingml/2006/main" xmlns:r="http://schemas.openxmlformats.org/officeDocument/2006/relationships" xmlns:p="http://schemas.openxmlformats.org/presentationml/2006/main">
+  <p:cSld>
+    <p:spTree>
+      <p:nvGrpSpPr>
+        <p:cNvPr id="1" name=""/>
+        <p:cNvGrpSpPr/>
+        <p:nvPr/>
+      </p:nvGrpSpPr>
+      <p:grpSpPr>
+        <a:xfrm>
+          <a:off x="0" y="0"/>
+          <a:ext cx="0" cy="0"/>
+          <a:chOff x="0" y="0"/>
+          <a:chExt cx="0" cy="0"/>
+        </a:xfrm>
+      </p:grpSpPr>
+      <p:sp>
+        <p:nvSpPr>
+          <p:cNvPr id="2" name="标题 1"/>
+          <p:cNvSpPr>
+            <a:spLocks noGrp="1"/>
+          </p:cNvSpPr>
+          <p:nvPr>
+            <p:ph type="title"/>
+          </p:nvPr>
+        </p:nvSpPr>
+        <p:spPr/>
+        <p:txBody>
+          <a:bodyPr/>
+          <a:lstStyle/>
+          <a:p>
+            <a:r>
+              <a:rPr lang="en-US" altLang="zh-CN" dirty="0" smtClean="0"/>
+              <a:t>C</a:t>
+            </a:r>
+            <a:r>
+              <a:rPr lang="zh-CN" altLang="en-US" dirty="0" smtClean="0"/>
+              <a:t>语言第</a:t>
+            </a:r>
+            <a:r>
+              <a:rPr lang="en-US" altLang="zh-CN" dirty="0" smtClean="0"/>
+              <a:t>1</a:t>
+            </a:r>
+            <a:r>
+              <a:rPr lang="zh-CN" altLang="en-US" dirty="0" smtClean="0"/>
+              <a:t>次上机练习</a:t>
+            </a:r>
+            <a:endParaRPr lang="zh-CN" altLang="en-US" dirty="0"/>
+          </a:p>
+        </p:txBody>
+      </p:sp>
+      <p:sp>
+        <p:nvSpPr>
+          <p:cNvPr id="3" name="内容占位符 2"/>
+          <p:cNvSpPr>
+            <a:spLocks noGrp="1"/>
+          </p:cNvSpPr>
+          <p:nvPr>
+            <p:ph idx="1"/>
+          </p:nvPr>
+        </p:nvSpPr>
+        <p:spPr>
+          <a:xfrm>
+            <a:off x="251520" y="1600200"/>
+            <a:ext cx="8435280" cy="5069160"/>
+          </a:xfrm>
+        </p:spPr>
+        <p:txBody>
+          <a:bodyPr>
+            <a:noAutofit/>
+          </a:bodyPr>
+          <a:lstStyle/>
+          <a:p>
+            <a:pPr>
+              <a:lnSpc>
+                <a:spcPct val="120000"/>
+              </a:lnSpc>
+            </a:pPr>
+            <a:r>
+              <a:rPr lang="zh-CN" altLang="en-US" sz="2000" b="1" dirty="0" smtClean="0"/>
+              <a:t>选</a:t>
+            </a:r>
+            <a:r>
+              <a:rPr lang="zh-CN" altLang="en-US" sz="2000" b="1" dirty="0" smtClean="0"/>
+              <a:t>做，</a:t>
+            </a:r>
+            <a:r>
+              <a:rPr lang="en-US" altLang="zh-CN" sz="2000" b="1" dirty="0" smtClean="0"/>
+              <a:t>ch2,p55, </a:t>
+            </a:r>
+            <a:r>
+              <a:rPr lang="en-US" altLang="zh-CN" sz="2000" b="1" dirty="0" smtClean="0"/>
+              <a:t>1. </a:t>
+            </a:r>
+            <a:r>
+              <a:rPr lang="zh-CN" altLang="en-US" sz="2000" b="1" dirty="0" smtClean="0"/>
+              <a:t>数学</a:t>
+            </a:r>
+            <a:r>
+              <a:rPr lang="zh-CN" altLang="en-US" sz="2000" b="1" dirty="0" smtClean="0"/>
+              <a:t>函数见</a:t>
+            </a:r>
+            <a:r>
+              <a:rPr lang="en-US" altLang="zh-CN" sz="2000" b="1" dirty="0" smtClean="0"/>
+              <a:t>p253</a:t>
+            </a:r>
+            <a:r>
+              <a:rPr lang="zh-CN" altLang="en-US" sz="2000" b="1" dirty="0" smtClean="0"/>
+              <a:t>，</a:t>
+            </a:r>
+            <a:r>
+              <a:rPr lang="en-US" altLang="zh-CN" sz="2000" b="1" dirty="0" err="1" smtClean="0"/>
+              <a:t>math.h</a:t>
+            </a:r>
+            <a:r>
+              <a:rPr lang="zh-CN" altLang="en-US" sz="2000" b="1" dirty="0" smtClean="0"/>
+              <a:t>；</a:t>
+            </a:r>
+            <a:r>
+              <a:rPr lang="en-US" altLang="zh-CN" sz="2000" b="1" dirty="0" smtClean="0"/>
+              <a:t>【</a:t>
+            </a:r>
+            <a:r>
+              <a:rPr lang="zh-CN" altLang="en-US" sz="2000" b="1" dirty="0" smtClean="0"/>
+              <a:t>以下比第</a:t>
+            </a:r>
+            <a:r>
+              <a:rPr lang="en-US" altLang="zh-CN" sz="2000" b="1" dirty="0" smtClean="0"/>
+              <a:t>1</a:t>
+            </a:r>
+            <a:r>
+              <a:rPr lang="zh-CN" altLang="en-US" sz="2000" b="1" smtClean="0"/>
+              <a:t>题多</a:t>
+            </a:r>
+            <a:r>
+              <a:rPr lang="en-US" altLang="zh-CN" sz="2000" b="1" smtClean="0"/>
+              <a:t>】</a:t>
+            </a:r>
+            <a:endParaRPr lang="en-US" altLang="zh-CN" sz="2000" b="1" dirty="0" smtClean="0"/>
+          </a:p>
+          <a:p>
+            <a:pPr marL="0" indent="0">
+              <a:lnSpc>
+                <a:spcPct val="120000"/>
+              </a:lnSpc>
+              <a:buNone/>
+            </a:pPr>
+            <a:r>
+              <a:rPr lang="es-ES" altLang="zh-CN" sz="2000" b="1" dirty="0" smtClean="0"/>
+              <a:t>     float </a:t>
+            </a:r>
+            <a:r>
+              <a:rPr lang="es-ES" altLang="zh-CN" sz="2000" b="1" dirty="0"/>
+              <a:t>a,b,c,d,e,x,y</a:t>
+            </a:r>
+            <a:r>
+              <a:rPr lang="es-ES" altLang="zh-CN" sz="2000" b="1" dirty="0" smtClean="0"/>
+              <a:t>; </a:t>
+            </a:r>
+            <a:endParaRPr lang="es-ES" altLang="zh-CN" sz="2000" b="1" dirty="0"/>
+          </a:p>
+          <a:p>
+            <a:pPr marL="0" indent="0">
+              <a:lnSpc>
+                <a:spcPct val="120000"/>
+              </a:lnSpc>
+              <a:buNone/>
+            </a:pPr>
+            <a:r>
+              <a:rPr lang="es-ES" altLang="zh-CN" sz="2000" b="1" dirty="0"/>
+              <a:t>     y = sin(x)*sin(x)*(a+b)/(a-b</a:t>
+            </a:r>
+            <a:r>
+              <a:rPr lang="es-ES" altLang="zh-CN" sz="2000" b="1" dirty="0" smtClean="0"/>
+              <a:t>);           y </a:t>
+            </a:r>
+            <a:r>
+              <a:rPr lang="es-ES" altLang="zh-CN" sz="2000" b="1" dirty="0"/>
+              <a:t>= (x&gt;20 &amp;&amp; x&lt;30) || x&lt;-100;</a:t>
+            </a:r>
+          </a:p>
+          <a:p>
+            <a:pPr marL="0" indent="0">
+              <a:lnSpc>
+                <a:spcPct val="120000"/>
+              </a:lnSpc>
+              <a:buNone/>
+            </a:pPr>
+            <a:r>
+              <a:rPr lang="es-ES" altLang="zh-CN" sz="2000" b="1" dirty="0" smtClean="0"/>
+              <a:t>     y </a:t>
+            </a:r>
+            <a:r>
+              <a:rPr lang="es-ES" altLang="zh-CN" sz="2000" b="1" dirty="0"/>
+              <a:t>= exp(0.5*x*x)/sqrt(2*3.14</a:t>
+            </a:r>
+            <a:r>
+              <a:rPr lang="es-ES" altLang="zh-CN" sz="2000" b="1" dirty="0" smtClean="0"/>
+              <a:t>);        y </a:t>
+            </a:r>
+            <a:r>
+              <a:rPr lang="es-ES" altLang="zh-CN" sz="2000" b="1" dirty="0"/>
+              <a:t>= 0.5*(a*x+(a+x)/(4.0*a));</a:t>
+            </a:r>
+          </a:p>
+          <a:p>
+            <a:pPr marL="0" indent="0">
+              <a:lnSpc>
+                <a:spcPct val="120000"/>
+              </a:lnSpc>
+              <a:buNone/>
+            </a:pPr>
+            <a:r>
+              <a:rPr lang="es-ES" altLang="zh-CN" sz="2000" b="1" dirty="0"/>
+              <a:t>     </a:t>
+            </a:r>
+            <a:r>
+              <a:rPr lang="es-ES" altLang="zh-CN" sz="2000" b="1" dirty="0" smtClean="0"/>
+              <a:t>y </a:t>
+            </a:r>
+            <a:r>
+              <a:rPr lang="es-ES" altLang="zh-CN" sz="2000" b="1" dirty="0"/>
+              <a:t>= sqrt(pow(sin(x),2.5</a:t>
+            </a:r>
+            <a:r>
+              <a:rPr lang="es-ES" altLang="zh-CN" sz="2000" b="1" dirty="0" smtClean="0"/>
+              <a:t>));                  y </a:t>
+            </a:r>
+            <a:r>
+              <a:rPr lang="es-ES" altLang="zh-CN" sz="2000" b="1" dirty="0"/>
+              <a:t>= pow(sin(x),1.25);</a:t>
+            </a:r>
+          </a:p>
+          <a:p>
+            <a:pPr marL="0" indent="0">
+              <a:lnSpc>
+                <a:spcPct val="120000"/>
+              </a:lnSpc>
+              <a:buNone/>
+            </a:pPr>
+            <a:r>
+              <a:rPr lang="es-ES" altLang="zh-CN" sz="2000" b="1" dirty="0"/>
+              <a:t>     </a:t>
+            </a:r>
+            <a:r>
+              <a:rPr lang="es-ES" altLang="zh-CN" sz="2000" b="1" dirty="0" smtClean="0"/>
+              <a:t>y </a:t>
+            </a:r>
+            <a:r>
+              <a:rPr lang="es-ES" altLang="zh-CN" sz="2000" b="1" dirty="0"/>
+              <a:t>= x*x-exp(5.0</a:t>
+            </a:r>
+            <a:r>
+              <a:rPr lang="es-ES" altLang="zh-CN" sz="2000" b="1" dirty="0" smtClean="0"/>
+              <a:t>);                                 y </a:t>
+            </a:r>
+            <a:r>
+              <a:rPr lang="es-ES" altLang="zh-CN" sz="2000" b="1" dirty="0"/>
+              <a:t>= 3.0*a*e/(c*d); </a:t>
+            </a:r>
+          </a:p>
+          <a:p>
+            <a:pPr marL="0" indent="0">
+              <a:lnSpc>
+                <a:spcPct val="120000"/>
+              </a:lnSpc>
+              <a:buNone/>
+            </a:pPr>
+            <a:r>
+              <a:rPr lang="es-ES" altLang="zh-CN" sz="2000" b="1" dirty="0"/>
+              <a:t>     </a:t>
+            </a:r>
+            <a:r>
+              <a:rPr lang="es-ES" altLang="zh-CN" sz="2000" b="1" dirty="0" smtClean="0"/>
+              <a:t>y </a:t>
+            </a:r>
+            <a:r>
+              <a:rPr lang="es-ES" altLang="zh-CN" sz="2000" b="1" dirty="0"/>
+              <a:t>= sqrt(pow(x,y)+log10(y</a:t>
+            </a:r>
+            <a:r>
+              <a:rPr lang="es-ES" altLang="zh-CN" sz="2000" b="1" dirty="0" smtClean="0"/>
+              <a:t>));            y </a:t>
+            </a:r>
+            <a:r>
+              <a:rPr lang="es-ES" altLang="zh-CN" sz="2000" b="1" dirty="0"/>
+              <a:t>= fabs(pow(x,3.0)+log10(x</a:t>
+            </a:r>
+            <a:r>
+              <a:rPr lang="es-ES" altLang="zh-CN" sz="2000" b="1" dirty="0" smtClean="0"/>
+              <a:t>));   </a:t>
+            </a:r>
+            <a:endParaRPr lang="es-ES" altLang="zh-CN" sz="2000" b="1" dirty="0"/>
+          </a:p>
+          <a:p>
+            <a:pPr marL="0" indent="0">
+              <a:lnSpc>
+                <a:spcPct val="120000"/>
+              </a:lnSpc>
+              <a:buNone/>
+            </a:pPr>
+            <a:r>
+              <a:rPr lang="es-ES" altLang="zh-CN" sz="2000" b="1" dirty="0"/>
+              <a:t>     // (10) </a:t>
+            </a:r>
+            <a:r>
+              <a:rPr lang="zh-CN" altLang="en-US" sz="2000" b="1" dirty="0"/>
+              <a:t>对整型变量</a:t>
+            </a:r>
+            <a:r>
+              <a:rPr lang="es-ES" altLang="zh-CN" sz="2000" b="1" dirty="0"/>
+              <a:t>a</a:t>
+            </a:r>
+            <a:r>
+              <a:rPr lang="zh-CN" altLang="en-US" sz="2000" b="1" dirty="0"/>
+              <a:t>取反后右移</a:t>
+            </a:r>
+            <a:r>
+              <a:rPr lang="en-US" altLang="zh-CN" sz="2000" b="1" dirty="0"/>
+              <a:t>4</a:t>
+            </a:r>
+            <a:r>
+              <a:rPr lang="zh-CN" altLang="en-US" sz="2000" b="1" dirty="0"/>
+              <a:t>位</a:t>
+            </a:r>
+          </a:p>
+          <a:p>
+            <a:pPr marL="0" indent="0">
+              <a:lnSpc>
+                <a:spcPct val="120000"/>
+              </a:lnSpc>
+              <a:buNone/>
+            </a:pPr>
+            <a:r>
+              <a:rPr lang="zh-CN" altLang="en-US" sz="2000" b="1" dirty="0"/>
+              <a:t>     </a:t>
+            </a:r>
+            <a:r>
+              <a:rPr lang="es-ES" altLang="zh-CN" sz="2000" b="1" dirty="0"/>
+              <a:t>int g</a:t>
+            </a:r>
+            <a:r>
+              <a:rPr lang="es-ES" altLang="zh-CN" sz="2000" b="1" dirty="0" smtClean="0"/>
+              <a:t>;       </a:t>
+            </a:r>
+            <a:r>
+              <a:rPr lang="es-ES" altLang="zh-CN" sz="2000" b="1" dirty="0"/>
+              <a:t>(~g) &gt;&gt; 4; </a:t>
+            </a:r>
+            <a:endParaRPr lang="zh-CN" altLang="en-US" sz="2000" b="1" dirty="0"/>
+          </a:p>
+        </p:txBody>
+      </p:sp>
+    </p:spTree>
+    <p:extLst>
+      <p:ext uri="{BB962C8B-B14F-4D97-AF65-F5344CB8AC3E}">
+        <p14:creationId xmlns:p14="http://schemas.microsoft.com/office/powerpoint/2010/main" val="3150162223"/>
+      </p:ext>
+    </p:extLst>
+  </p:cSld>
+  <p:clrMapOvr>
+    <a:masterClrMapping/>
+  </p:clrMapOvr>
+  <p:timing>
+    <p:tnLst>
+      <p:par>
+        <p:cTn id="1" dur="indefinite" restart="never" nodeType="tmRoot"/>
+      </p:par>
+    </p:tnLst>
+  </p:timing>
+</p:sld>
+</file>
+
 <file path=ppt/slides/slide2.xml><?xml version="1.0" encoding="utf-8"?>
 <p:sld xmlns:a="http://schemas.openxmlformats.org/drawingml/2006/main" xmlns:r="http://schemas.openxmlformats.org/officeDocument/2006/relationships" xmlns:p="http://schemas.openxmlformats.org/presentationml/2006/main">
   <p:cSld>
@@ -6174,7 +7606,7 @@
             </a:pPr>
             <a:fld id="{55081CE6-7F27-414C-8186-D8C912538B4A}" type="datetime10">
               <a:rPr lang="zh-CN" altLang="en-US" smtClean="0"/>
-              <a:t>09:13</a:t>
+              <a:t>13:46</a:t>
             </a:fld>
             <a:endParaRPr lang="en-US" altLang="zh-CN"/>
           </a:p>

--- a/2016/上机安排.pptx
+++ b/2016/上机安排.pptx
@@ -5,7 +5,7 @@
     <p:sldMasterId id="2147483648" r:id="rId1"/>
   </p:sldMasterIdLst>
   <p:notesMasterIdLst>
-    <p:notesMasterId r:id="rId15"/>
+    <p:notesMasterId r:id="rId16"/>
   </p:notesMasterIdLst>
   <p:sldIdLst>
     <p:sldId id="256" r:id="rId2"/>
@@ -21,6 +21,7 @@
     <p:sldId id="266" r:id="rId12"/>
     <p:sldId id="267" r:id="rId13"/>
     <p:sldId id="268" r:id="rId14"/>
+    <p:sldId id="269" r:id="rId15"/>
   </p:sldIdLst>
   <p:sldSz cx="9144000" cy="6858000" type="screen4x3"/>
   <p:notesSz cx="6858000" cy="9144000"/>
@@ -204,7 +205,7 @@
           <a:p>
             <a:fld id="{E32E8F51-7589-4D7B-B384-FD766A27EFA9}" type="datetimeFigureOut">
               <a:rPr lang="zh-CN" altLang="en-US" smtClean="0"/>
-              <a:t>2016/10/14</a:t>
+              <a:t>2016/10/19</a:t>
             </a:fld>
             <a:endParaRPr lang="zh-CN" altLang="en-US"/>
           </a:p>
@@ -1695,6 +1696,114 @@
 </p:notes>
 </file>
 
+<file path=ppt/notesSlides/notesSlide4.xml><?xml version="1.0" encoding="utf-8"?>
+<p:notes xmlns:a="http://schemas.openxmlformats.org/drawingml/2006/main" xmlns:r="http://schemas.openxmlformats.org/officeDocument/2006/relationships" xmlns:p="http://schemas.openxmlformats.org/presentationml/2006/main">
+  <p:cSld>
+    <p:spTree>
+      <p:nvGrpSpPr>
+        <p:cNvPr id="1" name=""/>
+        <p:cNvGrpSpPr/>
+        <p:nvPr/>
+      </p:nvGrpSpPr>
+      <p:grpSpPr>
+        <a:xfrm>
+          <a:off x="0" y="0"/>
+          <a:ext cx="0" cy="0"/>
+          <a:chOff x="0" y="0"/>
+          <a:chExt cx="0" cy="0"/>
+        </a:xfrm>
+      </p:grpSpPr>
+      <p:sp>
+        <p:nvSpPr>
+          <p:cNvPr id="2" name="幻灯片图像占位符 1"/>
+          <p:cNvSpPr>
+            <a:spLocks noGrp="1" noRot="1" noChangeAspect="1"/>
+          </p:cNvSpPr>
+          <p:nvPr>
+            <p:ph type="sldImg"/>
+          </p:nvPr>
+        </p:nvSpPr>
+        <p:spPr/>
+      </p:sp>
+      <p:sp>
+        <p:nvSpPr>
+          <p:cNvPr id="3" name="备注占位符 2"/>
+          <p:cNvSpPr>
+            <a:spLocks noGrp="1"/>
+          </p:cNvSpPr>
+          <p:nvPr>
+            <p:ph type="body" idx="1"/>
+          </p:nvPr>
+        </p:nvSpPr>
+        <p:spPr/>
+        <p:txBody>
+          <a:bodyPr/>
+          <a:lstStyle/>
+          <a:p>
+            <a:r>
+              <a:rPr lang="zh-CN" altLang="en-US" dirty="0" smtClean="0"/>
+              <a:t>可以省略</a:t>
+            </a:r>
+            <a:r>
+              <a:rPr lang="en-US" altLang="zh-CN" dirty="0" smtClean="0"/>
+              <a:t>f2.h</a:t>
+            </a:r>
+            <a:r>
+              <a:rPr lang="zh-CN" altLang="en-US" dirty="0" smtClean="0"/>
+              <a:t>，将其内容覆盖</a:t>
+            </a:r>
+            <a:r>
+              <a:rPr lang="en-US" altLang="zh-CN" dirty="0" smtClean="0"/>
+              <a:t>#include</a:t>
+            </a:r>
+            <a:r>
+              <a:rPr lang="en-US" altLang="zh-CN" baseline="0" dirty="0" smtClean="0"/>
+              <a:t>“f2.h</a:t>
+            </a:r>
+            <a:r>
+              <a:rPr lang="zh-CN" altLang="en-US" baseline="0" dirty="0" smtClean="0"/>
+              <a:t>”</a:t>
+            </a:r>
+            <a:endParaRPr lang="zh-CN" altLang="en-US" dirty="0"/>
+          </a:p>
+        </p:txBody>
+      </p:sp>
+      <p:sp>
+        <p:nvSpPr>
+          <p:cNvPr id="4" name="灯片编号占位符 3"/>
+          <p:cNvSpPr>
+            <a:spLocks noGrp="1"/>
+          </p:cNvSpPr>
+          <p:nvPr>
+            <p:ph type="sldNum" sz="quarter" idx="10"/>
+          </p:nvPr>
+        </p:nvSpPr>
+        <p:spPr/>
+        <p:txBody>
+          <a:bodyPr/>
+          <a:lstStyle/>
+          <a:p>
+            <a:fld id="{1F014BE5-FE67-4E60-B28F-AFD784992189}" type="slidenum">
+              <a:rPr lang="zh-CN" altLang="en-US" smtClean="0"/>
+              <a:t>14</a:t>
+            </a:fld>
+            <a:endParaRPr lang="zh-CN" altLang="en-US"/>
+          </a:p>
+        </p:txBody>
+      </p:sp>
+    </p:spTree>
+    <p:extLst>
+      <p:ext uri="{BB962C8B-B14F-4D97-AF65-F5344CB8AC3E}">
+        <p14:creationId xmlns:p14="http://schemas.microsoft.com/office/powerpoint/2010/main" val="2302818826"/>
+      </p:ext>
+    </p:extLst>
+  </p:cSld>
+  <p:clrMapOvr>
+    <a:masterClrMapping/>
+  </p:clrMapOvr>
+</p:notes>
+</file>
+
 <file path=ppt/slideLayouts/slideLayout1.xml><?xml version="1.0" encoding="utf-8"?>
 <p:sldLayout xmlns:a="http://schemas.openxmlformats.org/drawingml/2006/main" xmlns:r="http://schemas.openxmlformats.org/officeDocument/2006/relationships" xmlns:p="http://schemas.openxmlformats.org/presentationml/2006/main" type="title" preserve="1">
   <p:cSld name="标题幻灯片">
@@ -1876,7 +1985,7 @@
           <a:p>
             <a:fld id="{530820CF-B880-4189-942D-D702A7CBA730}" type="datetimeFigureOut">
               <a:rPr lang="zh-CN" altLang="en-US" smtClean="0"/>
-              <a:t>2016/10/14</a:t>
+              <a:t>2016/10/19</a:t>
             </a:fld>
             <a:endParaRPr lang="zh-CN" altLang="en-US"/>
           </a:p>
@@ -2041,7 +2150,7 @@
           <a:p>
             <a:fld id="{530820CF-B880-4189-942D-D702A7CBA730}" type="datetimeFigureOut">
               <a:rPr lang="zh-CN" altLang="en-US" smtClean="0"/>
-              <a:t>2016/10/14</a:t>
+              <a:t>2016/10/19</a:t>
             </a:fld>
             <a:endParaRPr lang="zh-CN" altLang="en-US"/>
           </a:p>
@@ -2216,7 +2325,7 @@
           <a:p>
             <a:fld id="{530820CF-B880-4189-942D-D702A7CBA730}" type="datetimeFigureOut">
               <a:rPr lang="zh-CN" altLang="en-US" smtClean="0"/>
-              <a:t>2016/10/14</a:t>
+              <a:t>2016/10/19</a:t>
             </a:fld>
             <a:endParaRPr lang="zh-CN" altLang="en-US"/>
           </a:p>
@@ -2381,7 +2490,7 @@
           <a:p>
             <a:fld id="{530820CF-B880-4189-942D-D702A7CBA730}" type="datetimeFigureOut">
               <a:rPr lang="zh-CN" altLang="en-US" smtClean="0"/>
-              <a:t>2016/10/14</a:t>
+              <a:t>2016/10/19</a:t>
             </a:fld>
             <a:endParaRPr lang="zh-CN" altLang="en-US"/>
           </a:p>
@@ -2622,7 +2731,7 @@
           <a:p>
             <a:fld id="{530820CF-B880-4189-942D-D702A7CBA730}" type="datetimeFigureOut">
               <a:rPr lang="zh-CN" altLang="en-US" smtClean="0"/>
-              <a:t>2016/10/14</a:t>
+              <a:t>2016/10/19</a:t>
             </a:fld>
             <a:endParaRPr lang="zh-CN" altLang="en-US"/>
           </a:p>
@@ -2905,7 +3014,7 @@
           <a:p>
             <a:fld id="{530820CF-B880-4189-942D-D702A7CBA730}" type="datetimeFigureOut">
               <a:rPr lang="zh-CN" altLang="en-US" smtClean="0"/>
-              <a:t>2016/10/14</a:t>
+              <a:t>2016/10/19</a:t>
             </a:fld>
             <a:endParaRPr lang="zh-CN" altLang="en-US"/>
           </a:p>
@@ -3322,7 +3431,7 @@
           <a:p>
             <a:fld id="{530820CF-B880-4189-942D-D702A7CBA730}" type="datetimeFigureOut">
               <a:rPr lang="zh-CN" altLang="en-US" smtClean="0"/>
-              <a:t>2016/10/14</a:t>
+              <a:t>2016/10/19</a:t>
             </a:fld>
             <a:endParaRPr lang="zh-CN" altLang="en-US"/>
           </a:p>
@@ -3435,7 +3544,7 @@
           <a:p>
             <a:fld id="{530820CF-B880-4189-942D-D702A7CBA730}" type="datetimeFigureOut">
               <a:rPr lang="zh-CN" altLang="en-US" smtClean="0"/>
-              <a:t>2016/10/14</a:t>
+              <a:t>2016/10/19</a:t>
             </a:fld>
             <a:endParaRPr lang="zh-CN" altLang="en-US"/>
           </a:p>
@@ -3525,7 +3634,7 @@
           <a:p>
             <a:fld id="{530820CF-B880-4189-942D-D702A7CBA730}" type="datetimeFigureOut">
               <a:rPr lang="zh-CN" altLang="en-US" smtClean="0"/>
-              <a:t>2016/10/14</a:t>
+              <a:t>2016/10/19</a:t>
             </a:fld>
             <a:endParaRPr lang="zh-CN" altLang="en-US"/>
           </a:p>
@@ -3797,7 +3906,7 @@
           <a:p>
             <a:fld id="{530820CF-B880-4189-942D-D702A7CBA730}" type="datetimeFigureOut">
               <a:rPr lang="zh-CN" altLang="en-US" smtClean="0"/>
-              <a:t>2016/10/14</a:t>
+              <a:t>2016/10/19</a:t>
             </a:fld>
             <a:endParaRPr lang="zh-CN" altLang="en-US"/>
           </a:p>
@@ -4045,7 +4154,7 @@
           <a:p>
             <a:fld id="{530820CF-B880-4189-942D-D702A7CBA730}" type="datetimeFigureOut">
               <a:rPr lang="zh-CN" altLang="en-US" smtClean="0"/>
-              <a:t>2016/10/14</a:t>
+              <a:t>2016/10/19</a:t>
             </a:fld>
             <a:endParaRPr lang="zh-CN" altLang="en-US"/>
           </a:p>
@@ -4253,7 +4362,7 @@
           <a:p>
             <a:fld id="{530820CF-B880-4189-942D-D702A7CBA730}" type="datetimeFigureOut">
               <a:rPr lang="zh-CN" altLang="en-US" smtClean="0"/>
-              <a:t>2016/10/14</a:t>
+              <a:t>2016/10/19</a:t>
             </a:fld>
             <a:endParaRPr lang="zh-CN" altLang="en-US"/>
           </a:p>
@@ -4779,11 +4888,7 @@
             </a:r>
             <a:r>
               <a:rPr lang="zh-CN" altLang="en-US" dirty="0" smtClean="0"/>
-              <a:t>次上机</a:t>
-            </a:r>
-            <a:r>
-              <a:rPr lang="zh-CN" altLang="en-US" dirty="0" smtClean="0"/>
-              <a:t>练习答案</a:t>
+              <a:t>次上机练习答案</a:t>
             </a:r>
             <a:endParaRPr lang="zh-CN" altLang="en-US" dirty="0"/>
           </a:p>
@@ -5059,11 +5164,7 @@
             </a:r>
             <a:r>
               <a:rPr lang="zh-CN" altLang="en-US" sz="2000" dirty="0" smtClean="0"/>
-              <a:t>打印相应表达式的值。注意整数相除的结果</a:t>
-            </a:r>
-            <a:r>
-              <a:rPr lang="zh-CN" altLang="en-US" sz="2000" dirty="0" smtClean="0"/>
-              <a:t>。</a:t>
+              <a:t>打印相应表达式的值。注意整数相除的结果。</a:t>
             </a:r>
             <a:endParaRPr lang="en-US" altLang="zh-CN" sz="2000" dirty="0" smtClean="0"/>
           </a:p>
@@ -5101,15 +5202,7 @@
             </a:pPr>
             <a:r>
               <a:rPr lang="en-US" altLang="zh-CN" sz="2000" dirty="0" smtClean="0"/>
-              <a:t>a = </a:t>
-            </a:r>
-            <a:r>
-              <a:rPr lang="en-US" altLang="zh-CN" sz="2000" dirty="0" smtClean="0"/>
-              <a:t>1</a:t>
-            </a:r>
-            <a:r>
-              <a:rPr lang="en-US" altLang="zh-CN" sz="2000" dirty="0" smtClean="0"/>
-              <a:t>/2;</a:t>
+              <a:t>a = 1/2;</a:t>
             </a:r>
           </a:p>
           <a:p>
@@ -5135,7 +5228,6 @@
               <a:rPr lang="en-US" altLang="zh-CN" sz="2000" dirty="0" smtClean="0"/>
               <a:t>);  // a = 0 </a:t>
             </a:r>
-            <a:endParaRPr lang="en-US" altLang="zh-CN" sz="2000" dirty="0" smtClean="0"/>
           </a:p>
         </p:txBody>
       </p:sp>
@@ -5205,17 +5297,12 @@
             </a:r>
             <a:r>
               <a:rPr lang="zh-CN" altLang="en-US" dirty="0" smtClean="0"/>
-              <a:t>次上机</a:t>
-            </a:r>
-            <a:r>
-              <a:rPr lang="zh-CN" altLang="en-US" dirty="0" smtClean="0"/>
-              <a:t>练习</a:t>
+              <a:t>次上机练习</a:t>
             </a:r>
             <a:r>
               <a:rPr lang="zh-CN" altLang="en-US" dirty="0"/>
               <a:t>答案</a:t>
             </a:r>
-            <a:endParaRPr lang="zh-CN" altLang="en-US" dirty="0"/>
           </a:p>
         </p:txBody>
       </p:sp>
@@ -5512,7 +5599,6 @@
               <a:rPr lang="en-US" altLang="zh-CN" sz="2000" b="1" dirty="0" smtClean="0"/>
               <a:t>);</a:t>
             </a:r>
-            <a:endParaRPr lang="en-US" altLang="zh-CN" sz="2000" b="1" dirty="0" smtClean="0"/>
           </a:p>
         </p:txBody>
       </p:sp>
@@ -5868,27 +5954,15 @@
             </a:pPr>
             <a:r>
               <a:rPr lang="zh-CN" altLang="en-US" sz="2000" b="1" dirty="0" smtClean="0"/>
-              <a:t>选</a:t>
+              <a:t>选做，</a:t>
+            </a:r>
+            <a:r>
+              <a:rPr lang="en-US" altLang="zh-CN" sz="2000" b="1" dirty="0" smtClean="0"/>
+              <a:t>ch2,p55, 1. </a:t>
             </a:r>
             <a:r>
               <a:rPr lang="zh-CN" altLang="en-US" sz="2000" b="1" dirty="0" smtClean="0"/>
-              <a:t>做，</a:t>
-            </a:r>
-            <a:r>
-              <a:rPr lang="en-US" altLang="zh-CN" sz="2000" b="1" dirty="0" smtClean="0"/>
-              <a:t>ch2,p55, </a:t>
-            </a:r>
-            <a:r>
-              <a:rPr lang="en-US" altLang="zh-CN" sz="2000" b="1" dirty="0" smtClean="0"/>
-              <a:t>1. </a:t>
-            </a:r>
-            <a:r>
-              <a:rPr lang="zh-CN" altLang="en-US" sz="2000" b="1" dirty="0" smtClean="0"/>
-              <a:t>数学</a:t>
-            </a:r>
-            <a:r>
-              <a:rPr lang="zh-CN" altLang="en-US" sz="2000" b="1" dirty="0" smtClean="0"/>
-              <a:t>函数见</a:t>
+              <a:t>数学函数见</a:t>
             </a:r>
             <a:r>
               <a:rPr lang="en-US" altLang="zh-CN" sz="2000" b="1" dirty="0" smtClean="0"/>
@@ -6151,6 +6225,1133 @@
   <p:clrMapOvr>
     <a:masterClrMapping/>
   </p:clrMapOvr>
+  <p:timing>
+    <p:tnLst>
+      <p:par>
+        <p:cTn id="1" dur="indefinite" restart="never" nodeType="tmRoot"/>
+      </p:par>
+    </p:tnLst>
+  </p:timing>
+</p:sld>
+</file>
+
+<file path=ppt/slides/slide14.xml><?xml version="1.0" encoding="utf-8"?>
+<p:sld xmlns:a="http://schemas.openxmlformats.org/drawingml/2006/main" xmlns:r="http://schemas.openxmlformats.org/officeDocument/2006/relationships" xmlns:p="http://schemas.openxmlformats.org/presentationml/2006/main">
+  <p:cSld>
+    <p:spTree>
+      <p:nvGrpSpPr>
+        <p:cNvPr id="1" name=""/>
+        <p:cNvGrpSpPr/>
+        <p:nvPr/>
+      </p:nvGrpSpPr>
+      <p:grpSpPr>
+        <a:xfrm>
+          <a:off x="0" y="0"/>
+          <a:ext cx="0" cy="0"/>
+          <a:chOff x="0" y="0"/>
+          <a:chExt cx="0" cy="0"/>
+        </a:xfrm>
+      </p:grpSpPr>
+      <p:sp>
+        <p:nvSpPr>
+          <p:cNvPr id="89090" name="Text Box 2"/>
+          <p:cNvSpPr txBox="1">
+            <a:spLocks noChangeArrowheads="1"/>
+          </p:cNvSpPr>
+          <p:nvPr/>
+        </p:nvSpPr>
+        <p:spPr bwMode="auto">
+          <a:xfrm>
+            <a:off x="467544" y="332656"/>
+            <a:ext cx="6840538" cy="525401"/>
+          </a:xfrm>
+          <a:prstGeom prst="rect">
+            <a:avLst/>
+          </a:prstGeom>
+          <a:noFill/>
+          <a:ln>
+            <a:noFill/>
+          </a:ln>
+          <a:effectLst/>
+          <a:extLst>
+            <a:ext uri="{909E8E84-426E-40DD-AFC4-6F175D3DCCD1}">
+              <a14:hiddenFill xmlns:a14="http://schemas.microsoft.com/office/drawing/2010/main">
+                <a:solidFill>
+                  <a:srgbClr val="FFFFFF"/>
+                </a:solidFill>
+              </a14:hiddenFill>
+            </a:ext>
+            <a:ext uri="{91240B29-F687-4F45-9708-019B960494DF}">
+              <a14:hiddenLine xmlns:a14="http://schemas.microsoft.com/office/drawing/2010/main" w="9525">
+                <a:solidFill>
+                  <a:schemeClr val="tx1"/>
+                </a:solidFill>
+                <a:miter lim="800000"/>
+                <a:headEnd/>
+                <a:tailEnd/>
+              </a14:hiddenLine>
+            </a:ext>
+            <a:ext uri="{AF507438-7753-43E0-B8FC-AC1667EBCBE1}">
+              <a14:hiddenEffects xmlns:a14="http://schemas.microsoft.com/office/drawing/2010/main">
+                <a:effectLst>
+                  <a:outerShdw dist="35921" dir="2700000" algn="ctr" rotWithShape="0">
+                    <a:schemeClr val="bg2"/>
+                  </a:outerShdw>
+                </a:effectLst>
+              </a14:hiddenEffects>
+            </a:ext>
+          </a:extLst>
+        </p:spPr>
+        <p:txBody>
+          <a:bodyPr wrap="square" lIns="90000" tIns="46800" rIns="90000" bIns="46800">
+            <a:spAutoFit/>
+          </a:bodyPr>
+          <a:lstStyle/>
+          <a:p>
+            <a:pPr>
+              <a:spcBef>
+                <a:spcPct val="50000"/>
+              </a:spcBef>
+            </a:pPr>
+            <a:r>
+              <a:rPr lang="zh-CN" altLang="en-US" sz="2800" dirty="0">
+                <a:solidFill>
+                  <a:schemeClr val="tx2"/>
+                </a:solidFill>
+                <a:latin typeface="Times New Roman" pitchFamily="18" charset="0"/>
+              </a:rPr>
+              <a:t>作业</a:t>
+            </a:r>
+            <a:r>
+              <a:rPr lang="zh-CN" altLang="en-US" sz="2800" dirty="0" smtClean="0">
+                <a:solidFill>
+                  <a:schemeClr val="tx2"/>
+                </a:solidFill>
+                <a:latin typeface="Times New Roman" pitchFamily="18" charset="0"/>
+              </a:rPr>
+              <a:t>项目</a:t>
+            </a:r>
+            <a:r>
+              <a:rPr lang="en-US" altLang="zh-CN" sz="2800" dirty="0" smtClean="0">
+                <a:solidFill>
+                  <a:schemeClr val="tx2"/>
+                </a:solidFill>
+                <a:latin typeface="Times New Roman" pitchFamily="18" charset="0"/>
+              </a:rPr>
+              <a:t>(</a:t>
+            </a:r>
+            <a:r>
+              <a:rPr lang="zh-CN" altLang="en-US" sz="2800" dirty="0" smtClean="0">
+                <a:solidFill>
+                  <a:schemeClr val="tx2"/>
+                </a:solidFill>
+                <a:latin typeface="Times New Roman" pitchFamily="18" charset="0"/>
+              </a:rPr>
+              <a:t>工程</a:t>
+            </a:r>
+            <a:r>
+              <a:rPr lang="en-US" altLang="zh-CN" sz="2800" dirty="0" smtClean="0">
+                <a:solidFill>
+                  <a:schemeClr val="tx2"/>
+                </a:solidFill>
+                <a:latin typeface="Times New Roman" pitchFamily="18" charset="0"/>
+              </a:rPr>
+              <a:t>)</a:t>
+            </a:r>
+            <a:r>
+              <a:rPr lang="en-US" altLang="zh-CN" sz="2800" dirty="0" smtClean="0">
+                <a:solidFill>
+                  <a:srgbClr val="FF3300"/>
+                </a:solidFill>
+                <a:latin typeface="Times New Roman" pitchFamily="18" charset="0"/>
+              </a:rPr>
+              <a:t>: </a:t>
+            </a:r>
+            <a:r>
+              <a:rPr lang="zh-CN" altLang="en-US" sz="2800" dirty="0" smtClean="0">
+                <a:solidFill>
+                  <a:srgbClr val="FF3300"/>
+                </a:solidFill>
+                <a:latin typeface="Times New Roman" pitchFamily="18" charset="0"/>
+              </a:rPr>
+              <a:t>*</a:t>
+            </a:r>
+            <a:r>
+              <a:rPr lang="en-US" altLang="zh-CN" sz="2800" dirty="0" smtClean="0">
+                <a:solidFill>
+                  <a:srgbClr val="FF3300"/>
+                </a:solidFill>
+                <a:latin typeface="Times New Roman" pitchFamily="18" charset="0"/>
+              </a:rPr>
+              <a:t>.</a:t>
+            </a:r>
+            <a:r>
+              <a:rPr lang="en-US" altLang="zh-CN" sz="2800" dirty="0" err="1" smtClean="0">
+                <a:solidFill>
+                  <a:srgbClr val="FF3300"/>
+                </a:solidFill>
+                <a:latin typeface="Times New Roman" pitchFamily="18" charset="0"/>
+              </a:rPr>
+              <a:t>dev</a:t>
+            </a:r>
+            <a:r>
+              <a:rPr lang="en-US" altLang="zh-CN" sz="2800" dirty="0" smtClean="0">
+                <a:solidFill>
+                  <a:srgbClr val="FF3300"/>
+                </a:solidFill>
+                <a:latin typeface="Times New Roman" pitchFamily="18" charset="0"/>
+              </a:rPr>
+              <a:t>,  </a:t>
+            </a:r>
+            <a:r>
+              <a:rPr lang="en-US" altLang="zh-CN" sz="2800" dirty="0" err="1" smtClean="0">
+                <a:solidFill>
+                  <a:srgbClr val="FF3300"/>
+                </a:solidFill>
+                <a:latin typeface="Times New Roman" pitchFamily="18" charset="0"/>
+              </a:rPr>
+              <a:t>main.c</a:t>
+            </a:r>
+            <a:r>
+              <a:rPr lang="zh-CN" altLang="en-US" sz="2800" dirty="0" smtClean="0">
+                <a:solidFill>
+                  <a:srgbClr val="FF3300"/>
+                </a:solidFill>
+                <a:latin typeface="Times New Roman" pitchFamily="18" charset="0"/>
+              </a:rPr>
+              <a:t>，</a:t>
+            </a:r>
+            <a:r>
+              <a:rPr lang="en-US" altLang="zh-CN" sz="2800" dirty="0" smtClean="0">
+                <a:solidFill>
+                  <a:srgbClr val="FF3300"/>
+                </a:solidFill>
+                <a:latin typeface="Times New Roman" pitchFamily="18" charset="0"/>
+              </a:rPr>
+              <a:t>ch2.c</a:t>
+            </a:r>
+            <a:endParaRPr lang="en-US" altLang="zh-CN" sz="2800" dirty="0">
+              <a:solidFill>
+                <a:srgbClr val="FF3300"/>
+              </a:solidFill>
+              <a:latin typeface="Times New Roman" pitchFamily="18" charset="0"/>
+            </a:endParaRPr>
+          </a:p>
+        </p:txBody>
+      </p:sp>
+      <p:sp>
+        <p:nvSpPr>
+          <p:cNvPr id="89091" name="Rectangle 3"/>
+          <p:cNvSpPr>
+            <a:spLocks noChangeArrowheads="1"/>
+          </p:cNvSpPr>
+          <p:nvPr/>
+        </p:nvSpPr>
+        <p:spPr bwMode="auto">
+          <a:xfrm>
+            <a:off x="611560" y="1052736"/>
+            <a:ext cx="4032374" cy="5018939"/>
+          </a:xfrm>
+          <a:prstGeom prst="rect">
+            <a:avLst/>
+          </a:prstGeom>
+          <a:noFill/>
+          <a:ln w="9525">
+            <a:solidFill>
+              <a:schemeClr val="tx1"/>
+            </a:solidFill>
+            <a:miter lim="800000"/>
+            <a:headEnd/>
+            <a:tailEnd/>
+          </a:ln>
+          <a:effectLst/>
+          <a:extLst>
+            <a:ext uri="{909E8E84-426E-40DD-AFC4-6F175D3DCCD1}">
+              <a14:hiddenFill xmlns:a14="http://schemas.microsoft.com/office/drawing/2010/main">
+                <a:solidFill>
+                  <a:srgbClr val="FFFFFF"/>
+                </a:solidFill>
+              </a14:hiddenFill>
+            </a:ext>
+            <a:ext uri="{AF507438-7753-43E0-B8FC-AC1667EBCBE1}">
+              <a14:hiddenEffects xmlns:a14="http://schemas.microsoft.com/office/drawing/2010/main">
+                <a:effectLst>
+                  <a:outerShdw dist="35921" dir="2700000" algn="ctr" rotWithShape="0">
+                    <a:schemeClr val="bg2"/>
+                  </a:outerShdw>
+                </a:effectLst>
+              </a14:hiddenEffects>
+            </a:ext>
+          </a:extLst>
+        </p:spPr>
+        <p:txBody>
+          <a:bodyPr wrap="square" lIns="90000" tIns="46800" rIns="90000" bIns="46800">
+            <a:spAutoFit/>
+          </a:bodyPr>
+          <a:lstStyle/>
+          <a:p>
+            <a:pPr>
+              <a:spcBef>
+                <a:spcPct val="50000"/>
+              </a:spcBef>
+            </a:pPr>
+            <a:r>
+              <a:rPr lang="en-US" altLang="zh-CN" sz="2000" dirty="0" smtClean="0">
+                <a:latin typeface="Times New Roman" pitchFamily="18" charset="0"/>
+              </a:rPr>
+              <a:t>#include &lt;</a:t>
+            </a:r>
+            <a:r>
+              <a:rPr lang="en-US" altLang="zh-CN" sz="2000" dirty="0" err="1" smtClean="0">
+                <a:latin typeface="Times New Roman" pitchFamily="18" charset="0"/>
+              </a:rPr>
+              <a:t>stdio.h</a:t>
+            </a:r>
+            <a:r>
+              <a:rPr lang="en-US" altLang="zh-CN" sz="2000" dirty="0" smtClean="0">
+                <a:latin typeface="Times New Roman" pitchFamily="18" charset="0"/>
+              </a:rPr>
+              <a:t>&gt;</a:t>
+            </a:r>
+          </a:p>
+          <a:p>
+            <a:pPr>
+              <a:spcBef>
+                <a:spcPct val="50000"/>
+              </a:spcBef>
+            </a:pPr>
+            <a:r>
+              <a:rPr lang="en-US" altLang="zh-CN" sz="2000" dirty="0" smtClean="0">
+                <a:latin typeface="Times New Roman" pitchFamily="18" charset="0"/>
+              </a:rPr>
+              <a:t>#include &lt;</a:t>
+            </a:r>
+            <a:r>
+              <a:rPr lang="en-US" altLang="zh-CN" sz="2000" dirty="0" err="1" smtClean="0">
+                <a:latin typeface="Times New Roman" pitchFamily="18" charset="0"/>
+              </a:rPr>
+              <a:t>stdlib.h</a:t>
+            </a:r>
+            <a:r>
+              <a:rPr lang="en-US" altLang="zh-CN" sz="2000" dirty="0" smtClean="0">
+                <a:latin typeface="Times New Roman" pitchFamily="18" charset="0"/>
+              </a:rPr>
+              <a:t>&gt;</a:t>
+            </a:r>
+          </a:p>
+          <a:p>
+            <a:pPr>
+              <a:spcBef>
+                <a:spcPct val="50000"/>
+              </a:spcBef>
+            </a:pPr>
+            <a:r>
+              <a:rPr lang="en-US" altLang="zh-CN" sz="2000" dirty="0" smtClean="0">
+                <a:latin typeface="Times New Roman" pitchFamily="18" charset="0"/>
+              </a:rPr>
+              <a:t>void  </a:t>
+            </a:r>
+            <a:r>
+              <a:rPr lang="en-US" altLang="zh-CN" sz="2000" dirty="0" smtClean="0">
+                <a:latin typeface="Times New Roman" pitchFamily="18" charset="0"/>
+              </a:rPr>
+              <a:t>ch2</a:t>
+            </a:r>
+            <a:r>
+              <a:rPr lang="en-US" altLang="zh-CN" sz="2000" dirty="0" smtClean="0">
+                <a:latin typeface="Times New Roman" pitchFamily="18" charset="0"/>
+              </a:rPr>
+              <a:t>( </a:t>
+            </a:r>
+            <a:r>
+              <a:rPr lang="en-US" altLang="zh-CN" sz="2000" dirty="0" smtClean="0">
+                <a:latin typeface="Times New Roman" pitchFamily="18" charset="0"/>
+              </a:rPr>
+              <a:t>); </a:t>
+            </a:r>
+            <a:r>
+              <a:rPr lang="en-US" altLang="zh-CN" sz="2000" dirty="0">
+                <a:latin typeface="Times New Roman" pitchFamily="18" charset="0"/>
+              </a:rPr>
+              <a:t>// </a:t>
+            </a:r>
+            <a:r>
+              <a:rPr lang="en-US" altLang="zh-CN" sz="2000" dirty="0" smtClean="0">
+                <a:latin typeface="Times New Roman" pitchFamily="18" charset="0"/>
+              </a:rPr>
+              <a:t>ch2</a:t>
+            </a:r>
+            <a:r>
+              <a:rPr lang="zh-CN" altLang="en-US" sz="2000" dirty="0" smtClean="0">
+                <a:latin typeface="Times New Roman" pitchFamily="18" charset="0"/>
+              </a:rPr>
+              <a:t>作业</a:t>
+            </a:r>
+            <a:endParaRPr lang="en-US" altLang="zh-CN" sz="2000" dirty="0" smtClean="0">
+              <a:latin typeface="Times New Roman" pitchFamily="18" charset="0"/>
+            </a:endParaRPr>
+          </a:p>
+          <a:p>
+            <a:pPr>
+              <a:spcBef>
+                <a:spcPct val="50000"/>
+              </a:spcBef>
+            </a:pPr>
+            <a:r>
+              <a:rPr lang="en-US" altLang="zh-CN" sz="2000" dirty="0" smtClean="0">
+                <a:latin typeface="Times New Roman" pitchFamily="18" charset="0"/>
+              </a:rPr>
+              <a:t>void  </a:t>
+            </a:r>
+            <a:r>
+              <a:rPr lang="en-US" altLang="zh-CN" sz="2000" dirty="0" smtClean="0">
+                <a:latin typeface="Times New Roman" pitchFamily="18" charset="0"/>
+              </a:rPr>
+              <a:t>ch</a:t>
+            </a:r>
+            <a:r>
+              <a:rPr lang="en-US" altLang="zh-CN" sz="2000" dirty="0">
+                <a:latin typeface="Times New Roman" pitchFamily="18" charset="0"/>
+              </a:rPr>
+              <a:t>3</a:t>
+            </a:r>
+            <a:r>
+              <a:rPr lang="en-US" altLang="zh-CN" sz="2000" dirty="0" smtClean="0">
+                <a:latin typeface="Times New Roman" pitchFamily="18" charset="0"/>
+              </a:rPr>
+              <a:t>( </a:t>
+            </a:r>
+            <a:r>
+              <a:rPr lang="en-US" altLang="zh-CN" sz="2000" dirty="0" smtClean="0">
+                <a:latin typeface="Times New Roman" pitchFamily="18" charset="0"/>
+              </a:rPr>
+              <a:t>); // </a:t>
+            </a:r>
+            <a:r>
+              <a:rPr lang="en-US" altLang="zh-CN" sz="2000" dirty="0" smtClean="0">
+                <a:latin typeface="Times New Roman" pitchFamily="18" charset="0"/>
+              </a:rPr>
+              <a:t>ch3</a:t>
+            </a:r>
+            <a:r>
+              <a:rPr lang="zh-CN" altLang="en-US" sz="2000" dirty="0" smtClean="0">
+                <a:latin typeface="Times New Roman" pitchFamily="18" charset="0"/>
+              </a:rPr>
+              <a:t>作业</a:t>
+            </a:r>
+            <a:endParaRPr lang="en-US" altLang="zh-CN" sz="2000" dirty="0">
+              <a:latin typeface="Times New Roman" pitchFamily="18" charset="0"/>
+            </a:endParaRPr>
+          </a:p>
+          <a:p>
+            <a:pPr>
+              <a:spcBef>
+                <a:spcPct val="50000"/>
+              </a:spcBef>
+            </a:pPr>
+            <a:r>
+              <a:rPr lang="en-US" altLang="zh-CN" sz="2000" dirty="0" err="1" smtClean="0">
+                <a:latin typeface="Times New Roman" pitchFamily="18" charset="0"/>
+              </a:rPr>
+              <a:t>int</a:t>
+            </a:r>
+            <a:r>
+              <a:rPr lang="en-US" altLang="zh-CN" sz="2000" dirty="0" smtClean="0">
+                <a:latin typeface="Times New Roman" pitchFamily="18" charset="0"/>
+              </a:rPr>
+              <a:t> main </a:t>
+            </a:r>
+            <a:r>
+              <a:rPr lang="en-US" altLang="zh-CN" sz="2000" dirty="0">
+                <a:latin typeface="Times New Roman" pitchFamily="18" charset="0"/>
+              </a:rPr>
+              <a:t>( </a:t>
+            </a:r>
+            <a:r>
+              <a:rPr lang="en-US" altLang="zh-CN" sz="2000" dirty="0" smtClean="0">
+                <a:latin typeface="Times New Roman" pitchFamily="18" charset="0"/>
+              </a:rPr>
+              <a:t>)</a:t>
+            </a:r>
+          </a:p>
+          <a:p>
+            <a:pPr>
+              <a:spcBef>
+                <a:spcPct val="50000"/>
+              </a:spcBef>
+            </a:pPr>
+            <a:r>
+              <a:rPr lang="en-US" altLang="zh-CN" sz="2000" dirty="0" smtClean="0">
+                <a:latin typeface="Times New Roman" pitchFamily="18" charset="0"/>
+              </a:rPr>
+              <a:t>{    </a:t>
+            </a:r>
+            <a:endParaRPr lang="en-US" altLang="zh-CN" sz="2000" dirty="0">
+              <a:latin typeface="Times New Roman" pitchFamily="18" charset="0"/>
+            </a:endParaRPr>
+          </a:p>
+          <a:p>
+            <a:pPr>
+              <a:spcBef>
+                <a:spcPct val="50000"/>
+              </a:spcBef>
+            </a:pPr>
+            <a:r>
+              <a:rPr lang="en-US" altLang="zh-CN" sz="2000" dirty="0">
+                <a:latin typeface="Times New Roman" pitchFamily="18" charset="0"/>
+              </a:rPr>
+              <a:t> </a:t>
+            </a:r>
+            <a:r>
+              <a:rPr lang="en-US" altLang="zh-CN" sz="2000" dirty="0" smtClean="0">
+                <a:latin typeface="Times New Roman" pitchFamily="18" charset="0"/>
+              </a:rPr>
+              <a:t>   </a:t>
+            </a:r>
+            <a:r>
+              <a:rPr lang="en-US" altLang="zh-CN" sz="2000" dirty="0" smtClean="0">
+                <a:latin typeface="Times New Roman" pitchFamily="18" charset="0"/>
+              </a:rPr>
+              <a:t>ch2</a:t>
+            </a:r>
+            <a:r>
+              <a:rPr lang="en-US" altLang="zh-CN" sz="2000" dirty="0" smtClean="0">
+                <a:latin typeface="Times New Roman" pitchFamily="18" charset="0"/>
+              </a:rPr>
+              <a:t>( </a:t>
+            </a:r>
+            <a:r>
+              <a:rPr lang="en-US" altLang="zh-CN" sz="2000" dirty="0" smtClean="0">
+                <a:latin typeface="Times New Roman" pitchFamily="18" charset="0"/>
+              </a:rPr>
+              <a:t>);</a:t>
+            </a:r>
+          </a:p>
+          <a:p>
+            <a:pPr>
+              <a:spcBef>
+                <a:spcPct val="50000"/>
+              </a:spcBef>
+            </a:pPr>
+            <a:r>
+              <a:rPr lang="en-US" altLang="zh-CN" sz="2000" dirty="0">
+                <a:latin typeface="Times New Roman" pitchFamily="18" charset="0"/>
+              </a:rPr>
+              <a:t> </a:t>
+            </a:r>
+            <a:r>
+              <a:rPr lang="en-US" altLang="zh-CN" sz="2000" dirty="0" smtClean="0">
+                <a:latin typeface="Times New Roman" pitchFamily="18" charset="0"/>
+              </a:rPr>
+              <a:t>   </a:t>
+            </a:r>
+            <a:r>
+              <a:rPr lang="en-US" altLang="zh-CN" sz="2000" dirty="0" smtClean="0">
+                <a:latin typeface="Times New Roman" pitchFamily="18" charset="0"/>
+              </a:rPr>
+              <a:t>//</a:t>
+            </a:r>
+            <a:r>
+              <a:rPr lang="en-US" altLang="zh-CN" sz="2000" dirty="0" smtClean="0">
+                <a:latin typeface="Times New Roman" pitchFamily="18" charset="0"/>
+              </a:rPr>
+              <a:t>ch3</a:t>
+            </a:r>
+            <a:r>
+              <a:rPr lang="en-US" altLang="zh-CN" sz="2000" dirty="0" smtClean="0">
+                <a:latin typeface="Times New Roman" pitchFamily="18" charset="0"/>
+              </a:rPr>
+              <a:t>( </a:t>
+            </a:r>
+            <a:r>
+              <a:rPr lang="en-US" altLang="zh-CN" sz="2000" dirty="0" smtClean="0">
+                <a:latin typeface="Times New Roman" pitchFamily="18" charset="0"/>
+              </a:rPr>
+              <a:t>);</a:t>
+            </a:r>
+          </a:p>
+          <a:p>
+            <a:pPr>
+              <a:spcBef>
+                <a:spcPct val="50000"/>
+              </a:spcBef>
+            </a:pPr>
+            <a:r>
+              <a:rPr lang="en-US" altLang="zh-CN" sz="2000" dirty="0">
+                <a:latin typeface="Times New Roman" pitchFamily="18" charset="0"/>
+              </a:rPr>
+              <a:t> </a:t>
+            </a:r>
+            <a:r>
+              <a:rPr lang="en-US" altLang="zh-CN" sz="2000" dirty="0" smtClean="0">
+                <a:latin typeface="Times New Roman" pitchFamily="18" charset="0"/>
+              </a:rPr>
+              <a:t>    system(“pause”);</a:t>
+            </a:r>
+          </a:p>
+          <a:p>
+            <a:pPr>
+              <a:spcBef>
+                <a:spcPct val="50000"/>
+              </a:spcBef>
+            </a:pPr>
+            <a:r>
+              <a:rPr lang="en-US" altLang="zh-CN" sz="2000" dirty="0">
+                <a:latin typeface="Times New Roman" pitchFamily="18" charset="0"/>
+              </a:rPr>
+              <a:t> </a:t>
+            </a:r>
+            <a:r>
+              <a:rPr lang="en-US" altLang="zh-CN" sz="2000" dirty="0" smtClean="0">
+                <a:latin typeface="Times New Roman" pitchFamily="18" charset="0"/>
+              </a:rPr>
+              <a:t>    return 0;</a:t>
+            </a:r>
+          </a:p>
+          <a:p>
+            <a:pPr>
+              <a:spcBef>
+                <a:spcPct val="50000"/>
+              </a:spcBef>
+            </a:pPr>
+            <a:r>
+              <a:rPr lang="en-US" altLang="zh-CN" sz="2000" dirty="0" smtClean="0">
+                <a:latin typeface="Times New Roman" pitchFamily="18" charset="0"/>
+              </a:rPr>
+              <a:t> }</a:t>
+            </a:r>
+          </a:p>
+        </p:txBody>
+      </p:sp>
+      <p:sp>
+        <p:nvSpPr>
+          <p:cNvPr id="14" name="Rectangle 3"/>
+          <p:cNvSpPr>
+            <a:spLocks noChangeArrowheads="1"/>
+          </p:cNvSpPr>
+          <p:nvPr/>
+        </p:nvSpPr>
+        <p:spPr bwMode="auto">
+          <a:xfrm>
+            <a:off x="4796334" y="836712"/>
+            <a:ext cx="4032374" cy="6077690"/>
+          </a:xfrm>
+          <a:prstGeom prst="rect">
+            <a:avLst/>
+          </a:prstGeom>
+          <a:noFill/>
+          <a:ln w="9525">
+            <a:solidFill>
+              <a:schemeClr val="tx1"/>
+            </a:solidFill>
+            <a:miter lim="800000"/>
+            <a:headEnd/>
+            <a:tailEnd/>
+          </a:ln>
+          <a:effectLst/>
+          <a:extLst>
+            <a:ext uri="{909E8E84-426E-40DD-AFC4-6F175D3DCCD1}">
+              <a14:hiddenFill xmlns:a14="http://schemas.microsoft.com/office/drawing/2010/main">
+                <a:solidFill>
+                  <a:srgbClr val="FFFFFF"/>
+                </a:solidFill>
+              </a14:hiddenFill>
+            </a:ext>
+            <a:ext uri="{AF507438-7753-43E0-B8FC-AC1667EBCBE1}">
+              <a14:hiddenEffects xmlns:a14="http://schemas.microsoft.com/office/drawing/2010/main">
+                <a:effectLst>
+                  <a:outerShdw dist="35921" dir="2700000" algn="ctr" rotWithShape="0">
+                    <a:schemeClr val="bg2"/>
+                  </a:outerShdw>
+                </a:effectLst>
+              </a14:hiddenEffects>
+            </a:ext>
+          </a:extLst>
+        </p:spPr>
+        <p:txBody>
+          <a:bodyPr wrap="square" lIns="90000" tIns="46800" rIns="90000" bIns="46800">
+            <a:spAutoFit/>
+          </a:bodyPr>
+          <a:lstStyle/>
+          <a:p>
+            <a:pPr>
+              <a:lnSpc>
+                <a:spcPct val="80000"/>
+              </a:lnSpc>
+              <a:spcBef>
+                <a:spcPct val="50000"/>
+              </a:spcBef>
+            </a:pPr>
+            <a:r>
+              <a:rPr lang="en-US" altLang="zh-CN" sz="1800" dirty="0" smtClean="0">
+                <a:latin typeface="Times New Roman" pitchFamily="18" charset="0"/>
+              </a:rPr>
+              <a:t>/**********************</a:t>
+            </a:r>
+          </a:p>
+          <a:p>
+            <a:pPr>
+              <a:lnSpc>
+                <a:spcPct val="80000"/>
+              </a:lnSpc>
+              <a:spcBef>
+                <a:spcPct val="50000"/>
+              </a:spcBef>
+            </a:pPr>
+            <a:r>
+              <a:rPr lang="en-US" altLang="zh-CN" sz="1800" dirty="0">
+                <a:latin typeface="Times New Roman" pitchFamily="18" charset="0"/>
+              </a:rPr>
+              <a:t> </a:t>
+            </a:r>
+            <a:r>
+              <a:rPr lang="en-US" altLang="zh-CN" sz="1800" dirty="0" smtClean="0">
+                <a:latin typeface="Times New Roman" pitchFamily="18" charset="0"/>
+              </a:rPr>
+              <a:t> * </a:t>
+            </a:r>
+            <a:r>
+              <a:rPr lang="en-US" altLang="zh-CN" sz="1800" dirty="0" smtClean="0">
+                <a:latin typeface="Times New Roman" pitchFamily="18" charset="0"/>
+              </a:rPr>
+              <a:t>ch2_1</a:t>
+            </a:r>
+            <a:r>
+              <a:rPr lang="zh-CN" altLang="en-US" sz="1800" dirty="0" smtClean="0">
+                <a:latin typeface="Times New Roman" pitchFamily="18" charset="0"/>
+              </a:rPr>
+              <a:t>，</a:t>
+            </a:r>
+            <a:r>
+              <a:rPr lang="zh-CN" altLang="en-US" sz="1800" dirty="0" smtClean="0">
+                <a:latin typeface="Times New Roman" pitchFamily="18" charset="0"/>
+              </a:rPr>
+              <a:t>题目要求</a:t>
+            </a:r>
+            <a:endParaRPr lang="en-US" altLang="zh-CN" sz="1800" dirty="0" smtClean="0">
+              <a:latin typeface="Times New Roman" pitchFamily="18" charset="0"/>
+            </a:endParaRPr>
+          </a:p>
+          <a:p>
+            <a:pPr>
+              <a:lnSpc>
+                <a:spcPct val="80000"/>
+              </a:lnSpc>
+              <a:spcBef>
+                <a:spcPct val="50000"/>
+              </a:spcBef>
+            </a:pPr>
+            <a:r>
+              <a:rPr lang="en-US" altLang="zh-CN" sz="1800" dirty="0">
+                <a:latin typeface="Times New Roman" pitchFamily="18" charset="0"/>
+              </a:rPr>
+              <a:t> </a:t>
+            </a:r>
+            <a:r>
+              <a:rPr lang="en-US" altLang="zh-CN" sz="1800" dirty="0" smtClean="0">
+                <a:latin typeface="Times New Roman" pitchFamily="18" charset="0"/>
+              </a:rPr>
+              <a:t> *********************/</a:t>
+            </a:r>
+          </a:p>
+          <a:p>
+            <a:pPr>
+              <a:lnSpc>
+                <a:spcPct val="80000"/>
+              </a:lnSpc>
+              <a:spcBef>
+                <a:spcPct val="50000"/>
+              </a:spcBef>
+            </a:pPr>
+            <a:r>
+              <a:rPr lang="en-US" altLang="zh-CN" sz="1800" dirty="0" smtClean="0">
+                <a:latin typeface="Times New Roman" pitchFamily="18" charset="0"/>
+              </a:rPr>
+              <a:t>void </a:t>
+            </a:r>
+            <a:r>
+              <a:rPr lang="en-US" altLang="zh-CN" sz="1800" dirty="0" smtClean="0">
+                <a:latin typeface="Times New Roman" pitchFamily="18" charset="0"/>
+              </a:rPr>
+              <a:t>ch2_1</a:t>
+            </a:r>
+            <a:r>
+              <a:rPr lang="en-US" altLang="zh-CN" sz="1800" dirty="0" smtClean="0">
+                <a:latin typeface="Times New Roman" pitchFamily="18" charset="0"/>
+              </a:rPr>
+              <a:t>( </a:t>
+            </a:r>
+            <a:r>
+              <a:rPr lang="en-US" altLang="zh-CN" sz="1800" dirty="0" smtClean="0">
+                <a:latin typeface="Times New Roman" pitchFamily="18" charset="0"/>
+              </a:rPr>
+              <a:t>)</a:t>
+            </a:r>
+          </a:p>
+          <a:p>
+            <a:pPr>
+              <a:lnSpc>
+                <a:spcPct val="80000"/>
+              </a:lnSpc>
+              <a:spcBef>
+                <a:spcPct val="50000"/>
+              </a:spcBef>
+            </a:pPr>
+            <a:r>
+              <a:rPr lang="en-US" altLang="zh-CN" sz="1800" dirty="0" smtClean="0">
+                <a:latin typeface="Times New Roman" pitchFamily="18" charset="0"/>
+              </a:rPr>
+              <a:t>{   }</a:t>
+            </a:r>
+            <a:endParaRPr lang="en-US" altLang="zh-CN" sz="1800" dirty="0" smtClean="0">
+              <a:latin typeface="Times New Roman" pitchFamily="18" charset="0"/>
+            </a:endParaRPr>
+          </a:p>
+          <a:p>
+            <a:pPr>
+              <a:lnSpc>
+                <a:spcPct val="80000"/>
+              </a:lnSpc>
+              <a:spcBef>
+                <a:spcPct val="50000"/>
+              </a:spcBef>
+            </a:pPr>
+            <a:r>
+              <a:rPr lang="en-US" altLang="zh-CN" sz="1800" dirty="0" smtClean="0">
+                <a:latin typeface="Times New Roman" pitchFamily="18" charset="0"/>
+              </a:rPr>
+              <a:t>/**********************</a:t>
+            </a:r>
+            <a:endParaRPr lang="en-US" altLang="zh-CN" sz="1800" dirty="0">
+              <a:latin typeface="Times New Roman" pitchFamily="18" charset="0"/>
+            </a:endParaRPr>
+          </a:p>
+          <a:p>
+            <a:pPr>
+              <a:lnSpc>
+                <a:spcPct val="80000"/>
+              </a:lnSpc>
+              <a:spcBef>
+                <a:spcPct val="50000"/>
+              </a:spcBef>
+            </a:pPr>
+            <a:r>
+              <a:rPr lang="en-US" altLang="zh-CN" sz="1800" dirty="0">
+                <a:latin typeface="Times New Roman" pitchFamily="18" charset="0"/>
+              </a:rPr>
+              <a:t>  * </a:t>
+            </a:r>
+            <a:r>
+              <a:rPr lang="en-US" altLang="zh-CN" sz="1800" dirty="0" smtClean="0">
+                <a:latin typeface="Times New Roman" pitchFamily="18" charset="0"/>
+              </a:rPr>
+              <a:t>ch2_2</a:t>
+            </a:r>
+            <a:r>
+              <a:rPr lang="zh-CN" altLang="en-US" sz="1800" dirty="0" smtClean="0">
+                <a:latin typeface="Times New Roman" pitchFamily="18" charset="0"/>
+              </a:rPr>
+              <a:t>，</a:t>
+            </a:r>
+            <a:r>
+              <a:rPr lang="zh-CN" altLang="en-US" sz="1800" dirty="0">
+                <a:latin typeface="Times New Roman" pitchFamily="18" charset="0"/>
+              </a:rPr>
+              <a:t>题目要求</a:t>
+            </a:r>
+            <a:endParaRPr lang="en-US" altLang="zh-CN" sz="1800" dirty="0">
+              <a:latin typeface="Times New Roman" pitchFamily="18" charset="0"/>
+            </a:endParaRPr>
+          </a:p>
+          <a:p>
+            <a:pPr>
+              <a:lnSpc>
+                <a:spcPct val="80000"/>
+              </a:lnSpc>
+              <a:spcBef>
+                <a:spcPct val="50000"/>
+              </a:spcBef>
+            </a:pPr>
+            <a:r>
+              <a:rPr lang="en-US" altLang="zh-CN" sz="1800" dirty="0">
+                <a:latin typeface="Times New Roman" pitchFamily="18" charset="0"/>
+              </a:rPr>
+              <a:t>  *********************/</a:t>
+            </a:r>
+          </a:p>
+          <a:p>
+            <a:pPr>
+              <a:lnSpc>
+                <a:spcPct val="80000"/>
+              </a:lnSpc>
+              <a:spcBef>
+                <a:spcPct val="50000"/>
+              </a:spcBef>
+            </a:pPr>
+            <a:r>
+              <a:rPr lang="en-US" altLang="zh-CN" sz="1800" dirty="0">
+                <a:latin typeface="Times New Roman" pitchFamily="18" charset="0"/>
+              </a:rPr>
+              <a:t>void </a:t>
+            </a:r>
+            <a:r>
+              <a:rPr lang="en-US" altLang="zh-CN" sz="1800" dirty="0" smtClean="0">
+                <a:latin typeface="Times New Roman" pitchFamily="18" charset="0"/>
+              </a:rPr>
+              <a:t>ch2_</a:t>
+            </a:r>
+            <a:r>
+              <a:rPr lang="en-US" altLang="zh-CN" sz="1800" dirty="0" smtClean="0">
+                <a:latin typeface="Times New Roman" pitchFamily="18" charset="0"/>
+              </a:rPr>
+              <a:t>2</a:t>
+            </a:r>
+            <a:r>
+              <a:rPr lang="en-US" altLang="zh-CN" sz="1800" dirty="0" smtClean="0">
+                <a:latin typeface="Times New Roman" pitchFamily="18" charset="0"/>
+              </a:rPr>
+              <a:t>( </a:t>
+            </a:r>
+            <a:r>
+              <a:rPr lang="en-US" altLang="zh-CN" sz="1800" dirty="0">
+                <a:latin typeface="Times New Roman" pitchFamily="18" charset="0"/>
+              </a:rPr>
+              <a:t>)</a:t>
+            </a:r>
+          </a:p>
+          <a:p>
+            <a:pPr>
+              <a:lnSpc>
+                <a:spcPct val="80000"/>
+              </a:lnSpc>
+              <a:spcBef>
+                <a:spcPct val="50000"/>
+              </a:spcBef>
+            </a:pPr>
+            <a:r>
+              <a:rPr lang="en-US" altLang="zh-CN" sz="1800" dirty="0" smtClean="0">
+                <a:latin typeface="Times New Roman" pitchFamily="18" charset="0"/>
+              </a:rPr>
+              <a:t>{    }</a:t>
+            </a:r>
+          </a:p>
+          <a:p>
+            <a:pPr>
+              <a:lnSpc>
+                <a:spcPct val="80000"/>
+              </a:lnSpc>
+              <a:spcBef>
+                <a:spcPct val="50000"/>
+              </a:spcBef>
+            </a:pPr>
+            <a:r>
+              <a:rPr lang="en-US" altLang="zh-CN" sz="1800" dirty="0" smtClean="0">
+                <a:latin typeface="Times New Roman" pitchFamily="18" charset="0"/>
+              </a:rPr>
+              <a:t>// ch2</a:t>
+            </a:r>
+            <a:r>
+              <a:rPr lang="zh-CN" altLang="en-US" sz="1800" dirty="0" smtClean="0">
+                <a:latin typeface="Times New Roman" pitchFamily="18" charset="0"/>
+              </a:rPr>
+              <a:t>作业</a:t>
+            </a:r>
+            <a:endParaRPr lang="en-US" altLang="zh-CN" sz="1800" dirty="0" smtClean="0">
+              <a:latin typeface="Times New Roman" pitchFamily="18" charset="0"/>
+            </a:endParaRPr>
+          </a:p>
+          <a:p>
+            <a:pPr>
+              <a:lnSpc>
+                <a:spcPct val="80000"/>
+              </a:lnSpc>
+              <a:spcBef>
+                <a:spcPct val="50000"/>
+              </a:spcBef>
+            </a:pPr>
+            <a:r>
+              <a:rPr lang="en-US" altLang="zh-CN" sz="1800" dirty="0" smtClean="0">
+                <a:latin typeface="Times New Roman" pitchFamily="18" charset="0"/>
+              </a:rPr>
+              <a:t>void ch2( )</a:t>
+            </a:r>
+          </a:p>
+          <a:p>
+            <a:pPr>
+              <a:lnSpc>
+                <a:spcPct val="80000"/>
+              </a:lnSpc>
+              <a:spcBef>
+                <a:spcPct val="50000"/>
+              </a:spcBef>
+            </a:pPr>
+            <a:r>
+              <a:rPr lang="en-US" altLang="zh-CN" sz="1800" dirty="0" smtClean="0">
+                <a:latin typeface="Times New Roman" pitchFamily="18" charset="0"/>
+              </a:rPr>
+              <a:t>   </a:t>
+            </a:r>
+            <a:r>
+              <a:rPr lang="en-US" altLang="zh-CN" sz="1800" dirty="0" err="1">
+                <a:latin typeface="Times New Roman" pitchFamily="18" charset="0"/>
+              </a:rPr>
+              <a:t>printf</a:t>
+            </a:r>
+            <a:r>
+              <a:rPr lang="en-US" altLang="zh-CN" sz="1800" dirty="0" smtClean="0">
+                <a:latin typeface="Times New Roman" pitchFamily="18" charset="0"/>
+              </a:rPr>
+              <a:t>(“ch2_1\n”);</a:t>
+            </a:r>
+          </a:p>
+          <a:p>
+            <a:pPr>
+              <a:lnSpc>
+                <a:spcPct val="80000"/>
+              </a:lnSpc>
+              <a:spcBef>
+                <a:spcPct val="50000"/>
+              </a:spcBef>
+            </a:pPr>
+            <a:r>
+              <a:rPr lang="en-US" altLang="zh-CN" sz="1800" dirty="0">
+                <a:latin typeface="Times New Roman" pitchFamily="18" charset="0"/>
+              </a:rPr>
+              <a:t> </a:t>
+            </a:r>
+            <a:r>
+              <a:rPr lang="en-US" altLang="zh-CN" sz="1800" dirty="0" smtClean="0">
+                <a:latin typeface="Times New Roman" pitchFamily="18" charset="0"/>
+              </a:rPr>
+              <a:t>  ch2_1(</a:t>
+            </a:r>
+            <a:r>
+              <a:rPr lang="zh-CN" altLang="en-US" sz="1800" dirty="0">
+                <a:latin typeface="Times New Roman" pitchFamily="18" charset="0"/>
+              </a:rPr>
+              <a:t> </a:t>
+            </a:r>
+            <a:r>
+              <a:rPr lang="en-US" altLang="zh-CN" sz="1800" dirty="0" smtClean="0">
+                <a:latin typeface="Times New Roman" pitchFamily="18" charset="0"/>
+              </a:rPr>
+              <a:t>);</a:t>
+            </a:r>
+            <a:endParaRPr lang="en-US" altLang="zh-CN" sz="1800" dirty="0">
+              <a:latin typeface="Times New Roman" pitchFamily="18" charset="0"/>
+            </a:endParaRPr>
+          </a:p>
+          <a:p>
+            <a:pPr>
+              <a:lnSpc>
+                <a:spcPct val="80000"/>
+              </a:lnSpc>
+              <a:spcBef>
+                <a:spcPct val="50000"/>
+              </a:spcBef>
+            </a:pPr>
+            <a:r>
+              <a:rPr lang="en-US" altLang="zh-CN" sz="1800" dirty="0">
+                <a:latin typeface="Times New Roman" pitchFamily="18" charset="0"/>
+              </a:rPr>
+              <a:t>   </a:t>
+            </a:r>
+            <a:r>
+              <a:rPr lang="en-US" altLang="zh-CN" sz="1800" dirty="0" err="1">
+                <a:latin typeface="Times New Roman" pitchFamily="18" charset="0"/>
+              </a:rPr>
+              <a:t>printf</a:t>
+            </a:r>
+            <a:r>
+              <a:rPr lang="en-US" altLang="zh-CN" sz="1800" dirty="0" smtClean="0">
+                <a:latin typeface="Times New Roman" pitchFamily="18" charset="0"/>
+              </a:rPr>
+              <a:t>(“</a:t>
+            </a:r>
+            <a:r>
+              <a:rPr lang="en-US" altLang="zh-CN" sz="1800" dirty="0" smtClean="0">
+                <a:latin typeface="Times New Roman" pitchFamily="18" charset="0"/>
+              </a:rPr>
+              <a:t>ch</a:t>
+            </a:r>
+            <a:r>
+              <a:rPr lang="en-US" altLang="zh-CN" sz="1800" dirty="0" smtClean="0">
+                <a:latin typeface="Times New Roman" pitchFamily="18" charset="0"/>
+              </a:rPr>
+              <a:t>2_2( </a:t>
+            </a:r>
+            <a:r>
+              <a:rPr lang="en-US" altLang="zh-CN" sz="1800" dirty="0">
+                <a:latin typeface="Times New Roman" pitchFamily="18" charset="0"/>
+              </a:rPr>
+              <a:t>)\n</a:t>
+            </a:r>
+            <a:r>
+              <a:rPr lang="en-US" altLang="zh-CN" sz="1800" dirty="0" smtClean="0">
+                <a:latin typeface="Times New Roman" pitchFamily="18" charset="0"/>
+              </a:rPr>
+              <a:t>”);</a:t>
+            </a:r>
+          </a:p>
+          <a:p>
+            <a:pPr>
+              <a:lnSpc>
+                <a:spcPct val="80000"/>
+              </a:lnSpc>
+              <a:spcBef>
+                <a:spcPct val="50000"/>
+              </a:spcBef>
+            </a:pPr>
+            <a:r>
+              <a:rPr lang="en-US" altLang="zh-CN" sz="1800" dirty="0">
+                <a:latin typeface="Times New Roman" pitchFamily="18" charset="0"/>
+              </a:rPr>
+              <a:t> </a:t>
+            </a:r>
+            <a:r>
+              <a:rPr lang="en-US" altLang="zh-CN" sz="1800" dirty="0" smtClean="0">
+                <a:latin typeface="Times New Roman" pitchFamily="18" charset="0"/>
+              </a:rPr>
+              <a:t>  ch2_2( );</a:t>
+            </a:r>
+            <a:endParaRPr lang="en-US" altLang="zh-CN" sz="1800" dirty="0">
+              <a:latin typeface="Times New Roman" pitchFamily="18" charset="0"/>
+            </a:endParaRPr>
+          </a:p>
+          <a:p>
+            <a:pPr>
+              <a:lnSpc>
+                <a:spcPct val="80000"/>
+              </a:lnSpc>
+              <a:spcBef>
+                <a:spcPct val="50000"/>
+              </a:spcBef>
+            </a:pPr>
+            <a:r>
+              <a:rPr lang="en-US" altLang="zh-CN" sz="1800" dirty="0" smtClean="0">
+                <a:latin typeface="Times New Roman" pitchFamily="18" charset="0"/>
+              </a:rPr>
+              <a:t>}</a:t>
+            </a:r>
+            <a:endParaRPr lang="en-US" altLang="zh-CN" sz="1800" dirty="0">
+              <a:latin typeface="Times New Roman" pitchFamily="18" charset="0"/>
+            </a:endParaRPr>
+          </a:p>
+        </p:txBody>
+      </p:sp>
+    </p:spTree>
+    <p:extLst>
+      <p:ext uri="{BB962C8B-B14F-4D97-AF65-F5344CB8AC3E}">
+        <p14:creationId xmlns:p14="http://schemas.microsoft.com/office/powerpoint/2010/main" val="3188889138"/>
+      </p:ext>
+    </p:extLst>
+  </p:cSld>
+  <p:clrMapOvr>
+    <a:masterClrMapping/>
+  </p:clrMapOvr>
+  <p:transition spd="slow">
+    <p:wipe/>
+  </p:transition>
   <p:timing>
     <p:tnLst>
       <p:par>
@@ -7606,7 +8807,7 @@
             </a:pPr>
             <a:fld id="{55081CE6-7F27-414C-8186-D8C912538B4A}" type="datetime10">
               <a:rPr lang="zh-CN" altLang="en-US" smtClean="0"/>
-              <a:t>13:46</a:t>
+              <a:t>17:29</a:t>
             </a:fld>
             <a:endParaRPr lang="en-US" altLang="zh-CN"/>
           </a:p>

--- a/2016/上机安排.pptx
+++ b/2016/上机安排.pptx
@@ -5,7 +5,7 @@
     <p:sldMasterId id="2147483648" r:id="rId1"/>
   </p:sldMasterIdLst>
   <p:notesMasterIdLst>
-    <p:notesMasterId r:id="rId16"/>
+    <p:notesMasterId r:id="rId18"/>
   </p:notesMasterIdLst>
   <p:sldIdLst>
     <p:sldId id="256" r:id="rId2"/>
@@ -22,6 +22,8 @@
     <p:sldId id="267" r:id="rId13"/>
     <p:sldId id="268" r:id="rId14"/>
     <p:sldId id="269" r:id="rId15"/>
+    <p:sldId id="270" r:id="rId16"/>
+    <p:sldId id="271" r:id="rId17"/>
   </p:sldIdLst>
   <p:sldSz cx="9144000" cy="6858000" type="screen4x3"/>
   <p:notesSz cx="6858000" cy="9144000"/>
@@ -205,7 +207,7 @@
           <a:p>
             <a:fld id="{E32E8F51-7589-4D7B-B384-FD766A27EFA9}" type="datetimeFigureOut">
               <a:rPr lang="zh-CN" altLang="en-US" smtClean="0"/>
-              <a:t>2016/10/19</a:t>
+              <a:t>2016/10/20</a:t>
             </a:fld>
             <a:endParaRPr lang="zh-CN" altLang="en-US"/>
           </a:p>
@@ -1985,7 +1987,7 @@
           <a:p>
             <a:fld id="{530820CF-B880-4189-942D-D702A7CBA730}" type="datetimeFigureOut">
               <a:rPr lang="zh-CN" altLang="en-US" smtClean="0"/>
-              <a:t>2016/10/19</a:t>
+              <a:t>2016/10/20</a:t>
             </a:fld>
             <a:endParaRPr lang="zh-CN" altLang="en-US"/>
           </a:p>
@@ -2150,7 +2152,7 @@
           <a:p>
             <a:fld id="{530820CF-B880-4189-942D-D702A7CBA730}" type="datetimeFigureOut">
               <a:rPr lang="zh-CN" altLang="en-US" smtClean="0"/>
-              <a:t>2016/10/19</a:t>
+              <a:t>2016/10/20</a:t>
             </a:fld>
             <a:endParaRPr lang="zh-CN" altLang="en-US"/>
           </a:p>
@@ -2325,7 +2327,7 @@
           <a:p>
             <a:fld id="{530820CF-B880-4189-942D-D702A7CBA730}" type="datetimeFigureOut">
               <a:rPr lang="zh-CN" altLang="en-US" smtClean="0"/>
-              <a:t>2016/10/19</a:t>
+              <a:t>2016/10/20</a:t>
             </a:fld>
             <a:endParaRPr lang="zh-CN" altLang="en-US"/>
           </a:p>
@@ -2490,7 +2492,7 @@
           <a:p>
             <a:fld id="{530820CF-B880-4189-942D-D702A7CBA730}" type="datetimeFigureOut">
               <a:rPr lang="zh-CN" altLang="en-US" smtClean="0"/>
-              <a:t>2016/10/19</a:t>
+              <a:t>2016/10/20</a:t>
             </a:fld>
             <a:endParaRPr lang="zh-CN" altLang="en-US"/>
           </a:p>
@@ -2731,7 +2733,7 @@
           <a:p>
             <a:fld id="{530820CF-B880-4189-942D-D702A7CBA730}" type="datetimeFigureOut">
               <a:rPr lang="zh-CN" altLang="en-US" smtClean="0"/>
-              <a:t>2016/10/19</a:t>
+              <a:t>2016/10/20</a:t>
             </a:fld>
             <a:endParaRPr lang="zh-CN" altLang="en-US"/>
           </a:p>
@@ -3014,7 +3016,7 @@
           <a:p>
             <a:fld id="{530820CF-B880-4189-942D-D702A7CBA730}" type="datetimeFigureOut">
               <a:rPr lang="zh-CN" altLang="en-US" smtClean="0"/>
-              <a:t>2016/10/19</a:t>
+              <a:t>2016/10/20</a:t>
             </a:fld>
             <a:endParaRPr lang="zh-CN" altLang="en-US"/>
           </a:p>
@@ -3431,7 +3433,7 @@
           <a:p>
             <a:fld id="{530820CF-B880-4189-942D-D702A7CBA730}" type="datetimeFigureOut">
               <a:rPr lang="zh-CN" altLang="en-US" smtClean="0"/>
-              <a:t>2016/10/19</a:t>
+              <a:t>2016/10/20</a:t>
             </a:fld>
             <a:endParaRPr lang="zh-CN" altLang="en-US"/>
           </a:p>
@@ -3544,7 +3546,7 @@
           <a:p>
             <a:fld id="{530820CF-B880-4189-942D-D702A7CBA730}" type="datetimeFigureOut">
               <a:rPr lang="zh-CN" altLang="en-US" smtClean="0"/>
-              <a:t>2016/10/19</a:t>
+              <a:t>2016/10/20</a:t>
             </a:fld>
             <a:endParaRPr lang="zh-CN" altLang="en-US"/>
           </a:p>
@@ -3634,7 +3636,7 @@
           <a:p>
             <a:fld id="{530820CF-B880-4189-942D-D702A7CBA730}" type="datetimeFigureOut">
               <a:rPr lang="zh-CN" altLang="en-US" smtClean="0"/>
-              <a:t>2016/10/19</a:t>
+              <a:t>2016/10/20</a:t>
             </a:fld>
             <a:endParaRPr lang="zh-CN" altLang="en-US"/>
           </a:p>
@@ -3906,7 +3908,7 @@
           <a:p>
             <a:fld id="{530820CF-B880-4189-942D-D702A7CBA730}" type="datetimeFigureOut">
               <a:rPr lang="zh-CN" altLang="en-US" smtClean="0"/>
-              <a:t>2016/10/19</a:t>
+              <a:t>2016/10/20</a:t>
             </a:fld>
             <a:endParaRPr lang="zh-CN" altLang="en-US"/>
           </a:p>
@@ -4154,7 +4156,7 @@
           <a:p>
             <a:fld id="{530820CF-B880-4189-942D-D702A7CBA730}" type="datetimeFigureOut">
               <a:rPr lang="zh-CN" altLang="en-US" smtClean="0"/>
-              <a:t>2016/10/19</a:t>
+              <a:t>2016/10/20</a:t>
             </a:fld>
             <a:endParaRPr lang="zh-CN" altLang="en-US"/>
           </a:p>
@@ -4362,7 +4364,7 @@
           <a:p>
             <a:fld id="{530820CF-B880-4189-942D-D702A7CBA730}" type="datetimeFigureOut">
               <a:rPr lang="zh-CN" altLang="en-US" smtClean="0"/>
-              <a:t>2016/10/19</a:t>
+              <a:t>2016/10/20</a:t>
             </a:fld>
             <a:endParaRPr lang="zh-CN" altLang="en-US"/>
           </a:p>
@@ -4888,7 +4890,19 @@
             </a:r>
             <a:r>
               <a:rPr lang="zh-CN" altLang="en-US" dirty="0" smtClean="0"/>
-              <a:t>次上机练习答案</a:t>
+              <a:t>次上机练习</a:t>
+            </a:r>
+            <a:r>
+              <a:rPr lang="zh-CN" altLang="en-US" dirty="0" smtClean="0"/>
+              <a:t>答案（</a:t>
+            </a:r>
+            <a:r>
+              <a:rPr lang="en-US" altLang="zh-CN" dirty="0" smtClean="0"/>
+              <a:t>1</a:t>
+            </a:r>
+            <a:r>
+              <a:rPr lang="zh-CN" altLang="en-US" dirty="0" smtClean="0"/>
+              <a:t>）</a:t>
             </a:r>
             <a:endParaRPr lang="zh-CN" altLang="en-US" dirty="0"/>
           </a:p>
@@ -5300,9 +5314,18 @@
               <a:t>次上机练习</a:t>
             </a:r>
             <a:r>
-              <a:rPr lang="zh-CN" altLang="en-US" dirty="0"/>
-              <a:t>答案</a:t>
-            </a:r>
+              <a:rPr lang="zh-CN" altLang="en-US" dirty="0" smtClean="0"/>
+              <a:t>答案（</a:t>
+            </a:r>
+            <a:r>
+              <a:rPr lang="en-US" altLang="zh-CN" dirty="0" smtClean="0"/>
+              <a:t>2</a:t>
+            </a:r>
+            <a:r>
+              <a:rPr lang="zh-CN" altLang="en-US" dirty="0" smtClean="0"/>
+              <a:t>）</a:t>
+            </a:r>
+            <a:endParaRPr lang="zh-CN" altLang="en-US" dirty="0"/>
           </a:p>
         </p:txBody>
       </p:sp>
@@ -5668,7 +5691,19 @@
             </a:r>
             <a:r>
               <a:rPr lang="zh-CN" altLang="en-US" dirty="0" smtClean="0"/>
-              <a:t>次上机练习</a:t>
+              <a:t>次上机</a:t>
+            </a:r>
+            <a:r>
+              <a:rPr lang="zh-CN" altLang="en-US" dirty="0" smtClean="0"/>
+              <a:t>练习（</a:t>
+            </a:r>
+            <a:r>
+              <a:rPr lang="en-US" altLang="zh-CN" dirty="0" smtClean="0"/>
+              <a:t>3</a:t>
+            </a:r>
+            <a:r>
+              <a:rPr lang="zh-CN" altLang="en-US" dirty="0" smtClean="0"/>
+              <a:t>）</a:t>
             </a:r>
             <a:endParaRPr lang="zh-CN" altLang="en-US" dirty="0"/>
           </a:p>
@@ -5919,7 +5954,19 @@
             </a:r>
             <a:r>
               <a:rPr lang="zh-CN" altLang="en-US" dirty="0" smtClean="0"/>
-              <a:t>次上机练习</a:t>
+              <a:t>次上机</a:t>
+            </a:r>
+            <a:r>
+              <a:rPr lang="zh-CN" altLang="en-US" dirty="0" smtClean="0"/>
+              <a:t>练习（</a:t>
+            </a:r>
+            <a:r>
+              <a:rPr lang="en-US" altLang="zh-CN" dirty="0" smtClean="0"/>
+              <a:t>4</a:t>
+            </a:r>
+            <a:r>
+              <a:rPr lang="zh-CN" altLang="en-US" dirty="0" smtClean="0"/>
+              <a:t>）</a:t>
             </a:r>
             <a:endParaRPr lang="zh-CN" altLang="en-US" dirty="0"/>
           </a:p>
@@ -6549,25 +6596,7 @@
               <a:rPr lang="en-US" altLang="zh-CN" sz="2000" dirty="0" smtClean="0">
                 <a:latin typeface="Times New Roman" pitchFamily="18" charset="0"/>
               </a:rPr>
-              <a:t>void  </a:t>
-            </a:r>
-            <a:r>
-              <a:rPr lang="en-US" altLang="zh-CN" sz="2000" dirty="0" smtClean="0">
-                <a:latin typeface="Times New Roman" pitchFamily="18" charset="0"/>
-              </a:rPr>
-              <a:t>ch2</a:t>
-            </a:r>
-            <a:r>
-              <a:rPr lang="en-US" altLang="zh-CN" sz="2000" dirty="0" smtClean="0">
-                <a:latin typeface="Times New Roman" pitchFamily="18" charset="0"/>
-              </a:rPr>
-              <a:t>( </a:t>
-            </a:r>
-            <a:r>
-              <a:rPr lang="en-US" altLang="zh-CN" sz="2000" dirty="0" smtClean="0">
-                <a:latin typeface="Times New Roman" pitchFamily="18" charset="0"/>
-              </a:rPr>
-              <a:t>); </a:t>
+              <a:t>void  ch2( ); </a:t>
             </a:r>
             <a:r>
               <a:rPr lang="en-US" altLang="zh-CN" sz="2000" dirty="0">
@@ -6601,37 +6630,19 @@
               <a:rPr lang="en-US" altLang="zh-CN" sz="2000" dirty="0" smtClean="0">
                 <a:latin typeface="Times New Roman" pitchFamily="18" charset="0"/>
               </a:rPr>
-              <a:t>void  </a:t>
+              <a:t>void  ch</a:t>
+            </a:r>
+            <a:r>
+              <a:rPr lang="en-US" altLang="zh-CN" sz="2000" dirty="0">
+                <a:latin typeface="Times New Roman" pitchFamily="18" charset="0"/>
+              </a:rPr>
+              <a:t>3</a:t>
             </a:r>
             <a:r>
               <a:rPr lang="en-US" altLang="zh-CN" sz="2000" dirty="0" smtClean="0">
                 <a:latin typeface="Times New Roman" pitchFamily="18" charset="0"/>
               </a:rPr>
-              <a:t>ch</a:t>
-            </a:r>
-            <a:r>
-              <a:rPr lang="en-US" altLang="zh-CN" sz="2000" dirty="0">
-                <a:latin typeface="Times New Roman" pitchFamily="18" charset="0"/>
-              </a:rPr>
-              <a:t>3</a:t>
-            </a:r>
-            <a:r>
-              <a:rPr lang="en-US" altLang="zh-CN" sz="2000" dirty="0" smtClean="0">
-                <a:latin typeface="Times New Roman" pitchFamily="18" charset="0"/>
-              </a:rPr>
-              <a:t>( </a:t>
-            </a:r>
-            <a:r>
-              <a:rPr lang="en-US" altLang="zh-CN" sz="2000" dirty="0" smtClean="0">
-                <a:latin typeface="Times New Roman" pitchFamily="18" charset="0"/>
-              </a:rPr>
-              <a:t>); // </a:t>
-            </a:r>
-            <a:r>
-              <a:rPr lang="en-US" altLang="zh-CN" sz="2000" dirty="0" smtClean="0">
-                <a:latin typeface="Times New Roman" pitchFamily="18" charset="0"/>
-              </a:rPr>
-              <a:t>ch3</a:t>
+              <a:t>( ); // ch3</a:t>
             </a:r>
             <a:r>
               <a:rPr lang="zh-CN" altLang="en-US" sz="2000" dirty="0" smtClean="0">
@@ -6706,25 +6717,7 @@
               <a:rPr lang="en-US" altLang="zh-CN" sz="2000" dirty="0" smtClean="0">
                 <a:latin typeface="Times New Roman" pitchFamily="18" charset="0"/>
               </a:rPr>
-              <a:t>   </a:t>
-            </a:r>
-            <a:r>
-              <a:rPr lang="en-US" altLang="zh-CN" sz="2000" dirty="0" smtClean="0">
-                <a:latin typeface="Times New Roman" pitchFamily="18" charset="0"/>
-              </a:rPr>
-              <a:t>ch2</a:t>
-            </a:r>
-            <a:r>
-              <a:rPr lang="en-US" altLang="zh-CN" sz="2000" dirty="0" smtClean="0">
-                <a:latin typeface="Times New Roman" pitchFamily="18" charset="0"/>
-              </a:rPr>
-              <a:t>( </a:t>
-            </a:r>
-            <a:r>
-              <a:rPr lang="en-US" altLang="zh-CN" sz="2000" dirty="0" smtClean="0">
-                <a:latin typeface="Times New Roman" pitchFamily="18" charset="0"/>
-              </a:rPr>
-              <a:t>);</a:t>
+              <a:t>   ch2( );</a:t>
             </a:r>
           </a:p>
           <a:p>
@@ -6743,31 +6736,7 @@
               <a:rPr lang="en-US" altLang="zh-CN" sz="2000" dirty="0" smtClean="0">
                 <a:latin typeface="Times New Roman" pitchFamily="18" charset="0"/>
               </a:rPr>
-              <a:t>   </a:t>
-            </a:r>
-            <a:r>
-              <a:rPr lang="en-US" altLang="zh-CN" sz="2000" dirty="0" smtClean="0">
-                <a:latin typeface="Times New Roman" pitchFamily="18" charset="0"/>
-              </a:rPr>
-              <a:t>//</a:t>
-            </a:r>
-            <a:r>
-              <a:rPr lang="en-US" altLang="zh-CN" sz="2000" dirty="0" smtClean="0">
-                <a:latin typeface="Times New Roman" pitchFamily="18" charset="0"/>
-              </a:rPr>
-              <a:t>ch3</a:t>
-            </a:r>
-            <a:r>
-              <a:rPr lang="en-US" altLang="zh-CN" sz="2000" dirty="0" smtClean="0">
-                <a:latin typeface="Times New Roman" pitchFamily="18" charset="0"/>
-              </a:rPr>
-              <a:t>( </a:t>
-            </a:r>
-            <a:r>
-              <a:rPr lang="en-US" altLang="zh-CN" sz="2000" dirty="0" smtClean="0">
-                <a:latin typeface="Times New Roman" pitchFamily="18" charset="0"/>
-              </a:rPr>
-              <a:t>);</a:t>
+              <a:t>   //ch3( );</a:t>
             </a:r>
           </a:p>
           <a:p>
@@ -6908,25 +6877,13 @@
               <a:rPr lang="en-US" altLang="zh-CN" sz="1800" dirty="0" smtClean="0">
                 <a:latin typeface="Times New Roman" pitchFamily="18" charset="0"/>
               </a:rPr>
-              <a:t> * </a:t>
-            </a:r>
-            <a:r>
-              <a:rPr lang="en-US" altLang="zh-CN" sz="1800" dirty="0" smtClean="0">
-                <a:latin typeface="Times New Roman" pitchFamily="18" charset="0"/>
-              </a:rPr>
-              <a:t>ch2_1</a:t>
+              <a:t> * ch2_1</a:t>
             </a:r>
             <a:r>
               <a:rPr lang="zh-CN" altLang="en-US" sz="1800" dirty="0" smtClean="0">
                 <a:latin typeface="Times New Roman" pitchFamily="18" charset="0"/>
               </a:rPr>
-              <a:t>，</a:t>
-            </a:r>
-            <a:r>
-              <a:rPr lang="zh-CN" altLang="en-US" sz="1800" dirty="0" smtClean="0">
-                <a:latin typeface="Times New Roman" pitchFamily="18" charset="0"/>
-              </a:rPr>
-              <a:t>题目要求</a:t>
+              <a:t>，题目要求</a:t>
             </a:r>
             <a:endParaRPr lang="en-US" altLang="zh-CN" sz="1800" dirty="0" smtClean="0">
               <a:latin typeface="Times New Roman" pitchFamily="18" charset="0"/>
@@ -6967,25 +6924,7 @@
               <a:rPr lang="en-US" altLang="zh-CN" sz="1800" dirty="0" smtClean="0">
                 <a:latin typeface="Times New Roman" pitchFamily="18" charset="0"/>
               </a:rPr>
-              <a:t>void </a:t>
-            </a:r>
-            <a:r>
-              <a:rPr lang="en-US" altLang="zh-CN" sz="1800" dirty="0" smtClean="0">
-                <a:latin typeface="Times New Roman" pitchFamily="18" charset="0"/>
-              </a:rPr>
-              <a:t>ch2_1</a:t>
-            </a:r>
-            <a:r>
-              <a:rPr lang="en-US" altLang="zh-CN" sz="1800" dirty="0" smtClean="0">
-                <a:latin typeface="Times New Roman" pitchFamily="18" charset="0"/>
-              </a:rPr>
-              <a:t>( </a:t>
-            </a:r>
-            <a:r>
-              <a:rPr lang="en-US" altLang="zh-CN" sz="1800" dirty="0" smtClean="0">
-                <a:latin typeface="Times New Roman" pitchFamily="18" charset="0"/>
-              </a:rPr>
-              <a:t>)</a:t>
+              <a:t>void ch2_1( )</a:t>
             </a:r>
           </a:p>
           <a:p>
@@ -7003,9 +6942,6 @@
               </a:rPr>
               <a:t>{   }</a:t>
             </a:r>
-            <a:endParaRPr lang="en-US" altLang="zh-CN" sz="1800" dirty="0" smtClean="0">
-              <a:latin typeface="Times New Roman" pitchFamily="18" charset="0"/>
-            </a:endParaRPr>
           </a:p>
           <a:p>
             <a:pPr>
@@ -7098,19 +7034,7 @@
               <a:rPr lang="en-US" altLang="zh-CN" sz="1800" dirty="0" smtClean="0">
                 <a:latin typeface="Times New Roman" pitchFamily="18" charset="0"/>
               </a:rPr>
-              <a:t>ch2_</a:t>
-            </a:r>
-            <a:r>
-              <a:rPr lang="en-US" altLang="zh-CN" sz="1800" dirty="0" smtClean="0">
-                <a:latin typeface="Times New Roman" pitchFamily="18" charset="0"/>
-              </a:rPr>
-              <a:t>2</a:t>
-            </a:r>
-            <a:r>
-              <a:rPr lang="en-US" altLang="zh-CN" sz="1800" dirty="0" smtClean="0">
-                <a:latin typeface="Times New Roman" pitchFamily="18" charset="0"/>
-              </a:rPr>
-              <a:t>( </a:t>
+              <a:t>ch2_2( </a:t>
             </a:r>
             <a:r>
               <a:rPr lang="en-US" altLang="zh-CN" sz="1800" dirty="0">
@@ -7266,19 +7190,7 @@
               <a:rPr lang="en-US" altLang="zh-CN" sz="1800" dirty="0" smtClean="0">
                 <a:latin typeface="Times New Roman" pitchFamily="18" charset="0"/>
               </a:rPr>
-              <a:t>(“</a:t>
-            </a:r>
-            <a:r>
-              <a:rPr lang="en-US" altLang="zh-CN" sz="1800" dirty="0" smtClean="0">
-                <a:latin typeface="Times New Roman" pitchFamily="18" charset="0"/>
-              </a:rPr>
-              <a:t>ch</a:t>
-            </a:r>
-            <a:r>
-              <a:rPr lang="en-US" altLang="zh-CN" sz="1800" dirty="0" smtClean="0">
-                <a:latin typeface="Times New Roman" pitchFamily="18" charset="0"/>
-              </a:rPr>
-              <a:t>2_2( </a:t>
+              <a:t>(“ch2_2( </a:t>
             </a:r>
             <a:r>
               <a:rPr lang="en-US" altLang="zh-CN" sz="1800" dirty="0">
@@ -7359,6 +7271,761 @@
       </p:par>
     </p:tnLst>
   </p:timing>
+</p:sld>
+</file>
+
+<file path=ppt/slides/slide15.xml><?xml version="1.0" encoding="utf-8"?>
+<p:sld xmlns:a="http://schemas.openxmlformats.org/drawingml/2006/main" xmlns:r="http://schemas.openxmlformats.org/officeDocument/2006/relationships" xmlns:p="http://schemas.openxmlformats.org/presentationml/2006/main">
+  <p:cSld>
+    <p:spTree>
+      <p:nvGrpSpPr>
+        <p:cNvPr id="1" name=""/>
+        <p:cNvGrpSpPr/>
+        <p:nvPr/>
+      </p:nvGrpSpPr>
+      <p:grpSpPr>
+        <a:xfrm>
+          <a:off x="0" y="0"/>
+          <a:ext cx="0" cy="0"/>
+          <a:chOff x="0" y="0"/>
+          <a:chExt cx="0" cy="0"/>
+        </a:xfrm>
+      </p:grpSpPr>
+      <p:sp>
+        <p:nvSpPr>
+          <p:cNvPr id="4" name="标题 3"/>
+          <p:cNvSpPr>
+            <a:spLocks noGrp="1"/>
+          </p:cNvSpPr>
+          <p:nvPr>
+            <p:ph type="title"/>
+          </p:nvPr>
+        </p:nvSpPr>
+        <p:spPr/>
+        <p:txBody>
+          <a:bodyPr/>
+          <a:lstStyle/>
+          <a:p>
+            <a:r>
+              <a:rPr lang="en-US" altLang="zh-CN" dirty="0" smtClean="0"/>
+              <a:t>C</a:t>
+            </a:r>
+            <a:r>
+              <a:rPr lang="zh-CN" altLang="en-US" dirty="0" smtClean="0"/>
+              <a:t>语言第</a:t>
+            </a:r>
+            <a:r>
+              <a:rPr lang="en-US" altLang="zh-CN" dirty="0" smtClean="0"/>
+              <a:t>2</a:t>
+            </a:r>
+            <a:r>
+              <a:rPr lang="zh-CN" altLang="en-US" dirty="0" smtClean="0"/>
+              <a:t>次上机练习</a:t>
+            </a:r>
+            <a:endParaRPr lang="zh-CN" altLang="en-US" dirty="0"/>
+          </a:p>
+        </p:txBody>
+      </p:sp>
+      <p:sp>
+        <p:nvSpPr>
+          <p:cNvPr id="5" name="内容占位符 4"/>
+          <p:cNvSpPr>
+            <a:spLocks noGrp="1"/>
+          </p:cNvSpPr>
+          <p:nvPr>
+            <p:ph idx="1"/>
+          </p:nvPr>
+        </p:nvSpPr>
+        <p:spPr>
+          <a:xfrm>
+            <a:off x="471055" y="1600200"/>
+            <a:ext cx="8229600" cy="4525963"/>
+          </a:xfrm>
+        </p:spPr>
+        <p:txBody>
+          <a:bodyPr>
+            <a:normAutofit lnSpcReduction="10000"/>
+          </a:bodyPr>
+          <a:lstStyle/>
+          <a:p>
+            <a:r>
+              <a:rPr lang="en-US" altLang="zh-CN" sz="2400" dirty="0"/>
+              <a:t>ch3,p71, 1. </a:t>
+            </a:r>
+            <a:r>
+              <a:rPr lang="zh-CN" altLang="en-US" sz="2400" dirty="0"/>
+              <a:t>编程实现：输入圆的半径，输出其周长和</a:t>
+            </a:r>
+            <a:r>
+              <a:rPr lang="zh-CN" altLang="en-US" sz="2400" dirty="0" smtClean="0"/>
+              <a:t>面积。</a:t>
+            </a:r>
+            <a:endParaRPr lang="en-US" altLang="zh-CN" sz="2400" dirty="0" smtClean="0"/>
+          </a:p>
+          <a:p>
+            <a:r>
+              <a:rPr lang="en-US" altLang="zh-CN" sz="2400" dirty="0"/>
+              <a:t>ch3,p71,3.</a:t>
+            </a:r>
+            <a:r>
+              <a:rPr lang="zh-CN" altLang="en-US" sz="2400" dirty="0"/>
+              <a:t>已知鸡兔共有头</a:t>
+            </a:r>
+            <a:r>
+              <a:rPr lang="en-US" altLang="zh-CN" sz="2400" dirty="0"/>
+              <a:t>a</a:t>
+            </a:r>
+            <a:r>
+              <a:rPr lang="zh-CN" altLang="en-US" sz="2400" dirty="0"/>
+              <a:t>个，有脚</a:t>
+            </a:r>
+            <a:r>
+              <a:rPr lang="en-US" altLang="zh-CN" sz="2400" dirty="0"/>
+              <a:t>b</a:t>
+            </a:r>
+            <a:r>
+              <a:rPr lang="zh-CN" altLang="en-US" sz="2400" dirty="0"/>
+              <a:t>只，计算鸡兔各多少只</a:t>
+            </a:r>
+            <a:r>
+              <a:rPr lang="zh-CN" altLang="en-US" sz="2400" dirty="0" smtClean="0"/>
+              <a:t>？鸡</a:t>
+            </a:r>
+            <a:r>
+              <a:rPr lang="zh-CN" altLang="en-US" sz="2400" dirty="0"/>
+              <a:t>兔脚的总数</a:t>
+            </a:r>
+            <a:r>
+              <a:rPr lang="en-US" altLang="zh-CN" sz="2400" dirty="0"/>
+              <a:t>b</a:t>
+            </a:r>
+            <a:r>
+              <a:rPr lang="zh-CN" altLang="en-US" sz="2400" dirty="0"/>
+              <a:t>可以任意输入吗</a:t>
+            </a:r>
+            <a:r>
+              <a:rPr lang="zh-CN" altLang="en-US" sz="2400" dirty="0" smtClean="0"/>
+              <a:t>？</a:t>
+            </a:r>
+            <a:endParaRPr lang="en-US" altLang="zh-CN" sz="2400" dirty="0" smtClean="0"/>
+          </a:p>
+          <a:p>
+            <a:r>
+              <a:rPr lang="en-US" altLang="zh-CN" sz="2400" dirty="0"/>
+              <a:t>ch3,p71,4.</a:t>
+            </a:r>
+            <a:r>
+              <a:rPr lang="zh-CN" altLang="en-US" sz="2400" dirty="0"/>
+              <a:t>编程从键盘输入一个</a:t>
+            </a:r>
+            <a:r>
+              <a:rPr lang="en-US" altLang="zh-CN" sz="2400" dirty="0"/>
+              <a:t>3</a:t>
+            </a:r>
+            <a:r>
+              <a:rPr lang="zh-CN" altLang="en-US" sz="2400" dirty="0"/>
+              <a:t>位数，将它们逆序输出</a:t>
+            </a:r>
+            <a:r>
+              <a:rPr lang="zh-CN" altLang="en-US" sz="2400" dirty="0" smtClean="0"/>
+              <a:t>。例如</a:t>
+            </a:r>
+            <a:r>
+              <a:rPr lang="zh-CN" altLang="en-US" sz="2400" dirty="0"/>
+              <a:t>输入</a:t>
+            </a:r>
+            <a:r>
+              <a:rPr lang="en-US" altLang="zh-CN" sz="2400" dirty="0"/>
+              <a:t>123</a:t>
+            </a:r>
+            <a:r>
+              <a:rPr lang="zh-CN" altLang="en-US" sz="2400" dirty="0"/>
+              <a:t>，则输出</a:t>
+            </a:r>
+            <a:r>
+              <a:rPr lang="en-US" altLang="zh-CN" sz="2400" dirty="0"/>
+              <a:t>321</a:t>
+            </a:r>
+            <a:r>
+              <a:rPr lang="zh-CN" altLang="en-US" sz="2400" dirty="0"/>
+              <a:t>。通过后续章节的学习，将能解决任意多位数字的逆序输出</a:t>
+            </a:r>
+            <a:r>
+              <a:rPr lang="zh-CN" altLang="en-US" sz="2400" dirty="0" smtClean="0"/>
+              <a:t>。</a:t>
+            </a:r>
+            <a:endParaRPr lang="en-US" altLang="zh-CN" sz="2400" dirty="0" smtClean="0"/>
+          </a:p>
+          <a:p>
+            <a:r>
+              <a:rPr lang="en-US" altLang="zh-CN" sz="2400" dirty="0"/>
+              <a:t>ch3, p71, 5. </a:t>
+            </a:r>
+            <a:r>
+              <a:rPr lang="zh-CN" altLang="en-US" sz="2400" dirty="0"/>
+              <a:t>编程从键盘输入一个三角形的三条边</a:t>
+            </a:r>
+            <a:r>
+              <a:rPr lang="en-US" altLang="zh-CN" sz="2400" dirty="0"/>
+              <a:t>a</a:t>
+            </a:r>
+            <a:r>
+              <a:rPr lang="zh-CN" altLang="en-US" sz="2400" dirty="0"/>
+              <a:t>、</a:t>
+            </a:r>
+            <a:r>
+              <a:rPr lang="en-US" altLang="zh-CN" sz="2400" dirty="0"/>
+              <a:t>b</a:t>
+            </a:r>
+            <a:r>
+              <a:rPr lang="zh-CN" altLang="en-US" sz="2400" dirty="0"/>
+              <a:t>、</a:t>
+            </a:r>
+            <a:r>
+              <a:rPr lang="en-US" altLang="zh-CN" sz="2400" dirty="0"/>
+              <a:t>c</a:t>
+            </a:r>
+            <a:r>
+              <a:rPr lang="zh-CN" altLang="en-US" sz="2400" dirty="0"/>
+              <a:t>，求三角形面积 </a:t>
+            </a:r>
+            <a:r>
+              <a:rPr lang="zh-CN" altLang="en-US" sz="2400" dirty="0" smtClean="0"/>
+              <a:t>。</a:t>
+            </a:r>
+            <a:endParaRPr lang="en-US" altLang="zh-CN" sz="2400" dirty="0" smtClean="0"/>
+          </a:p>
+          <a:p>
+            <a:pPr marL="0" indent="0">
+              <a:buNone/>
+            </a:pPr>
+            <a:r>
+              <a:rPr lang="en-US" altLang="zh-CN" sz="2400" dirty="0"/>
+              <a:t> </a:t>
+            </a:r>
+            <a:r>
+              <a:rPr lang="en-US" altLang="zh-CN" sz="2400" dirty="0" smtClean="0"/>
+              <a:t>   s=(</a:t>
+            </a:r>
+            <a:r>
+              <a:rPr lang="en-US" altLang="zh-CN" sz="2400" dirty="0" err="1" smtClean="0"/>
+              <a:t>a+b+c</a:t>
+            </a:r>
+            <a:r>
+              <a:rPr lang="en-US" altLang="zh-CN" sz="2400" dirty="0" smtClean="0"/>
+              <a:t>)/2,area=</a:t>
+            </a:r>
+            <a:r>
+              <a:rPr lang="en-US" altLang="zh-CN" sz="2400" dirty="0" err="1" smtClean="0"/>
+              <a:t>sqrt</a:t>
+            </a:r>
+            <a:r>
+              <a:rPr lang="en-US" altLang="zh-CN" sz="2400" dirty="0" smtClean="0"/>
+              <a:t>(s</a:t>
+            </a:r>
+            <a:r>
+              <a:rPr lang="en-US" altLang="zh-CN" sz="2400" dirty="0"/>
+              <a:t>*(s-a)*(s-b)*(s-c)).</a:t>
+            </a:r>
+          </a:p>
+          <a:p>
+            <a:pPr marL="0" indent="0">
+              <a:buNone/>
+            </a:pPr>
+            <a:r>
+              <a:rPr lang="en-US" altLang="zh-CN" sz="2400" dirty="0"/>
+              <a:t>  </a:t>
+            </a:r>
+            <a:r>
+              <a:rPr lang="en-US" altLang="zh-CN" sz="2400" dirty="0" smtClean="0"/>
+              <a:t> </a:t>
+            </a:r>
+            <a:r>
+              <a:rPr lang="zh-CN" altLang="en-US" sz="2400" dirty="0" smtClean="0"/>
+              <a:t>三角形</a:t>
+            </a:r>
+            <a:r>
+              <a:rPr lang="zh-CN" altLang="en-US" sz="2400" dirty="0"/>
+              <a:t>的三条边长可任意输入吗？ </a:t>
+            </a:r>
+            <a:r>
+              <a:rPr lang="en-US" altLang="zh-CN" sz="2400" dirty="0"/>
+              <a:t>【</a:t>
+            </a:r>
+            <a:r>
+              <a:rPr lang="zh-CN" altLang="en-US" sz="2400" dirty="0"/>
+              <a:t>两边之和大于第三边，差小于第三边。</a:t>
+            </a:r>
+            <a:r>
+              <a:rPr lang="en-US" altLang="zh-CN" sz="2400" dirty="0"/>
+              <a:t>】 </a:t>
+            </a:r>
+          </a:p>
+          <a:p>
+            <a:pPr marL="0" indent="0">
+              <a:buNone/>
+            </a:pPr>
+            <a:r>
+              <a:rPr lang="en-US" altLang="zh-CN" sz="2400" dirty="0"/>
+              <a:t> </a:t>
+            </a:r>
+            <a:r>
+              <a:rPr lang="en-US" altLang="zh-CN" sz="2400" dirty="0" smtClean="0"/>
+              <a:t>  * </a:t>
+            </a:r>
+            <a:r>
+              <a:rPr lang="zh-CN" altLang="en-US" sz="2400" dirty="0"/>
+              <a:t>注：条件语句在学习</a:t>
+            </a:r>
+            <a:r>
+              <a:rPr lang="en-US" altLang="zh-CN" sz="2400" dirty="0"/>
+              <a:t>ch4</a:t>
+            </a:r>
+            <a:r>
+              <a:rPr lang="zh-CN" altLang="en-US" sz="2400" dirty="0"/>
+              <a:t>后，再补充。</a:t>
+            </a:r>
+          </a:p>
+        </p:txBody>
+      </p:sp>
+    </p:spTree>
+    <p:extLst>
+      <p:ext uri="{BB962C8B-B14F-4D97-AF65-F5344CB8AC3E}">
+        <p14:creationId xmlns:p14="http://schemas.microsoft.com/office/powerpoint/2010/main" val="2007058684"/>
+      </p:ext>
+    </p:extLst>
+  </p:cSld>
+  <p:clrMapOvr>
+    <a:masterClrMapping/>
+  </p:clrMapOvr>
+</p:sld>
+</file>
+
+<file path=ppt/slides/slide16.xml><?xml version="1.0" encoding="utf-8"?>
+<p:sld xmlns:a="http://schemas.openxmlformats.org/drawingml/2006/main" xmlns:r="http://schemas.openxmlformats.org/officeDocument/2006/relationships" xmlns:p="http://schemas.openxmlformats.org/presentationml/2006/main">
+  <p:cSld>
+    <p:spTree>
+      <p:nvGrpSpPr>
+        <p:cNvPr id="1" name=""/>
+        <p:cNvGrpSpPr/>
+        <p:nvPr/>
+      </p:nvGrpSpPr>
+      <p:grpSpPr>
+        <a:xfrm>
+          <a:off x="0" y="0"/>
+          <a:ext cx="0" cy="0"/>
+          <a:chOff x="0" y="0"/>
+          <a:chExt cx="0" cy="0"/>
+        </a:xfrm>
+      </p:grpSpPr>
+      <p:sp>
+        <p:nvSpPr>
+          <p:cNvPr id="4" name="标题 3"/>
+          <p:cNvSpPr>
+            <a:spLocks noGrp="1"/>
+          </p:cNvSpPr>
+          <p:nvPr>
+            <p:ph type="title"/>
+          </p:nvPr>
+        </p:nvSpPr>
+        <p:spPr>
+          <a:xfrm>
+            <a:off x="457200" y="-99392"/>
+            <a:ext cx="8229600" cy="1143000"/>
+          </a:xfrm>
+        </p:spPr>
+        <p:txBody>
+          <a:bodyPr>
+            <a:normAutofit/>
+          </a:bodyPr>
+          <a:lstStyle/>
+          <a:p>
+            <a:r>
+              <a:rPr lang="en-US" altLang="zh-CN" sz="2800" dirty="0" smtClean="0"/>
+              <a:t>C</a:t>
+            </a:r>
+            <a:r>
+              <a:rPr lang="zh-CN" altLang="en-US" sz="2800" dirty="0" smtClean="0"/>
+              <a:t>语言第</a:t>
+            </a:r>
+            <a:r>
+              <a:rPr lang="en-US" altLang="zh-CN" sz="2800" dirty="0" smtClean="0"/>
+              <a:t>2</a:t>
+            </a:r>
+            <a:r>
+              <a:rPr lang="zh-CN" altLang="en-US" sz="2800" dirty="0" smtClean="0"/>
+              <a:t>次上机练习</a:t>
+            </a:r>
+            <a:r>
+              <a:rPr lang="zh-CN" altLang="en-US" sz="2800" dirty="0"/>
+              <a:t>答案</a:t>
+            </a:r>
+          </a:p>
+        </p:txBody>
+      </p:sp>
+      <p:sp>
+        <p:nvSpPr>
+          <p:cNvPr id="5" name="内容占位符 4"/>
+          <p:cNvSpPr>
+            <a:spLocks noGrp="1"/>
+          </p:cNvSpPr>
+          <p:nvPr>
+            <p:ph idx="1"/>
+          </p:nvPr>
+        </p:nvSpPr>
+        <p:spPr>
+          <a:xfrm>
+            <a:off x="471055" y="1063277"/>
+            <a:ext cx="8229600" cy="4525963"/>
+          </a:xfrm>
+        </p:spPr>
+        <p:txBody>
+          <a:bodyPr>
+            <a:noAutofit/>
+          </a:bodyPr>
+          <a:lstStyle/>
+          <a:p>
+            <a:r>
+              <a:rPr lang="en-US" altLang="zh-CN" sz="2000" dirty="0" smtClean="0"/>
+              <a:t>ch3,p71,4</a:t>
+            </a:r>
+            <a:r>
+              <a:rPr lang="en-US" altLang="zh-CN" sz="2000" dirty="0"/>
+              <a:t>.</a:t>
+            </a:r>
+            <a:r>
+              <a:rPr lang="zh-CN" altLang="en-US" sz="2000" dirty="0"/>
+              <a:t>编程从键盘输入一个</a:t>
+            </a:r>
+            <a:r>
+              <a:rPr lang="en-US" altLang="zh-CN" sz="2000" dirty="0"/>
+              <a:t>3</a:t>
+            </a:r>
+            <a:r>
+              <a:rPr lang="zh-CN" altLang="en-US" sz="2000" dirty="0"/>
+              <a:t>位数，将它们逆序输出</a:t>
+            </a:r>
+            <a:r>
+              <a:rPr lang="zh-CN" altLang="en-US" sz="2000" dirty="0" smtClean="0"/>
+              <a:t>。例如</a:t>
+            </a:r>
+            <a:r>
+              <a:rPr lang="zh-CN" altLang="en-US" sz="2000" dirty="0"/>
+              <a:t>输入</a:t>
+            </a:r>
+            <a:r>
+              <a:rPr lang="en-US" altLang="zh-CN" sz="2000" dirty="0"/>
+              <a:t>123</a:t>
+            </a:r>
+            <a:r>
+              <a:rPr lang="zh-CN" altLang="en-US" sz="2000" dirty="0"/>
+              <a:t>，则输出</a:t>
+            </a:r>
+            <a:r>
+              <a:rPr lang="en-US" altLang="zh-CN" sz="2000" dirty="0"/>
+              <a:t>321</a:t>
+            </a:r>
+            <a:r>
+              <a:rPr lang="zh-CN" altLang="en-US" sz="2000" dirty="0"/>
+              <a:t>。通过后续章节的学习，将能解决任意多位数字的逆序输出</a:t>
+            </a:r>
+            <a:r>
+              <a:rPr lang="zh-CN" altLang="en-US" sz="2000" dirty="0" smtClean="0"/>
+              <a:t>。第一</a:t>
+            </a:r>
+            <a:r>
+              <a:rPr lang="zh-CN" altLang="en-US" sz="2000" dirty="0"/>
+              <a:t>种解法，同</a:t>
+            </a:r>
+            <a:r>
+              <a:rPr lang="en-US" altLang="zh-CN" sz="2000" dirty="0"/>
+              <a:t>ch2,</a:t>
+            </a:r>
+            <a:r>
+              <a:rPr lang="zh-CN" altLang="en-US" sz="2000" dirty="0"/>
+              <a:t>第</a:t>
+            </a:r>
+            <a:r>
+              <a:rPr lang="en-US" altLang="zh-CN" sz="2000" dirty="0"/>
+              <a:t>3</a:t>
+            </a:r>
+            <a:r>
+              <a:rPr lang="zh-CN" altLang="en-US" sz="2000" dirty="0"/>
+              <a:t>题</a:t>
+            </a:r>
+            <a:r>
+              <a:rPr lang="en-US" altLang="zh-CN" sz="2000" dirty="0"/>
+              <a:t>. </a:t>
+            </a:r>
+            <a:r>
+              <a:rPr lang="zh-CN" altLang="en-US" sz="2000" dirty="0"/>
+              <a:t>由数</a:t>
+            </a:r>
+            <a:r>
+              <a:rPr lang="en-US" altLang="zh-CN" sz="2000" dirty="0" err="1"/>
+              <a:t>abc</a:t>
+            </a:r>
+            <a:r>
+              <a:rPr lang="en-US" altLang="zh-CN" sz="2000" dirty="0"/>
+              <a:t>(</a:t>
+            </a:r>
+            <a:r>
+              <a:rPr lang="zh-CN" altLang="en-US" sz="2000" dirty="0"/>
+              <a:t>用</a:t>
+            </a:r>
+            <a:r>
+              <a:rPr lang="en-US" altLang="zh-CN" sz="2000" dirty="0"/>
+              <a:t>m</a:t>
+            </a:r>
+            <a:r>
+              <a:rPr lang="zh-CN" altLang="en-US" sz="2000" dirty="0"/>
+              <a:t>表示</a:t>
+            </a:r>
+            <a:r>
+              <a:rPr lang="en-US" altLang="zh-CN" sz="2000" dirty="0"/>
+              <a:t>)</a:t>
+            </a:r>
+            <a:r>
+              <a:rPr lang="zh-CN" altLang="en-US" sz="2000" dirty="0"/>
+              <a:t>，求</a:t>
+            </a:r>
+            <a:r>
+              <a:rPr lang="en-US" altLang="zh-CN" sz="2000" dirty="0"/>
+              <a:t>a=m/100,b=m/10%10,c=m%10</a:t>
+            </a:r>
+            <a:r>
+              <a:rPr lang="zh-CN" altLang="en-US" sz="2000" dirty="0"/>
+              <a:t>，则输出</a:t>
+            </a:r>
+            <a:r>
+              <a:rPr lang="en-US" altLang="zh-CN" sz="2000" dirty="0" err="1"/>
+              <a:t>cba</a:t>
+            </a:r>
+            <a:r>
+              <a:rPr lang="en-US" altLang="zh-CN" sz="2000" dirty="0"/>
+              <a:t> = c*100+b*10+a; </a:t>
+            </a:r>
+          </a:p>
+          <a:p>
+            <a:pPr marL="0" indent="0">
+              <a:buNone/>
+            </a:pPr>
+            <a:r>
+              <a:rPr lang="en-US" altLang="zh-CN" sz="2000" dirty="0"/>
+              <a:t> </a:t>
+            </a:r>
+            <a:r>
+              <a:rPr lang="zh-CN" altLang="en-US" sz="2000" dirty="0"/>
+              <a:t>第二种解法，在学习循环语句后，循环求取个位数（</a:t>
+            </a:r>
+            <a:r>
+              <a:rPr lang="en-US" altLang="zh-CN" sz="2000" dirty="0"/>
+              <a:t>m%10,m=m/10</a:t>
+            </a:r>
+            <a:r>
+              <a:rPr lang="zh-CN" altLang="en-US" sz="2000" dirty="0"/>
+              <a:t>），实现任意多位数字的逆序输出。</a:t>
+            </a:r>
+          </a:p>
+          <a:p>
+            <a:pPr marL="0" indent="0">
+              <a:buNone/>
+            </a:pPr>
+            <a:r>
+              <a:rPr lang="zh-CN" altLang="en-US" sz="2000" dirty="0"/>
+              <a:t> 第三种解法，函数的递归调用 </a:t>
+            </a:r>
+            <a:endParaRPr lang="en-US" altLang="zh-CN" sz="2000" dirty="0" smtClean="0"/>
+          </a:p>
+          <a:p>
+            <a:pPr marL="0" indent="0">
+              <a:buNone/>
+            </a:pPr>
+            <a:r>
+              <a:rPr lang="en-US" altLang="zh-CN" sz="2000" dirty="0"/>
+              <a:t>// </a:t>
+            </a:r>
+            <a:r>
+              <a:rPr lang="zh-CN" altLang="en-US" sz="2000" dirty="0"/>
+              <a:t>递归调用，实现</a:t>
+            </a:r>
+            <a:r>
+              <a:rPr lang="en-US" altLang="zh-CN" sz="2000" dirty="0"/>
+              <a:t>m</a:t>
+            </a:r>
+            <a:r>
+              <a:rPr lang="zh-CN" altLang="en-US" sz="2000" dirty="0"/>
+              <a:t>的逆序输出 </a:t>
+            </a:r>
+          </a:p>
+          <a:p>
+            <a:pPr marL="0" indent="0">
+              <a:buNone/>
+            </a:pPr>
+            <a:r>
+              <a:rPr lang="zh-CN" altLang="en-US" sz="2000" dirty="0"/>
+              <a:t> </a:t>
+            </a:r>
+            <a:r>
+              <a:rPr lang="en-US" altLang="zh-CN" sz="2000" dirty="0"/>
+              <a:t>void ch3_4_3_3(</a:t>
+            </a:r>
+            <a:r>
+              <a:rPr lang="en-US" altLang="zh-CN" sz="2000" dirty="0" err="1"/>
+              <a:t>int</a:t>
+            </a:r>
+            <a:r>
+              <a:rPr lang="en-US" altLang="zh-CN" sz="2000" dirty="0"/>
+              <a:t> m)</a:t>
+            </a:r>
+          </a:p>
+          <a:p>
+            <a:pPr marL="0" indent="0">
+              <a:buNone/>
+            </a:pPr>
+            <a:r>
+              <a:rPr lang="en-US" altLang="zh-CN" sz="2000" dirty="0"/>
+              <a:t> {    </a:t>
+            </a:r>
+          </a:p>
+          <a:p>
+            <a:pPr marL="0" indent="0">
+              <a:buNone/>
+            </a:pPr>
+            <a:r>
+              <a:rPr lang="en-US" altLang="zh-CN" sz="2000" dirty="0"/>
+              <a:t>    if (m&lt;0) { </a:t>
+            </a:r>
+            <a:r>
+              <a:rPr lang="en-US" altLang="zh-CN" sz="2000" dirty="0" err="1"/>
+              <a:t>putchar</a:t>
+            </a:r>
+            <a:r>
+              <a:rPr lang="en-US" altLang="zh-CN" sz="2000" dirty="0"/>
+              <a:t>('-'); m=-m; } // </a:t>
+            </a:r>
+            <a:r>
+              <a:rPr lang="zh-CN" altLang="en-US" sz="2000" dirty="0"/>
+              <a:t>处理负数 </a:t>
+            </a:r>
+          </a:p>
+          <a:p>
+            <a:pPr marL="0" indent="0">
+              <a:buNone/>
+            </a:pPr>
+            <a:r>
+              <a:rPr lang="zh-CN" altLang="en-US" sz="2000" dirty="0"/>
+              <a:t>    </a:t>
+            </a:r>
+            <a:r>
+              <a:rPr lang="en-US" altLang="zh-CN" sz="2000" dirty="0" err="1"/>
+              <a:t>putchar</a:t>
+            </a:r>
+            <a:r>
+              <a:rPr lang="en-US" altLang="zh-CN" sz="2000" dirty="0"/>
+              <a:t>(m%10+'0'); // </a:t>
+            </a:r>
+            <a:r>
+              <a:rPr lang="zh-CN" altLang="en-US" sz="2000" dirty="0"/>
+              <a:t>字符数字的</a:t>
+            </a:r>
+            <a:r>
+              <a:rPr lang="en-US" altLang="zh-CN" sz="2000" dirty="0" err="1"/>
+              <a:t>ascii</a:t>
+            </a:r>
+            <a:r>
+              <a:rPr lang="zh-CN" altLang="en-US" sz="2000" dirty="0"/>
+              <a:t>码</a:t>
+            </a:r>
+            <a:r>
+              <a:rPr lang="en-US" altLang="zh-CN" sz="2000" dirty="0"/>
+              <a:t>(</a:t>
+            </a:r>
+            <a:r>
+              <a:rPr lang="zh-CN" altLang="en-US" sz="2000" dirty="0"/>
+              <a:t>整数</a:t>
+            </a:r>
+            <a:r>
+              <a:rPr lang="en-US" altLang="zh-CN" sz="2000" dirty="0"/>
+              <a:t>) = </a:t>
+            </a:r>
+            <a:r>
+              <a:rPr lang="zh-CN" altLang="en-US" sz="2000" dirty="0"/>
+              <a:t>数字 </a:t>
+            </a:r>
+            <a:r>
+              <a:rPr lang="en-US" altLang="zh-CN" sz="2000" dirty="0"/>
+              <a:t>+ '0' </a:t>
+            </a:r>
+            <a:r>
+              <a:rPr lang="zh-CN" altLang="en-US" sz="2000" dirty="0"/>
+              <a:t>，如 </a:t>
+            </a:r>
+            <a:r>
+              <a:rPr lang="en-US" altLang="zh-CN" sz="2000" dirty="0"/>
+              <a:t>'1'</a:t>
+            </a:r>
+            <a:r>
+              <a:rPr lang="zh-CN" altLang="en-US" sz="2000" dirty="0"/>
+              <a:t>的</a:t>
+            </a:r>
+            <a:r>
+              <a:rPr lang="en-US" altLang="zh-CN" sz="2000" dirty="0" err="1"/>
+              <a:t>ascii</a:t>
+            </a:r>
+            <a:r>
+              <a:rPr lang="en-US" altLang="zh-CN" sz="2000" dirty="0"/>
+              <a:t> = 1 + '0' = 49</a:t>
+            </a:r>
+          </a:p>
+          <a:p>
+            <a:pPr marL="0" indent="0">
+              <a:buNone/>
+            </a:pPr>
+            <a:r>
+              <a:rPr lang="en-US" altLang="zh-CN" sz="2000" dirty="0"/>
+              <a:t>    if (m &gt;= 0 &amp;&amp; m &lt;=9) return; // </a:t>
+            </a:r>
+            <a:r>
+              <a:rPr lang="zh-CN" altLang="en-US" sz="2000" dirty="0"/>
+              <a:t>如果是一位数了，终止递归 </a:t>
+            </a:r>
+          </a:p>
+          <a:p>
+            <a:pPr marL="0" indent="0">
+              <a:buNone/>
+            </a:pPr>
+            <a:r>
+              <a:rPr lang="zh-CN" altLang="en-US" sz="2000" dirty="0"/>
+              <a:t>    </a:t>
+            </a:r>
+            <a:r>
+              <a:rPr lang="en-US" altLang="zh-CN" sz="2000" dirty="0"/>
+              <a:t>else ch3_4_3_3(m/10);   </a:t>
+            </a:r>
+          </a:p>
+          <a:p>
+            <a:pPr marL="0" indent="0">
+              <a:buNone/>
+            </a:pPr>
+            <a:r>
+              <a:rPr lang="en-US" altLang="zh-CN" sz="2000" dirty="0"/>
+              <a:t> } </a:t>
+            </a:r>
+            <a:endParaRPr lang="en-US" altLang="zh-CN" sz="2000" dirty="0" smtClean="0"/>
+          </a:p>
+        </p:txBody>
+      </p:sp>
+    </p:spTree>
+    <p:extLst>
+      <p:ext uri="{BB962C8B-B14F-4D97-AF65-F5344CB8AC3E}">
+        <p14:creationId xmlns:p14="http://schemas.microsoft.com/office/powerpoint/2010/main" val="2295357113"/>
+      </p:ext>
+    </p:extLst>
+  </p:cSld>
+  <p:clrMapOvr>
+    <a:masterClrMapping/>
+  </p:clrMapOvr>
 </p:sld>
 </file>
 
@@ -8807,7 +9474,7 @@
             </a:pPr>
             <a:fld id="{55081CE6-7F27-414C-8186-D8C912538B4A}" type="datetime10">
               <a:rPr lang="zh-CN" altLang="en-US" smtClean="0"/>
-              <a:t>17:29</a:t>
+              <a:t>17:05</a:t>
             </a:fld>
             <a:endParaRPr lang="en-US" altLang="zh-CN"/>
           </a:p>

--- a/2016/上机安排.pptx
+++ b/2016/上机安排.pptx
@@ -34876,7 +34876,7 @@
             </a:pPr>
             <a:fld id="{55081CE6-7F27-414C-8186-D8C912538B4A}" type="datetime10">
               <a:rPr lang="zh-CN" altLang="en-US" smtClean="0"/>
-              <a:t>10:06</a:t>
+              <a:t>17:54</a:t>
             </a:fld>
             <a:endParaRPr lang="en-US" altLang="zh-CN"/>
           </a:p>
@@ -36994,11 +36994,7 @@
             </a:r>
             <a:r>
               <a:rPr lang="zh-CN" altLang="en-US" dirty="0" smtClean="0"/>
-              <a:t>次上机练习</a:t>
-            </a:r>
-            <a:r>
-              <a:rPr lang="zh-CN" altLang="en-US" dirty="0" smtClean="0"/>
-              <a:t>答案</a:t>
+              <a:t>次上机练习答案</a:t>
             </a:r>
             <a:r>
               <a:rPr lang="en-US" altLang="zh-CN" dirty="0" smtClean="0"/>
@@ -37380,15 +37376,7 @@
                   <a:srgbClr val="FF0000"/>
                 </a:solidFill>
               </a:rPr>
-              <a:t>(”%</a:t>
-            </a:r>
-            <a:r>
-              <a:rPr lang="en-US" altLang="zh-CN" sz="2000" dirty="0" smtClean="0">
-                <a:solidFill>
-                  <a:srgbClr val="FF0000"/>
-                </a:solidFill>
-              </a:rPr>
-              <a:t>f\n”,</a:t>
+              <a:t>(”%f\n”,</a:t>
             </a:r>
             <a:r>
               <a:rPr lang="zh-CN" altLang="en-US" sz="2000" dirty="0" smtClean="0">
@@ -37623,11 +37611,7 @@
             </a:r>
             <a:r>
               <a:rPr lang="zh-CN" altLang="en-US" dirty="0" smtClean="0"/>
-              <a:t>次上机练习</a:t>
-            </a:r>
-            <a:r>
-              <a:rPr lang="zh-CN" altLang="en-US" dirty="0" smtClean="0"/>
-              <a:t>答案</a:t>
+              <a:t>次上机练习答案</a:t>
             </a:r>
             <a:r>
               <a:rPr lang="en-US" altLang="zh-CN" dirty="0" smtClean="0"/>
@@ -38151,11 +38135,7 @@
             </a:r>
             <a:r>
               <a:rPr lang="zh-CN" altLang="en-US" dirty="0" smtClean="0"/>
-              <a:t>次上机</a:t>
-            </a:r>
-            <a:r>
-              <a:rPr lang="zh-CN" altLang="en-US" dirty="0" smtClean="0"/>
-              <a:t>答案</a:t>
+              <a:t>次上机答案</a:t>
             </a:r>
             <a:r>
               <a:rPr lang="en-US" altLang="zh-CN" dirty="0" smtClean="0"/>
@@ -38334,7 +38314,31 @@
                   <a:srgbClr val="FF0000"/>
                 </a:solidFill>
               </a:rPr>
-              <a:t>c</a:t>
+              <a:t>c”,&amp;C</a:t>
+            </a:r>
+            <a:r>
+              <a:rPr lang="en-US" altLang="zh-CN" sz="2000" b="1" dirty="0" smtClean="0">
+                <a:solidFill>
+                  <a:srgbClr val="FF0000"/>
+                </a:solidFill>
+              </a:rPr>
+              <a:t>);  // </a:t>
+            </a:r>
+            <a:r>
+              <a:rPr lang="zh-CN" altLang="en-US" sz="2000" b="1" dirty="0" smtClean="0">
+                <a:solidFill>
+                  <a:srgbClr val="FF0000"/>
+                </a:solidFill>
+              </a:rPr>
+              <a:t>或者</a:t>
+            </a:r>
+            <a:r>
+              <a:rPr lang="en-US" altLang="zh-CN" sz="2000" b="1" dirty="0" smtClean="0">
+                <a:solidFill>
+                  <a:srgbClr val="FF0000"/>
+                </a:solidFill>
+              </a:rPr>
+              <a:t>C=</a:t>
             </a:r>
             <a:r>
               <a:rPr lang="en-US" altLang="zh-CN" sz="2000" b="1" dirty="0" err="1" smtClean="0">
@@ -38342,7 +38346,7 @@
                   <a:srgbClr val="FF0000"/>
                 </a:solidFill>
               </a:rPr>
-              <a:t>”,&amp;C</a:t>
+              <a:t>getche</a:t>
             </a:r>
             <a:r>
               <a:rPr lang="en-US" altLang="zh-CN" sz="2000" b="1" dirty="0" smtClean="0">
@@ -38350,45 +38354,8 @@
                   <a:srgbClr val="FF0000"/>
                 </a:solidFill>
               </a:rPr>
-              <a:t>);  // </a:t>
-            </a:r>
-            <a:r>
-              <a:rPr lang="zh-CN" altLang="en-US" sz="2000" b="1" dirty="0" smtClean="0">
-                <a:solidFill>
-                  <a:srgbClr val="FF0000"/>
-                </a:solidFill>
-              </a:rPr>
-              <a:t>或者</a:t>
-            </a:r>
-            <a:r>
-              <a:rPr lang="en-US" altLang="zh-CN" sz="2000" b="1" dirty="0" smtClean="0">
-                <a:solidFill>
-                  <a:srgbClr val="FF0000"/>
-                </a:solidFill>
-              </a:rPr>
-              <a:t>C=</a:t>
-            </a:r>
-            <a:r>
-              <a:rPr lang="en-US" altLang="zh-CN" sz="2000" b="1" dirty="0" err="1" smtClean="0">
-                <a:solidFill>
-                  <a:srgbClr val="FF0000"/>
-                </a:solidFill>
-              </a:rPr>
-              <a:t>getche</a:t>
-            </a:r>
-            <a:r>
-              <a:rPr lang="en-US" altLang="zh-CN" sz="2000" b="1" dirty="0" smtClean="0">
-                <a:solidFill>
-                  <a:srgbClr val="FF0000"/>
-                </a:solidFill>
-              </a:rPr>
               <a:t>();</a:t>
             </a:r>
-            <a:endParaRPr lang="en-US" altLang="zh-CN" sz="2000" b="1" dirty="0" smtClean="0">
-              <a:solidFill>
-                <a:srgbClr val="FF0000"/>
-              </a:solidFill>
-            </a:endParaRPr>
           </a:p>
           <a:p>
             <a:pPr marL="0" indent="0">
@@ -38527,11 +38494,7 @@
             </a:r>
             <a:r>
               <a:rPr lang="zh-CN" altLang="en-US" dirty="0" smtClean="0"/>
-              <a:t>次上机</a:t>
-            </a:r>
-            <a:r>
-              <a:rPr lang="zh-CN" altLang="en-US" dirty="0" smtClean="0"/>
-              <a:t>答案</a:t>
+              <a:t>次上机答案</a:t>
             </a:r>
             <a:r>
               <a:rPr lang="en-US" altLang="zh-CN" dirty="0" smtClean="0"/>
@@ -38933,11 +38896,7 @@
             </a:r>
             <a:r>
               <a:rPr lang="zh-CN" altLang="en-US" dirty="0" smtClean="0"/>
-              <a:t>次上机</a:t>
-            </a:r>
-            <a:r>
-              <a:rPr lang="zh-CN" altLang="en-US" dirty="0" smtClean="0"/>
-              <a:t>练习</a:t>
+              <a:t>次上机练习</a:t>
             </a:r>
             <a:r>
               <a:rPr lang="en-US" altLang="zh-CN" dirty="0" smtClean="0"/>
@@ -39281,11 +39240,7 @@
             </a:r>
             <a:r>
               <a:rPr lang="zh-CN" altLang="en-US" sz="3600" dirty="0" smtClean="0"/>
-              <a:t>次上机</a:t>
-            </a:r>
-            <a:r>
-              <a:rPr lang="zh-CN" altLang="en-US" sz="3600" dirty="0" smtClean="0"/>
-              <a:t>练习</a:t>
+              <a:t>次上机练习</a:t>
             </a:r>
             <a:r>
               <a:rPr lang="zh-CN" altLang="en-US" sz="3600" dirty="0"/>
@@ -39343,11 +39298,7 @@
             </a:r>
             <a:r>
               <a:rPr lang="zh-CN" altLang="en-US" sz="2400" dirty="0" smtClean="0"/>
-              <a:t>面积</a:t>
-            </a:r>
-            <a:r>
-              <a:rPr lang="zh-CN" altLang="en-US" sz="2400" dirty="0" smtClean="0"/>
-              <a:t>。</a:t>
+              <a:t>面积。</a:t>
             </a:r>
             <a:endParaRPr lang="en-US" altLang="zh-CN" sz="2400" dirty="0" smtClean="0"/>
           </a:p>
@@ -39614,11 +39565,7 @@
             </a:r>
             <a:r>
               <a:rPr lang="zh-CN" altLang="en-US" sz="3600" dirty="0" smtClean="0"/>
-              <a:t>次上机</a:t>
-            </a:r>
-            <a:r>
-              <a:rPr lang="zh-CN" altLang="en-US" sz="3600" dirty="0" smtClean="0"/>
-              <a:t>练习答案</a:t>
+              <a:t>次上机练习答案</a:t>
             </a:r>
             <a:r>
               <a:rPr lang="en-US" altLang="zh-CN" sz="3600" dirty="0" smtClean="0"/>
@@ -40254,11 +40201,7 @@
             </a:r>
             <a:r>
               <a:rPr lang="zh-CN" altLang="en-US" sz="3600" dirty="0" smtClean="0"/>
-              <a:t>次上机</a:t>
-            </a:r>
-            <a:r>
-              <a:rPr lang="zh-CN" altLang="en-US" sz="3600" dirty="0" smtClean="0"/>
-              <a:t>练习答案</a:t>
+              <a:t>次上机练习答案</a:t>
             </a:r>
             <a:r>
               <a:rPr lang="en-US" altLang="zh-CN" sz="3600" dirty="0" smtClean="0"/>
@@ -40781,11 +40724,7 @@
             </a:r>
             <a:r>
               <a:rPr lang="zh-CN" altLang="en-US" sz="2800" dirty="0" smtClean="0"/>
-              <a:t>次上机练习</a:t>
-            </a:r>
-            <a:r>
-              <a:rPr lang="zh-CN" altLang="en-US" sz="2800" dirty="0" smtClean="0"/>
-              <a:t>答案</a:t>
+              <a:t>次上机练习答案</a:t>
             </a:r>
             <a:r>
               <a:rPr lang="en-US" altLang="zh-CN" sz="2800" dirty="0" smtClean="0"/>
@@ -41236,11 +41175,7 @@
             </a:r>
             <a:r>
               <a:rPr lang="zh-CN" altLang="en-US" sz="2800" dirty="0" smtClean="0"/>
-              <a:t>次上机练习</a:t>
-            </a:r>
-            <a:r>
-              <a:rPr lang="zh-CN" altLang="en-US" sz="2800" dirty="0" smtClean="0"/>
-              <a:t>答案</a:t>
+              <a:t>次上机练习答案</a:t>
             </a:r>
             <a:r>
               <a:rPr lang="en-US" altLang="zh-CN" sz="2800" dirty="0" smtClean="0"/>
@@ -44278,11 +44213,7 @@
             </a:r>
             <a:r>
               <a:rPr lang="zh-CN" altLang="en-US" dirty="0" smtClean="0"/>
-              <a:t>次上机</a:t>
-            </a:r>
-            <a:r>
-              <a:rPr lang="zh-CN" altLang="en-US" dirty="0" smtClean="0"/>
-              <a:t>练习</a:t>
+              <a:t>次上机练习</a:t>
             </a:r>
             <a:r>
               <a:rPr lang="en-US" altLang="zh-CN" dirty="0" smtClean="0"/>
@@ -44650,15 +44581,7 @@
             </a:r>
             <a:r>
               <a:rPr lang="zh-CN" altLang="en-US" sz="3600" dirty="0" smtClean="0"/>
-              <a:t>次上机</a:t>
-            </a:r>
-            <a:r>
-              <a:rPr lang="zh-CN" altLang="en-US" sz="3600" dirty="0" smtClean="0"/>
-              <a:t>练习</a:t>
-            </a:r>
-            <a:r>
-              <a:rPr lang="zh-CN" altLang="en-US" sz="3600" dirty="0" smtClean="0"/>
-              <a:t>答案</a:t>
+              <a:t>次上机练习答案</a:t>
             </a:r>
             <a:r>
               <a:rPr lang="en-US" altLang="zh-CN" sz="3600" dirty="0" smtClean="0"/>
@@ -45201,15 +45124,7 @@
             </a:r>
             <a:r>
               <a:rPr lang="zh-CN" altLang="en-US" sz="3600" dirty="0" smtClean="0"/>
-              <a:t>次上机</a:t>
-            </a:r>
-            <a:r>
-              <a:rPr lang="zh-CN" altLang="en-US" sz="3600" dirty="0" smtClean="0"/>
-              <a:t>练习</a:t>
-            </a:r>
-            <a:r>
-              <a:rPr lang="zh-CN" altLang="en-US" sz="3600" dirty="0" smtClean="0"/>
-              <a:t>答案</a:t>
+              <a:t>次上机练习答案</a:t>
             </a:r>
             <a:r>
               <a:rPr lang="en-US" altLang="zh-CN" sz="3600" dirty="0" smtClean="0"/>
@@ -45758,15 +45673,7 @@
             </a:r>
             <a:r>
               <a:rPr lang="zh-CN" altLang="en-US" sz="3600" dirty="0" smtClean="0"/>
-              <a:t>次上机</a:t>
-            </a:r>
-            <a:r>
-              <a:rPr lang="zh-CN" altLang="en-US" sz="3600" dirty="0" smtClean="0"/>
-              <a:t>练习</a:t>
-            </a:r>
-            <a:r>
-              <a:rPr lang="zh-CN" altLang="en-US" sz="3600" dirty="0" smtClean="0"/>
-              <a:t>答案</a:t>
+              <a:t>次上机练习答案</a:t>
             </a:r>
             <a:r>
               <a:rPr lang="en-US" altLang="zh-CN" sz="3600" dirty="0" smtClean="0"/>
@@ -46522,11 +46429,7 @@
             </a:r>
             <a:r>
               <a:rPr lang="zh-CN" altLang="en-US" sz="3600" dirty="0" smtClean="0"/>
-              <a:t>次上机</a:t>
-            </a:r>
-            <a:r>
-              <a:rPr lang="zh-CN" altLang="en-US" sz="3600" dirty="0" smtClean="0"/>
-              <a:t>练习答案</a:t>
+              <a:t>次上机练习答案</a:t>
             </a:r>
             <a:r>
               <a:rPr lang="en-US" altLang="zh-CN" sz="3600" dirty="0" smtClean="0"/>
@@ -47138,11 +47041,7 @@
             </a:r>
             <a:r>
               <a:rPr lang="zh-CN" altLang="en-US" dirty="0" smtClean="0"/>
-              <a:t>语言</a:t>
-            </a:r>
-            <a:r>
-              <a:rPr lang="zh-CN" altLang="en-US" dirty="0" smtClean="0"/>
-              <a:t>第</a:t>
+              <a:t>语言第</a:t>
             </a:r>
             <a:r>
               <a:rPr lang="en-US" altLang="zh-CN" dirty="0" smtClean="0"/>
@@ -47150,11 +47049,7 @@
             </a:r>
             <a:r>
               <a:rPr lang="zh-CN" altLang="en-US" dirty="0" smtClean="0"/>
-              <a:t>次</a:t>
-            </a:r>
-            <a:r>
-              <a:rPr lang="zh-CN" altLang="en-US" dirty="0" smtClean="0"/>
-              <a:t>上机练习</a:t>
+              <a:t>次上机练习</a:t>
             </a:r>
             <a:r>
               <a:rPr lang="en-US" altLang="zh-CN" dirty="0" smtClean="0"/>
@@ -47218,23 +47113,12 @@
           </a:p>
           <a:p>
             <a:r>
+              <a:rPr lang="en-US" altLang="zh-CN" sz="2400" smtClean="0"/>
+              <a:t>ch5</a:t>
+            </a:r>
+            <a:r>
               <a:rPr lang="en-US" altLang="zh-CN" sz="2400" dirty="0"/>
-              <a:t>ch5,p106, 3. </a:t>
-            </a:r>
-            <a:r>
-              <a:rPr lang="zh-CN" altLang="en-US" sz="2400" dirty="0"/>
-              <a:t>读入一系列整数，统计出正整数和负整数</a:t>
-            </a:r>
-            <a:r>
-              <a:rPr lang="zh-CN" altLang="en-US" sz="2400" dirty="0" smtClean="0"/>
-              <a:t>个数</a:t>
-            </a:r>
-            <a:endParaRPr lang="en-US" altLang="zh-CN" sz="2400" dirty="0" smtClean="0"/>
-          </a:p>
-          <a:p>
-            <a:r>
-              <a:rPr lang="en-US" altLang="zh-CN" sz="2400" dirty="0"/>
-              <a:t>ch5, p106, 5. </a:t>
+              <a:t>, p106, 5. </a:t>
             </a:r>
             <a:r>
               <a:rPr lang="zh-CN" altLang="en-US" sz="2400" dirty="0"/>
@@ -47259,6 +47143,41 @@
             <a:r>
               <a:rPr lang="zh-CN" altLang="en-US" sz="2400" dirty="0" smtClean="0"/>
               <a:t>最小公倍数</a:t>
+            </a:r>
+            <a:endParaRPr lang="en-US" altLang="zh-CN" sz="2400" dirty="0" smtClean="0"/>
+          </a:p>
+          <a:p>
+            <a:r>
+              <a:rPr lang="en-US" altLang="zh-CN" sz="2400" dirty="0"/>
+              <a:t>ch5, p107, 7. </a:t>
+            </a:r>
+            <a:r>
+              <a:rPr lang="zh-CN" altLang="en-US" sz="2400" dirty="0"/>
+              <a:t>用</a:t>
+            </a:r>
+            <a:r>
+              <a:rPr lang="en-US" altLang="zh-CN" sz="2400" dirty="0"/>
+              <a:t>pi/2=2/1*2/3*4/3*4/5*6/5*6/7*...</a:t>
+            </a:r>
+            <a:r>
+              <a:rPr lang="zh-CN" altLang="en-US" sz="2400" dirty="0"/>
+              <a:t>前</a:t>
+            </a:r>
+            <a:r>
+              <a:rPr lang="en-US" altLang="zh-CN" sz="2400" dirty="0"/>
+              <a:t>100</a:t>
+            </a:r>
+            <a:r>
+              <a:rPr lang="zh-CN" altLang="en-US" sz="2400" dirty="0"/>
+              <a:t>项之积计算</a:t>
+            </a:r>
+            <a:r>
+              <a:rPr lang="en-US" altLang="zh-CN" sz="2400" dirty="0"/>
+              <a:t>pi</a:t>
+            </a:r>
+            <a:r>
+              <a:rPr lang="zh-CN" altLang="en-US" sz="2400" dirty="0"/>
+              <a:t>。</a:t>
             </a:r>
             <a:endParaRPr lang="en-US" altLang="zh-CN" sz="2400" dirty="0" smtClean="0"/>
           </a:p>
@@ -48725,7 +48644,7 @@
             </a:pPr>
             <a:fld id="{55081CE6-7F27-414C-8186-D8C912538B4A}" type="datetime10">
               <a:rPr lang="zh-CN" altLang="en-US" smtClean="0"/>
-              <a:t>10:07</a:t>
+              <a:t>17:54</a:t>
             </a:fld>
             <a:endParaRPr lang="en-US" altLang="zh-CN"/>
           </a:p>
@@ -49220,7 +49139,7 @@
             </a:pPr>
             <a:fld id="{55081CE6-7F27-414C-8186-D8C912538B4A}" type="datetime10">
               <a:rPr lang="zh-CN" altLang="en-US" smtClean="0"/>
-              <a:t>10:07</a:t>
+              <a:t>17:54</a:t>
             </a:fld>
             <a:endParaRPr lang="en-US" altLang="zh-CN"/>
           </a:p>
@@ -49407,7 +49326,15 @@
                   <a:srgbClr val="FF0000"/>
                 </a:solidFill>
               </a:rPr>
-              <a:t>选择“</a:t>
+              <a:t>选择“源文件”</a:t>
+            </a:r>
+            <a:r>
+              <a:rPr lang="en-US" altLang="zh-CN" sz="2400" dirty="0" smtClean="0">
+                <a:solidFill>
+                  <a:srgbClr val="FF0000"/>
+                </a:solidFill>
+              </a:rPr>
+              <a:t>, </a:t>
             </a:r>
             <a:r>
               <a:rPr lang="zh-CN" altLang="en-US" sz="2400" dirty="0" smtClean="0">
@@ -49415,31 +49342,7 @@
                   <a:srgbClr val="FF0000"/>
                 </a:solidFill>
               </a:rPr>
-              <a:t>源文件”</a:t>
-            </a:r>
-            <a:r>
-              <a:rPr lang="en-US" altLang="zh-CN" sz="2400" dirty="0" smtClean="0">
-                <a:solidFill>
-                  <a:srgbClr val="FF0000"/>
-                </a:solidFill>
-              </a:rPr>
-              <a:t>, </a:t>
-            </a:r>
-            <a:r>
-              <a:rPr lang="zh-CN" altLang="en-US" sz="2400" dirty="0" smtClean="0">
-                <a:solidFill>
-                  <a:srgbClr val="FF0000"/>
-                </a:solidFill>
-              </a:rPr>
-              <a:t>编辑程序</a:t>
-            </a:r>
-            <a:r>
-              <a:rPr lang="zh-CN" altLang="en-US" sz="2400" dirty="0" smtClean="0">
-                <a:solidFill>
-                  <a:srgbClr val="FF0000"/>
-                </a:solidFill>
-              </a:rPr>
-              <a:t>。</a:t>
+              <a:t>编辑程序。</a:t>
             </a:r>
             <a:endParaRPr lang="en-US" altLang="zh-CN" sz="2400" dirty="0" smtClean="0">
               <a:solidFill>
@@ -49454,7 +49357,23 @@
                   <a:srgbClr val="FF0000"/>
                 </a:solidFill>
               </a:rPr>
-              <a:t>保存</a:t>
+              <a:t>保存时，保存为</a:t>
+            </a:r>
+            <a:r>
+              <a:rPr lang="en-US" altLang="zh-CN" sz="2400" dirty="0" smtClean="0">
+                <a:solidFill>
+                  <a:srgbClr val="FF0000"/>
+                </a:solidFill>
+              </a:rPr>
+              <a:t>.</a:t>
+            </a:r>
+            <a:r>
+              <a:rPr lang="en-US" altLang="zh-CN" sz="2400" dirty="0" err="1" smtClean="0">
+                <a:solidFill>
+                  <a:srgbClr val="FF0000"/>
+                </a:solidFill>
+              </a:rPr>
+              <a:t>cpp</a:t>
             </a:r>
             <a:r>
               <a:rPr lang="zh-CN" altLang="en-US" sz="2400" dirty="0" smtClean="0">
@@ -49462,7 +49381,15 @@
                   <a:srgbClr val="FF0000"/>
                 </a:solidFill>
               </a:rPr>
-              <a:t>时</a:t>
+              <a:t>或</a:t>
+            </a:r>
+            <a:r>
+              <a:rPr lang="en-US" altLang="zh-CN" sz="2400" dirty="0" smtClean="0">
+                <a:solidFill>
+                  <a:srgbClr val="FF0000"/>
+                </a:solidFill>
+              </a:rPr>
+              <a:t>.c</a:t>
             </a:r>
             <a:r>
               <a:rPr lang="zh-CN" altLang="en-US" sz="2400" dirty="0" smtClean="0">
@@ -49470,7 +49397,23 @@
                   <a:srgbClr val="FF0000"/>
                 </a:solidFill>
               </a:rPr>
-              <a:t>，</a:t>
+              <a:t>文件。如果选择</a:t>
+            </a:r>
+            <a:r>
+              <a:rPr lang="en-US" altLang="zh-CN" sz="2400" dirty="0" smtClean="0">
+                <a:solidFill>
+                  <a:srgbClr val="FF0000"/>
+                </a:solidFill>
+              </a:rPr>
+              <a:t>.</a:t>
+            </a:r>
+            <a:r>
+              <a:rPr lang="en-US" altLang="zh-CN" sz="2400" dirty="0" err="1" smtClean="0">
+                <a:solidFill>
+                  <a:srgbClr val="FF0000"/>
+                </a:solidFill>
+              </a:rPr>
+              <a:t>cpp</a:t>
             </a:r>
             <a:r>
               <a:rPr lang="zh-CN" altLang="en-US" sz="2400" dirty="0" smtClean="0">
@@ -49478,7 +49421,7 @@
                   <a:srgbClr val="FF0000"/>
                 </a:solidFill>
               </a:rPr>
-              <a:t>保存为</a:t>
+              <a:t>文件，</a:t>
             </a:r>
             <a:r>
               <a:rPr lang="en-US" altLang="zh-CN" sz="2400" dirty="0" smtClean="0">
@@ -49486,7 +49429,15 @@
                   <a:srgbClr val="FF0000"/>
                 </a:solidFill>
               </a:rPr>
-              <a:t>.</a:t>
+              <a:t>main</a:t>
+            </a:r>
+            <a:r>
+              <a:rPr lang="zh-CN" altLang="en-US" sz="2400" dirty="0" smtClean="0">
+                <a:solidFill>
+                  <a:srgbClr val="FF0000"/>
+                </a:solidFill>
+              </a:rPr>
+              <a:t>函数必须是</a:t>
             </a:r>
             <a:r>
               <a:rPr lang="en-US" altLang="zh-CN" sz="2400" dirty="0" err="1" smtClean="0">
@@ -49494,7 +49445,7 @@
                   <a:srgbClr val="FF0000"/>
                 </a:solidFill>
               </a:rPr>
-              <a:t>cpp</a:t>
+              <a:t>int</a:t>
             </a:r>
             <a:r>
               <a:rPr lang="zh-CN" altLang="en-US" sz="2400" dirty="0" smtClean="0">
@@ -49502,103 +49453,7 @@
                   <a:srgbClr val="FF0000"/>
                 </a:solidFill>
               </a:rPr>
-              <a:t>或</a:t>
-            </a:r>
-            <a:r>
-              <a:rPr lang="en-US" altLang="zh-CN" sz="2400" dirty="0" smtClean="0">
-                <a:solidFill>
-                  <a:srgbClr val="FF0000"/>
-                </a:solidFill>
-              </a:rPr>
-              <a:t>.c</a:t>
-            </a:r>
-            <a:r>
-              <a:rPr lang="zh-CN" altLang="en-US" sz="2400" dirty="0" smtClean="0">
-                <a:solidFill>
-                  <a:srgbClr val="FF0000"/>
-                </a:solidFill>
-              </a:rPr>
-              <a:t>文件</a:t>
-            </a:r>
-            <a:r>
-              <a:rPr lang="zh-CN" altLang="en-US" sz="2400" dirty="0" smtClean="0">
-                <a:solidFill>
-                  <a:srgbClr val="FF0000"/>
-                </a:solidFill>
-              </a:rPr>
-              <a:t>。</a:t>
-            </a:r>
-            <a:r>
-              <a:rPr lang="zh-CN" altLang="en-US" sz="2400" dirty="0" smtClean="0">
-                <a:solidFill>
-                  <a:srgbClr val="FF0000"/>
-                </a:solidFill>
-              </a:rPr>
-              <a:t>如果选择</a:t>
-            </a:r>
-            <a:r>
-              <a:rPr lang="en-US" altLang="zh-CN" sz="2400" dirty="0" smtClean="0">
-                <a:solidFill>
-                  <a:srgbClr val="FF0000"/>
-                </a:solidFill>
-              </a:rPr>
-              <a:t>.</a:t>
-            </a:r>
-            <a:r>
-              <a:rPr lang="en-US" altLang="zh-CN" sz="2400" dirty="0" err="1" smtClean="0">
-                <a:solidFill>
-                  <a:srgbClr val="FF0000"/>
-                </a:solidFill>
-              </a:rPr>
-              <a:t>cpp</a:t>
-            </a:r>
-            <a:r>
-              <a:rPr lang="zh-CN" altLang="en-US" sz="2400" dirty="0" smtClean="0">
-                <a:solidFill>
-                  <a:srgbClr val="FF0000"/>
-                </a:solidFill>
-              </a:rPr>
-              <a:t>文件，</a:t>
-            </a:r>
-            <a:r>
-              <a:rPr lang="en-US" altLang="zh-CN" sz="2400" dirty="0" smtClean="0">
-                <a:solidFill>
-                  <a:srgbClr val="FF0000"/>
-                </a:solidFill>
-              </a:rPr>
-              <a:t>main</a:t>
-            </a:r>
-            <a:r>
-              <a:rPr lang="zh-CN" altLang="en-US" sz="2400" dirty="0" smtClean="0">
-                <a:solidFill>
-                  <a:srgbClr val="FF0000"/>
-                </a:solidFill>
-              </a:rPr>
-              <a:t>函数必须是</a:t>
-            </a:r>
-            <a:r>
-              <a:rPr lang="en-US" altLang="zh-CN" sz="2400" dirty="0" err="1" smtClean="0">
-                <a:solidFill>
-                  <a:srgbClr val="FF0000"/>
-                </a:solidFill>
-              </a:rPr>
-              <a:t>int</a:t>
-            </a:r>
-            <a:r>
-              <a:rPr lang="zh-CN" altLang="en-US" sz="2400" dirty="0" smtClean="0">
-                <a:solidFill>
-                  <a:srgbClr val="FF0000"/>
-                </a:solidFill>
-              </a:rPr>
-              <a:t>类型</a:t>
-            </a:r>
-            <a:r>
-              <a:rPr lang="zh-CN" altLang="en-US" sz="2400" dirty="0" smtClean="0">
-                <a:solidFill>
-                  <a:srgbClr val="FF0000"/>
-                </a:solidFill>
-              </a:rPr>
-              <a:t>。</a:t>
+              <a:t>类型。</a:t>
             </a:r>
             <a:endParaRPr lang="en-US" altLang="zh-CN" sz="2400" dirty="0" smtClean="0">
               <a:solidFill>
